--- a/Metabolic_Analysis_&_Tools.pptx
+++ b/Metabolic_Analysis_&_Tools.pptx
@@ -6,7 +6,10 @@
   </p:sldMasterIdLst>
   <p:sldIdLst>
     <p:sldId id="268" r:id="rId2"/>
-    <p:sldId id="269" r:id="rId3"/>
+    <p:sldId id="271" r:id="rId3"/>
+    <p:sldId id="270" r:id="rId4"/>
+    <p:sldId id="269" r:id="rId5"/>
+    <p:sldId id="272" r:id="rId6"/>
   </p:sldIdLst>
   <p:sldSz cx="12192000" cy="16256000"/>
   <p:notesSz cx="6858000" cy="9144000"/>
@@ -244,7 +247,7 @@
           <a:p>
             <a:fld id="{3E73DA82-0082-2445-BF22-418BB184E2E3}" type="datetimeFigureOut">
               <a:rPr kumimoji="1" lang="zh-CN" altLang="en-US" smtClean="0"/>
-              <a:t>2024/1/23</a:t>
+              <a:t>2024/1/24</a:t>
             </a:fld>
             <a:endParaRPr kumimoji="1" lang="zh-CN" altLang="en-US"/>
           </a:p>
@@ -414,7 +417,7 @@
           <a:p>
             <a:fld id="{3E73DA82-0082-2445-BF22-418BB184E2E3}" type="datetimeFigureOut">
               <a:rPr kumimoji="1" lang="zh-CN" altLang="en-US" smtClean="0"/>
-              <a:t>2024/1/23</a:t>
+              <a:t>2024/1/24</a:t>
             </a:fld>
             <a:endParaRPr kumimoji="1" lang="zh-CN" altLang="en-US"/>
           </a:p>
@@ -594,7 +597,7 @@
           <a:p>
             <a:fld id="{3E73DA82-0082-2445-BF22-418BB184E2E3}" type="datetimeFigureOut">
               <a:rPr kumimoji="1" lang="zh-CN" altLang="en-US" smtClean="0"/>
-              <a:t>2024/1/23</a:t>
+              <a:t>2024/1/24</a:t>
             </a:fld>
             <a:endParaRPr kumimoji="1" lang="zh-CN" altLang="en-US"/>
           </a:p>
@@ -764,7 +767,7 @@
           <a:p>
             <a:fld id="{3E73DA82-0082-2445-BF22-418BB184E2E3}" type="datetimeFigureOut">
               <a:rPr kumimoji="1" lang="zh-CN" altLang="en-US" smtClean="0"/>
-              <a:t>2024/1/23</a:t>
+              <a:t>2024/1/24</a:t>
             </a:fld>
             <a:endParaRPr kumimoji="1" lang="zh-CN" altLang="en-US"/>
           </a:p>
@@ -1008,7 +1011,7 @@
           <a:p>
             <a:fld id="{3E73DA82-0082-2445-BF22-418BB184E2E3}" type="datetimeFigureOut">
               <a:rPr kumimoji="1" lang="zh-CN" altLang="en-US" smtClean="0"/>
-              <a:t>2024/1/23</a:t>
+              <a:t>2024/1/24</a:t>
             </a:fld>
             <a:endParaRPr kumimoji="1" lang="zh-CN" altLang="en-US"/>
           </a:p>
@@ -1240,7 +1243,7 @@
           <a:p>
             <a:fld id="{3E73DA82-0082-2445-BF22-418BB184E2E3}" type="datetimeFigureOut">
               <a:rPr kumimoji="1" lang="zh-CN" altLang="en-US" smtClean="0"/>
-              <a:t>2024/1/23</a:t>
+              <a:t>2024/1/24</a:t>
             </a:fld>
             <a:endParaRPr kumimoji="1" lang="zh-CN" altLang="en-US"/>
           </a:p>
@@ -1607,7 +1610,7 @@
           <a:p>
             <a:fld id="{3E73DA82-0082-2445-BF22-418BB184E2E3}" type="datetimeFigureOut">
               <a:rPr kumimoji="1" lang="zh-CN" altLang="en-US" smtClean="0"/>
-              <a:t>2024/1/23</a:t>
+              <a:t>2024/1/24</a:t>
             </a:fld>
             <a:endParaRPr kumimoji="1" lang="zh-CN" altLang="en-US"/>
           </a:p>
@@ -1725,7 +1728,7 @@
           <a:p>
             <a:fld id="{3E73DA82-0082-2445-BF22-418BB184E2E3}" type="datetimeFigureOut">
               <a:rPr kumimoji="1" lang="zh-CN" altLang="en-US" smtClean="0"/>
-              <a:t>2024/1/23</a:t>
+              <a:t>2024/1/24</a:t>
             </a:fld>
             <a:endParaRPr kumimoji="1" lang="zh-CN" altLang="en-US"/>
           </a:p>
@@ -1820,7 +1823,7 @@
           <a:p>
             <a:fld id="{3E73DA82-0082-2445-BF22-418BB184E2E3}" type="datetimeFigureOut">
               <a:rPr kumimoji="1" lang="zh-CN" altLang="en-US" smtClean="0"/>
-              <a:t>2024/1/23</a:t>
+              <a:t>2024/1/24</a:t>
             </a:fld>
             <a:endParaRPr kumimoji="1" lang="zh-CN" altLang="en-US"/>
           </a:p>
@@ -2097,7 +2100,7 @@
           <a:p>
             <a:fld id="{3E73DA82-0082-2445-BF22-418BB184E2E3}" type="datetimeFigureOut">
               <a:rPr kumimoji="1" lang="zh-CN" altLang="en-US" smtClean="0"/>
-              <a:t>2024/1/23</a:t>
+              <a:t>2024/1/24</a:t>
             </a:fld>
             <a:endParaRPr kumimoji="1" lang="zh-CN" altLang="en-US"/>
           </a:p>
@@ -2354,7 +2357,7 @@
           <a:p>
             <a:fld id="{3E73DA82-0082-2445-BF22-418BB184E2E3}" type="datetimeFigureOut">
               <a:rPr kumimoji="1" lang="zh-CN" altLang="en-US" smtClean="0"/>
-              <a:t>2024/1/23</a:t>
+              <a:t>2024/1/24</a:t>
             </a:fld>
             <a:endParaRPr kumimoji="1" lang="zh-CN" altLang="en-US"/>
           </a:p>
@@ -2567,7 +2570,7 @@
           <a:p>
             <a:fld id="{3E73DA82-0082-2445-BF22-418BB184E2E3}" type="datetimeFigureOut">
               <a:rPr kumimoji="1" lang="zh-CN" altLang="en-US" smtClean="0"/>
-              <a:t>2024/1/23</a:t>
+              <a:t>2024/1/24</a:t>
             </a:fld>
             <a:endParaRPr kumimoji="1" lang="zh-CN" altLang="en-US"/>
           </a:p>
@@ -3730,8 +3733,8 @@
         </p:nvSpPr>
         <p:spPr>
           <a:xfrm>
-            <a:off x="4867484" y="4423559"/>
-            <a:ext cx="2100048" cy="388371"/>
+            <a:off x="4352484" y="4470033"/>
+            <a:ext cx="2853985" cy="388371"/>
           </a:xfrm>
           <a:prstGeom prst="roundRect">
             <a:avLst>
@@ -3812,7 +3815,7 @@
         </p:blipFill>
         <p:spPr>
           <a:xfrm>
-            <a:off x="4934772" y="4504702"/>
+            <a:off x="4419773" y="4551176"/>
             <a:ext cx="314606" cy="265879"/>
           </a:xfrm>
           <a:prstGeom prst="rect">
@@ -3834,8 +3837,8 @@
         </p:nvSpPr>
         <p:spPr>
           <a:xfrm>
-            <a:off x="5214249" y="4514554"/>
-            <a:ext cx="1763501" cy="230832"/>
+            <a:off x="4699250" y="4561027"/>
+            <a:ext cx="2302657" cy="230832"/>
           </a:xfrm>
           <a:prstGeom prst="rect">
             <a:avLst/>
@@ -3848,21 +3851,7 @@
           </a:bodyPr>
           <a:lstStyle/>
           <a:p>
-            <a:pPr marL="0" marR="0" lvl="0" indent="0" defTabSz="914433" rtl="0" eaLnBrk="1" fontAlgn="auto" latinLnBrk="0" hangingPunct="1">
-              <a:lnSpc>
-                <a:spcPct val="100000"/>
-              </a:lnSpc>
-              <a:spcBef>
-                <a:spcPts val="0"/>
-              </a:spcBef>
-              <a:spcAft>
-                <a:spcPts val="0"/>
-              </a:spcAft>
-              <a:buClrTx/>
-              <a:buSzTx/>
-              <a:buFontTx/>
-              <a:buNone/>
-              <a:tabLst/>
+            <a:pPr defTabSz="914433">
               <a:defRPr/>
             </a:pPr>
             <a:r>
@@ -3883,7 +3872,7 @@
                 <a:cs typeface="+mn-cs"/>
                 <a:sym typeface="微软雅黑" panose="020B0503020204020204" pitchFamily="34" charset="-122"/>
               </a:rPr>
-              <a:t>Click to Upload the data</a:t>
+              <a:t>Click to Upload the Transcript data</a:t>
             </a:r>
             <a:endParaRPr kumimoji="0" lang="zh-CN" altLang="en-US" sz="900" b="1" i="0" u="none" strike="noStrike" kern="1200" cap="none" spc="0" normalizeH="0" baseline="0" noProof="0" dirty="0">
               <a:ln>
@@ -5424,8 +5413,8 @@
         </p:nvSpPr>
         <p:spPr>
           <a:xfrm>
-            <a:off x="959505" y="2055861"/>
-            <a:ext cx="2259726" cy="276999"/>
+            <a:off x="946058" y="2055861"/>
+            <a:ext cx="2259726" cy="274520"/>
           </a:xfrm>
           <a:prstGeom prst="rect">
             <a:avLst/>
@@ -5438,7 +5427,21 @@
           </a:bodyPr>
           <a:lstStyle/>
           <a:p>
-            <a:pPr defTabSz="914433">
+            <a:pPr marL="0" marR="0" lvl="0" indent="0" algn="l" defTabSz="914433" rtl="0" eaLnBrk="1" fontAlgn="auto" latinLnBrk="0" hangingPunct="1">
+              <a:lnSpc>
+                <a:spcPct val="100000"/>
+              </a:lnSpc>
+              <a:spcBef>
+                <a:spcPts val="0"/>
+              </a:spcBef>
+              <a:spcAft>
+                <a:spcPts val="0"/>
+              </a:spcAft>
+              <a:buClrTx/>
+              <a:buSzTx/>
+              <a:buFontTx/>
+              <a:buNone/>
+              <a:tabLst/>
               <a:defRPr/>
             </a:pPr>
             <a:r>
@@ -5447,9 +5450,10 @@
                   <a:noFill/>
                 </a:ln>
                 <a:solidFill>
-                  <a:srgbClr val="4472C4">
-                    <a:lumMod val="75000"/>
-                  </a:srgbClr>
+                  <a:schemeClr val="tx1">
+                    <a:lumMod val="85000"/>
+                    <a:lumOff val="15000"/>
+                  </a:schemeClr>
                 </a:solidFill>
                 <a:effectLst/>
                 <a:uLnTx/>
@@ -5459,16 +5463,17 @@
                 <a:cs typeface="+mn-cs"/>
                 <a:sym typeface="微软雅黑" panose="020B0503020204020204" pitchFamily="34" charset="-122"/>
               </a:rPr>
-              <a:t>TF Prediction </a:t>
+              <a:t>Single Transcript Analysis</a:t>
             </a:r>
             <a:endParaRPr kumimoji="0" lang="zh-CN" altLang="en-US" sz="900" b="1" i="0" u="none" strike="noStrike" kern="1200" cap="none" spc="0" normalizeH="0" baseline="0" noProof="0" dirty="0">
               <a:ln>
                 <a:noFill/>
               </a:ln>
               <a:solidFill>
-                <a:srgbClr val="4472C4">
-                  <a:lumMod val="75000"/>
-                </a:srgbClr>
+                <a:schemeClr val="tx1">
+                  <a:lumMod val="85000"/>
+                  <a:lumOff val="15000"/>
+                </a:schemeClr>
               </a:solidFill>
               <a:effectLst/>
               <a:uLnTx/>
@@ -5544,7 +5549,7 @@
                 <a:cs typeface="+mn-cs"/>
                 <a:sym typeface="微软雅黑" panose="020B0503020204020204" pitchFamily="34" charset="-122"/>
               </a:rPr>
-              <a:t>Tools -&gt; TF Prediction </a:t>
+              <a:t>Metabolic</a:t>
             </a:r>
             <a:r>
               <a:rPr kumimoji="0" lang="zh-CN" altLang="en-US" sz="1401" b="1" i="0" u="none" strike="noStrike" kern="1200" cap="none" spc="0" normalizeH="0" baseline="0" noProof="0" dirty="0">
@@ -5564,7 +5569,47 @@
                 <a:cs typeface="+mn-cs"/>
                 <a:sym typeface="微软雅黑" panose="020B0503020204020204" pitchFamily="34" charset="-122"/>
               </a:rPr>
-              <a:t>界面参考</a:t>
+              <a:t> </a:t>
+            </a:r>
+            <a:r>
+              <a:rPr kumimoji="0" lang="en-US" altLang="zh-CN" sz="1401" b="1" i="0" u="none" strike="noStrike" kern="1200" cap="none" spc="0" normalizeH="0" baseline="0" noProof="0" dirty="0">
+                <a:ln>
+                  <a:noFill/>
+                </a:ln>
+                <a:solidFill>
+                  <a:srgbClr val="E7E6E6">
+                    <a:lumMod val="25000"/>
+                  </a:srgbClr>
+                </a:solidFill>
+                <a:effectLst/>
+                <a:uLnTx/>
+                <a:uFillTx/>
+                <a:latin typeface="微软雅黑" panose="020B0503020204020204" pitchFamily="34" charset="-122"/>
+                <a:ea typeface="微软雅黑" panose="020B0503020204020204" pitchFamily="34" charset="-122"/>
+                <a:cs typeface="+mn-cs"/>
+                <a:sym typeface="微软雅黑" panose="020B0503020204020204" pitchFamily="34" charset="-122"/>
+              </a:rPr>
+              <a:t>Analysis</a:t>
+            </a:r>
+            <a:r>
+              <a:rPr kumimoji="0" lang="zh-CN" altLang="en-US" sz="1401" b="1" i="0" u="none" strike="noStrike" kern="1200" cap="none" spc="0" normalizeH="0" baseline="0" noProof="0" dirty="0">
+                <a:ln>
+                  <a:noFill/>
+                </a:ln>
+                <a:solidFill>
+                  <a:srgbClr val="E7E6E6">
+                    <a:lumMod val="25000"/>
+                  </a:srgbClr>
+                </a:solidFill>
+                <a:effectLst/>
+                <a:uLnTx/>
+                <a:uFillTx/>
+                <a:latin typeface="微软雅黑" panose="020B0503020204020204" pitchFamily="34" charset="-122"/>
+                <a:ea typeface="微软雅黑" panose="020B0503020204020204" pitchFamily="34" charset="-122"/>
+                <a:cs typeface="+mn-cs"/>
+                <a:sym typeface="微软雅黑" panose="020B0503020204020204" pitchFamily="34" charset="-122"/>
+              </a:rPr>
+              <a:t> 界面参考</a:t>
             </a:r>
           </a:p>
         </p:txBody>
@@ -5583,8 +5628,8 @@
         </p:nvSpPr>
         <p:spPr>
           <a:xfrm>
-            <a:off x="4867484" y="4423559"/>
-            <a:ext cx="2100048" cy="388371"/>
+            <a:off x="4254605" y="4426891"/>
+            <a:ext cx="3133516" cy="388371"/>
           </a:xfrm>
           <a:prstGeom prst="roundRect">
             <a:avLst>
@@ -5665,7 +5710,7 @@
         </p:blipFill>
         <p:spPr>
           <a:xfrm>
-            <a:off x="4934772" y="4504702"/>
+            <a:off x="4321893" y="4508034"/>
             <a:ext cx="314606" cy="265879"/>
           </a:xfrm>
           <a:prstGeom prst="rect">
@@ -5687,8 +5732,8 @@
         </p:nvSpPr>
         <p:spPr>
           <a:xfrm>
-            <a:off x="5214249" y="4514554"/>
-            <a:ext cx="1763501" cy="230832"/>
+            <a:off x="4601370" y="4517886"/>
+            <a:ext cx="2854039" cy="230832"/>
           </a:xfrm>
           <a:prstGeom prst="rect">
             <a:avLst/>
@@ -5736,7 +5781,47 @@
                 <a:cs typeface="+mn-cs"/>
                 <a:sym typeface="微软雅黑" panose="020B0503020204020204" pitchFamily="34" charset="-122"/>
               </a:rPr>
-              <a:t>Click to Upload the data</a:t>
+              <a:t>Click to Upload the control</a:t>
+            </a:r>
+            <a:r>
+              <a:rPr kumimoji="0" lang="zh-CN" altLang="en-US" sz="900" b="1" i="0" u="none" strike="noStrike" kern="1200" cap="none" spc="0" normalizeH="0" baseline="0" noProof="0" dirty="0">
+                <a:ln>
+                  <a:noFill/>
+                </a:ln>
+                <a:solidFill>
+                  <a:srgbClr val="4472C4">
+                    <a:lumMod val="50000"/>
+                  </a:srgbClr>
+                </a:solidFill>
+                <a:effectLst/>
+                <a:uLnTx/>
+                <a:uFillTx/>
+                <a:latin typeface="微软雅黑" panose="020B0503020204020204" pitchFamily="34" charset="-122"/>
+                <a:ea typeface="微软雅黑" panose="020B0503020204020204" pitchFamily="34" charset="-122"/>
+                <a:cs typeface="+mn-cs"/>
+                <a:sym typeface="微软雅黑" panose="020B0503020204020204" pitchFamily="34" charset="-122"/>
+              </a:rPr>
+              <a:t> </a:t>
+            </a:r>
+            <a:r>
+              <a:rPr kumimoji="0" lang="en-US" altLang="zh-CN" sz="900" b="1" i="0" u="none" strike="noStrike" kern="1200" cap="none" spc="0" normalizeH="0" baseline="0" noProof="0" dirty="0">
+                <a:ln>
+                  <a:noFill/>
+                </a:ln>
+                <a:solidFill>
+                  <a:srgbClr val="4472C4">
+                    <a:lumMod val="50000"/>
+                  </a:srgbClr>
+                </a:solidFill>
+                <a:effectLst/>
+                <a:uLnTx/>
+                <a:uFillTx/>
+                <a:latin typeface="微软雅黑" panose="020B0503020204020204" pitchFamily="34" charset="-122"/>
+                <a:ea typeface="微软雅黑" panose="020B0503020204020204" pitchFamily="34" charset="-122"/>
+                <a:cs typeface="+mn-cs"/>
+                <a:sym typeface="微软雅黑" panose="020B0503020204020204" pitchFamily="34" charset="-122"/>
+              </a:rPr>
+              <a:t>sample </a:t>
             </a:r>
             <a:endParaRPr kumimoji="0" lang="zh-CN" altLang="en-US" sz="900" b="1" i="0" u="none" strike="noStrike" kern="1200" cap="none" spc="0" normalizeH="0" baseline="0" noProof="0" dirty="0">
               <a:ln>
@@ -5773,7 +5858,7 @@
         <p:spPr>
           <a:xfrm>
             <a:off x="927673" y="2606660"/>
-            <a:ext cx="10332292" cy="891975"/>
+            <a:ext cx="10332292" cy="1145891"/>
           </a:xfrm>
           <a:prstGeom prst="rect">
             <a:avLst/>
@@ -5869,18 +5954,10 @@
                 <a:cs typeface="+mn-cs"/>
                 <a:sym typeface="微软雅黑" panose="020B0503020204020204" pitchFamily="34" charset="-122"/>
               </a:rPr>
-              <a:t>Upload a protein sequence FASTA file for transcription factor prediction analysis based on DeepTFactor(</a:t>
-            </a:r>
-            <a:r>
-              <a:rPr lang="en" altLang="zh-CN" sz="1100" b="0" i="0" u="sng" dirty="0">
-                <a:effectLst/>
-                <a:latin typeface="Open Sans" panose="020F0502020204030204" pitchFamily="34" charset="0"/>
-                <a:hlinkClick r:id="rId5"/>
-              </a:rPr>
-              <a:t>https://doi.org/10.1073/pnas.2021171118</a:t>
-            </a:r>
-            <a:r>
-              <a:rPr kumimoji="0" lang="en-US" altLang="zh-CN" sz="1100" b="0" i="0" u="none" strike="noStrike" kern="1200" cap="none" spc="0" normalizeH="0" baseline="0" noProof="0" dirty="0">
+              <a:t>Submit</a:t>
+            </a:r>
+            <a:r>
+              <a:rPr kumimoji="0" lang="zh-CN" altLang="en-US" sz="1100" b="0" i="0" u="none" strike="noStrike" kern="1200" cap="none" spc="0" normalizeH="0" baseline="0" noProof="0" dirty="0">
                 <a:ln>
                   <a:noFill/>
                 </a:ln>
@@ -5895,7 +5972,61 @@
                 <a:cs typeface="+mn-cs"/>
                 <a:sym typeface="微软雅黑" panose="020B0503020204020204" pitchFamily="34" charset="-122"/>
               </a:rPr>
-              <a:t>).</a:t>
+              <a:t> </a:t>
+            </a:r>
+            <a:r>
+              <a:rPr kumimoji="0" lang="en-US" altLang="zh-CN" sz="1100" b="0" i="0" u="none" strike="noStrike" kern="1200" cap="none" spc="0" normalizeH="0" baseline="0" noProof="0" dirty="0">
+                <a:ln>
+                  <a:noFill/>
+                </a:ln>
+                <a:solidFill>
+                  <a:srgbClr val="515A6E"/>
+                </a:solidFill>
+                <a:effectLst/>
+                <a:uLnTx/>
+                <a:uFillTx/>
+                <a:latin typeface="Arial" panose="020B0604020202020204" pitchFamily="34" charset="0"/>
+                <a:ea typeface="微软雅黑" panose="020B0503020204020204" pitchFamily="34" charset="-122"/>
+                <a:cs typeface="+mn-cs"/>
+                <a:sym typeface="微软雅黑" panose="020B0503020204020204" pitchFamily="34" charset="-122"/>
+              </a:rPr>
+              <a:t>a dual transcript data, combined with an enzyme-constrained model, to predict the metabolic state of </a:t>
+            </a:r>
+            <a:r>
+              <a:rPr kumimoji="0" lang="en-US" altLang="zh-CN" sz="1100" b="0" i="1" u="none" strike="noStrike" kern="1200" cap="none" spc="0" normalizeH="0" baseline="0" noProof="0" dirty="0">
+                <a:ln>
+                  <a:noFill/>
+                </a:ln>
+                <a:solidFill>
+                  <a:srgbClr val="515A6E"/>
+                </a:solidFill>
+                <a:effectLst/>
+                <a:uLnTx/>
+                <a:uFillTx/>
+                <a:latin typeface="Arial" panose="020B0604020202020204" pitchFamily="34" charset="0"/>
+                <a:ea typeface="微软雅黑" panose="020B0503020204020204" pitchFamily="34" charset="-122"/>
+                <a:cs typeface="+mn-cs"/>
+                <a:sym typeface="微软雅黑" panose="020B0503020204020204" pitchFamily="34" charset="-122"/>
+              </a:rPr>
+              <a:t>Myceliophthora thermophila</a:t>
+            </a:r>
+            <a:r>
+              <a:rPr kumimoji="0" lang="en-US" altLang="zh-CN" sz="1100" b="0" i="0" u="none" strike="noStrike" kern="1200" cap="none" spc="0" normalizeH="0" baseline="0" noProof="0" dirty="0">
+                <a:ln>
+                  <a:noFill/>
+                </a:ln>
+                <a:solidFill>
+                  <a:srgbClr val="515A6E"/>
+                </a:solidFill>
+                <a:effectLst/>
+                <a:uLnTx/>
+                <a:uFillTx/>
+                <a:latin typeface="Arial" panose="020B0604020202020204" pitchFamily="34" charset="0"/>
+                <a:ea typeface="微软雅黑" panose="020B0503020204020204" pitchFamily="34" charset="-122"/>
+                <a:cs typeface="+mn-cs"/>
+                <a:sym typeface="微软雅黑" panose="020B0503020204020204" pitchFamily="34" charset="-122"/>
+              </a:rPr>
+              <a:t> under specific conditions.</a:t>
             </a:r>
           </a:p>
           <a:p>
@@ -5966,7 +6097,7 @@
         </p:nvSpPr>
         <p:spPr>
           <a:xfrm>
-            <a:off x="4574871" y="5603825"/>
+            <a:off x="4601370" y="5927342"/>
             <a:ext cx="1007573" cy="314960"/>
           </a:xfrm>
           <a:prstGeom prst="roundRect">
@@ -6072,7 +6203,7 @@
         </p:nvSpPr>
         <p:spPr>
           <a:xfrm>
-            <a:off x="6125266" y="5603825"/>
+            <a:off x="6151765" y="5927342"/>
             <a:ext cx="1007573" cy="314960"/>
           </a:xfrm>
           <a:prstGeom prst="roundRect">
@@ -6420,7 +6551,47 @@
                 <a:cs typeface="+mn-cs"/>
                 <a:sym typeface="微软雅黑" panose="020B0503020204020204" pitchFamily="34" charset="-122"/>
               </a:rPr>
-              <a:t>Tools</a:t>
+              <a:t>Metabolic</a:t>
+            </a:r>
+            <a:r>
+              <a:rPr kumimoji="0" lang="zh-CN" altLang="en-US" sz="1200" b="1" i="0" u="none" strike="noStrike" kern="1200" cap="none" spc="0" normalizeH="0" baseline="0" noProof="0" dirty="0">
+                <a:ln>
+                  <a:noFill/>
+                </a:ln>
+                <a:solidFill>
+                  <a:srgbClr val="4472C4">
+                    <a:lumMod val="75000"/>
+                  </a:srgbClr>
+                </a:solidFill>
+                <a:effectLst/>
+                <a:uLnTx/>
+                <a:uFillTx/>
+                <a:latin typeface="微软雅黑" panose="020B0503020204020204" pitchFamily="34" charset="-122"/>
+                <a:ea typeface="微软雅黑" panose="020B0503020204020204" pitchFamily="34" charset="-122"/>
+                <a:cs typeface="+mn-cs"/>
+                <a:sym typeface="微软雅黑" panose="020B0503020204020204" pitchFamily="34" charset="-122"/>
+              </a:rPr>
+              <a:t> </a:t>
+            </a:r>
+            <a:r>
+              <a:rPr kumimoji="0" lang="en-US" altLang="zh-CN" sz="1200" b="1" i="0" u="none" strike="noStrike" kern="1200" cap="none" spc="0" normalizeH="0" baseline="0" noProof="0" dirty="0">
+                <a:ln>
+                  <a:noFill/>
+                </a:ln>
+                <a:solidFill>
+                  <a:srgbClr val="4472C4">
+                    <a:lumMod val="75000"/>
+                  </a:srgbClr>
+                </a:solidFill>
+                <a:effectLst/>
+                <a:uLnTx/>
+                <a:uFillTx/>
+                <a:latin typeface="微软雅黑" panose="020B0503020204020204" pitchFamily="34" charset="-122"/>
+                <a:ea typeface="微软雅黑" panose="020B0503020204020204" pitchFamily="34" charset="-122"/>
+                <a:cs typeface="+mn-cs"/>
+                <a:sym typeface="微软雅黑" panose="020B0503020204020204" pitchFamily="34" charset="-122"/>
+              </a:rPr>
+              <a:t>Analysis</a:t>
             </a:r>
             <a:endParaRPr kumimoji="0" lang="zh-CN" altLang="en-US" sz="900" b="1" i="0" u="none" strike="noStrike" kern="1200" cap="none" spc="0" normalizeH="0" baseline="0" noProof="0" dirty="0">
               <a:ln>
@@ -6456,8 +6627,8 @@
         </p:nvSpPr>
         <p:spPr>
           <a:xfrm>
-            <a:off x="2412151" y="2059971"/>
-            <a:ext cx="807080" cy="276999"/>
+            <a:off x="3338852" y="2059968"/>
+            <a:ext cx="2259726" cy="274520"/>
           </a:xfrm>
           <a:prstGeom prst="rect">
             <a:avLst/>
@@ -6493,10 +6664,1790 @@
                   <a:noFill/>
                 </a:ln>
                 <a:solidFill>
+                  <a:schemeClr val="accent1">
+                    <a:lumMod val="75000"/>
+                  </a:schemeClr>
+                </a:solidFill>
+                <a:effectLst/>
+                <a:uLnTx/>
+                <a:uFillTx/>
+                <a:latin typeface="微软雅黑" panose="020B0503020204020204" pitchFamily="34" charset="-122"/>
+                <a:ea typeface="微软雅黑" panose="020B0503020204020204" pitchFamily="34" charset="-122"/>
+                <a:cs typeface="+mn-cs"/>
+                <a:sym typeface="微软雅黑" panose="020B0503020204020204" pitchFamily="34" charset="-122"/>
+              </a:rPr>
+              <a:t>Dual Transcript Analysis</a:t>
+            </a:r>
+            <a:endParaRPr kumimoji="0" lang="zh-CN" altLang="en-US" sz="900" b="1" i="0" u="none" strike="noStrike" kern="1200" cap="none" spc="0" normalizeH="0" baseline="0" noProof="0" dirty="0">
+              <a:ln>
+                <a:noFill/>
+              </a:ln>
+              <a:solidFill>
+                <a:schemeClr val="accent1">
+                  <a:lumMod val="75000"/>
+                </a:schemeClr>
+              </a:solidFill>
+              <a:effectLst/>
+              <a:uLnTx/>
+              <a:uFillTx/>
+              <a:latin typeface="微软雅黑" panose="020B0503020204020204" pitchFamily="34" charset="-122"/>
+              <a:ea typeface="微软雅黑" panose="020B0503020204020204" pitchFamily="34" charset="-122"/>
+              <a:cs typeface="+mn-cs"/>
+              <a:sym typeface="微软雅黑" panose="020B0503020204020204" pitchFamily="34" charset="-122"/>
+            </a:endParaRPr>
+          </a:p>
+        </p:txBody>
+      </p:sp>
+      <p:sp>
+        <p:nvSpPr>
+          <p:cNvPr id="34" name="圆角矩形 33">
+            <a:extLst>
+              <a:ext uri="{FF2B5EF4-FFF2-40B4-BE49-F238E27FC236}">
+                <a16:creationId xmlns:a16="http://schemas.microsoft.com/office/drawing/2014/main" id="{0B6A1921-AAAC-2693-01D1-6A005FEFA3E3}"/>
+              </a:ext>
+            </a:extLst>
+          </p:cNvPr>
+          <p:cNvSpPr/>
+          <p:nvPr/>
+        </p:nvSpPr>
+        <p:spPr>
+          <a:xfrm>
+            <a:off x="1066321" y="7526611"/>
+            <a:ext cx="10051372" cy="7344741"/>
+          </a:xfrm>
+          <a:prstGeom prst="roundRect">
+            <a:avLst>
+              <a:gd name="adj" fmla="val 4751"/>
+            </a:avLst>
+          </a:prstGeom>
+          <a:ln>
+            <a:solidFill>
+              <a:schemeClr val="bg1">
+                <a:lumMod val="50000"/>
+              </a:schemeClr>
+            </a:solidFill>
+          </a:ln>
+        </p:spPr>
+        <p:style>
+          <a:lnRef idx="2">
+            <a:schemeClr val="accent6"/>
+          </a:lnRef>
+          <a:fillRef idx="1">
+            <a:schemeClr val="lt1"/>
+          </a:fillRef>
+          <a:effectRef idx="0">
+            <a:schemeClr val="accent6"/>
+          </a:effectRef>
+          <a:fontRef idx="minor">
+            <a:schemeClr val="dk1"/>
+          </a:fontRef>
+        </p:style>
+        <p:txBody>
+          <a:bodyPr rtlCol="0" anchor="ctr"/>
+          <a:lstStyle/>
+          <a:p>
+            <a:pPr marL="0" marR="0" lvl="0" indent="0" algn="ctr" defTabSz="457180" rtl="0" eaLnBrk="1" fontAlgn="auto" latinLnBrk="0" hangingPunct="1">
+              <a:lnSpc>
+                <a:spcPct val="100000"/>
+              </a:lnSpc>
+              <a:spcBef>
+                <a:spcPts val="0"/>
+              </a:spcBef>
+              <a:spcAft>
+                <a:spcPts val="0"/>
+              </a:spcAft>
+              <a:buClrTx/>
+              <a:buSzTx/>
+              <a:buFontTx/>
+              <a:buNone/>
+              <a:tabLst/>
+              <a:defRPr/>
+            </a:pPr>
+            <a:endParaRPr kumimoji="1" lang="zh-CN" altLang="en-US" sz="1801" b="0" i="0" u="none" strike="noStrike" kern="1200" cap="none" spc="0" normalizeH="0" baseline="0" noProof="0">
+              <a:ln>
+                <a:noFill/>
+              </a:ln>
+              <a:solidFill>
+                <a:prstClr val="black"/>
+              </a:solidFill>
+              <a:effectLst/>
+              <a:uLnTx/>
+              <a:uFillTx/>
+              <a:latin typeface="Calibri" panose="020F0502020204030204"/>
+              <a:ea typeface="等线" panose="02010600030101010101" pitchFamily="2" charset="-122"/>
+              <a:cs typeface="+mn-cs"/>
+            </a:endParaRPr>
+          </a:p>
+        </p:txBody>
+      </p:sp>
+      <p:sp>
+        <p:nvSpPr>
+          <p:cNvPr id="2" name="圆角矩形 1">
+            <a:extLst>
+              <a:ext uri="{FF2B5EF4-FFF2-40B4-BE49-F238E27FC236}">
+                <a16:creationId xmlns:a16="http://schemas.microsoft.com/office/drawing/2014/main" id="{5D94DA00-D2BE-68FB-1DAC-44277695C996}"/>
+              </a:ext>
+            </a:extLst>
+          </p:cNvPr>
+          <p:cNvSpPr/>
+          <p:nvPr/>
+        </p:nvSpPr>
+        <p:spPr>
+          <a:xfrm>
+            <a:off x="4254605" y="5049241"/>
+            <a:ext cx="3133516" cy="388371"/>
+          </a:xfrm>
+          <a:prstGeom prst="roundRect">
+            <a:avLst>
+              <a:gd name="adj" fmla="val 6174"/>
+            </a:avLst>
+          </a:prstGeom>
+        </p:spPr>
+        <p:style>
+          <a:lnRef idx="2">
+            <a:schemeClr val="accent3"/>
+          </a:lnRef>
+          <a:fillRef idx="1">
+            <a:schemeClr val="lt1"/>
+          </a:fillRef>
+          <a:effectRef idx="0">
+            <a:schemeClr val="accent3"/>
+          </a:effectRef>
+          <a:fontRef idx="minor">
+            <a:schemeClr val="dk1"/>
+          </a:fontRef>
+        </p:style>
+        <p:txBody>
+          <a:bodyPr rtlCol="0" anchor="ctr"/>
+          <a:lstStyle/>
+          <a:p>
+            <a:pPr marL="0" marR="0" lvl="0" indent="0" algn="l" defTabSz="914433" rtl="0" eaLnBrk="1" fontAlgn="auto" latinLnBrk="0" hangingPunct="1">
+              <a:lnSpc>
+                <a:spcPct val="100000"/>
+              </a:lnSpc>
+              <a:spcBef>
+                <a:spcPts val="0"/>
+              </a:spcBef>
+              <a:spcAft>
+                <a:spcPts val="0"/>
+              </a:spcAft>
+              <a:buClrTx/>
+              <a:buSzTx/>
+              <a:buFontTx/>
+              <a:buNone/>
+              <a:tabLst/>
+              <a:defRPr/>
+            </a:pPr>
+            <a:endParaRPr kumimoji="1" lang="zh-CN" altLang="en-US" sz="3202" b="0" i="0" u="none" strike="noStrike" kern="1200" cap="none" spc="0" normalizeH="0" baseline="0" noProof="0">
+              <a:ln>
+                <a:noFill/>
+              </a:ln>
+              <a:solidFill>
+                <a:prstClr val="black"/>
+              </a:solidFill>
+              <a:effectLst/>
+              <a:uLnTx/>
+              <a:uFillTx/>
+              <a:latin typeface="等线" panose="020F0502020204030204"/>
+              <a:ea typeface="等线" panose="02010600030101010101" pitchFamily="2" charset="-122"/>
+              <a:cs typeface="+mn-cs"/>
+            </a:endParaRPr>
+          </a:p>
+        </p:txBody>
+      </p:sp>
+      <p:pic>
+        <p:nvPicPr>
+          <p:cNvPr id="3" name="图片 2">
+            <a:extLst>
+              <a:ext uri="{FF2B5EF4-FFF2-40B4-BE49-F238E27FC236}">
+                <a16:creationId xmlns:a16="http://schemas.microsoft.com/office/drawing/2014/main" id="{32BF2E98-0DD6-38E5-EB38-6DE2E319A0DA}"/>
+              </a:ext>
+            </a:extLst>
+          </p:cNvPr>
+          <p:cNvPicPr>
+            <a:picLocks noChangeAspect="1"/>
+          </p:cNvPicPr>
+          <p:nvPr/>
+        </p:nvPicPr>
+        <p:blipFill rotWithShape="1">
+          <a:blip r:embed="rId4"/>
+          <a:srcRect r="78674" b="2734"/>
+          <a:stretch/>
+        </p:blipFill>
+        <p:spPr>
+          <a:xfrm>
+            <a:off x="4321893" y="5130384"/>
+            <a:ext cx="314606" cy="265879"/>
+          </a:xfrm>
+          <a:prstGeom prst="rect">
+            <a:avLst/>
+          </a:prstGeom>
+        </p:spPr>
+      </p:pic>
+      <p:sp>
+        <p:nvSpPr>
+          <p:cNvPr id="4" name="文本框 3">
+            <a:extLst>
+              <a:ext uri="{FF2B5EF4-FFF2-40B4-BE49-F238E27FC236}">
+                <a16:creationId xmlns:a16="http://schemas.microsoft.com/office/drawing/2014/main" id="{B61E74B7-709B-3312-ED5F-2D0740F42C6E}"/>
+              </a:ext>
+            </a:extLst>
+          </p:cNvPr>
+          <p:cNvSpPr txBox="1"/>
+          <p:nvPr/>
+        </p:nvSpPr>
+        <p:spPr>
+          <a:xfrm>
+            <a:off x="4601370" y="5140236"/>
+            <a:ext cx="2854039" cy="230832"/>
+          </a:xfrm>
+          <a:prstGeom prst="rect">
+            <a:avLst/>
+          </a:prstGeom>
+          <a:noFill/>
+        </p:spPr>
+        <p:txBody>
+          <a:bodyPr wrap="square" rtlCol="0">
+            <a:spAutoFit/>
+          </a:bodyPr>
+          <a:lstStyle/>
+          <a:p>
+            <a:pPr marL="0" marR="0" lvl="0" indent="0" algn="l" defTabSz="914433" rtl="0" eaLnBrk="1" fontAlgn="auto" latinLnBrk="0" hangingPunct="1">
+              <a:lnSpc>
+                <a:spcPct val="100000"/>
+              </a:lnSpc>
+              <a:spcBef>
+                <a:spcPts val="0"/>
+              </a:spcBef>
+              <a:spcAft>
+                <a:spcPts val="0"/>
+              </a:spcAft>
+              <a:buClrTx/>
+              <a:buSzTx/>
+              <a:buFontTx/>
+              <a:buNone/>
+              <a:tabLst/>
+              <a:defRPr/>
+            </a:pPr>
+            <a:r>
+              <a:rPr kumimoji="0" lang="en-US" altLang="zh-CN" sz="900" b="1" i="0" u="none" strike="noStrike" kern="1200" cap="none" spc="0" normalizeH="0" baseline="0" noProof="0" dirty="0">
+                <a:ln>
+                  <a:noFill/>
+                </a:ln>
+                <a:solidFill>
+                  <a:srgbClr val="4472C4">
+                    <a:lumMod val="50000"/>
+                  </a:srgbClr>
+                </a:solidFill>
+                <a:effectLst/>
+                <a:uLnTx/>
+                <a:uFillTx/>
+                <a:latin typeface="微软雅黑" panose="020B0503020204020204" pitchFamily="34" charset="-122"/>
+                <a:ea typeface="微软雅黑" panose="020B0503020204020204" pitchFamily="34" charset="-122"/>
+                <a:cs typeface="+mn-cs"/>
+                <a:sym typeface="微软雅黑" panose="020B0503020204020204" pitchFamily="34" charset="-122"/>
+              </a:rPr>
+              <a:t>Click to Upload the treatment</a:t>
+            </a:r>
+            <a:r>
+              <a:rPr kumimoji="0" lang="zh-CN" altLang="en-US" sz="900" b="1" i="0" u="none" strike="noStrike" kern="1200" cap="none" spc="0" normalizeH="0" baseline="0" noProof="0" dirty="0">
+                <a:ln>
+                  <a:noFill/>
+                </a:ln>
+                <a:solidFill>
+                  <a:srgbClr val="4472C4">
+                    <a:lumMod val="50000"/>
+                  </a:srgbClr>
+                </a:solidFill>
+                <a:effectLst/>
+                <a:uLnTx/>
+                <a:uFillTx/>
+                <a:latin typeface="微软雅黑" panose="020B0503020204020204" pitchFamily="34" charset="-122"/>
+                <a:ea typeface="微软雅黑" panose="020B0503020204020204" pitchFamily="34" charset="-122"/>
+                <a:cs typeface="+mn-cs"/>
+                <a:sym typeface="微软雅黑" panose="020B0503020204020204" pitchFamily="34" charset="-122"/>
+              </a:rPr>
+              <a:t> </a:t>
+            </a:r>
+            <a:r>
+              <a:rPr kumimoji="0" lang="en-US" altLang="zh-CN" sz="900" b="1" i="0" u="none" strike="noStrike" kern="1200" cap="none" spc="0" normalizeH="0" baseline="0" noProof="0" dirty="0">
+                <a:ln>
+                  <a:noFill/>
+                </a:ln>
+                <a:solidFill>
+                  <a:srgbClr val="4472C4">
+                    <a:lumMod val="50000"/>
+                  </a:srgbClr>
+                </a:solidFill>
+                <a:effectLst/>
+                <a:uLnTx/>
+                <a:uFillTx/>
+                <a:latin typeface="微软雅黑" panose="020B0503020204020204" pitchFamily="34" charset="-122"/>
+                <a:ea typeface="微软雅黑" panose="020B0503020204020204" pitchFamily="34" charset="-122"/>
+                <a:cs typeface="+mn-cs"/>
+                <a:sym typeface="微软雅黑" panose="020B0503020204020204" pitchFamily="34" charset="-122"/>
+              </a:rPr>
+              <a:t>sample</a:t>
+            </a:r>
+            <a:endParaRPr kumimoji="0" lang="zh-CN" altLang="en-US" sz="900" b="1" i="0" u="none" strike="noStrike" kern="1200" cap="none" spc="0" normalizeH="0" baseline="0" noProof="0" dirty="0">
+              <a:ln>
+                <a:noFill/>
+              </a:ln>
+              <a:solidFill>
+                <a:srgbClr val="4472C4">
+                  <a:lumMod val="50000"/>
+                </a:srgbClr>
+              </a:solidFill>
+              <a:effectLst/>
+              <a:uLnTx/>
+              <a:uFillTx/>
+              <a:latin typeface="微软雅黑" panose="020B0503020204020204" pitchFamily="34" charset="-122"/>
+              <a:ea typeface="微软雅黑" panose="020B0503020204020204" pitchFamily="34" charset="-122"/>
+              <a:cs typeface="+mn-cs"/>
+              <a:sym typeface="微软雅黑" panose="020B0503020204020204" pitchFamily="34" charset="-122"/>
+            </a:endParaRPr>
+          </a:p>
+        </p:txBody>
+      </p:sp>
+      <p:pic>
+        <p:nvPicPr>
+          <p:cNvPr id="6" name="图片 5">
+            <a:extLst>
+              <a:ext uri="{FF2B5EF4-FFF2-40B4-BE49-F238E27FC236}">
+                <a16:creationId xmlns:a16="http://schemas.microsoft.com/office/drawing/2014/main" id="{D94CDFA2-42DB-287F-F613-8F6936A68283}"/>
+              </a:ext>
+            </a:extLst>
+          </p:cNvPr>
+          <p:cNvPicPr>
+            <a:picLocks noChangeAspect="1"/>
+          </p:cNvPicPr>
+          <p:nvPr/>
+        </p:nvPicPr>
+        <p:blipFill>
+          <a:blip r:embed="rId5"/>
+          <a:stretch>
+            <a:fillRect/>
+          </a:stretch>
+        </p:blipFill>
+        <p:spPr>
+          <a:xfrm>
+            <a:off x="1920853" y="8509727"/>
+            <a:ext cx="8350293" cy="5304802"/>
+          </a:xfrm>
+          <a:prstGeom prst="rect">
+            <a:avLst/>
+          </a:prstGeom>
+        </p:spPr>
+      </p:pic>
+    </p:spTree>
+    <p:extLst>
+      <p:ext uri="{BB962C8B-B14F-4D97-AF65-F5344CB8AC3E}">
+        <p14:creationId xmlns:p14="http://schemas.microsoft.com/office/powerpoint/2010/main" val="2271966196"/>
+      </p:ext>
+    </p:extLst>
+  </p:cSld>
+  <p:clrMapOvr>
+    <a:masterClrMapping/>
+  </p:clrMapOvr>
+</p:sld>
+</file>
+
+<file path=ppt/slides/slide3.xml><?xml version="1.0" encoding="utf-8"?>
+<p:sld xmlns:a="http://schemas.openxmlformats.org/drawingml/2006/main" xmlns:r="http://schemas.openxmlformats.org/officeDocument/2006/relationships" xmlns:p="http://schemas.openxmlformats.org/presentationml/2006/main">
+  <p:cSld>
+    <p:bg>
+      <p:bgPr>
+        <a:solidFill>
+          <a:schemeClr val="bg2">
+            <a:lumMod val="90000"/>
+            <a:alpha val="20000"/>
+          </a:schemeClr>
+        </a:solidFill>
+        <a:effectLst/>
+      </p:bgPr>
+    </p:bg>
+    <p:spTree>
+      <p:nvGrpSpPr>
+        <p:cNvPr id="1" name=""/>
+        <p:cNvGrpSpPr/>
+        <p:nvPr/>
+      </p:nvGrpSpPr>
+      <p:grpSpPr>
+        <a:xfrm>
+          <a:off x="0" y="0"/>
+          <a:ext cx="0" cy="0"/>
+          <a:chOff x="0" y="0"/>
+          <a:chExt cx="0" cy="0"/>
+        </a:xfrm>
+      </p:grpSpPr>
+      <p:sp>
+        <p:nvSpPr>
+          <p:cNvPr id="146" name="矩形 145">
+            <a:extLst>
+              <a:ext uri="{FF2B5EF4-FFF2-40B4-BE49-F238E27FC236}">
+                <a16:creationId xmlns:a16="http://schemas.microsoft.com/office/drawing/2014/main" id="{3F9AC06E-09EA-94EF-8352-7C8AF3A9AF2F}"/>
+              </a:ext>
+            </a:extLst>
+          </p:cNvPr>
+          <p:cNvSpPr/>
+          <p:nvPr/>
+        </p:nvSpPr>
+        <p:spPr>
+          <a:xfrm>
+            <a:off x="313777" y="1694148"/>
+            <a:ext cx="11480800" cy="14188821"/>
+          </a:xfrm>
+          <a:prstGeom prst="rect">
+            <a:avLst/>
+          </a:prstGeom>
+          <a:solidFill>
+            <a:schemeClr val="bg1"/>
+          </a:solidFill>
+          <a:ln w="6350">
+            <a:noFill/>
+          </a:ln>
+        </p:spPr>
+        <p:style>
+          <a:lnRef idx="2">
+            <a:schemeClr val="accent1">
+              <a:shade val="50000"/>
+            </a:schemeClr>
+          </a:lnRef>
+          <a:fillRef idx="1">
+            <a:schemeClr val="accent1"/>
+          </a:fillRef>
+          <a:effectRef idx="0">
+            <a:schemeClr val="accent1"/>
+          </a:effectRef>
+          <a:fontRef idx="minor">
+            <a:schemeClr val="lt1"/>
+          </a:fontRef>
+        </p:style>
+        <p:txBody>
+          <a:bodyPr rtlCol="0" anchor="ctr"/>
+          <a:lstStyle/>
+          <a:p>
+            <a:pPr marL="0" marR="0" lvl="0" indent="0" algn="ctr" defTabSz="914433" rtl="0" eaLnBrk="1" fontAlgn="auto" latinLnBrk="0" hangingPunct="1">
+              <a:lnSpc>
+                <a:spcPct val="100000"/>
+              </a:lnSpc>
+              <a:spcBef>
+                <a:spcPts val="0"/>
+              </a:spcBef>
+              <a:spcAft>
+                <a:spcPts val="0"/>
+              </a:spcAft>
+              <a:buClrTx/>
+              <a:buSzTx/>
+              <a:buFontTx/>
+              <a:buNone/>
+              <a:tabLst/>
+              <a:defRPr/>
+            </a:pPr>
+            <a:endParaRPr kumimoji="0" lang="en-US" altLang="zh-CN" sz="1600" b="1" i="0" u="none" strike="noStrike" kern="1200" cap="none" spc="0" normalizeH="0" baseline="0" noProof="0" dirty="0">
+              <a:ln>
+                <a:noFill/>
+              </a:ln>
+              <a:solidFill>
+                <a:srgbClr val="4472C4">
+                  <a:lumMod val="75000"/>
+                </a:srgbClr>
+              </a:solidFill>
+              <a:effectLst/>
+              <a:uLnTx/>
+              <a:uFillTx/>
+              <a:latin typeface="微软雅黑" panose="020B0503020204020204" pitchFamily="34" charset="-122"/>
+              <a:ea typeface="微软雅黑" panose="020B0503020204020204" pitchFamily="34" charset="-122"/>
+              <a:cs typeface="+mn-cs"/>
+              <a:sym typeface="微软雅黑" panose="020B0503020204020204" pitchFamily="34" charset="-122"/>
+            </a:endParaRPr>
+          </a:p>
+          <a:p>
+            <a:pPr marL="0" marR="0" lvl="0" indent="0" algn="ctr" defTabSz="914433" rtl="0" eaLnBrk="1" fontAlgn="auto" latinLnBrk="0" hangingPunct="1">
+              <a:lnSpc>
+                <a:spcPct val="100000"/>
+              </a:lnSpc>
+              <a:spcBef>
+                <a:spcPts val="0"/>
+              </a:spcBef>
+              <a:spcAft>
+                <a:spcPts val="0"/>
+              </a:spcAft>
+              <a:buClrTx/>
+              <a:buSzTx/>
+              <a:buFontTx/>
+              <a:buNone/>
+              <a:tabLst/>
+              <a:defRPr/>
+            </a:pPr>
+            <a:endParaRPr kumimoji="0" lang="en-US" altLang="zh-CN" sz="1600" b="1" i="0" u="none" strike="noStrike" kern="1200" cap="none" spc="0" normalizeH="0" baseline="0" noProof="0" dirty="0">
+              <a:ln>
+                <a:noFill/>
+              </a:ln>
+              <a:solidFill>
+                <a:srgbClr val="4472C4">
+                  <a:lumMod val="75000"/>
+                </a:srgbClr>
+              </a:solidFill>
+              <a:effectLst/>
+              <a:uLnTx/>
+              <a:uFillTx/>
+              <a:latin typeface="微软雅黑" panose="020B0503020204020204" pitchFamily="34" charset="-122"/>
+              <a:ea typeface="微软雅黑" panose="020B0503020204020204" pitchFamily="34" charset="-122"/>
+              <a:cs typeface="+mn-cs"/>
+              <a:sym typeface="微软雅黑" panose="020B0503020204020204" pitchFamily="34" charset="-122"/>
+            </a:endParaRPr>
+          </a:p>
+          <a:p>
+            <a:pPr marL="0" marR="0" lvl="0" indent="0" algn="ctr" defTabSz="914433" rtl="0" eaLnBrk="1" fontAlgn="auto" latinLnBrk="0" hangingPunct="1">
+              <a:lnSpc>
+                <a:spcPct val="100000"/>
+              </a:lnSpc>
+              <a:spcBef>
+                <a:spcPts val="0"/>
+              </a:spcBef>
+              <a:spcAft>
+                <a:spcPts val="0"/>
+              </a:spcAft>
+              <a:buClrTx/>
+              <a:buSzTx/>
+              <a:buFontTx/>
+              <a:buNone/>
+              <a:tabLst/>
+              <a:defRPr/>
+            </a:pPr>
+            <a:endParaRPr kumimoji="0" lang="en-US" altLang="zh-CN" sz="1600" b="1" i="0" u="none" strike="noStrike" kern="1200" cap="none" spc="0" normalizeH="0" baseline="0" noProof="0" dirty="0">
+              <a:ln>
+                <a:noFill/>
+              </a:ln>
+              <a:solidFill>
+                <a:srgbClr val="4472C4">
+                  <a:lumMod val="75000"/>
+                </a:srgbClr>
+              </a:solidFill>
+              <a:effectLst/>
+              <a:uLnTx/>
+              <a:uFillTx/>
+              <a:latin typeface="微软雅黑" panose="020B0503020204020204" pitchFamily="34" charset="-122"/>
+              <a:ea typeface="微软雅黑" panose="020B0503020204020204" pitchFamily="34" charset="-122"/>
+              <a:cs typeface="+mn-cs"/>
+              <a:sym typeface="微软雅黑" panose="020B0503020204020204" pitchFamily="34" charset="-122"/>
+            </a:endParaRPr>
+          </a:p>
+          <a:p>
+            <a:pPr marL="0" marR="0" lvl="0" indent="0" algn="ctr" defTabSz="914433" rtl="0" eaLnBrk="1" fontAlgn="auto" latinLnBrk="0" hangingPunct="1">
+              <a:lnSpc>
+                <a:spcPct val="100000"/>
+              </a:lnSpc>
+              <a:spcBef>
+                <a:spcPts val="0"/>
+              </a:spcBef>
+              <a:spcAft>
+                <a:spcPts val="0"/>
+              </a:spcAft>
+              <a:buClrTx/>
+              <a:buSzTx/>
+              <a:buFontTx/>
+              <a:buNone/>
+              <a:tabLst/>
+              <a:defRPr/>
+            </a:pPr>
+            <a:endParaRPr kumimoji="0" lang="en-US" altLang="zh-CN" sz="1600" b="1" i="0" u="none" strike="noStrike" kern="1200" cap="none" spc="0" normalizeH="0" baseline="0" noProof="0" dirty="0">
+              <a:ln>
+                <a:noFill/>
+              </a:ln>
+              <a:solidFill>
+                <a:srgbClr val="4472C4">
+                  <a:lumMod val="75000"/>
+                </a:srgbClr>
+              </a:solidFill>
+              <a:effectLst/>
+              <a:uLnTx/>
+              <a:uFillTx/>
+              <a:latin typeface="微软雅黑" panose="020B0503020204020204" pitchFamily="34" charset="-122"/>
+              <a:ea typeface="微软雅黑" panose="020B0503020204020204" pitchFamily="34" charset="-122"/>
+              <a:cs typeface="+mn-cs"/>
+              <a:sym typeface="微软雅黑" panose="020B0503020204020204" pitchFamily="34" charset="-122"/>
+            </a:endParaRPr>
+          </a:p>
+        </p:txBody>
+      </p:sp>
+      <p:sp>
+        <p:nvSpPr>
+          <p:cNvPr id="15" name="矩形 14">
+            <a:extLst>
+              <a:ext uri="{FF2B5EF4-FFF2-40B4-BE49-F238E27FC236}">
+                <a16:creationId xmlns:a16="http://schemas.microsoft.com/office/drawing/2014/main" id="{627A1670-860B-3A84-E1E4-5D162728396F}"/>
+              </a:ext>
+            </a:extLst>
+          </p:cNvPr>
+          <p:cNvSpPr/>
+          <p:nvPr/>
+        </p:nvSpPr>
+        <p:spPr>
+          <a:xfrm>
+            <a:off x="0" y="693517"/>
+            <a:ext cx="12192000" cy="690741"/>
+          </a:xfrm>
+          <a:prstGeom prst="rect">
+            <a:avLst/>
+          </a:prstGeom>
+          <a:solidFill>
+            <a:schemeClr val="bg1"/>
+          </a:solidFill>
+          <a:ln>
+            <a:solidFill>
+              <a:schemeClr val="bg1"/>
+            </a:solidFill>
+          </a:ln>
+        </p:spPr>
+        <p:style>
+          <a:lnRef idx="2">
+            <a:schemeClr val="accent1">
+              <a:shade val="50000"/>
+            </a:schemeClr>
+          </a:lnRef>
+          <a:fillRef idx="1">
+            <a:schemeClr val="accent1"/>
+          </a:fillRef>
+          <a:effectRef idx="0">
+            <a:schemeClr val="accent1"/>
+          </a:effectRef>
+          <a:fontRef idx="minor">
+            <a:schemeClr val="lt1"/>
+          </a:fontRef>
+        </p:style>
+        <p:txBody>
+          <a:bodyPr rtlCol="0" anchor="ctr"/>
+          <a:lstStyle/>
+          <a:p>
+            <a:pPr marL="0" marR="0" lvl="0" indent="0" algn="ctr" defTabSz="914433" rtl="0" eaLnBrk="1" fontAlgn="auto" latinLnBrk="0" hangingPunct="1">
+              <a:lnSpc>
+                <a:spcPct val="100000"/>
+              </a:lnSpc>
+              <a:spcBef>
+                <a:spcPts val="0"/>
+              </a:spcBef>
+              <a:spcAft>
+                <a:spcPts val="0"/>
+              </a:spcAft>
+              <a:buClrTx/>
+              <a:buSzTx/>
+              <a:buFontTx/>
+              <a:buNone/>
+              <a:tabLst/>
+              <a:defRPr/>
+            </a:pPr>
+            <a:endParaRPr kumimoji="0" lang="zh-CN" altLang="en-US" sz="3202" b="0" i="0" u="none" strike="noStrike" kern="1200" cap="none" spc="0" normalizeH="0" baseline="0" noProof="0" dirty="0">
+              <a:ln>
+                <a:noFill/>
+              </a:ln>
+              <a:solidFill>
+                <a:prstClr val="white"/>
+              </a:solidFill>
+              <a:effectLst/>
+              <a:uLnTx/>
+              <a:uFillTx/>
+              <a:latin typeface="微软雅黑" panose="020B0503020204020204" pitchFamily="34" charset="-122"/>
+              <a:ea typeface="微软雅黑" panose="020B0503020204020204" pitchFamily="34" charset="-122"/>
+              <a:cs typeface="+mn-cs"/>
+              <a:sym typeface="微软雅黑" panose="020B0503020204020204" pitchFamily="34" charset="-122"/>
+            </a:endParaRPr>
+          </a:p>
+        </p:txBody>
+      </p:sp>
+      <p:pic>
+        <p:nvPicPr>
+          <p:cNvPr id="16" name="图形 15">
+            <a:extLst>
+              <a:ext uri="{FF2B5EF4-FFF2-40B4-BE49-F238E27FC236}">
+                <a16:creationId xmlns:a16="http://schemas.microsoft.com/office/drawing/2014/main" id="{E3DB26D1-C3E9-A379-C007-3AE8A41B466D}"/>
+              </a:ext>
+            </a:extLst>
+          </p:cNvPr>
+          <p:cNvPicPr>
+            <a:picLocks noChangeAspect="1"/>
+          </p:cNvPicPr>
+          <p:nvPr/>
+        </p:nvPicPr>
+        <p:blipFill>
+          <a:blip r:embed="rId2">
+            <a:extLst>
+              <a:ext uri="{96DAC541-7B7A-43D3-8B79-37D633B846F1}">
+                <asvg:svgBlip xmlns:asvg="http://schemas.microsoft.com/office/drawing/2016/SVG/main" r:embed="rId3"/>
+              </a:ext>
+            </a:extLst>
+          </a:blip>
+          <a:stretch>
+            <a:fillRect/>
+          </a:stretch>
+        </p:blipFill>
+        <p:spPr>
+          <a:xfrm>
+            <a:off x="520332" y="799040"/>
+            <a:ext cx="1985145" cy="486187"/>
+          </a:xfrm>
+          <a:prstGeom prst="rect">
+            <a:avLst/>
+          </a:prstGeom>
+        </p:spPr>
+      </p:pic>
+      <p:sp>
+        <p:nvSpPr>
+          <p:cNvPr id="25" name="矩形 24">
+            <a:extLst>
+              <a:ext uri="{FF2B5EF4-FFF2-40B4-BE49-F238E27FC236}">
+                <a16:creationId xmlns:a16="http://schemas.microsoft.com/office/drawing/2014/main" id="{F9891A39-0866-4099-5CE1-0255E362AF2D}"/>
+              </a:ext>
+            </a:extLst>
+          </p:cNvPr>
+          <p:cNvSpPr/>
+          <p:nvPr/>
+        </p:nvSpPr>
+        <p:spPr>
+          <a:xfrm>
+            <a:off x="0" y="1384643"/>
+            <a:ext cx="12192000" cy="138853"/>
+          </a:xfrm>
+          <a:prstGeom prst="rect">
+            <a:avLst/>
+          </a:prstGeom>
+          <a:solidFill>
+            <a:schemeClr val="accent2">
+              <a:lumMod val="20000"/>
+              <a:lumOff val="80000"/>
+            </a:schemeClr>
+          </a:solidFill>
+          <a:ln>
+            <a:solidFill>
+              <a:schemeClr val="accent2">
+                <a:lumMod val="20000"/>
+                <a:lumOff val="80000"/>
+              </a:schemeClr>
+            </a:solidFill>
+          </a:ln>
+        </p:spPr>
+        <p:style>
+          <a:lnRef idx="2">
+            <a:schemeClr val="accent1">
+              <a:shade val="50000"/>
+            </a:schemeClr>
+          </a:lnRef>
+          <a:fillRef idx="1">
+            <a:schemeClr val="accent1"/>
+          </a:fillRef>
+          <a:effectRef idx="0">
+            <a:schemeClr val="accent1"/>
+          </a:effectRef>
+          <a:fontRef idx="minor">
+            <a:schemeClr val="lt1"/>
+          </a:fontRef>
+        </p:style>
+        <p:txBody>
+          <a:bodyPr rtlCol="0" anchor="ctr"/>
+          <a:lstStyle/>
+          <a:p>
+            <a:pPr marL="0" marR="0" lvl="0" indent="0" algn="ctr" defTabSz="914433" rtl="0" eaLnBrk="1" fontAlgn="auto" latinLnBrk="0" hangingPunct="1">
+              <a:lnSpc>
+                <a:spcPct val="100000"/>
+              </a:lnSpc>
+              <a:spcBef>
+                <a:spcPts val="0"/>
+              </a:spcBef>
+              <a:spcAft>
+                <a:spcPts val="0"/>
+              </a:spcAft>
+              <a:buClrTx/>
+              <a:buSzTx/>
+              <a:buFontTx/>
+              <a:buNone/>
+              <a:tabLst/>
+              <a:defRPr/>
+            </a:pPr>
+            <a:endParaRPr kumimoji="0" lang="zh-CN" altLang="en-US" sz="3202" b="0" i="0" u="none" strike="noStrike" kern="1200" cap="none" spc="0" normalizeH="0" baseline="0" noProof="0">
+              <a:ln>
+                <a:noFill/>
+              </a:ln>
+              <a:solidFill>
+                <a:prstClr val="white"/>
+              </a:solidFill>
+              <a:effectLst/>
+              <a:uLnTx/>
+              <a:uFillTx/>
+              <a:latin typeface="微软雅黑" panose="020B0503020204020204" pitchFamily="34" charset="-122"/>
+              <a:ea typeface="微软雅黑" panose="020B0503020204020204" pitchFamily="34" charset="-122"/>
+              <a:cs typeface="+mn-cs"/>
+              <a:sym typeface="微软雅黑" panose="020B0503020204020204" pitchFamily="34" charset="-122"/>
+            </a:endParaRPr>
+          </a:p>
+        </p:txBody>
+      </p:sp>
+      <p:sp>
+        <p:nvSpPr>
+          <p:cNvPr id="30" name="矩形: 圆角 12">
+            <a:extLst>
+              <a:ext uri="{FF2B5EF4-FFF2-40B4-BE49-F238E27FC236}">
+                <a16:creationId xmlns:a16="http://schemas.microsoft.com/office/drawing/2014/main" id="{018966DE-DB3E-FB87-3F3C-C01B28331592}"/>
+              </a:ext>
+            </a:extLst>
+          </p:cNvPr>
+          <p:cNvSpPr/>
+          <p:nvPr/>
+        </p:nvSpPr>
+        <p:spPr>
+          <a:xfrm>
+            <a:off x="520333" y="1904999"/>
+            <a:ext cx="11143348" cy="13767121"/>
+          </a:xfrm>
+          <a:prstGeom prst="roundRect">
+            <a:avLst>
+              <a:gd name="adj" fmla="val 1964"/>
+            </a:avLst>
+          </a:prstGeom>
+          <a:noFill/>
+          <a:ln>
+            <a:solidFill>
+              <a:schemeClr val="accent3">
+                <a:lumMod val="20000"/>
+                <a:lumOff val="80000"/>
+              </a:schemeClr>
+            </a:solidFill>
+          </a:ln>
+        </p:spPr>
+        <p:style>
+          <a:lnRef idx="2">
+            <a:schemeClr val="accent1">
+              <a:shade val="50000"/>
+            </a:schemeClr>
+          </a:lnRef>
+          <a:fillRef idx="1">
+            <a:schemeClr val="accent1"/>
+          </a:fillRef>
+          <a:effectRef idx="0">
+            <a:schemeClr val="accent1"/>
+          </a:effectRef>
+          <a:fontRef idx="minor">
+            <a:schemeClr val="lt1"/>
+          </a:fontRef>
+        </p:style>
+        <p:txBody>
+          <a:bodyPr rtlCol="0" anchor="ctr"/>
+          <a:lstStyle/>
+          <a:p>
+            <a:pPr marL="0" marR="0" lvl="0" indent="0" algn="ctr" defTabSz="914433" rtl="0" eaLnBrk="1" fontAlgn="auto" latinLnBrk="0" hangingPunct="1">
+              <a:lnSpc>
+                <a:spcPct val="100000"/>
+              </a:lnSpc>
+              <a:spcBef>
+                <a:spcPts val="0"/>
+              </a:spcBef>
+              <a:spcAft>
+                <a:spcPts val="0"/>
+              </a:spcAft>
+              <a:buClrTx/>
+              <a:buSzTx/>
+              <a:buFontTx/>
+              <a:buNone/>
+              <a:tabLst/>
+              <a:defRPr/>
+            </a:pPr>
+            <a:endParaRPr kumimoji="0" lang="zh-CN" altLang="en-US" sz="3202" b="0" i="0" u="none" strike="noStrike" kern="1200" cap="none" spc="0" normalizeH="0" baseline="0" noProof="0" dirty="0">
+              <a:ln>
+                <a:noFill/>
+              </a:ln>
+              <a:solidFill>
+                <a:prstClr val="white"/>
+              </a:solidFill>
+              <a:effectLst/>
+              <a:uLnTx/>
+              <a:uFillTx/>
+              <a:latin typeface="微软雅黑" panose="020B0503020204020204" pitchFamily="34" charset="-122"/>
+              <a:ea typeface="微软雅黑" panose="020B0503020204020204" pitchFamily="34" charset="-122"/>
+              <a:cs typeface="+mn-cs"/>
+              <a:sym typeface="微软雅黑" panose="020B0503020204020204" pitchFamily="34" charset="-122"/>
+            </a:endParaRPr>
+          </a:p>
+        </p:txBody>
+      </p:sp>
+      <p:cxnSp>
+        <p:nvCxnSpPr>
+          <p:cNvPr id="45" name="直线连接符 44">
+            <a:extLst>
+              <a:ext uri="{FF2B5EF4-FFF2-40B4-BE49-F238E27FC236}">
+                <a16:creationId xmlns:a16="http://schemas.microsoft.com/office/drawing/2014/main" id="{1A3DE53A-462B-3596-83D4-1BFCFC325EC6}"/>
+              </a:ext>
+            </a:extLst>
+          </p:cNvPr>
+          <p:cNvCxnSpPr>
+            <a:cxnSpLocks/>
+          </p:cNvCxnSpPr>
+          <p:nvPr/>
+        </p:nvCxnSpPr>
+        <p:spPr>
+          <a:xfrm>
+            <a:off x="862411" y="2441471"/>
+            <a:ext cx="10383532" cy="0"/>
+          </a:xfrm>
+          <a:prstGeom prst="line">
+            <a:avLst/>
+          </a:prstGeom>
+          <a:ln>
+            <a:solidFill>
+              <a:schemeClr val="dk1">
+                <a:alpha val="39855"/>
+              </a:schemeClr>
+            </a:solidFill>
+          </a:ln>
+        </p:spPr>
+        <p:style>
+          <a:lnRef idx="1">
+            <a:schemeClr val="dk1"/>
+          </a:lnRef>
+          <a:fillRef idx="0">
+            <a:schemeClr val="dk1"/>
+          </a:fillRef>
+          <a:effectRef idx="0">
+            <a:schemeClr val="dk1"/>
+          </a:effectRef>
+          <a:fontRef idx="minor">
+            <a:schemeClr val="tx1"/>
+          </a:fontRef>
+        </p:style>
+      </p:cxnSp>
+      <p:sp>
+        <p:nvSpPr>
+          <p:cNvPr id="48" name="文本框 47">
+            <a:extLst>
+              <a:ext uri="{FF2B5EF4-FFF2-40B4-BE49-F238E27FC236}">
+                <a16:creationId xmlns:a16="http://schemas.microsoft.com/office/drawing/2014/main" id="{7BC38C87-6D0B-CDF2-E24F-1189D2CEA5F2}"/>
+              </a:ext>
+            </a:extLst>
+          </p:cNvPr>
+          <p:cNvSpPr txBox="1"/>
+          <p:nvPr/>
+        </p:nvSpPr>
+        <p:spPr>
+          <a:xfrm>
+            <a:off x="959505" y="2055861"/>
+            <a:ext cx="2259726" cy="276999"/>
+          </a:xfrm>
+          <a:prstGeom prst="rect">
+            <a:avLst/>
+          </a:prstGeom>
+          <a:noFill/>
+        </p:spPr>
+        <p:txBody>
+          <a:bodyPr wrap="square" rtlCol="0">
+            <a:spAutoFit/>
+          </a:bodyPr>
+          <a:lstStyle/>
+          <a:p>
+            <a:pPr marL="0" marR="0" lvl="0" indent="0" algn="l" defTabSz="914433" rtl="0" eaLnBrk="1" fontAlgn="auto" latinLnBrk="0" hangingPunct="1">
+              <a:lnSpc>
+                <a:spcPct val="100000"/>
+              </a:lnSpc>
+              <a:spcBef>
+                <a:spcPts val="0"/>
+              </a:spcBef>
+              <a:spcAft>
+                <a:spcPts val="0"/>
+              </a:spcAft>
+              <a:buClrTx/>
+              <a:buSzTx/>
+              <a:buFontTx/>
+              <a:buNone/>
+              <a:tabLst/>
+              <a:defRPr/>
+            </a:pPr>
+            <a:r>
+              <a:rPr kumimoji="0" lang="en-US" altLang="zh-CN" sz="1200" b="1" i="0" u="none" strike="noStrike" kern="1200" cap="none" spc="0" normalizeH="0" baseline="0" noProof="0" dirty="0">
+                <a:ln>
+                  <a:noFill/>
+                </a:ln>
+                <a:solidFill>
+                  <a:schemeClr val="accent1">
+                    <a:lumMod val="75000"/>
+                  </a:schemeClr>
+                </a:solidFill>
+                <a:effectLst/>
+                <a:uLnTx/>
+                <a:uFillTx/>
+                <a:latin typeface="微软雅黑" panose="020B0503020204020204" pitchFamily="34" charset="-122"/>
+                <a:ea typeface="微软雅黑" panose="020B0503020204020204" pitchFamily="34" charset="-122"/>
+                <a:cs typeface="+mn-cs"/>
+                <a:sym typeface="微软雅黑" panose="020B0503020204020204" pitchFamily="34" charset="-122"/>
+              </a:rPr>
+              <a:t>TF Prediction </a:t>
+            </a:r>
+            <a:endParaRPr kumimoji="0" lang="zh-CN" altLang="en-US" sz="900" b="1" i="0" u="none" strike="noStrike" kern="1200" cap="none" spc="0" normalizeH="0" baseline="0" noProof="0" dirty="0">
+              <a:ln>
+                <a:noFill/>
+              </a:ln>
+              <a:solidFill>
+                <a:schemeClr val="accent1">
+                  <a:lumMod val="75000"/>
+                </a:schemeClr>
+              </a:solidFill>
+              <a:effectLst/>
+              <a:uLnTx/>
+              <a:uFillTx/>
+              <a:latin typeface="微软雅黑" panose="020B0503020204020204" pitchFamily="34" charset="-122"/>
+              <a:ea typeface="微软雅黑" panose="020B0503020204020204" pitchFamily="34" charset="-122"/>
+              <a:cs typeface="+mn-cs"/>
+              <a:sym typeface="微软雅黑" panose="020B0503020204020204" pitchFamily="34" charset="-122"/>
+            </a:endParaRPr>
+          </a:p>
+        </p:txBody>
+      </p:sp>
+      <p:sp>
+        <p:nvSpPr>
+          <p:cNvPr id="10" name="文本框 9">
+            <a:extLst>
+              <a:ext uri="{FF2B5EF4-FFF2-40B4-BE49-F238E27FC236}">
+                <a16:creationId xmlns:a16="http://schemas.microsoft.com/office/drawing/2014/main" id="{1D2F7A64-587A-93D1-5366-F4305FE740AC}"/>
+              </a:ext>
+            </a:extLst>
+          </p:cNvPr>
+          <p:cNvSpPr txBox="1"/>
+          <p:nvPr/>
+        </p:nvSpPr>
+        <p:spPr>
+          <a:xfrm>
+            <a:off x="927673" y="2606660"/>
+            <a:ext cx="10332292" cy="891975"/>
+          </a:xfrm>
+          <a:prstGeom prst="rect">
+            <a:avLst/>
+          </a:prstGeom>
+          <a:noFill/>
+        </p:spPr>
+        <p:txBody>
+          <a:bodyPr wrap="square" rtlCol="0">
+            <a:spAutoFit/>
+          </a:bodyPr>
+          <a:lstStyle/>
+          <a:p>
+            <a:pPr marL="0" marR="0" lvl="0" indent="0" algn="l" defTabSz="457180" rtl="0" eaLnBrk="1" fontAlgn="auto" latinLnBrk="0" hangingPunct="1">
+              <a:lnSpc>
+                <a:spcPct val="150000"/>
+              </a:lnSpc>
+              <a:spcBef>
+                <a:spcPts val="0"/>
+              </a:spcBef>
+              <a:spcAft>
+                <a:spcPts val="0"/>
+              </a:spcAft>
+              <a:buClrTx/>
+              <a:buSzTx/>
+              <a:buFontTx/>
+              <a:buNone/>
+              <a:tabLst/>
+              <a:defRPr/>
+            </a:pPr>
+            <a:r>
+              <a:rPr kumimoji="0" lang="en-US" altLang="zh-CN" sz="1400" b="0" i="0" u="none" strike="noStrike" kern="1200" cap="none" spc="0" normalizeH="0" baseline="0" noProof="0" dirty="0">
+                <a:ln>
+                  <a:noFill/>
+                </a:ln>
+                <a:solidFill>
+                  <a:srgbClr val="515A6E"/>
+                </a:solidFill>
+                <a:effectLst/>
+                <a:uLnTx/>
+                <a:uFillTx/>
+                <a:latin typeface="Arial" panose="020B0604020202020204" pitchFamily="34" charset="0"/>
+                <a:ea typeface="等线" panose="02010600030101010101" pitchFamily="2" charset="-122"/>
+                <a:cs typeface="+mn-cs"/>
+              </a:rPr>
+              <a:t>Notice</a:t>
+            </a:r>
+            <a:endParaRPr kumimoji="0" lang="en" altLang="zh-CN" sz="1600" b="0" i="0" u="none" strike="noStrike" kern="1200" cap="none" spc="0" normalizeH="0" baseline="0" noProof="0" dirty="0">
+              <a:ln>
+                <a:noFill/>
+              </a:ln>
+              <a:solidFill>
+                <a:srgbClr val="515A6E"/>
+              </a:solidFill>
+              <a:effectLst/>
+              <a:uLnTx/>
+              <a:uFillTx/>
+              <a:latin typeface="Arial" panose="020B0604020202020204" pitchFamily="34" charset="0"/>
+              <a:ea typeface="等线" panose="02010600030101010101" pitchFamily="2" charset="-122"/>
+              <a:cs typeface="+mn-cs"/>
+            </a:endParaRPr>
+          </a:p>
+          <a:p>
+            <a:pPr marL="228600" marR="0" lvl="0" indent="-228600" algn="l" defTabSz="457180" rtl="0" eaLnBrk="1" fontAlgn="auto" latinLnBrk="0" hangingPunct="1">
+              <a:lnSpc>
+                <a:spcPct val="150000"/>
+              </a:lnSpc>
+              <a:spcBef>
+                <a:spcPts val="0"/>
+              </a:spcBef>
+              <a:spcAft>
+                <a:spcPts val="0"/>
+              </a:spcAft>
+              <a:buClrTx/>
+              <a:buSzTx/>
+              <a:buFontTx/>
+              <a:buAutoNum type="arabicPeriod"/>
+              <a:tabLst/>
+              <a:defRPr/>
+            </a:pPr>
+            <a:r>
+              <a:rPr kumimoji="0" lang="en-US" altLang="zh-CN" sz="1100" b="0" i="0" u="none" strike="noStrike" kern="1200" cap="none" spc="0" normalizeH="0" baseline="0" noProof="0" dirty="0">
+                <a:ln>
+                  <a:noFill/>
+                </a:ln>
+                <a:solidFill>
+                  <a:srgbClr val="515A6E"/>
+                </a:solidFill>
+                <a:effectLst/>
+                <a:uLnTx/>
+                <a:uFillTx/>
+                <a:latin typeface="Arial" panose="020B0604020202020204" pitchFamily="34" charset="0"/>
+                <a:ea typeface="微软雅黑" panose="020B0503020204020204" pitchFamily="34" charset="-122"/>
+                <a:cs typeface="+mn-cs"/>
+                <a:sym typeface="微软雅黑" panose="020B0503020204020204" pitchFamily="34" charset="-122"/>
+              </a:rPr>
+              <a:t>Upload a protein sequence FASTA file for transcription factor prediction analysis based on DeepTFactor(</a:t>
+            </a:r>
+            <a:r>
+              <a:rPr kumimoji="0" lang="en" altLang="zh-CN" sz="1100" b="0" i="0" u="sng" strike="noStrike" kern="1200" cap="none" spc="0" normalizeH="0" baseline="0" noProof="0" dirty="0">
+                <a:ln>
+                  <a:noFill/>
+                </a:ln>
+                <a:solidFill>
+                  <a:prstClr val="black"/>
+                </a:solidFill>
+                <a:effectLst/>
+                <a:uLnTx/>
+                <a:uFillTx/>
+                <a:latin typeface="Open Sans" panose="020F0502020204030204" pitchFamily="34" charset="0"/>
+                <a:ea typeface="等线" panose="02010600030101010101" pitchFamily="2" charset="-122"/>
+                <a:cs typeface="+mn-cs"/>
+                <a:hlinkClick r:id="rId4"/>
+              </a:rPr>
+              <a:t>https://doi.org/10.1073/pnas.2021171118</a:t>
+            </a:r>
+            <a:r>
+              <a:rPr kumimoji="0" lang="en-US" altLang="zh-CN" sz="1100" b="0" i="0" u="none" strike="noStrike" kern="1200" cap="none" spc="0" normalizeH="0" baseline="0" noProof="0" dirty="0">
+                <a:ln>
+                  <a:noFill/>
+                </a:ln>
+                <a:solidFill>
+                  <a:srgbClr val="515A6E"/>
+                </a:solidFill>
+                <a:effectLst/>
+                <a:uLnTx/>
+                <a:uFillTx/>
+                <a:latin typeface="Arial" panose="020B0604020202020204" pitchFamily="34" charset="0"/>
+                <a:ea typeface="微软雅黑" panose="020B0503020204020204" pitchFamily="34" charset="-122"/>
+                <a:cs typeface="+mn-cs"/>
+                <a:sym typeface="微软雅黑" panose="020B0503020204020204" pitchFamily="34" charset="-122"/>
+              </a:rPr>
+              <a:t>).</a:t>
+            </a:r>
+          </a:p>
+          <a:p>
+            <a:pPr marL="228600" marR="0" lvl="0" indent="-228600" algn="l" defTabSz="457180" rtl="0" eaLnBrk="1" fontAlgn="auto" latinLnBrk="0" hangingPunct="1">
+              <a:lnSpc>
+                <a:spcPct val="150000"/>
+              </a:lnSpc>
+              <a:spcBef>
+                <a:spcPts val="0"/>
+              </a:spcBef>
+              <a:spcAft>
+                <a:spcPts val="0"/>
+              </a:spcAft>
+              <a:buClrTx/>
+              <a:buSzTx/>
+              <a:buFontTx/>
+              <a:buAutoNum type="arabicPeriod"/>
+              <a:tabLst/>
+              <a:defRPr/>
+            </a:pPr>
+            <a:r>
+              <a:rPr kumimoji="0" lang="en" altLang="zh-CN" sz="1100" b="0" i="0" u="none" strike="noStrike" kern="1200" cap="none" spc="0" normalizeH="0" baseline="0" noProof="0" dirty="0">
+                <a:ln>
+                  <a:noFill/>
+                </a:ln>
+                <a:solidFill>
+                  <a:srgbClr val="515A6E"/>
+                </a:solidFill>
+                <a:effectLst/>
+                <a:uLnTx/>
+                <a:uFillTx/>
+                <a:latin typeface="Arial" panose="020B0604020202020204" pitchFamily="34" charset="0"/>
+                <a:ea typeface="微软雅黑" panose="020B0503020204020204" pitchFamily="34" charset="-122"/>
+                <a:cs typeface="+mn-cs"/>
+                <a:sym typeface="微软雅黑" panose="020B0503020204020204" pitchFamily="34" charset="-122"/>
+              </a:rPr>
+              <a:t>Click on "Example" to obtain a sample file.</a:t>
+            </a:r>
+            <a:endParaRPr kumimoji="0" lang="en-US" altLang="zh-CN" sz="1100" b="0" i="0" u="none" strike="noStrike" kern="1200" cap="none" spc="0" normalizeH="0" baseline="0" noProof="0" dirty="0">
+              <a:ln>
+                <a:noFill/>
+              </a:ln>
+              <a:solidFill>
+                <a:srgbClr val="515A6E"/>
+              </a:solidFill>
+              <a:effectLst/>
+              <a:uLnTx/>
+              <a:uFillTx/>
+              <a:latin typeface="Arial" panose="020B0604020202020204" pitchFamily="34" charset="0"/>
+              <a:ea typeface="微软雅黑" panose="020B0503020204020204" pitchFamily="34" charset="-122"/>
+              <a:cs typeface="+mn-cs"/>
+              <a:sym typeface="微软雅黑" panose="020B0503020204020204" pitchFamily="34" charset="-122"/>
+            </a:endParaRPr>
+          </a:p>
+        </p:txBody>
+      </p:sp>
+      <p:sp>
+        <p:nvSpPr>
+          <p:cNvPr id="11" name="圆角矩形 10">
+            <a:extLst>
+              <a:ext uri="{FF2B5EF4-FFF2-40B4-BE49-F238E27FC236}">
+                <a16:creationId xmlns:a16="http://schemas.microsoft.com/office/drawing/2014/main" id="{FDDB3BF3-5169-24BC-BFF3-80619849DCEC}"/>
+              </a:ext>
+            </a:extLst>
+          </p:cNvPr>
+          <p:cNvSpPr/>
+          <p:nvPr/>
+        </p:nvSpPr>
+        <p:spPr>
+          <a:xfrm>
+            <a:off x="4574871" y="5603825"/>
+            <a:ext cx="1007573" cy="314960"/>
+          </a:xfrm>
+          <a:prstGeom prst="roundRect">
+            <a:avLst/>
+          </a:prstGeom>
+          <a:solidFill>
+            <a:schemeClr val="accent2">
+              <a:lumMod val="60000"/>
+              <a:lumOff val="40000"/>
+            </a:schemeClr>
+          </a:solidFill>
+          <a:ln w="6350">
+            <a:solidFill>
+              <a:schemeClr val="accent1">
+                <a:shade val="15000"/>
+                <a:alpha val="60000"/>
+              </a:schemeClr>
+            </a:solidFill>
+          </a:ln>
+        </p:spPr>
+        <p:style>
+          <a:lnRef idx="2">
+            <a:schemeClr val="accent1">
+              <a:shade val="15000"/>
+            </a:schemeClr>
+          </a:lnRef>
+          <a:fillRef idx="1">
+            <a:schemeClr val="accent1"/>
+          </a:fillRef>
+          <a:effectRef idx="0">
+            <a:schemeClr val="accent1"/>
+          </a:effectRef>
+          <a:fontRef idx="minor">
+            <a:schemeClr val="lt1"/>
+          </a:fontRef>
+        </p:style>
+        <p:txBody>
+          <a:bodyPr rtlCol="0" anchor="ctr"/>
+          <a:lstStyle/>
+          <a:p>
+            <a:pPr marL="0" marR="0" lvl="0" indent="0" algn="ctr" defTabSz="457180" rtl="0" eaLnBrk="1" fontAlgn="auto" latinLnBrk="0" hangingPunct="1">
+              <a:lnSpc>
+                <a:spcPct val="100000"/>
+              </a:lnSpc>
+              <a:spcBef>
+                <a:spcPts val="0"/>
+              </a:spcBef>
+              <a:spcAft>
+                <a:spcPts val="0"/>
+              </a:spcAft>
+              <a:buClrTx/>
+              <a:buSzTx/>
+              <a:buFontTx/>
+              <a:buNone/>
+              <a:tabLst/>
+              <a:defRPr/>
+            </a:pPr>
+            <a:r>
+              <a:rPr kumimoji="1" lang="en-US" altLang="zh-CN" sz="1200" b="0" i="0" u="none" strike="noStrike" kern="1200" cap="none" spc="0" normalizeH="0" baseline="0" noProof="0" dirty="0">
+                <a:ln>
+                  <a:noFill/>
+                </a:ln>
+                <a:solidFill>
+                  <a:prstClr val="white"/>
+                </a:solidFill>
+                <a:effectLst/>
+                <a:uLnTx/>
+                <a:uFillTx/>
+                <a:latin typeface="Calibri" panose="020F0502020204030204"/>
+                <a:ea typeface="等线" panose="02010600030101010101" pitchFamily="2" charset="-122"/>
+                <a:cs typeface="+mn-cs"/>
+              </a:rPr>
+              <a:t>Example</a:t>
+            </a:r>
+            <a:endParaRPr kumimoji="1" lang="zh-CN" altLang="en-US" sz="1200" b="0" i="0" u="none" strike="noStrike" kern="1200" cap="none" spc="0" normalizeH="0" baseline="0" noProof="0" dirty="0">
+              <a:ln>
+                <a:noFill/>
+              </a:ln>
+              <a:solidFill>
+                <a:prstClr val="white"/>
+              </a:solidFill>
+              <a:effectLst/>
+              <a:uLnTx/>
+              <a:uFillTx/>
+              <a:latin typeface="Calibri" panose="020F0502020204030204"/>
+              <a:ea typeface="等线" panose="02010600030101010101" pitchFamily="2" charset="-122"/>
+              <a:cs typeface="+mn-cs"/>
+            </a:endParaRPr>
+          </a:p>
+        </p:txBody>
+      </p:sp>
+      <p:sp>
+        <p:nvSpPr>
+          <p:cNvPr id="12" name="圆角矩形 11">
+            <a:extLst>
+              <a:ext uri="{FF2B5EF4-FFF2-40B4-BE49-F238E27FC236}">
+                <a16:creationId xmlns:a16="http://schemas.microsoft.com/office/drawing/2014/main" id="{9CADEC5D-33F1-FA56-BC8B-F1C8EE670503}"/>
+              </a:ext>
+            </a:extLst>
+          </p:cNvPr>
+          <p:cNvSpPr/>
+          <p:nvPr/>
+        </p:nvSpPr>
+        <p:spPr>
+          <a:xfrm>
+            <a:off x="6125266" y="5603825"/>
+            <a:ext cx="1007573" cy="314960"/>
+          </a:xfrm>
+          <a:prstGeom prst="roundRect">
+            <a:avLst/>
+          </a:prstGeom>
+          <a:solidFill>
+            <a:schemeClr val="accent1">
+              <a:lumMod val="75000"/>
+            </a:schemeClr>
+          </a:solidFill>
+          <a:ln w="6350">
+            <a:solidFill>
+              <a:schemeClr val="accent1">
+                <a:shade val="15000"/>
+                <a:alpha val="59912"/>
+              </a:schemeClr>
+            </a:solidFill>
+          </a:ln>
+        </p:spPr>
+        <p:style>
+          <a:lnRef idx="2">
+            <a:schemeClr val="accent1">
+              <a:shade val="15000"/>
+            </a:schemeClr>
+          </a:lnRef>
+          <a:fillRef idx="1">
+            <a:schemeClr val="accent1"/>
+          </a:fillRef>
+          <a:effectRef idx="0">
+            <a:schemeClr val="accent1"/>
+          </a:effectRef>
+          <a:fontRef idx="minor">
+            <a:schemeClr val="lt1"/>
+          </a:fontRef>
+        </p:style>
+        <p:txBody>
+          <a:bodyPr rtlCol="0" anchor="ctr"/>
+          <a:lstStyle/>
+          <a:p>
+            <a:pPr marL="0" marR="0" lvl="0" indent="0" algn="ctr" defTabSz="457180" rtl="0" eaLnBrk="1" fontAlgn="auto" latinLnBrk="0" hangingPunct="1">
+              <a:lnSpc>
+                <a:spcPct val="100000"/>
+              </a:lnSpc>
+              <a:spcBef>
+                <a:spcPts val="0"/>
+              </a:spcBef>
+              <a:spcAft>
+                <a:spcPts val="0"/>
+              </a:spcAft>
+              <a:buClrTx/>
+              <a:buSzTx/>
+              <a:buFontTx/>
+              <a:buNone/>
+              <a:tabLst/>
+              <a:defRPr/>
+            </a:pPr>
+            <a:r>
+              <a:rPr kumimoji="1" lang="en-US" altLang="zh-CN" sz="1200" b="0" i="0" u="none" strike="noStrike" kern="1200" cap="none" spc="0" normalizeH="0" baseline="0" noProof="0" dirty="0">
+                <a:ln>
+                  <a:noFill/>
+                </a:ln>
+                <a:solidFill>
+                  <a:prstClr val="white"/>
+                </a:solidFill>
+                <a:effectLst/>
+                <a:uLnTx/>
+                <a:uFillTx/>
+                <a:latin typeface="Calibri" panose="020F0502020204030204"/>
+                <a:ea typeface="等线" panose="02010600030101010101" pitchFamily="2" charset="-122"/>
+                <a:cs typeface="+mn-cs"/>
+              </a:rPr>
+              <a:t>Submit</a:t>
+            </a:r>
+            <a:endParaRPr kumimoji="1" lang="zh-CN" altLang="en-US" sz="1200" b="0" i="0" u="none" strike="noStrike" kern="1200" cap="none" spc="0" normalizeH="0" baseline="0" noProof="0" dirty="0">
+              <a:ln>
+                <a:noFill/>
+              </a:ln>
+              <a:solidFill>
+                <a:prstClr val="white"/>
+              </a:solidFill>
+              <a:effectLst/>
+              <a:uLnTx/>
+              <a:uFillTx/>
+              <a:latin typeface="Calibri" panose="020F0502020204030204"/>
+              <a:ea typeface="等线" panose="02010600030101010101" pitchFamily="2" charset="-122"/>
+              <a:cs typeface="+mn-cs"/>
+            </a:endParaRPr>
+          </a:p>
+        </p:txBody>
+      </p:sp>
+      <p:cxnSp>
+        <p:nvCxnSpPr>
+          <p:cNvPr id="13" name="直线连接符 12">
+            <a:extLst>
+              <a:ext uri="{FF2B5EF4-FFF2-40B4-BE49-F238E27FC236}">
+                <a16:creationId xmlns:a16="http://schemas.microsoft.com/office/drawing/2014/main" id="{C327293E-1F2A-C492-F2B5-33A945B880BD}"/>
+              </a:ext>
+            </a:extLst>
+          </p:cNvPr>
+          <p:cNvCxnSpPr>
+            <a:cxnSpLocks/>
+          </p:cNvCxnSpPr>
+          <p:nvPr/>
+        </p:nvCxnSpPr>
+        <p:spPr>
+          <a:xfrm>
+            <a:off x="751858" y="6570915"/>
+            <a:ext cx="10383532" cy="0"/>
+          </a:xfrm>
+          <a:prstGeom prst="line">
+            <a:avLst/>
+          </a:prstGeom>
+          <a:ln>
+            <a:solidFill>
+              <a:schemeClr val="dk1">
+                <a:alpha val="39855"/>
+              </a:schemeClr>
+            </a:solidFill>
+          </a:ln>
+        </p:spPr>
+        <p:style>
+          <a:lnRef idx="1">
+            <a:schemeClr val="dk1"/>
+          </a:lnRef>
+          <a:fillRef idx="0">
+            <a:schemeClr val="dk1"/>
+          </a:fillRef>
+          <a:effectRef idx="0">
+            <a:schemeClr val="dk1"/>
+          </a:effectRef>
+          <a:fontRef idx="minor">
+            <a:schemeClr val="tx1"/>
+          </a:fontRef>
+        </p:style>
+      </p:cxnSp>
+      <p:cxnSp>
+        <p:nvCxnSpPr>
+          <p:cNvPr id="14" name="直线箭头连接符 13">
+            <a:extLst>
+              <a:ext uri="{FF2B5EF4-FFF2-40B4-BE49-F238E27FC236}">
+                <a16:creationId xmlns:a16="http://schemas.microsoft.com/office/drawing/2014/main" id="{8C132D2E-8C4E-E1F8-1CEE-DC009381599A}"/>
+              </a:ext>
+            </a:extLst>
+          </p:cNvPr>
+          <p:cNvCxnSpPr>
+            <a:cxnSpLocks/>
+          </p:cNvCxnSpPr>
+          <p:nvPr/>
+        </p:nvCxnSpPr>
+        <p:spPr>
+          <a:xfrm>
+            <a:off x="6655552" y="6040330"/>
+            <a:ext cx="0" cy="1208506"/>
+          </a:xfrm>
+          <a:prstGeom prst="straightConnector1">
+            <a:avLst/>
+          </a:prstGeom>
+          <a:ln>
+            <a:tailEnd type="triangle"/>
+          </a:ln>
+        </p:spPr>
+        <p:style>
+          <a:lnRef idx="1">
+            <a:schemeClr val="accent1"/>
+          </a:lnRef>
+          <a:fillRef idx="0">
+            <a:schemeClr val="accent1"/>
+          </a:fillRef>
+          <a:effectRef idx="0">
+            <a:schemeClr val="accent1"/>
+          </a:effectRef>
+          <a:fontRef idx="minor">
+            <a:schemeClr val="tx1"/>
+          </a:fontRef>
+        </p:style>
+      </p:cxnSp>
+      <p:sp>
+        <p:nvSpPr>
+          <p:cNvPr id="31" name="文本框 30">
+            <a:extLst>
+              <a:ext uri="{FF2B5EF4-FFF2-40B4-BE49-F238E27FC236}">
+                <a16:creationId xmlns:a16="http://schemas.microsoft.com/office/drawing/2014/main" id="{C0C63F25-B41A-AA4D-EB53-09E8D03FCA6A}"/>
+              </a:ext>
+            </a:extLst>
+          </p:cNvPr>
+          <p:cNvSpPr txBox="1"/>
+          <p:nvPr/>
+        </p:nvSpPr>
+        <p:spPr>
+          <a:xfrm>
+            <a:off x="946058" y="6824502"/>
+            <a:ext cx="3406426" cy="276999"/>
+          </a:xfrm>
+          <a:prstGeom prst="rect">
+            <a:avLst/>
+          </a:prstGeom>
+          <a:noFill/>
+        </p:spPr>
+        <p:txBody>
+          <a:bodyPr wrap="square" rtlCol="0">
+            <a:spAutoFit/>
+          </a:bodyPr>
+          <a:lstStyle/>
+          <a:p>
+            <a:pPr marL="0" marR="0" lvl="0" indent="0" algn="l" defTabSz="914433" rtl="0" eaLnBrk="1" fontAlgn="auto" latinLnBrk="0" hangingPunct="1">
+              <a:lnSpc>
+                <a:spcPct val="100000"/>
+              </a:lnSpc>
+              <a:spcBef>
+                <a:spcPts val="0"/>
+              </a:spcBef>
+              <a:spcAft>
+                <a:spcPts val="0"/>
+              </a:spcAft>
+              <a:buClrTx/>
+              <a:buSzTx/>
+              <a:buFontTx/>
+              <a:buNone/>
+              <a:tabLst/>
+              <a:defRPr/>
+            </a:pPr>
+            <a:r>
+              <a:rPr kumimoji="0" lang="en" altLang="zh-CN" sz="1200" b="1" i="0" u="none" strike="noStrike" kern="1200" cap="none" spc="0" normalizeH="0" baseline="0" noProof="0" dirty="0">
+                <a:ln>
+                  <a:noFill/>
+                </a:ln>
+                <a:solidFill>
                   <a:prstClr val="black">
                     <a:lumMod val="75000"/>
                     <a:lumOff val="25000"/>
                   </a:prstClr>
+                </a:solidFill>
+                <a:effectLst/>
+                <a:uLnTx/>
+                <a:uFillTx/>
+                <a:latin typeface="微软雅黑" panose="020B0503020204020204" pitchFamily="34" charset="-122"/>
+                <a:ea typeface="微软雅黑" panose="020B0503020204020204" pitchFamily="34" charset="-122"/>
+                <a:cs typeface="+mn-cs"/>
+                <a:sym typeface="微软雅黑" panose="020B0503020204020204" pitchFamily="34" charset="-122"/>
+              </a:rPr>
+              <a:t>Metabolic Flux V</a:t>
+            </a:r>
+            <a:r>
+              <a:rPr kumimoji="0" lang="en" altLang="zh-CN" sz="1200" b="1" i="0" u="none" strike="noStrike" kern="1200" cap="none" spc="0" normalizeH="0" baseline="0" noProof="0" dirty="0" err="1">
+                <a:ln>
+                  <a:noFill/>
+                </a:ln>
+                <a:solidFill>
+                  <a:prstClr val="black">
+                    <a:lumMod val="75000"/>
+                    <a:lumOff val="25000"/>
+                  </a:prstClr>
+                </a:solidFill>
+                <a:effectLst/>
+                <a:uLnTx/>
+                <a:uFillTx/>
+                <a:latin typeface="微软雅黑" panose="020B0503020204020204" pitchFamily="34" charset="-122"/>
+                <a:ea typeface="微软雅黑" panose="020B0503020204020204" pitchFamily="34" charset="-122"/>
+                <a:cs typeface="+mn-cs"/>
+                <a:sym typeface="微软雅黑" panose="020B0503020204020204" pitchFamily="34" charset="-122"/>
+              </a:rPr>
+              <a:t>isualization</a:t>
+            </a:r>
+            <a:endParaRPr kumimoji="0" lang="en" altLang="zh-CN" sz="1200" b="1" i="0" u="none" strike="noStrike" kern="1200" cap="none" spc="0" normalizeH="0" baseline="0" noProof="0" dirty="0">
+              <a:ln>
+                <a:noFill/>
+              </a:ln>
+              <a:solidFill>
+                <a:prstClr val="black">
+                  <a:lumMod val="75000"/>
+                  <a:lumOff val="25000"/>
+                </a:prstClr>
+              </a:solidFill>
+              <a:effectLst/>
+              <a:uLnTx/>
+              <a:uFillTx/>
+              <a:latin typeface="微软雅黑" panose="020B0503020204020204" pitchFamily="34" charset="-122"/>
+              <a:ea typeface="微软雅黑" panose="020B0503020204020204" pitchFamily="34" charset="-122"/>
+              <a:cs typeface="+mn-cs"/>
+              <a:sym typeface="微软雅黑" panose="020B0503020204020204" pitchFamily="34" charset="-122"/>
+            </a:endParaRPr>
+          </a:p>
+        </p:txBody>
+      </p:sp>
+      <p:sp>
+        <p:nvSpPr>
+          <p:cNvPr id="7" name="文本框 6">
+            <a:extLst>
+              <a:ext uri="{FF2B5EF4-FFF2-40B4-BE49-F238E27FC236}">
+                <a16:creationId xmlns:a16="http://schemas.microsoft.com/office/drawing/2014/main" id="{8D3F9432-CF44-04A7-172F-58A2AAC039FB}"/>
+              </a:ext>
+            </a:extLst>
+          </p:cNvPr>
+          <p:cNvSpPr txBox="1"/>
+          <p:nvPr/>
+        </p:nvSpPr>
+        <p:spPr>
+          <a:xfrm>
+            <a:off x="5121897" y="919203"/>
+            <a:ext cx="1985144" cy="276999"/>
+          </a:xfrm>
+          <a:prstGeom prst="rect">
+            <a:avLst/>
+          </a:prstGeom>
+          <a:noFill/>
+        </p:spPr>
+        <p:txBody>
+          <a:bodyPr wrap="square" rtlCol="0">
+            <a:spAutoFit/>
+          </a:bodyPr>
+          <a:lstStyle/>
+          <a:p>
+            <a:pPr marL="0" marR="0" lvl="0" indent="0" algn="l" defTabSz="914433" rtl="0" eaLnBrk="1" fontAlgn="auto" latinLnBrk="0" hangingPunct="1">
+              <a:lnSpc>
+                <a:spcPct val="100000"/>
+              </a:lnSpc>
+              <a:spcBef>
+                <a:spcPts val="0"/>
+              </a:spcBef>
+              <a:spcAft>
+                <a:spcPts val="0"/>
+              </a:spcAft>
+              <a:buClrTx/>
+              <a:buSzTx/>
+              <a:buFontTx/>
+              <a:buNone/>
+              <a:tabLst/>
+              <a:defRPr/>
+            </a:pPr>
+            <a:r>
+              <a:rPr kumimoji="0" lang="en-US" altLang="zh-CN" sz="1200" b="1" i="0" u="none" strike="noStrike" kern="1200" cap="none" spc="0" normalizeH="0" baseline="0" noProof="0" dirty="0">
+                <a:ln>
+                  <a:noFill/>
+                </a:ln>
+                <a:solidFill>
+                  <a:srgbClr val="4472C4">
+                    <a:lumMod val="75000"/>
+                  </a:srgbClr>
+                </a:solidFill>
+                <a:effectLst/>
+                <a:uLnTx/>
+                <a:uFillTx/>
+                <a:latin typeface="微软雅黑" panose="020B0503020204020204" pitchFamily="34" charset="-122"/>
+                <a:ea typeface="微软雅黑" panose="020B0503020204020204" pitchFamily="34" charset="-122"/>
+                <a:cs typeface="+mn-cs"/>
+                <a:sym typeface="微软雅黑" panose="020B0503020204020204" pitchFamily="34" charset="-122"/>
+              </a:rPr>
+              <a:t>Tools</a:t>
+            </a:r>
+            <a:endParaRPr kumimoji="0" lang="zh-CN" altLang="en-US" sz="900" b="1" i="0" u="none" strike="noStrike" kern="1200" cap="none" spc="0" normalizeH="0" baseline="0" noProof="0" dirty="0">
+              <a:ln>
+                <a:noFill/>
+              </a:ln>
+              <a:solidFill>
+                <a:srgbClr val="4472C4">
+                  <a:lumMod val="75000"/>
+                </a:srgbClr>
+              </a:solidFill>
+              <a:effectLst/>
+              <a:uLnTx/>
+              <a:uFillTx/>
+              <a:latin typeface="微软雅黑" panose="020B0503020204020204" pitchFamily="34" charset="-122"/>
+              <a:ea typeface="微软雅黑" panose="020B0503020204020204" pitchFamily="34" charset="-122"/>
+              <a:cs typeface="+mn-cs"/>
+              <a:sym typeface="微软雅黑" panose="020B0503020204020204" pitchFamily="34" charset="-122"/>
+            </a:endParaRPr>
+          </a:p>
+        </p:txBody>
+      </p:sp>
+      <p:sp>
+        <p:nvSpPr>
+          <p:cNvPr id="28" name="文本框 27">
+            <a:extLst>
+              <a:ext uri="{FF2B5EF4-FFF2-40B4-BE49-F238E27FC236}">
+                <a16:creationId xmlns:a16="http://schemas.microsoft.com/office/drawing/2014/main" id="{72B8B29A-87E6-18FD-A875-DC830BB32691}"/>
+              </a:ext>
+            </a:extLst>
+          </p:cNvPr>
+          <p:cNvSpPr txBox="1"/>
+          <p:nvPr/>
+        </p:nvSpPr>
+        <p:spPr>
+          <a:xfrm>
+            <a:off x="2412151" y="2059971"/>
+            <a:ext cx="807080" cy="276999"/>
+          </a:xfrm>
+          <a:prstGeom prst="rect">
+            <a:avLst/>
+          </a:prstGeom>
+          <a:noFill/>
+        </p:spPr>
+        <p:txBody>
+          <a:bodyPr wrap="square" rtlCol="0">
+            <a:spAutoFit/>
+          </a:bodyPr>
+          <a:lstStyle/>
+          <a:p>
+            <a:pPr marL="0" marR="0" lvl="0" indent="0" algn="l" defTabSz="914433" rtl="0" eaLnBrk="1" fontAlgn="auto" latinLnBrk="0" hangingPunct="1">
+              <a:lnSpc>
+                <a:spcPct val="100000"/>
+              </a:lnSpc>
+              <a:spcBef>
+                <a:spcPts val="0"/>
+              </a:spcBef>
+              <a:spcAft>
+                <a:spcPts val="0"/>
+              </a:spcAft>
+              <a:buClrTx/>
+              <a:buSzTx/>
+              <a:buFontTx/>
+              <a:buNone/>
+              <a:tabLst/>
+              <a:defRPr/>
+            </a:pPr>
+            <a:r>
+              <a:rPr kumimoji="0" lang="en-US" altLang="zh-CN" sz="1200" b="1" i="0" u="none" strike="noStrike" kern="1200" cap="none" spc="0" normalizeH="0" baseline="0" noProof="0" dirty="0">
+                <a:ln>
+                  <a:noFill/>
+                </a:ln>
+                <a:solidFill>
+                  <a:schemeClr val="tx1">
+                    <a:lumMod val="85000"/>
+                    <a:lumOff val="15000"/>
+                  </a:schemeClr>
                 </a:solidFill>
                 <a:effectLst/>
                 <a:uLnTx/>
@@ -6507,6 +8458,245 @@
                 <a:sym typeface="微软雅黑" panose="020B0503020204020204" pitchFamily="34" charset="-122"/>
               </a:rPr>
               <a:t>Blastp</a:t>
+            </a:r>
+            <a:endParaRPr kumimoji="0" lang="zh-CN" altLang="en-US" sz="900" b="1" i="0" u="none" strike="noStrike" kern="1200" cap="none" spc="0" normalizeH="0" baseline="0" noProof="0" dirty="0">
+              <a:ln>
+                <a:noFill/>
+              </a:ln>
+              <a:solidFill>
+                <a:schemeClr val="tx1">
+                  <a:lumMod val="85000"/>
+                  <a:lumOff val="15000"/>
+                </a:schemeClr>
+              </a:solidFill>
+              <a:effectLst/>
+              <a:uLnTx/>
+              <a:uFillTx/>
+              <a:latin typeface="微软雅黑" panose="020B0503020204020204" pitchFamily="34" charset="-122"/>
+              <a:ea typeface="微软雅黑" panose="020B0503020204020204" pitchFamily="34" charset="-122"/>
+              <a:cs typeface="+mn-cs"/>
+              <a:sym typeface="微软雅黑" panose="020B0503020204020204" pitchFamily="34" charset="-122"/>
+            </a:endParaRPr>
+          </a:p>
+        </p:txBody>
+      </p:sp>
+      <p:sp>
+        <p:nvSpPr>
+          <p:cNvPr id="34" name="圆角矩形 33">
+            <a:extLst>
+              <a:ext uri="{FF2B5EF4-FFF2-40B4-BE49-F238E27FC236}">
+                <a16:creationId xmlns:a16="http://schemas.microsoft.com/office/drawing/2014/main" id="{0B6A1921-AAAC-2693-01D1-6A005FEFA3E3}"/>
+              </a:ext>
+            </a:extLst>
+          </p:cNvPr>
+          <p:cNvSpPr/>
+          <p:nvPr/>
+        </p:nvSpPr>
+        <p:spPr>
+          <a:xfrm>
+            <a:off x="1070314" y="7419488"/>
+            <a:ext cx="10051372" cy="7344741"/>
+          </a:xfrm>
+          <a:prstGeom prst="roundRect">
+            <a:avLst>
+              <a:gd name="adj" fmla="val 4751"/>
+            </a:avLst>
+          </a:prstGeom>
+          <a:ln>
+            <a:solidFill>
+              <a:schemeClr val="bg1">
+                <a:lumMod val="50000"/>
+              </a:schemeClr>
+            </a:solidFill>
+          </a:ln>
+        </p:spPr>
+        <p:style>
+          <a:lnRef idx="2">
+            <a:schemeClr val="accent6"/>
+          </a:lnRef>
+          <a:fillRef idx="1">
+            <a:schemeClr val="lt1"/>
+          </a:fillRef>
+          <a:effectRef idx="0">
+            <a:schemeClr val="accent6"/>
+          </a:effectRef>
+          <a:fontRef idx="minor">
+            <a:schemeClr val="dk1"/>
+          </a:fontRef>
+        </p:style>
+        <p:txBody>
+          <a:bodyPr rtlCol="0" anchor="ctr"/>
+          <a:lstStyle/>
+          <a:p>
+            <a:pPr marL="0" marR="0" lvl="0" indent="0" algn="ctr" defTabSz="457180" rtl="0" eaLnBrk="1" fontAlgn="auto" latinLnBrk="0" hangingPunct="1">
+              <a:lnSpc>
+                <a:spcPct val="100000"/>
+              </a:lnSpc>
+              <a:spcBef>
+                <a:spcPts val="0"/>
+              </a:spcBef>
+              <a:spcAft>
+                <a:spcPts val="0"/>
+              </a:spcAft>
+              <a:buClrTx/>
+              <a:buSzTx/>
+              <a:buFontTx/>
+              <a:buNone/>
+              <a:tabLst/>
+              <a:defRPr/>
+            </a:pPr>
+            <a:endParaRPr kumimoji="1" lang="zh-CN" altLang="en-US" sz="1801" b="0" i="0" u="none" strike="noStrike" kern="1200" cap="none" spc="0" normalizeH="0" baseline="0" noProof="0">
+              <a:ln>
+                <a:noFill/>
+              </a:ln>
+              <a:solidFill>
+                <a:prstClr val="black"/>
+              </a:solidFill>
+              <a:effectLst/>
+              <a:uLnTx/>
+              <a:uFillTx/>
+              <a:latin typeface="Calibri" panose="020F0502020204030204"/>
+              <a:ea typeface="等线" panose="02010600030101010101" pitchFamily="2" charset="-122"/>
+              <a:cs typeface="+mn-cs"/>
+            </a:endParaRPr>
+          </a:p>
+        </p:txBody>
+      </p:sp>
+      <p:sp>
+        <p:nvSpPr>
+          <p:cNvPr id="2" name="文本框 1">
+            <a:extLst>
+              <a:ext uri="{FF2B5EF4-FFF2-40B4-BE49-F238E27FC236}">
+                <a16:creationId xmlns:a16="http://schemas.microsoft.com/office/drawing/2014/main" id="{3DFE68FA-B02C-43EC-4895-69EFF91099B0}"/>
+              </a:ext>
+            </a:extLst>
+          </p:cNvPr>
+          <p:cNvSpPr txBox="1"/>
+          <p:nvPr/>
+        </p:nvSpPr>
+        <p:spPr>
+          <a:xfrm>
+            <a:off x="3425787" y="2064368"/>
+            <a:ext cx="1149084" cy="276999"/>
+          </a:xfrm>
+          <a:prstGeom prst="rect">
+            <a:avLst/>
+          </a:prstGeom>
+          <a:noFill/>
+        </p:spPr>
+        <p:txBody>
+          <a:bodyPr wrap="square" rtlCol="0">
+            <a:spAutoFit/>
+          </a:bodyPr>
+          <a:lstStyle/>
+          <a:p>
+            <a:pPr defTabSz="914433">
+              <a:defRPr/>
+            </a:pPr>
+            <a:r>
+              <a:rPr kumimoji="0" lang="en-US" altLang="zh-CN" sz="1200" b="1" i="0" u="none" strike="noStrike" kern="1200" cap="none" spc="0" normalizeH="0" baseline="0" noProof="0" dirty="0">
+                <a:ln>
+                  <a:noFill/>
+                </a:ln>
+                <a:solidFill>
+                  <a:prstClr val="black">
+                    <a:lumMod val="75000"/>
+                    <a:lumOff val="25000"/>
+                  </a:prstClr>
+                </a:solidFill>
+                <a:effectLst/>
+                <a:uLnTx/>
+                <a:uFillTx/>
+                <a:latin typeface="微软雅黑" panose="020B0503020204020204" pitchFamily="34" charset="-122"/>
+                <a:ea typeface="微软雅黑" panose="020B0503020204020204" pitchFamily="34" charset="-122"/>
+                <a:cs typeface="+mn-cs"/>
+                <a:sym typeface="微软雅黑" panose="020B0503020204020204" pitchFamily="34" charset="-122"/>
+              </a:rPr>
+              <a:t>MSA</a:t>
+            </a:r>
+            <a:r>
+              <a:rPr kumimoji="0" lang="zh-CN" altLang="en-US" sz="1200" b="1" i="0" u="none" strike="noStrike" kern="1200" cap="none" spc="0" normalizeH="0" baseline="0" noProof="0" dirty="0">
+                <a:ln>
+                  <a:noFill/>
+                </a:ln>
+                <a:solidFill>
+                  <a:prstClr val="black">
+                    <a:lumMod val="75000"/>
+                    <a:lumOff val="25000"/>
+                  </a:prstClr>
+                </a:solidFill>
+                <a:effectLst/>
+                <a:uLnTx/>
+                <a:uFillTx/>
+                <a:latin typeface="微软雅黑" panose="020B0503020204020204" pitchFamily="34" charset="-122"/>
+                <a:ea typeface="微软雅黑" panose="020B0503020204020204" pitchFamily="34" charset="-122"/>
+                <a:cs typeface="+mn-cs"/>
+                <a:sym typeface="微软雅黑" panose="020B0503020204020204" pitchFamily="34" charset="-122"/>
+              </a:rPr>
+              <a:t> </a:t>
+            </a:r>
+            <a:r>
+              <a:rPr kumimoji="0" lang="en-US" altLang="zh-CN" sz="1200" b="1" i="0" u="none" strike="noStrike" kern="1200" cap="none" spc="0" normalizeH="0" baseline="0" noProof="0" dirty="0">
+                <a:ln>
+                  <a:noFill/>
+                </a:ln>
+                <a:solidFill>
+                  <a:prstClr val="black">
+                    <a:lumMod val="75000"/>
+                    <a:lumOff val="25000"/>
+                  </a:prstClr>
+                </a:solidFill>
+                <a:effectLst/>
+                <a:uLnTx/>
+                <a:uFillTx/>
+                <a:latin typeface="微软雅黑" panose="020B0503020204020204" pitchFamily="34" charset="-122"/>
+                <a:ea typeface="微软雅黑" panose="020B0503020204020204" pitchFamily="34" charset="-122"/>
+                <a:cs typeface="+mn-cs"/>
+                <a:sym typeface="微软雅黑" panose="020B0503020204020204" pitchFamily="34" charset="-122"/>
+              </a:rPr>
+              <a:t>&amp;</a:t>
+            </a:r>
+            <a:r>
+              <a:rPr kumimoji="0" lang="zh-CN" altLang="en-US" sz="1200" b="1" i="0" u="none" strike="noStrike" kern="1200" cap="none" spc="0" normalizeH="0" baseline="0" noProof="0" dirty="0">
+                <a:ln>
+                  <a:noFill/>
+                </a:ln>
+                <a:solidFill>
+                  <a:prstClr val="black">
+                    <a:lumMod val="75000"/>
+                    <a:lumOff val="25000"/>
+                  </a:prstClr>
+                </a:solidFill>
+                <a:effectLst/>
+                <a:uLnTx/>
+                <a:uFillTx/>
+                <a:latin typeface="微软雅黑" panose="020B0503020204020204" pitchFamily="34" charset="-122"/>
+                <a:ea typeface="微软雅黑" panose="020B0503020204020204" pitchFamily="34" charset="-122"/>
+                <a:cs typeface="+mn-cs"/>
+                <a:sym typeface="微软雅黑" panose="020B0503020204020204" pitchFamily="34" charset="-122"/>
+              </a:rPr>
+              <a:t> </a:t>
+            </a:r>
+            <a:r>
+              <a:rPr kumimoji="0" lang="en" altLang="zh-CN" sz="1200" b="1" i="0" u="none" strike="noStrike" kern="1200" cap="none" spc="0" normalizeH="0" baseline="0" noProof="0" dirty="0">
+                <a:ln>
+                  <a:noFill/>
+                </a:ln>
+                <a:solidFill>
+                  <a:prstClr val="black">
+                    <a:lumMod val="75000"/>
+                    <a:lumOff val="25000"/>
+                  </a:prstClr>
+                </a:solidFill>
+                <a:effectLst/>
+                <a:uLnTx/>
+                <a:uFillTx/>
+                <a:latin typeface="微软雅黑" panose="020B0503020204020204" pitchFamily="34" charset="-122"/>
+                <a:ea typeface="微软雅黑" panose="020B0503020204020204" pitchFamily="34" charset="-122"/>
+                <a:cs typeface="+mn-cs"/>
+                <a:sym typeface="微软雅黑" panose="020B0503020204020204" pitchFamily="34" charset="-122"/>
+              </a:rPr>
+              <a:t>Tree</a:t>
             </a:r>
             <a:endParaRPr kumimoji="0" lang="zh-CN" altLang="en-US" sz="900" b="1" i="0" u="none" strike="noStrike" kern="1200" cap="none" spc="0" normalizeH="0" baseline="0" noProof="0" dirty="0">
               <a:ln>
@@ -6529,6 +8719,1716 @@
           </a:p>
         </p:txBody>
       </p:sp>
+      <p:pic>
+        <p:nvPicPr>
+          <p:cNvPr id="4" name="图片 3">
+            <a:extLst>
+              <a:ext uri="{FF2B5EF4-FFF2-40B4-BE49-F238E27FC236}">
+                <a16:creationId xmlns:a16="http://schemas.microsoft.com/office/drawing/2014/main" id="{63B15C45-D3EA-153C-0406-CB3007FE8C15}"/>
+              </a:ext>
+            </a:extLst>
+          </p:cNvPr>
+          <p:cNvPicPr>
+            <a:picLocks noChangeAspect="1"/>
+          </p:cNvPicPr>
+          <p:nvPr/>
+        </p:nvPicPr>
+        <p:blipFill>
+          <a:blip r:embed="rId5"/>
+          <a:stretch>
+            <a:fillRect/>
+          </a:stretch>
+        </p:blipFill>
+        <p:spPr>
+          <a:xfrm>
+            <a:off x="3714058" y="8523217"/>
+            <a:ext cx="4406900" cy="4914900"/>
+          </a:xfrm>
+          <a:prstGeom prst="rect">
+            <a:avLst/>
+          </a:prstGeom>
+        </p:spPr>
+      </p:pic>
+      <p:sp>
+        <p:nvSpPr>
+          <p:cNvPr id="6" name="文本框 5">
+            <a:extLst>
+              <a:ext uri="{FF2B5EF4-FFF2-40B4-BE49-F238E27FC236}">
+                <a16:creationId xmlns:a16="http://schemas.microsoft.com/office/drawing/2014/main" id="{0A867E73-3589-AC53-2E81-FF493EB950B9}"/>
+              </a:ext>
+            </a:extLst>
+          </p:cNvPr>
+          <p:cNvSpPr txBox="1"/>
+          <p:nvPr/>
+        </p:nvSpPr>
+        <p:spPr>
+          <a:xfrm>
+            <a:off x="5049031" y="13814529"/>
+            <a:ext cx="2081252" cy="281792"/>
+          </a:xfrm>
+          <a:prstGeom prst="rect">
+            <a:avLst/>
+          </a:prstGeom>
+          <a:noFill/>
+        </p:spPr>
+        <p:txBody>
+          <a:bodyPr wrap="square" rtlCol="0">
+            <a:spAutoFit/>
+          </a:bodyPr>
+          <a:lstStyle/>
+          <a:p>
+            <a:pPr marL="0" marR="0" lvl="0" indent="0" algn="l" defTabSz="914433" rtl="0" eaLnBrk="1" fontAlgn="auto" latinLnBrk="0" hangingPunct="1">
+              <a:lnSpc>
+                <a:spcPct val="100000"/>
+              </a:lnSpc>
+              <a:spcBef>
+                <a:spcPts val="0"/>
+              </a:spcBef>
+              <a:spcAft>
+                <a:spcPts val="0"/>
+              </a:spcAft>
+              <a:buClrTx/>
+              <a:buSzTx/>
+              <a:buFontTx/>
+              <a:buNone/>
+              <a:tabLst/>
+              <a:defRPr/>
+            </a:pPr>
+            <a:r>
+              <a:rPr kumimoji="0" lang="zh-CN" altLang="en" sz="1200" b="1" i="0" u="none" strike="noStrike" kern="1200" cap="none" spc="0" normalizeH="0" baseline="0" noProof="0" dirty="0">
+                <a:ln>
+                  <a:noFill/>
+                </a:ln>
+                <a:solidFill>
+                  <a:prstClr val="black">
+                    <a:lumMod val="75000"/>
+                    <a:lumOff val="25000"/>
+                  </a:prstClr>
+                </a:solidFill>
+                <a:effectLst/>
+                <a:uLnTx/>
+                <a:uFillTx/>
+                <a:latin typeface="微软雅黑" panose="020B0503020204020204" pitchFamily="34" charset="-122"/>
+                <a:ea typeface="微软雅黑" panose="020B0503020204020204" pitchFamily="34" charset="-122"/>
+                <a:cs typeface="+mn-cs"/>
+                <a:sym typeface="微软雅黑" panose="020B0503020204020204" pitchFamily="34" charset="-122"/>
+              </a:rPr>
+              <a:t>展示</a:t>
+            </a:r>
+            <a:r>
+              <a:rPr kumimoji="0" lang="zh-CN" altLang="en-US" sz="1200" b="1" i="0" u="none" strike="noStrike" kern="1200" cap="none" spc="0" normalizeH="0" baseline="0" noProof="0" dirty="0">
+                <a:ln>
+                  <a:noFill/>
+                </a:ln>
+                <a:solidFill>
+                  <a:prstClr val="black">
+                    <a:lumMod val="75000"/>
+                    <a:lumOff val="25000"/>
+                  </a:prstClr>
+                </a:solidFill>
+                <a:effectLst/>
+                <a:uLnTx/>
+                <a:uFillTx/>
+                <a:latin typeface="微软雅黑" panose="020B0503020204020204" pitchFamily="34" charset="-122"/>
+                <a:ea typeface="微软雅黑" panose="020B0503020204020204" pitchFamily="34" charset="-122"/>
+                <a:cs typeface="+mn-cs"/>
+                <a:sym typeface="微软雅黑" panose="020B0503020204020204" pitchFamily="34" charset="-122"/>
+              </a:rPr>
+              <a:t>预测结果表格即可</a:t>
+            </a:r>
+            <a:endParaRPr kumimoji="0" lang="en" altLang="zh-CN" sz="1200" b="1" i="0" u="none" strike="noStrike" kern="1200" cap="none" spc="0" normalizeH="0" baseline="0" noProof="0" dirty="0">
+              <a:ln>
+                <a:noFill/>
+              </a:ln>
+              <a:solidFill>
+                <a:prstClr val="black">
+                  <a:lumMod val="75000"/>
+                  <a:lumOff val="25000"/>
+                </a:prstClr>
+              </a:solidFill>
+              <a:effectLst/>
+              <a:uLnTx/>
+              <a:uFillTx/>
+              <a:latin typeface="微软雅黑" panose="020B0503020204020204" pitchFamily="34" charset="-122"/>
+              <a:ea typeface="微软雅黑" panose="020B0503020204020204" pitchFamily="34" charset="-122"/>
+              <a:cs typeface="+mn-cs"/>
+              <a:sym typeface="微软雅黑" panose="020B0503020204020204" pitchFamily="34" charset="-122"/>
+            </a:endParaRPr>
+          </a:p>
+        </p:txBody>
+      </p:sp>
+      <p:sp>
+        <p:nvSpPr>
+          <p:cNvPr id="18" name="圆角矩形 17">
+            <a:extLst>
+              <a:ext uri="{FF2B5EF4-FFF2-40B4-BE49-F238E27FC236}">
+                <a16:creationId xmlns:a16="http://schemas.microsoft.com/office/drawing/2014/main" id="{EDA8F831-C077-243B-4A9A-DD16FF1D1471}"/>
+              </a:ext>
+            </a:extLst>
+          </p:cNvPr>
+          <p:cNvSpPr/>
+          <p:nvPr/>
+        </p:nvSpPr>
+        <p:spPr>
+          <a:xfrm>
+            <a:off x="4218013" y="4438721"/>
+            <a:ext cx="3573957" cy="379318"/>
+          </a:xfrm>
+          <a:prstGeom prst="roundRect">
+            <a:avLst>
+              <a:gd name="adj" fmla="val 6174"/>
+            </a:avLst>
+          </a:prstGeom>
+        </p:spPr>
+        <p:style>
+          <a:lnRef idx="2">
+            <a:schemeClr val="accent3"/>
+          </a:lnRef>
+          <a:fillRef idx="1">
+            <a:schemeClr val="lt1"/>
+          </a:fillRef>
+          <a:effectRef idx="0">
+            <a:schemeClr val="accent3"/>
+          </a:effectRef>
+          <a:fontRef idx="minor">
+            <a:schemeClr val="dk1"/>
+          </a:fontRef>
+        </p:style>
+        <p:txBody>
+          <a:bodyPr rtlCol="0" anchor="ctr"/>
+          <a:lstStyle/>
+          <a:p>
+            <a:pPr marL="0" marR="0" lvl="0" indent="0" defTabSz="914433" rtl="0" eaLnBrk="1" fontAlgn="auto" latinLnBrk="0" hangingPunct="1">
+              <a:lnSpc>
+                <a:spcPct val="100000"/>
+              </a:lnSpc>
+              <a:spcBef>
+                <a:spcPts val="0"/>
+              </a:spcBef>
+              <a:spcAft>
+                <a:spcPts val="0"/>
+              </a:spcAft>
+              <a:buClrTx/>
+              <a:buSzTx/>
+              <a:buFontTx/>
+              <a:buNone/>
+              <a:tabLst/>
+              <a:defRPr/>
+            </a:pPr>
+            <a:endParaRPr kumimoji="1" lang="zh-CN" altLang="en-US" sz="3202" b="0" i="0" u="none" strike="noStrike" kern="1200" cap="none" spc="0" normalizeH="0" baseline="0" noProof="0">
+              <a:ln>
+                <a:noFill/>
+              </a:ln>
+              <a:solidFill>
+                <a:prstClr val="black"/>
+              </a:solidFill>
+              <a:effectLst/>
+              <a:uLnTx/>
+              <a:uFillTx/>
+              <a:latin typeface="等线" panose="020F0502020204030204"/>
+              <a:ea typeface="等线" panose="02010600030101010101" pitchFamily="2" charset="-122"/>
+              <a:cs typeface="+mn-cs"/>
+            </a:endParaRPr>
+          </a:p>
+        </p:txBody>
+      </p:sp>
+      <p:pic>
+        <p:nvPicPr>
+          <p:cNvPr id="19" name="图片 18">
+            <a:extLst>
+              <a:ext uri="{FF2B5EF4-FFF2-40B4-BE49-F238E27FC236}">
+                <a16:creationId xmlns:a16="http://schemas.microsoft.com/office/drawing/2014/main" id="{DE53AE7F-77C4-DC8D-72AC-4A4EAB41A3A5}"/>
+              </a:ext>
+            </a:extLst>
+          </p:cNvPr>
+          <p:cNvPicPr>
+            <a:picLocks noChangeAspect="1"/>
+          </p:cNvPicPr>
+          <p:nvPr/>
+        </p:nvPicPr>
+        <p:blipFill rotWithShape="1">
+          <a:blip r:embed="rId6"/>
+          <a:srcRect r="78674" b="2734"/>
+          <a:stretch/>
+        </p:blipFill>
+        <p:spPr>
+          <a:xfrm>
+            <a:off x="4285302" y="4519863"/>
+            <a:ext cx="331383" cy="280058"/>
+          </a:xfrm>
+          <a:prstGeom prst="rect">
+            <a:avLst/>
+          </a:prstGeom>
+        </p:spPr>
+      </p:pic>
+      <p:sp>
+        <p:nvSpPr>
+          <p:cNvPr id="20" name="文本框 19">
+            <a:extLst>
+              <a:ext uri="{FF2B5EF4-FFF2-40B4-BE49-F238E27FC236}">
+                <a16:creationId xmlns:a16="http://schemas.microsoft.com/office/drawing/2014/main" id="{048B3A95-7024-8FB3-6C35-FDC274545AC8}"/>
+              </a:ext>
+            </a:extLst>
+          </p:cNvPr>
+          <p:cNvSpPr txBox="1"/>
+          <p:nvPr/>
+        </p:nvSpPr>
+        <p:spPr>
+          <a:xfrm>
+            <a:off x="4564780" y="4529714"/>
+            <a:ext cx="3010537" cy="230832"/>
+          </a:xfrm>
+          <a:prstGeom prst="rect">
+            <a:avLst/>
+          </a:prstGeom>
+          <a:noFill/>
+        </p:spPr>
+        <p:txBody>
+          <a:bodyPr wrap="square" rtlCol="0">
+            <a:spAutoFit/>
+          </a:bodyPr>
+          <a:lstStyle/>
+          <a:p>
+            <a:pPr defTabSz="914433">
+              <a:defRPr/>
+            </a:pPr>
+            <a:r>
+              <a:rPr kumimoji="0" lang="en-US" altLang="zh-CN" sz="900" b="1" i="0" u="none" strike="noStrike" kern="1200" cap="none" spc="0" normalizeH="0" baseline="0" noProof="0" dirty="0">
+                <a:ln>
+                  <a:noFill/>
+                </a:ln>
+                <a:solidFill>
+                  <a:srgbClr val="4472C4">
+                    <a:lumMod val="50000"/>
+                  </a:srgbClr>
+                </a:solidFill>
+                <a:effectLst/>
+                <a:uLnTx/>
+                <a:uFillTx/>
+                <a:latin typeface="微软雅黑" panose="020B0503020204020204" pitchFamily="34" charset="-122"/>
+                <a:ea typeface="微软雅黑" panose="020B0503020204020204" pitchFamily="34" charset="-122"/>
+                <a:cs typeface="+mn-cs"/>
+                <a:sym typeface="微软雅黑" panose="020B0503020204020204" pitchFamily="34" charset="-122"/>
+              </a:rPr>
+              <a:t>Click to Upload the protein sequence fasta file</a:t>
+            </a:r>
+            <a:endParaRPr kumimoji="0" lang="zh-CN" altLang="en-US" sz="900" b="1" i="0" u="none" strike="noStrike" kern="1200" cap="none" spc="0" normalizeH="0" baseline="0" noProof="0" dirty="0">
+              <a:ln>
+                <a:noFill/>
+              </a:ln>
+              <a:solidFill>
+                <a:srgbClr val="4472C4">
+                  <a:lumMod val="50000"/>
+                </a:srgbClr>
+              </a:solidFill>
+              <a:effectLst/>
+              <a:uLnTx/>
+              <a:uFillTx/>
+              <a:latin typeface="微软雅黑" panose="020B0503020204020204" pitchFamily="34" charset="-122"/>
+              <a:ea typeface="微软雅黑" panose="020B0503020204020204" pitchFamily="34" charset="-122"/>
+              <a:cs typeface="+mn-cs"/>
+              <a:sym typeface="微软雅黑" panose="020B0503020204020204" pitchFamily="34" charset="-122"/>
+            </a:endParaRPr>
+          </a:p>
+        </p:txBody>
+      </p:sp>
+      <p:sp>
+        <p:nvSpPr>
+          <p:cNvPr id="21" name="文本框 20">
+            <a:extLst>
+              <a:ext uri="{FF2B5EF4-FFF2-40B4-BE49-F238E27FC236}">
+                <a16:creationId xmlns:a16="http://schemas.microsoft.com/office/drawing/2014/main" id="{904A950D-7659-31E1-AD30-7A40C83F5B54}"/>
+              </a:ext>
+            </a:extLst>
+          </p:cNvPr>
+          <p:cNvSpPr txBox="1"/>
+          <p:nvPr/>
+        </p:nvSpPr>
+        <p:spPr>
+          <a:xfrm>
+            <a:off x="209318" y="275882"/>
+            <a:ext cx="9284306" cy="307905"/>
+          </a:xfrm>
+          <a:prstGeom prst="rect">
+            <a:avLst/>
+          </a:prstGeom>
+          <a:noFill/>
+        </p:spPr>
+        <p:txBody>
+          <a:bodyPr wrap="square" rtlCol="0">
+            <a:spAutoFit/>
+          </a:bodyPr>
+          <a:lstStyle/>
+          <a:p>
+            <a:pPr marL="0" marR="0" lvl="0" indent="0" algn="l" defTabSz="914433" rtl="0" eaLnBrk="1" fontAlgn="auto" latinLnBrk="0" hangingPunct="1">
+              <a:lnSpc>
+                <a:spcPct val="100000"/>
+              </a:lnSpc>
+              <a:spcBef>
+                <a:spcPts val="0"/>
+              </a:spcBef>
+              <a:spcAft>
+                <a:spcPts val="0"/>
+              </a:spcAft>
+              <a:buClrTx/>
+              <a:buSzTx/>
+              <a:buFontTx/>
+              <a:buNone/>
+              <a:tabLst/>
+              <a:defRPr/>
+            </a:pPr>
+            <a:r>
+              <a:rPr kumimoji="0" lang="en-US" altLang="zh-CN" sz="1401" b="1" i="0" u="none" strike="noStrike" kern="1200" cap="none" spc="0" normalizeH="0" baseline="0" noProof="0" dirty="0">
+                <a:ln>
+                  <a:noFill/>
+                </a:ln>
+                <a:solidFill>
+                  <a:srgbClr val="E7E6E6">
+                    <a:lumMod val="25000"/>
+                  </a:srgbClr>
+                </a:solidFill>
+                <a:effectLst/>
+                <a:uLnTx/>
+                <a:uFillTx/>
+                <a:latin typeface="微软雅黑" panose="020B0503020204020204" pitchFamily="34" charset="-122"/>
+                <a:ea typeface="微软雅黑" panose="020B0503020204020204" pitchFamily="34" charset="-122"/>
+                <a:cs typeface="+mn-cs"/>
+                <a:sym typeface="微软雅黑" panose="020B0503020204020204" pitchFamily="34" charset="-122"/>
+              </a:rPr>
+              <a:t>Tools -&gt; TF Prediction </a:t>
+            </a:r>
+            <a:r>
+              <a:rPr kumimoji="0" lang="zh-CN" altLang="en-US" sz="1401" b="1" i="0" u="none" strike="noStrike" kern="1200" cap="none" spc="0" normalizeH="0" baseline="0" noProof="0" dirty="0">
+                <a:ln>
+                  <a:noFill/>
+                </a:ln>
+                <a:solidFill>
+                  <a:srgbClr val="E7E6E6">
+                    <a:lumMod val="25000"/>
+                  </a:srgbClr>
+                </a:solidFill>
+                <a:effectLst/>
+                <a:uLnTx/>
+                <a:uFillTx/>
+                <a:latin typeface="微软雅黑" panose="020B0503020204020204" pitchFamily="34" charset="-122"/>
+                <a:ea typeface="微软雅黑" panose="020B0503020204020204" pitchFamily="34" charset="-122"/>
+                <a:cs typeface="+mn-cs"/>
+                <a:sym typeface="微软雅黑" panose="020B0503020204020204" pitchFamily="34" charset="-122"/>
+              </a:rPr>
+              <a:t>界面参考</a:t>
+            </a:r>
+          </a:p>
+        </p:txBody>
+      </p:sp>
+    </p:spTree>
+    <p:extLst>
+      <p:ext uri="{BB962C8B-B14F-4D97-AF65-F5344CB8AC3E}">
+        <p14:creationId xmlns:p14="http://schemas.microsoft.com/office/powerpoint/2010/main" val="1161661720"/>
+      </p:ext>
+    </p:extLst>
+  </p:cSld>
+  <p:clrMapOvr>
+    <a:masterClrMapping/>
+  </p:clrMapOvr>
+</p:sld>
+</file>
+
+<file path=ppt/slides/slide4.xml><?xml version="1.0" encoding="utf-8"?>
+<p:sld xmlns:a="http://schemas.openxmlformats.org/drawingml/2006/main" xmlns:r="http://schemas.openxmlformats.org/officeDocument/2006/relationships" xmlns:p="http://schemas.openxmlformats.org/presentationml/2006/main">
+  <p:cSld>
+    <p:bg>
+      <p:bgPr>
+        <a:solidFill>
+          <a:schemeClr val="bg2">
+            <a:lumMod val="90000"/>
+            <a:alpha val="20000"/>
+          </a:schemeClr>
+        </a:solidFill>
+        <a:effectLst/>
+      </p:bgPr>
+    </p:bg>
+    <p:spTree>
+      <p:nvGrpSpPr>
+        <p:cNvPr id="1" name=""/>
+        <p:cNvGrpSpPr/>
+        <p:nvPr/>
+      </p:nvGrpSpPr>
+      <p:grpSpPr>
+        <a:xfrm>
+          <a:off x="0" y="0"/>
+          <a:ext cx="0" cy="0"/>
+          <a:chOff x="0" y="0"/>
+          <a:chExt cx="0" cy="0"/>
+        </a:xfrm>
+      </p:grpSpPr>
+      <p:sp>
+        <p:nvSpPr>
+          <p:cNvPr id="146" name="矩形 145">
+            <a:extLst>
+              <a:ext uri="{FF2B5EF4-FFF2-40B4-BE49-F238E27FC236}">
+                <a16:creationId xmlns:a16="http://schemas.microsoft.com/office/drawing/2014/main" id="{3F9AC06E-09EA-94EF-8352-7C8AF3A9AF2F}"/>
+              </a:ext>
+            </a:extLst>
+          </p:cNvPr>
+          <p:cNvSpPr/>
+          <p:nvPr/>
+        </p:nvSpPr>
+        <p:spPr>
+          <a:xfrm>
+            <a:off x="313777" y="1694148"/>
+            <a:ext cx="11480800" cy="14188821"/>
+          </a:xfrm>
+          <a:prstGeom prst="rect">
+            <a:avLst/>
+          </a:prstGeom>
+          <a:solidFill>
+            <a:schemeClr val="bg1"/>
+          </a:solidFill>
+          <a:ln w="6350">
+            <a:noFill/>
+          </a:ln>
+        </p:spPr>
+        <p:style>
+          <a:lnRef idx="2">
+            <a:schemeClr val="accent1">
+              <a:shade val="50000"/>
+            </a:schemeClr>
+          </a:lnRef>
+          <a:fillRef idx="1">
+            <a:schemeClr val="accent1"/>
+          </a:fillRef>
+          <a:effectRef idx="0">
+            <a:schemeClr val="accent1"/>
+          </a:effectRef>
+          <a:fontRef idx="minor">
+            <a:schemeClr val="lt1"/>
+          </a:fontRef>
+        </p:style>
+        <p:txBody>
+          <a:bodyPr rtlCol="0" anchor="ctr"/>
+          <a:lstStyle/>
+          <a:p>
+            <a:pPr marL="0" marR="0" lvl="0" indent="0" algn="ctr" defTabSz="914433" rtl="0" eaLnBrk="1" fontAlgn="auto" latinLnBrk="0" hangingPunct="1">
+              <a:lnSpc>
+                <a:spcPct val="100000"/>
+              </a:lnSpc>
+              <a:spcBef>
+                <a:spcPts val="0"/>
+              </a:spcBef>
+              <a:spcAft>
+                <a:spcPts val="0"/>
+              </a:spcAft>
+              <a:buClrTx/>
+              <a:buSzTx/>
+              <a:buFontTx/>
+              <a:buNone/>
+              <a:tabLst/>
+              <a:defRPr/>
+            </a:pPr>
+            <a:endParaRPr kumimoji="0" lang="en-US" altLang="zh-CN" sz="1600" b="1" i="0" u="none" strike="noStrike" kern="1200" cap="none" spc="0" normalizeH="0" baseline="0" noProof="0" dirty="0">
+              <a:ln>
+                <a:noFill/>
+              </a:ln>
+              <a:solidFill>
+                <a:srgbClr val="4472C4">
+                  <a:lumMod val="75000"/>
+                </a:srgbClr>
+              </a:solidFill>
+              <a:effectLst/>
+              <a:uLnTx/>
+              <a:uFillTx/>
+              <a:latin typeface="微软雅黑" panose="020B0503020204020204" pitchFamily="34" charset="-122"/>
+              <a:ea typeface="微软雅黑" panose="020B0503020204020204" pitchFamily="34" charset="-122"/>
+              <a:cs typeface="+mn-cs"/>
+              <a:sym typeface="微软雅黑" panose="020B0503020204020204" pitchFamily="34" charset="-122"/>
+            </a:endParaRPr>
+          </a:p>
+          <a:p>
+            <a:pPr marL="0" marR="0" lvl="0" indent="0" algn="ctr" defTabSz="914433" rtl="0" eaLnBrk="1" fontAlgn="auto" latinLnBrk="0" hangingPunct="1">
+              <a:lnSpc>
+                <a:spcPct val="100000"/>
+              </a:lnSpc>
+              <a:spcBef>
+                <a:spcPts val="0"/>
+              </a:spcBef>
+              <a:spcAft>
+                <a:spcPts val="0"/>
+              </a:spcAft>
+              <a:buClrTx/>
+              <a:buSzTx/>
+              <a:buFontTx/>
+              <a:buNone/>
+              <a:tabLst/>
+              <a:defRPr/>
+            </a:pPr>
+            <a:endParaRPr kumimoji="0" lang="en-US" altLang="zh-CN" sz="1600" b="1" i="0" u="none" strike="noStrike" kern="1200" cap="none" spc="0" normalizeH="0" baseline="0" noProof="0" dirty="0">
+              <a:ln>
+                <a:noFill/>
+              </a:ln>
+              <a:solidFill>
+                <a:srgbClr val="4472C4">
+                  <a:lumMod val="75000"/>
+                </a:srgbClr>
+              </a:solidFill>
+              <a:effectLst/>
+              <a:uLnTx/>
+              <a:uFillTx/>
+              <a:latin typeface="微软雅黑" panose="020B0503020204020204" pitchFamily="34" charset="-122"/>
+              <a:ea typeface="微软雅黑" panose="020B0503020204020204" pitchFamily="34" charset="-122"/>
+              <a:cs typeface="+mn-cs"/>
+              <a:sym typeface="微软雅黑" panose="020B0503020204020204" pitchFamily="34" charset="-122"/>
+            </a:endParaRPr>
+          </a:p>
+          <a:p>
+            <a:pPr marL="0" marR="0" lvl="0" indent="0" algn="ctr" defTabSz="914433" rtl="0" eaLnBrk="1" fontAlgn="auto" latinLnBrk="0" hangingPunct="1">
+              <a:lnSpc>
+                <a:spcPct val="100000"/>
+              </a:lnSpc>
+              <a:spcBef>
+                <a:spcPts val="0"/>
+              </a:spcBef>
+              <a:spcAft>
+                <a:spcPts val="0"/>
+              </a:spcAft>
+              <a:buClrTx/>
+              <a:buSzTx/>
+              <a:buFontTx/>
+              <a:buNone/>
+              <a:tabLst/>
+              <a:defRPr/>
+            </a:pPr>
+            <a:endParaRPr kumimoji="0" lang="en-US" altLang="zh-CN" sz="1600" b="1" i="0" u="none" strike="noStrike" kern="1200" cap="none" spc="0" normalizeH="0" baseline="0" noProof="0" dirty="0">
+              <a:ln>
+                <a:noFill/>
+              </a:ln>
+              <a:solidFill>
+                <a:srgbClr val="4472C4">
+                  <a:lumMod val="75000"/>
+                </a:srgbClr>
+              </a:solidFill>
+              <a:effectLst/>
+              <a:uLnTx/>
+              <a:uFillTx/>
+              <a:latin typeface="微软雅黑" panose="020B0503020204020204" pitchFamily="34" charset="-122"/>
+              <a:ea typeface="微软雅黑" panose="020B0503020204020204" pitchFamily="34" charset="-122"/>
+              <a:cs typeface="+mn-cs"/>
+              <a:sym typeface="微软雅黑" panose="020B0503020204020204" pitchFamily="34" charset="-122"/>
+            </a:endParaRPr>
+          </a:p>
+          <a:p>
+            <a:pPr marL="0" marR="0" lvl="0" indent="0" algn="ctr" defTabSz="914433" rtl="0" eaLnBrk="1" fontAlgn="auto" latinLnBrk="0" hangingPunct="1">
+              <a:lnSpc>
+                <a:spcPct val="100000"/>
+              </a:lnSpc>
+              <a:spcBef>
+                <a:spcPts val="0"/>
+              </a:spcBef>
+              <a:spcAft>
+                <a:spcPts val="0"/>
+              </a:spcAft>
+              <a:buClrTx/>
+              <a:buSzTx/>
+              <a:buFontTx/>
+              <a:buNone/>
+              <a:tabLst/>
+              <a:defRPr/>
+            </a:pPr>
+            <a:endParaRPr kumimoji="0" lang="en-US" altLang="zh-CN" sz="1600" b="1" i="0" u="none" strike="noStrike" kern="1200" cap="none" spc="0" normalizeH="0" baseline="0" noProof="0" dirty="0">
+              <a:ln>
+                <a:noFill/>
+              </a:ln>
+              <a:solidFill>
+                <a:srgbClr val="4472C4">
+                  <a:lumMod val="75000"/>
+                </a:srgbClr>
+              </a:solidFill>
+              <a:effectLst/>
+              <a:uLnTx/>
+              <a:uFillTx/>
+              <a:latin typeface="微软雅黑" panose="020B0503020204020204" pitchFamily="34" charset="-122"/>
+              <a:ea typeface="微软雅黑" panose="020B0503020204020204" pitchFamily="34" charset="-122"/>
+              <a:cs typeface="+mn-cs"/>
+              <a:sym typeface="微软雅黑" panose="020B0503020204020204" pitchFamily="34" charset="-122"/>
+            </a:endParaRPr>
+          </a:p>
+        </p:txBody>
+      </p:sp>
+      <p:sp>
+        <p:nvSpPr>
+          <p:cNvPr id="15" name="矩形 14">
+            <a:extLst>
+              <a:ext uri="{FF2B5EF4-FFF2-40B4-BE49-F238E27FC236}">
+                <a16:creationId xmlns:a16="http://schemas.microsoft.com/office/drawing/2014/main" id="{627A1670-860B-3A84-E1E4-5D162728396F}"/>
+              </a:ext>
+            </a:extLst>
+          </p:cNvPr>
+          <p:cNvSpPr/>
+          <p:nvPr/>
+        </p:nvSpPr>
+        <p:spPr>
+          <a:xfrm>
+            <a:off x="0" y="693517"/>
+            <a:ext cx="12192000" cy="690741"/>
+          </a:xfrm>
+          <a:prstGeom prst="rect">
+            <a:avLst/>
+          </a:prstGeom>
+          <a:solidFill>
+            <a:schemeClr val="bg1"/>
+          </a:solidFill>
+          <a:ln>
+            <a:solidFill>
+              <a:schemeClr val="bg1"/>
+            </a:solidFill>
+          </a:ln>
+        </p:spPr>
+        <p:style>
+          <a:lnRef idx="2">
+            <a:schemeClr val="accent1">
+              <a:shade val="50000"/>
+            </a:schemeClr>
+          </a:lnRef>
+          <a:fillRef idx="1">
+            <a:schemeClr val="accent1"/>
+          </a:fillRef>
+          <a:effectRef idx="0">
+            <a:schemeClr val="accent1"/>
+          </a:effectRef>
+          <a:fontRef idx="minor">
+            <a:schemeClr val="lt1"/>
+          </a:fontRef>
+        </p:style>
+        <p:txBody>
+          <a:bodyPr rtlCol="0" anchor="ctr"/>
+          <a:lstStyle/>
+          <a:p>
+            <a:pPr marL="0" marR="0" lvl="0" indent="0" algn="ctr" defTabSz="914433" rtl="0" eaLnBrk="1" fontAlgn="auto" latinLnBrk="0" hangingPunct="1">
+              <a:lnSpc>
+                <a:spcPct val="100000"/>
+              </a:lnSpc>
+              <a:spcBef>
+                <a:spcPts val="0"/>
+              </a:spcBef>
+              <a:spcAft>
+                <a:spcPts val="0"/>
+              </a:spcAft>
+              <a:buClrTx/>
+              <a:buSzTx/>
+              <a:buFontTx/>
+              <a:buNone/>
+              <a:tabLst/>
+              <a:defRPr/>
+            </a:pPr>
+            <a:endParaRPr kumimoji="0" lang="zh-CN" altLang="en-US" sz="3202" b="0" i="0" u="none" strike="noStrike" kern="1200" cap="none" spc="0" normalizeH="0" baseline="0" noProof="0" dirty="0">
+              <a:ln>
+                <a:noFill/>
+              </a:ln>
+              <a:solidFill>
+                <a:prstClr val="white"/>
+              </a:solidFill>
+              <a:effectLst/>
+              <a:uLnTx/>
+              <a:uFillTx/>
+              <a:latin typeface="微软雅黑" panose="020B0503020204020204" pitchFamily="34" charset="-122"/>
+              <a:ea typeface="微软雅黑" panose="020B0503020204020204" pitchFamily="34" charset="-122"/>
+              <a:cs typeface="+mn-cs"/>
+              <a:sym typeface="微软雅黑" panose="020B0503020204020204" pitchFamily="34" charset="-122"/>
+            </a:endParaRPr>
+          </a:p>
+        </p:txBody>
+      </p:sp>
+      <p:pic>
+        <p:nvPicPr>
+          <p:cNvPr id="16" name="图形 15">
+            <a:extLst>
+              <a:ext uri="{FF2B5EF4-FFF2-40B4-BE49-F238E27FC236}">
+                <a16:creationId xmlns:a16="http://schemas.microsoft.com/office/drawing/2014/main" id="{E3DB26D1-C3E9-A379-C007-3AE8A41B466D}"/>
+              </a:ext>
+            </a:extLst>
+          </p:cNvPr>
+          <p:cNvPicPr>
+            <a:picLocks noChangeAspect="1"/>
+          </p:cNvPicPr>
+          <p:nvPr/>
+        </p:nvPicPr>
+        <p:blipFill>
+          <a:blip r:embed="rId2">
+            <a:extLst>
+              <a:ext uri="{96DAC541-7B7A-43D3-8B79-37D633B846F1}">
+                <asvg:svgBlip xmlns:asvg="http://schemas.microsoft.com/office/drawing/2016/SVG/main" r:embed="rId3"/>
+              </a:ext>
+            </a:extLst>
+          </a:blip>
+          <a:stretch>
+            <a:fillRect/>
+          </a:stretch>
+        </p:blipFill>
+        <p:spPr>
+          <a:xfrm>
+            <a:off x="520332" y="799040"/>
+            <a:ext cx="1985145" cy="486187"/>
+          </a:xfrm>
+          <a:prstGeom prst="rect">
+            <a:avLst/>
+          </a:prstGeom>
+        </p:spPr>
+      </p:pic>
+      <p:sp>
+        <p:nvSpPr>
+          <p:cNvPr id="25" name="矩形 24">
+            <a:extLst>
+              <a:ext uri="{FF2B5EF4-FFF2-40B4-BE49-F238E27FC236}">
+                <a16:creationId xmlns:a16="http://schemas.microsoft.com/office/drawing/2014/main" id="{F9891A39-0866-4099-5CE1-0255E362AF2D}"/>
+              </a:ext>
+            </a:extLst>
+          </p:cNvPr>
+          <p:cNvSpPr/>
+          <p:nvPr/>
+        </p:nvSpPr>
+        <p:spPr>
+          <a:xfrm>
+            <a:off x="0" y="1384643"/>
+            <a:ext cx="12192000" cy="138853"/>
+          </a:xfrm>
+          <a:prstGeom prst="rect">
+            <a:avLst/>
+          </a:prstGeom>
+          <a:solidFill>
+            <a:schemeClr val="accent2">
+              <a:lumMod val="20000"/>
+              <a:lumOff val="80000"/>
+            </a:schemeClr>
+          </a:solidFill>
+          <a:ln>
+            <a:solidFill>
+              <a:schemeClr val="accent2">
+                <a:lumMod val="20000"/>
+                <a:lumOff val="80000"/>
+              </a:schemeClr>
+            </a:solidFill>
+          </a:ln>
+        </p:spPr>
+        <p:style>
+          <a:lnRef idx="2">
+            <a:schemeClr val="accent1">
+              <a:shade val="50000"/>
+            </a:schemeClr>
+          </a:lnRef>
+          <a:fillRef idx="1">
+            <a:schemeClr val="accent1"/>
+          </a:fillRef>
+          <a:effectRef idx="0">
+            <a:schemeClr val="accent1"/>
+          </a:effectRef>
+          <a:fontRef idx="minor">
+            <a:schemeClr val="lt1"/>
+          </a:fontRef>
+        </p:style>
+        <p:txBody>
+          <a:bodyPr rtlCol="0" anchor="ctr"/>
+          <a:lstStyle/>
+          <a:p>
+            <a:pPr marL="0" marR="0" lvl="0" indent="0" algn="ctr" defTabSz="914433" rtl="0" eaLnBrk="1" fontAlgn="auto" latinLnBrk="0" hangingPunct="1">
+              <a:lnSpc>
+                <a:spcPct val="100000"/>
+              </a:lnSpc>
+              <a:spcBef>
+                <a:spcPts val="0"/>
+              </a:spcBef>
+              <a:spcAft>
+                <a:spcPts val="0"/>
+              </a:spcAft>
+              <a:buClrTx/>
+              <a:buSzTx/>
+              <a:buFontTx/>
+              <a:buNone/>
+              <a:tabLst/>
+              <a:defRPr/>
+            </a:pPr>
+            <a:endParaRPr kumimoji="0" lang="zh-CN" altLang="en-US" sz="3202" b="0" i="0" u="none" strike="noStrike" kern="1200" cap="none" spc="0" normalizeH="0" baseline="0" noProof="0">
+              <a:ln>
+                <a:noFill/>
+              </a:ln>
+              <a:solidFill>
+                <a:prstClr val="white"/>
+              </a:solidFill>
+              <a:effectLst/>
+              <a:uLnTx/>
+              <a:uFillTx/>
+              <a:latin typeface="微软雅黑" panose="020B0503020204020204" pitchFamily="34" charset="-122"/>
+              <a:ea typeface="微软雅黑" panose="020B0503020204020204" pitchFamily="34" charset="-122"/>
+              <a:cs typeface="+mn-cs"/>
+              <a:sym typeface="微软雅黑" panose="020B0503020204020204" pitchFamily="34" charset="-122"/>
+            </a:endParaRPr>
+          </a:p>
+        </p:txBody>
+      </p:sp>
+      <p:sp>
+        <p:nvSpPr>
+          <p:cNvPr id="30" name="矩形: 圆角 12">
+            <a:extLst>
+              <a:ext uri="{FF2B5EF4-FFF2-40B4-BE49-F238E27FC236}">
+                <a16:creationId xmlns:a16="http://schemas.microsoft.com/office/drawing/2014/main" id="{018966DE-DB3E-FB87-3F3C-C01B28331592}"/>
+              </a:ext>
+            </a:extLst>
+          </p:cNvPr>
+          <p:cNvSpPr/>
+          <p:nvPr/>
+        </p:nvSpPr>
+        <p:spPr>
+          <a:xfrm>
+            <a:off x="520333" y="1904999"/>
+            <a:ext cx="11143348" cy="13767121"/>
+          </a:xfrm>
+          <a:prstGeom prst="roundRect">
+            <a:avLst>
+              <a:gd name="adj" fmla="val 1964"/>
+            </a:avLst>
+          </a:prstGeom>
+          <a:noFill/>
+          <a:ln>
+            <a:solidFill>
+              <a:schemeClr val="accent3">
+                <a:lumMod val="20000"/>
+                <a:lumOff val="80000"/>
+              </a:schemeClr>
+            </a:solidFill>
+          </a:ln>
+        </p:spPr>
+        <p:style>
+          <a:lnRef idx="2">
+            <a:schemeClr val="accent1">
+              <a:shade val="50000"/>
+            </a:schemeClr>
+          </a:lnRef>
+          <a:fillRef idx="1">
+            <a:schemeClr val="accent1"/>
+          </a:fillRef>
+          <a:effectRef idx="0">
+            <a:schemeClr val="accent1"/>
+          </a:effectRef>
+          <a:fontRef idx="minor">
+            <a:schemeClr val="lt1"/>
+          </a:fontRef>
+        </p:style>
+        <p:txBody>
+          <a:bodyPr rtlCol="0" anchor="ctr"/>
+          <a:lstStyle/>
+          <a:p>
+            <a:pPr marL="0" marR="0" lvl="0" indent="0" algn="ctr" defTabSz="914433" rtl="0" eaLnBrk="1" fontAlgn="auto" latinLnBrk="0" hangingPunct="1">
+              <a:lnSpc>
+                <a:spcPct val="100000"/>
+              </a:lnSpc>
+              <a:spcBef>
+                <a:spcPts val="0"/>
+              </a:spcBef>
+              <a:spcAft>
+                <a:spcPts val="0"/>
+              </a:spcAft>
+              <a:buClrTx/>
+              <a:buSzTx/>
+              <a:buFontTx/>
+              <a:buNone/>
+              <a:tabLst/>
+              <a:defRPr/>
+            </a:pPr>
+            <a:endParaRPr kumimoji="0" lang="zh-CN" altLang="en-US" sz="3202" b="0" i="0" u="none" strike="noStrike" kern="1200" cap="none" spc="0" normalizeH="0" baseline="0" noProof="0" dirty="0">
+              <a:ln>
+                <a:noFill/>
+              </a:ln>
+              <a:solidFill>
+                <a:prstClr val="white"/>
+              </a:solidFill>
+              <a:effectLst/>
+              <a:uLnTx/>
+              <a:uFillTx/>
+              <a:latin typeface="微软雅黑" panose="020B0503020204020204" pitchFamily="34" charset="-122"/>
+              <a:ea typeface="微软雅黑" panose="020B0503020204020204" pitchFamily="34" charset="-122"/>
+              <a:cs typeface="+mn-cs"/>
+              <a:sym typeface="微软雅黑" panose="020B0503020204020204" pitchFamily="34" charset="-122"/>
+            </a:endParaRPr>
+          </a:p>
+        </p:txBody>
+      </p:sp>
+      <p:cxnSp>
+        <p:nvCxnSpPr>
+          <p:cNvPr id="45" name="直线连接符 44">
+            <a:extLst>
+              <a:ext uri="{FF2B5EF4-FFF2-40B4-BE49-F238E27FC236}">
+                <a16:creationId xmlns:a16="http://schemas.microsoft.com/office/drawing/2014/main" id="{1A3DE53A-462B-3596-83D4-1BFCFC325EC6}"/>
+              </a:ext>
+            </a:extLst>
+          </p:cNvPr>
+          <p:cNvCxnSpPr>
+            <a:cxnSpLocks/>
+          </p:cNvCxnSpPr>
+          <p:nvPr/>
+        </p:nvCxnSpPr>
+        <p:spPr>
+          <a:xfrm>
+            <a:off x="862411" y="2441471"/>
+            <a:ext cx="10383532" cy="0"/>
+          </a:xfrm>
+          <a:prstGeom prst="line">
+            <a:avLst/>
+          </a:prstGeom>
+          <a:ln>
+            <a:solidFill>
+              <a:schemeClr val="dk1">
+                <a:alpha val="39855"/>
+              </a:schemeClr>
+            </a:solidFill>
+          </a:ln>
+        </p:spPr>
+        <p:style>
+          <a:lnRef idx="1">
+            <a:schemeClr val="dk1"/>
+          </a:lnRef>
+          <a:fillRef idx="0">
+            <a:schemeClr val="dk1"/>
+          </a:fillRef>
+          <a:effectRef idx="0">
+            <a:schemeClr val="dk1"/>
+          </a:effectRef>
+          <a:fontRef idx="minor">
+            <a:schemeClr val="tx1"/>
+          </a:fontRef>
+        </p:style>
+      </p:cxnSp>
+      <p:sp>
+        <p:nvSpPr>
+          <p:cNvPr id="53" name="文本框 52">
+            <a:extLst>
+              <a:ext uri="{FF2B5EF4-FFF2-40B4-BE49-F238E27FC236}">
+                <a16:creationId xmlns:a16="http://schemas.microsoft.com/office/drawing/2014/main" id="{705A1A95-37F7-7126-9750-AA7251CEACD1}"/>
+              </a:ext>
+            </a:extLst>
+          </p:cNvPr>
+          <p:cNvSpPr txBox="1"/>
+          <p:nvPr/>
+        </p:nvSpPr>
+        <p:spPr>
+          <a:xfrm>
+            <a:off x="209318" y="275882"/>
+            <a:ext cx="9284306" cy="307905"/>
+          </a:xfrm>
+          <a:prstGeom prst="rect">
+            <a:avLst/>
+          </a:prstGeom>
+          <a:noFill/>
+        </p:spPr>
+        <p:txBody>
+          <a:bodyPr wrap="square" rtlCol="0">
+            <a:spAutoFit/>
+          </a:bodyPr>
+          <a:lstStyle/>
+          <a:p>
+            <a:pPr marL="0" marR="0" lvl="0" indent="0" algn="l" defTabSz="914433" rtl="0" eaLnBrk="1" fontAlgn="auto" latinLnBrk="0" hangingPunct="1">
+              <a:lnSpc>
+                <a:spcPct val="100000"/>
+              </a:lnSpc>
+              <a:spcBef>
+                <a:spcPts val="0"/>
+              </a:spcBef>
+              <a:spcAft>
+                <a:spcPts val="0"/>
+              </a:spcAft>
+              <a:buClrTx/>
+              <a:buSzTx/>
+              <a:buFontTx/>
+              <a:buNone/>
+              <a:tabLst/>
+              <a:defRPr/>
+            </a:pPr>
+            <a:r>
+              <a:rPr kumimoji="0" lang="en-US" altLang="zh-CN" sz="1401" b="1" i="0" u="none" strike="noStrike" kern="1200" cap="none" spc="0" normalizeH="0" baseline="0" noProof="0" dirty="0">
+                <a:ln>
+                  <a:noFill/>
+                </a:ln>
+                <a:solidFill>
+                  <a:srgbClr val="E7E6E6">
+                    <a:lumMod val="25000"/>
+                  </a:srgbClr>
+                </a:solidFill>
+                <a:effectLst/>
+                <a:uLnTx/>
+                <a:uFillTx/>
+                <a:latin typeface="微软雅黑" panose="020B0503020204020204" pitchFamily="34" charset="-122"/>
+                <a:ea typeface="微软雅黑" panose="020B0503020204020204" pitchFamily="34" charset="-122"/>
+                <a:cs typeface="+mn-cs"/>
+                <a:sym typeface="微软雅黑" panose="020B0503020204020204" pitchFamily="34" charset="-122"/>
+              </a:rPr>
+              <a:t>Tools -&gt; Blastp</a:t>
+            </a:r>
+            <a:r>
+              <a:rPr kumimoji="0" lang="zh-CN" altLang="en-US" sz="1401" b="1" i="0" u="none" strike="noStrike" kern="1200" cap="none" spc="0" normalizeH="0" baseline="0" noProof="0" dirty="0">
+                <a:ln>
+                  <a:noFill/>
+                </a:ln>
+                <a:solidFill>
+                  <a:srgbClr val="E7E6E6">
+                    <a:lumMod val="25000"/>
+                  </a:srgbClr>
+                </a:solidFill>
+                <a:effectLst/>
+                <a:uLnTx/>
+                <a:uFillTx/>
+                <a:latin typeface="微软雅黑" panose="020B0503020204020204" pitchFamily="34" charset="-122"/>
+                <a:ea typeface="微软雅黑" panose="020B0503020204020204" pitchFamily="34" charset="-122"/>
+                <a:cs typeface="+mn-cs"/>
+                <a:sym typeface="微软雅黑" panose="020B0503020204020204" pitchFamily="34" charset="-122"/>
+              </a:rPr>
+              <a:t> 界面参考</a:t>
+            </a:r>
+          </a:p>
+        </p:txBody>
+      </p:sp>
+      <p:sp>
+        <p:nvSpPr>
+          <p:cNvPr id="10" name="文本框 9">
+            <a:extLst>
+              <a:ext uri="{FF2B5EF4-FFF2-40B4-BE49-F238E27FC236}">
+                <a16:creationId xmlns:a16="http://schemas.microsoft.com/office/drawing/2014/main" id="{1D2F7A64-587A-93D1-5366-F4305FE740AC}"/>
+              </a:ext>
+            </a:extLst>
+          </p:cNvPr>
+          <p:cNvSpPr txBox="1"/>
+          <p:nvPr/>
+        </p:nvSpPr>
+        <p:spPr>
+          <a:xfrm>
+            <a:off x="927673" y="2606660"/>
+            <a:ext cx="10332292" cy="891975"/>
+          </a:xfrm>
+          <a:prstGeom prst="rect">
+            <a:avLst/>
+          </a:prstGeom>
+          <a:noFill/>
+        </p:spPr>
+        <p:txBody>
+          <a:bodyPr wrap="square" rtlCol="0">
+            <a:spAutoFit/>
+          </a:bodyPr>
+          <a:lstStyle/>
+          <a:p>
+            <a:pPr marL="0" marR="0" lvl="0" indent="0" algn="l" defTabSz="457180" rtl="0" eaLnBrk="1" fontAlgn="auto" latinLnBrk="0" hangingPunct="1">
+              <a:lnSpc>
+                <a:spcPct val="150000"/>
+              </a:lnSpc>
+              <a:spcBef>
+                <a:spcPts val="0"/>
+              </a:spcBef>
+              <a:spcAft>
+                <a:spcPts val="0"/>
+              </a:spcAft>
+              <a:buClrTx/>
+              <a:buSzTx/>
+              <a:buFontTx/>
+              <a:buNone/>
+              <a:tabLst/>
+              <a:defRPr/>
+            </a:pPr>
+            <a:r>
+              <a:rPr kumimoji="0" lang="en-US" altLang="zh-CN" sz="1400" b="0" i="0" u="none" strike="noStrike" kern="1200" cap="none" spc="0" normalizeH="0" baseline="0" noProof="0" dirty="0">
+                <a:ln>
+                  <a:noFill/>
+                </a:ln>
+                <a:solidFill>
+                  <a:srgbClr val="515A6E"/>
+                </a:solidFill>
+                <a:effectLst/>
+                <a:uLnTx/>
+                <a:uFillTx/>
+                <a:latin typeface="Arial" panose="020B0604020202020204" pitchFamily="34" charset="0"/>
+                <a:ea typeface="等线" panose="02010600030101010101" pitchFamily="2" charset="-122"/>
+                <a:cs typeface="+mn-cs"/>
+              </a:rPr>
+              <a:t>Notice</a:t>
+            </a:r>
+            <a:endParaRPr kumimoji="0" lang="en" altLang="zh-CN" sz="1600" b="0" i="0" u="none" strike="noStrike" kern="1200" cap="none" spc="0" normalizeH="0" baseline="0" noProof="0" dirty="0">
+              <a:ln>
+                <a:noFill/>
+              </a:ln>
+              <a:solidFill>
+                <a:srgbClr val="515A6E"/>
+              </a:solidFill>
+              <a:effectLst/>
+              <a:uLnTx/>
+              <a:uFillTx/>
+              <a:latin typeface="Arial" panose="020B0604020202020204" pitchFamily="34" charset="0"/>
+              <a:ea typeface="等线" panose="02010600030101010101" pitchFamily="2" charset="-122"/>
+              <a:cs typeface="+mn-cs"/>
+            </a:endParaRPr>
+          </a:p>
+          <a:p>
+            <a:pPr marL="228600" indent="-228600">
+              <a:lnSpc>
+                <a:spcPct val="150000"/>
+              </a:lnSpc>
+              <a:buFontTx/>
+              <a:buAutoNum type="arabicPeriod"/>
+              <a:defRPr/>
+            </a:pPr>
+            <a:r>
+              <a:rPr kumimoji="0" lang="en-US" altLang="zh-CN" sz="1100" b="0" i="0" u="none" strike="noStrike" kern="1200" cap="none" spc="0" normalizeH="0" baseline="0" noProof="0" dirty="0">
+                <a:ln>
+                  <a:noFill/>
+                </a:ln>
+                <a:solidFill>
+                  <a:srgbClr val="515A6E"/>
+                </a:solidFill>
+                <a:effectLst/>
+                <a:uLnTx/>
+                <a:uFillTx/>
+                <a:latin typeface="Arial" panose="020B0604020202020204" pitchFamily="34" charset="0"/>
+                <a:ea typeface="微软雅黑" panose="020B0503020204020204" pitchFamily="34" charset="-122"/>
+                <a:cs typeface="+mn-cs"/>
+                <a:sym typeface="微软雅黑" panose="020B0503020204020204" pitchFamily="34" charset="-122"/>
+              </a:rPr>
+              <a:t>Input a specific protein sequence for sequence alignment analysis with the Myceliophthora thermophila protein database.</a:t>
+            </a:r>
+          </a:p>
+          <a:p>
+            <a:pPr marL="228600" indent="-228600">
+              <a:lnSpc>
+                <a:spcPct val="150000"/>
+              </a:lnSpc>
+              <a:buFontTx/>
+              <a:buAutoNum type="arabicPeriod"/>
+              <a:defRPr/>
+            </a:pPr>
+            <a:r>
+              <a:rPr kumimoji="0" lang="en-US" altLang="zh-CN" sz="1100" b="0" i="0" u="none" strike="noStrike" kern="1200" cap="none" spc="0" normalizeH="0" baseline="0" noProof="0" dirty="0">
+                <a:ln>
+                  <a:noFill/>
+                </a:ln>
+                <a:solidFill>
+                  <a:srgbClr val="515A6E"/>
+                </a:solidFill>
+                <a:effectLst/>
+                <a:uLnTx/>
+                <a:uFillTx/>
+                <a:latin typeface="Arial" panose="020B0604020202020204" pitchFamily="34" charset="0"/>
+                <a:ea typeface="微软雅黑" panose="020B0503020204020204" pitchFamily="34" charset="-122"/>
+                <a:cs typeface="+mn-cs"/>
+                <a:sym typeface="微软雅黑" panose="020B0503020204020204" pitchFamily="34" charset="-122"/>
+              </a:rPr>
+              <a:t>After clicking the download button, you will be able to download the protein sequence information from the alignment analysis results.</a:t>
+            </a:r>
+          </a:p>
+        </p:txBody>
+      </p:sp>
+      <p:sp>
+        <p:nvSpPr>
+          <p:cNvPr id="11" name="圆角矩形 10">
+            <a:extLst>
+              <a:ext uri="{FF2B5EF4-FFF2-40B4-BE49-F238E27FC236}">
+                <a16:creationId xmlns:a16="http://schemas.microsoft.com/office/drawing/2014/main" id="{FDDB3BF3-5169-24BC-BFF3-80619849DCEC}"/>
+              </a:ext>
+            </a:extLst>
+          </p:cNvPr>
+          <p:cNvSpPr/>
+          <p:nvPr/>
+        </p:nvSpPr>
+        <p:spPr>
+          <a:xfrm>
+            <a:off x="4601370" y="6749588"/>
+            <a:ext cx="1007573" cy="314960"/>
+          </a:xfrm>
+          <a:prstGeom prst="roundRect">
+            <a:avLst/>
+          </a:prstGeom>
+          <a:solidFill>
+            <a:schemeClr val="accent2">
+              <a:lumMod val="60000"/>
+              <a:lumOff val="40000"/>
+            </a:schemeClr>
+          </a:solidFill>
+          <a:ln w="6350">
+            <a:solidFill>
+              <a:schemeClr val="accent1">
+                <a:shade val="15000"/>
+                <a:alpha val="60000"/>
+              </a:schemeClr>
+            </a:solidFill>
+          </a:ln>
+        </p:spPr>
+        <p:style>
+          <a:lnRef idx="2">
+            <a:schemeClr val="accent1">
+              <a:shade val="15000"/>
+            </a:schemeClr>
+          </a:lnRef>
+          <a:fillRef idx="1">
+            <a:schemeClr val="accent1"/>
+          </a:fillRef>
+          <a:effectRef idx="0">
+            <a:schemeClr val="accent1"/>
+          </a:effectRef>
+          <a:fontRef idx="minor">
+            <a:schemeClr val="lt1"/>
+          </a:fontRef>
+        </p:style>
+        <p:txBody>
+          <a:bodyPr rtlCol="0" anchor="ctr"/>
+          <a:lstStyle/>
+          <a:p>
+            <a:pPr marL="0" marR="0" lvl="0" indent="0" algn="ctr" defTabSz="457180" rtl="0" eaLnBrk="1" fontAlgn="auto" latinLnBrk="0" hangingPunct="1">
+              <a:lnSpc>
+                <a:spcPct val="100000"/>
+              </a:lnSpc>
+              <a:spcBef>
+                <a:spcPts val="0"/>
+              </a:spcBef>
+              <a:spcAft>
+                <a:spcPts val="0"/>
+              </a:spcAft>
+              <a:buClrTx/>
+              <a:buSzTx/>
+              <a:buFontTx/>
+              <a:buNone/>
+              <a:tabLst/>
+              <a:defRPr/>
+            </a:pPr>
+            <a:r>
+              <a:rPr kumimoji="1" lang="en-US" altLang="zh-CN" sz="1200" b="0" i="0" u="none" strike="noStrike" kern="1200" cap="none" spc="0" normalizeH="0" baseline="0" noProof="0" dirty="0">
+                <a:ln>
+                  <a:noFill/>
+                </a:ln>
+                <a:solidFill>
+                  <a:prstClr val="white"/>
+                </a:solidFill>
+                <a:effectLst/>
+                <a:uLnTx/>
+                <a:uFillTx/>
+                <a:latin typeface="Calibri" panose="020F0502020204030204"/>
+                <a:ea typeface="等线" panose="02010600030101010101" pitchFamily="2" charset="-122"/>
+                <a:cs typeface="+mn-cs"/>
+              </a:rPr>
+              <a:t>Example</a:t>
+            </a:r>
+            <a:endParaRPr kumimoji="1" lang="zh-CN" altLang="en-US" sz="1200" b="0" i="0" u="none" strike="noStrike" kern="1200" cap="none" spc="0" normalizeH="0" baseline="0" noProof="0" dirty="0">
+              <a:ln>
+                <a:noFill/>
+              </a:ln>
+              <a:solidFill>
+                <a:prstClr val="white"/>
+              </a:solidFill>
+              <a:effectLst/>
+              <a:uLnTx/>
+              <a:uFillTx/>
+              <a:latin typeface="Calibri" panose="020F0502020204030204"/>
+              <a:ea typeface="等线" panose="02010600030101010101" pitchFamily="2" charset="-122"/>
+              <a:cs typeface="+mn-cs"/>
+            </a:endParaRPr>
+          </a:p>
+        </p:txBody>
+      </p:sp>
+      <p:sp>
+        <p:nvSpPr>
+          <p:cNvPr id="12" name="圆角矩形 11">
+            <a:extLst>
+              <a:ext uri="{FF2B5EF4-FFF2-40B4-BE49-F238E27FC236}">
+                <a16:creationId xmlns:a16="http://schemas.microsoft.com/office/drawing/2014/main" id="{9CADEC5D-33F1-FA56-BC8B-F1C8EE670503}"/>
+              </a:ext>
+            </a:extLst>
+          </p:cNvPr>
+          <p:cNvSpPr/>
+          <p:nvPr/>
+        </p:nvSpPr>
+        <p:spPr>
+          <a:xfrm>
+            <a:off x="6151765" y="6749588"/>
+            <a:ext cx="1007573" cy="314960"/>
+          </a:xfrm>
+          <a:prstGeom prst="roundRect">
+            <a:avLst/>
+          </a:prstGeom>
+          <a:solidFill>
+            <a:schemeClr val="accent1">
+              <a:lumMod val="75000"/>
+            </a:schemeClr>
+          </a:solidFill>
+          <a:ln w="6350">
+            <a:solidFill>
+              <a:schemeClr val="accent1">
+                <a:shade val="15000"/>
+                <a:alpha val="59912"/>
+              </a:schemeClr>
+            </a:solidFill>
+          </a:ln>
+        </p:spPr>
+        <p:style>
+          <a:lnRef idx="2">
+            <a:schemeClr val="accent1">
+              <a:shade val="15000"/>
+            </a:schemeClr>
+          </a:lnRef>
+          <a:fillRef idx="1">
+            <a:schemeClr val="accent1"/>
+          </a:fillRef>
+          <a:effectRef idx="0">
+            <a:schemeClr val="accent1"/>
+          </a:effectRef>
+          <a:fontRef idx="minor">
+            <a:schemeClr val="lt1"/>
+          </a:fontRef>
+        </p:style>
+        <p:txBody>
+          <a:bodyPr rtlCol="0" anchor="ctr"/>
+          <a:lstStyle/>
+          <a:p>
+            <a:pPr marL="0" marR="0" lvl="0" indent="0" algn="ctr" defTabSz="457180" rtl="0" eaLnBrk="1" fontAlgn="auto" latinLnBrk="0" hangingPunct="1">
+              <a:lnSpc>
+                <a:spcPct val="100000"/>
+              </a:lnSpc>
+              <a:spcBef>
+                <a:spcPts val="0"/>
+              </a:spcBef>
+              <a:spcAft>
+                <a:spcPts val="0"/>
+              </a:spcAft>
+              <a:buClrTx/>
+              <a:buSzTx/>
+              <a:buFontTx/>
+              <a:buNone/>
+              <a:tabLst/>
+              <a:defRPr/>
+            </a:pPr>
+            <a:r>
+              <a:rPr kumimoji="1" lang="en-US" altLang="zh-CN" sz="1200" b="0" i="0" u="none" strike="noStrike" kern="1200" cap="none" spc="0" normalizeH="0" baseline="0" noProof="0" dirty="0">
+                <a:ln>
+                  <a:noFill/>
+                </a:ln>
+                <a:solidFill>
+                  <a:prstClr val="white"/>
+                </a:solidFill>
+                <a:effectLst/>
+                <a:uLnTx/>
+                <a:uFillTx/>
+                <a:latin typeface="Calibri" panose="020F0502020204030204"/>
+                <a:ea typeface="等线" panose="02010600030101010101" pitchFamily="2" charset="-122"/>
+                <a:cs typeface="+mn-cs"/>
+              </a:rPr>
+              <a:t>Submit</a:t>
+            </a:r>
+            <a:endParaRPr kumimoji="1" lang="zh-CN" altLang="en-US" sz="1200" b="0" i="0" u="none" strike="noStrike" kern="1200" cap="none" spc="0" normalizeH="0" baseline="0" noProof="0" dirty="0">
+              <a:ln>
+                <a:noFill/>
+              </a:ln>
+              <a:solidFill>
+                <a:prstClr val="white"/>
+              </a:solidFill>
+              <a:effectLst/>
+              <a:uLnTx/>
+              <a:uFillTx/>
+              <a:latin typeface="Calibri" panose="020F0502020204030204"/>
+              <a:ea typeface="等线" panose="02010600030101010101" pitchFamily="2" charset="-122"/>
+              <a:cs typeface="+mn-cs"/>
+            </a:endParaRPr>
+          </a:p>
+        </p:txBody>
+      </p:sp>
+      <p:cxnSp>
+        <p:nvCxnSpPr>
+          <p:cNvPr id="13" name="直线连接符 12">
+            <a:extLst>
+              <a:ext uri="{FF2B5EF4-FFF2-40B4-BE49-F238E27FC236}">
+                <a16:creationId xmlns:a16="http://schemas.microsoft.com/office/drawing/2014/main" id="{C327293E-1F2A-C492-F2B5-33A945B880BD}"/>
+              </a:ext>
+            </a:extLst>
+          </p:cNvPr>
+          <p:cNvCxnSpPr>
+            <a:cxnSpLocks/>
+          </p:cNvCxnSpPr>
+          <p:nvPr/>
+        </p:nvCxnSpPr>
+        <p:spPr>
+          <a:xfrm>
+            <a:off x="765305" y="7474418"/>
+            <a:ext cx="10383532" cy="0"/>
+          </a:xfrm>
+          <a:prstGeom prst="line">
+            <a:avLst/>
+          </a:prstGeom>
+          <a:ln>
+            <a:solidFill>
+              <a:schemeClr val="dk1">
+                <a:alpha val="39855"/>
+              </a:schemeClr>
+            </a:solidFill>
+          </a:ln>
+        </p:spPr>
+        <p:style>
+          <a:lnRef idx="1">
+            <a:schemeClr val="dk1"/>
+          </a:lnRef>
+          <a:fillRef idx="0">
+            <a:schemeClr val="dk1"/>
+          </a:fillRef>
+          <a:effectRef idx="0">
+            <a:schemeClr val="dk1"/>
+          </a:effectRef>
+          <a:fontRef idx="minor">
+            <a:schemeClr val="tx1"/>
+          </a:fontRef>
+        </p:style>
+      </p:cxnSp>
+      <p:cxnSp>
+        <p:nvCxnSpPr>
+          <p:cNvPr id="14" name="直线箭头连接符 13">
+            <a:extLst>
+              <a:ext uri="{FF2B5EF4-FFF2-40B4-BE49-F238E27FC236}">
+                <a16:creationId xmlns:a16="http://schemas.microsoft.com/office/drawing/2014/main" id="{8C132D2E-8C4E-E1F8-1CEE-DC009381599A}"/>
+              </a:ext>
+            </a:extLst>
+          </p:cNvPr>
+          <p:cNvCxnSpPr>
+            <a:cxnSpLocks/>
+          </p:cNvCxnSpPr>
+          <p:nvPr/>
+        </p:nvCxnSpPr>
+        <p:spPr>
+          <a:xfrm>
+            <a:off x="6655552" y="7064548"/>
+            <a:ext cx="0" cy="940456"/>
+          </a:xfrm>
+          <a:prstGeom prst="straightConnector1">
+            <a:avLst/>
+          </a:prstGeom>
+          <a:ln>
+            <a:tailEnd type="triangle"/>
+          </a:ln>
+        </p:spPr>
+        <p:style>
+          <a:lnRef idx="1">
+            <a:schemeClr val="accent1"/>
+          </a:lnRef>
+          <a:fillRef idx="0">
+            <a:schemeClr val="accent1"/>
+          </a:fillRef>
+          <a:effectRef idx="0">
+            <a:schemeClr val="accent1"/>
+          </a:effectRef>
+          <a:fontRef idx="minor">
+            <a:schemeClr val="tx1"/>
+          </a:fontRef>
+        </p:style>
+      </p:cxnSp>
+      <p:sp>
+        <p:nvSpPr>
+          <p:cNvPr id="31" name="文本框 30">
+            <a:extLst>
+              <a:ext uri="{FF2B5EF4-FFF2-40B4-BE49-F238E27FC236}">
+                <a16:creationId xmlns:a16="http://schemas.microsoft.com/office/drawing/2014/main" id="{C0C63F25-B41A-AA4D-EB53-09E8D03FCA6A}"/>
+              </a:ext>
+            </a:extLst>
+          </p:cNvPr>
+          <p:cNvSpPr txBox="1"/>
+          <p:nvPr/>
+        </p:nvSpPr>
+        <p:spPr>
+          <a:xfrm>
+            <a:off x="959505" y="7728005"/>
+            <a:ext cx="3406426" cy="276999"/>
+          </a:xfrm>
+          <a:prstGeom prst="rect">
+            <a:avLst/>
+          </a:prstGeom>
+          <a:noFill/>
+        </p:spPr>
+        <p:txBody>
+          <a:bodyPr wrap="square" rtlCol="0">
+            <a:spAutoFit/>
+          </a:bodyPr>
+          <a:lstStyle/>
+          <a:p>
+            <a:pPr marL="0" marR="0" lvl="0" indent="0" algn="l" defTabSz="914433" rtl="0" eaLnBrk="1" fontAlgn="auto" latinLnBrk="0" hangingPunct="1">
+              <a:lnSpc>
+                <a:spcPct val="100000"/>
+              </a:lnSpc>
+              <a:spcBef>
+                <a:spcPts val="0"/>
+              </a:spcBef>
+              <a:spcAft>
+                <a:spcPts val="0"/>
+              </a:spcAft>
+              <a:buClrTx/>
+              <a:buSzTx/>
+              <a:buFontTx/>
+              <a:buNone/>
+              <a:tabLst/>
+              <a:defRPr/>
+            </a:pPr>
+            <a:r>
+              <a:rPr kumimoji="0" lang="en" altLang="zh-CN" sz="1200" b="1" i="0" u="none" strike="noStrike" kern="1200" cap="none" spc="0" normalizeH="0" baseline="0" noProof="0" dirty="0">
+                <a:ln>
+                  <a:noFill/>
+                </a:ln>
+                <a:solidFill>
+                  <a:prstClr val="black">
+                    <a:lumMod val="75000"/>
+                    <a:lumOff val="25000"/>
+                  </a:prstClr>
+                </a:solidFill>
+                <a:effectLst/>
+                <a:uLnTx/>
+                <a:uFillTx/>
+                <a:latin typeface="微软雅黑" panose="020B0503020204020204" pitchFamily="34" charset="-122"/>
+                <a:ea typeface="微软雅黑" panose="020B0503020204020204" pitchFamily="34" charset="-122"/>
+                <a:cs typeface="+mn-cs"/>
+                <a:sym typeface="微软雅黑" panose="020B0503020204020204" pitchFamily="34" charset="-122"/>
+              </a:rPr>
+              <a:t>Blast</a:t>
+            </a:r>
+            <a:r>
+              <a:rPr kumimoji="0" lang="zh-CN" altLang="en-US" sz="1200" b="1" i="0" u="none" strike="noStrike" kern="1200" cap="none" spc="0" normalizeH="0" baseline="0" noProof="0" dirty="0">
+                <a:ln>
+                  <a:noFill/>
+                </a:ln>
+                <a:solidFill>
+                  <a:prstClr val="black">
+                    <a:lumMod val="75000"/>
+                    <a:lumOff val="25000"/>
+                  </a:prstClr>
+                </a:solidFill>
+                <a:effectLst/>
+                <a:uLnTx/>
+                <a:uFillTx/>
+                <a:latin typeface="微软雅黑" panose="020B0503020204020204" pitchFamily="34" charset="-122"/>
+                <a:ea typeface="微软雅黑" panose="020B0503020204020204" pitchFamily="34" charset="-122"/>
+                <a:cs typeface="+mn-cs"/>
+                <a:sym typeface="微软雅黑" panose="020B0503020204020204" pitchFamily="34" charset="-122"/>
+              </a:rPr>
+              <a:t> </a:t>
+            </a:r>
+            <a:r>
+              <a:rPr kumimoji="0" lang="en-US" altLang="zh-CN" sz="1200" b="1" i="0" u="none" strike="noStrike" kern="1200" cap="none" spc="0" normalizeH="0" baseline="0" noProof="0" dirty="0">
+                <a:ln>
+                  <a:noFill/>
+                </a:ln>
+                <a:solidFill>
+                  <a:prstClr val="black">
+                    <a:lumMod val="75000"/>
+                    <a:lumOff val="25000"/>
+                  </a:prstClr>
+                </a:solidFill>
+                <a:effectLst/>
+                <a:uLnTx/>
+                <a:uFillTx/>
+                <a:latin typeface="微软雅黑" panose="020B0503020204020204" pitchFamily="34" charset="-122"/>
+                <a:ea typeface="微软雅黑" panose="020B0503020204020204" pitchFamily="34" charset="-122"/>
+                <a:cs typeface="+mn-cs"/>
+                <a:sym typeface="微软雅黑" panose="020B0503020204020204" pitchFamily="34" charset="-122"/>
+              </a:rPr>
+              <a:t>Result</a:t>
+            </a:r>
+            <a:endParaRPr kumimoji="0" lang="en" altLang="zh-CN" sz="1200" b="1" i="0" u="none" strike="noStrike" kern="1200" cap="none" spc="0" normalizeH="0" baseline="0" noProof="0" dirty="0">
+              <a:ln>
+                <a:noFill/>
+              </a:ln>
+              <a:solidFill>
+                <a:prstClr val="black">
+                  <a:lumMod val="75000"/>
+                  <a:lumOff val="25000"/>
+                </a:prstClr>
+              </a:solidFill>
+              <a:effectLst/>
+              <a:uLnTx/>
+              <a:uFillTx/>
+              <a:latin typeface="微软雅黑" panose="020B0503020204020204" pitchFamily="34" charset="-122"/>
+              <a:ea typeface="微软雅黑" panose="020B0503020204020204" pitchFamily="34" charset="-122"/>
+              <a:cs typeface="+mn-cs"/>
+              <a:sym typeface="微软雅黑" panose="020B0503020204020204" pitchFamily="34" charset="-122"/>
+            </a:endParaRPr>
+          </a:p>
+        </p:txBody>
+      </p:sp>
+      <p:sp>
+        <p:nvSpPr>
+          <p:cNvPr id="7" name="文本框 6">
+            <a:extLst>
+              <a:ext uri="{FF2B5EF4-FFF2-40B4-BE49-F238E27FC236}">
+                <a16:creationId xmlns:a16="http://schemas.microsoft.com/office/drawing/2014/main" id="{8D3F9432-CF44-04A7-172F-58A2AAC039FB}"/>
+              </a:ext>
+            </a:extLst>
+          </p:cNvPr>
+          <p:cNvSpPr txBox="1"/>
+          <p:nvPr/>
+        </p:nvSpPr>
+        <p:spPr>
+          <a:xfrm>
+            <a:off x="5121897" y="919203"/>
+            <a:ext cx="1985144" cy="276999"/>
+          </a:xfrm>
+          <a:prstGeom prst="rect">
+            <a:avLst/>
+          </a:prstGeom>
+          <a:noFill/>
+        </p:spPr>
+        <p:txBody>
+          <a:bodyPr wrap="square" rtlCol="0">
+            <a:spAutoFit/>
+          </a:bodyPr>
+          <a:lstStyle/>
+          <a:p>
+            <a:pPr marL="0" marR="0" lvl="0" indent="0" algn="l" defTabSz="914433" rtl="0" eaLnBrk="1" fontAlgn="auto" latinLnBrk="0" hangingPunct="1">
+              <a:lnSpc>
+                <a:spcPct val="100000"/>
+              </a:lnSpc>
+              <a:spcBef>
+                <a:spcPts val="0"/>
+              </a:spcBef>
+              <a:spcAft>
+                <a:spcPts val="0"/>
+              </a:spcAft>
+              <a:buClrTx/>
+              <a:buSzTx/>
+              <a:buFontTx/>
+              <a:buNone/>
+              <a:tabLst/>
+              <a:defRPr/>
+            </a:pPr>
+            <a:r>
+              <a:rPr kumimoji="0" lang="en-US" altLang="zh-CN" sz="1200" b="1" i="0" u="none" strike="noStrike" kern="1200" cap="none" spc="0" normalizeH="0" baseline="0" noProof="0" dirty="0">
+                <a:ln>
+                  <a:noFill/>
+                </a:ln>
+                <a:solidFill>
+                  <a:srgbClr val="4472C4">
+                    <a:lumMod val="75000"/>
+                  </a:srgbClr>
+                </a:solidFill>
+                <a:effectLst/>
+                <a:uLnTx/>
+                <a:uFillTx/>
+                <a:latin typeface="微软雅黑" panose="020B0503020204020204" pitchFamily="34" charset="-122"/>
+                <a:ea typeface="微软雅黑" panose="020B0503020204020204" pitchFamily="34" charset="-122"/>
+                <a:cs typeface="+mn-cs"/>
+                <a:sym typeface="微软雅黑" panose="020B0503020204020204" pitchFamily="34" charset="-122"/>
+              </a:rPr>
+              <a:t>Tools</a:t>
+            </a:r>
+            <a:endParaRPr kumimoji="0" lang="zh-CN" altLang="en-US" sz="900" b="1" i="0" u="none" strike="noStrike" kern="1200" cap="none" spc="0" normalizeH="0" baseline="0" noProof="0" dirty="0">
+              <a:ln>
+                <a:noFill/>
+              </a:ln>
+              <a:solidFill>
+                <a:srgbClr val="4472C4">
+                  <a:lumMod val="75000"/>
+                </a:srgbClr>
+              </a:solidFill>
+              <a:effectLst/>
+              <a:uLnTx/>
+              <a:uFillTx/>
+              <a:latin typeface="微软雅黑" panose="020B0503020204020204" pitchFamily="34" charset="-122"/>
+              <a:ea typeface="微软雅黑" panose="020B0503020204020204" pitchFamily="34" charset="-122"/>
+              <a:cs typeface="+mn-cs"/>
+              <a:sym typeface="微软雅黑" panose="020B0503020204020204" pitchFamily="34" charset="-122"/>
+            </a:endParaRPr>
+          </a:p>
+        </p:txBody>
+      </p:sp>
       <p:sp>
         <p:nvSpPr>
           <p:cNvPr id="34" name="圆角矩形 33">
@@ -6543,8 +10443,8 @@
         </p:nvSpPr>
         <p:spPr>
           <a:xfrm>
-            <a:off x="1070314" y="7419488"/>
-            <a:ext cx="10051372" cy="7344741"/>
+            <a:off x="1126079" y="8382933"/>
+            <a:ext cx="10051372" cy="4179528"/>
           </a:xfrm>
           <a:prstGeom prst="roundRect">
             <a:avLst>
@@ -6613,10 +10513,10 @@
       </p:sp>
       <p:sp>
         <p:nvSpPr>
-          <p:cNvPr id="2" name="文本框 1">
+          <p:cNvPr id="6" name="文本框 5">
             <a:extLst>
               <a:ext uri="{FF2B5EF4-FFF2-40B4-BE49-F238E27FC236}">
-                <a16:creationId xmlns:a16="http://schemas.microsoft.com/office/drawing/2014/main" id="{3DFE68FA-B02C-43EC-4895-69EFF91099B0}"/>
+                <a16:creationId xmlns:a16="http://schemas.microsoft.com/office/drawing/2014/main" id="{0A867E73-3589-AC53-2E81-FF493EB950B9}"/>
               </a:ext>
             </a:extLst>
           </p:cNvPr>
@@ -6625,8 +10525,81 @@
         </p:nvSpPr>
         <p:spPr>
           <a:xfrm>
-            <a:off x="3425787" y="2064368"/>
-            <a:ext cx="807080" cy="276999"/>
+            <a:off x="5121897" y="11980787"/>
+            <a:ext cx="2081252" cy="281792"/>
+          </a:xfrm>
+          <a:prstGeom prst="rect">
+            <a:avLst/>
+          </a:prstGeom>
+          <a:noFill/>
+        </p:spPr>
+        <p:txBody>
+          <a:bodyPr wrap="square" rtlCol="0">
+            <a:spAutoFit/>
+          </a:bodyPr>
+          <a:lstStyle/>
+          <a:p>
+            <a:pPr defTabSz="914433">
+              <a:defRPr/>
+            </a:pPr>
+            <a:r>
+              <a:rPr kumimoji="0" lang="en" altLang="zh-CN" sz="1200" b="1" i="0" u="none" strike="noStrike" kern="1200" cap="none" spc="0" normalizeH="0" baseline="0" noProof="0" dirty="0" err="1">
+                <a:ln>
+                  <a:noFill/>
+                </a:ln>
+                <a:solidFill>
+                  <a:prstClr val="black">
+                    <a:lumMod val="75000"/>
+                    <a:lumOff val="25000"/>
+                  </a:prstClr>
+                </a:solidFill>
+                <a:effectLst/>
+                <a:uLnTx/>
+                <a:uFillTx/>
+                <a:latin typeface="微软雅黑" panose="020B0503020204020204" pitchFamily="34" charset="-122"/>
+                <a:ea typeface="微软雅黑" panose="020B0503020204020204" pitchFamily="34" charset="-122"/>
+                <a:cs typeface="+mn-cs"/>
+                <a:sym typeface="微软雅黑" panose="020B0503020204020204" pitchFamily="34" charset="-122"/>
+              </a:rPr>
+              <a:t>blast_output.txt</a:t>
+            </a:r>
+            <a:endParaRPr kumimoji="0" lang="en" altLang="zh-CN" sz="1200" b="1" i="0" u="none" strike="noStrike" kern="1200" cap="none" spc="0" normalizeH="0" baseline="0" noProof="0" dirty="0">
+              <a:ln>
+                <a:noFill/>
+              </a:ln>
+              <a:solidFill>
+                <a:prstClr val="black">
+                  <a:lumMod val="75000"/>
+                  <a:lumOff val="25000"/>
+                </a:prstClr>
+              </a:solidFill>
+              <a:effectLst/>
+              <a:uLnTx/>
+              <a:uFillTx/>
+              <a:latin typeface="微软雅黑" panose="020B0503020204020204" pitchFamily="34" charset="-122"/>
+              <a:ea typeface="微软雅黑" panose="020B0503020204020204" pitchFamily="34" charset="-122"/>
+              <a:cs typeface="+mn-cs"/>
+              <a:sym typeface="微软雅黑" panose="020B0503020204020204" pitchFamily="34" charset="-122"/>
+            </a:endParaRPr>
+          </a:p>
+        </p:txBody>
+      </p:sp>
+      <p:sp>
+        <p:nvSpPr>
+          <p:cNvPr id="17" name="文本框 16">
+            <a:extLst>
+              <a:ext uri="{FF2B5EF4-FFF2-40B4-BE49-F238E27FC236}">
+                <a16:creationId xmlns:a16="http://schemas.microsoft.com/office/drawing/2014/main" id="{0803DEC4-AD1C-F742-A4BB-B81CA521E3A5}"/>
+              </a:ext>
+            </a:extLst>
+          </p:cNvPr>
+          <p:cNvSpPr txBox="1"/>
+          <p:nvPr/>
+        </p:nvSpPr>
+        <p:spPr>
+          <a:xfrm>
+            <a:off x="959505" y="2055861"/>
+            <a:ext cx="2259726" cy="276999"/>
           </a:xfrm>
           <a:prstGeom prst="rect">
             <a:avLst/>
@@ -6654,6 +10627,164 @@
               <a:buFontTx/>
               <a:buNone/>
               <a:tabLst/>
+              <a:defRPr/>
+            </a:pPr>
+            <a:r>
+              <a:rPr kumimoji="0" lang="en-US" altLang="zh-CN" sz="1200" b="1" i="0" u="none" strike="noStrike" kern="1200" cap="none" spc="0" normalizeH="0" baseline="0" noProof="0" dirty="0">
+                <a:ln>
+                  <a:noFill/>
+                </a:ln>
+                <a:solidFill>
+                  <a:schemeClr val="tx1">
+                    <a:lumMod val="85000"/>
+                    <a:lumOff val="15000"/>
+                  </a:schemeClr>
+                </a:solidFill>
+                <a:effectLst/>
+                <a:uLnTx/>
+                <a:uFillTx/>
+                <a:latin typeface="微软雅黑" panose="020B0503020204020204" pitchFamily="34" charset="-122"/>
+                <a:ea typeface="微软雅黑" panose="020B0503020204020204" pitchFamily="34" charset="-122"/>
+                <a:cs typeface="+mn-cs"/>
+                <a:sym typeface="微软雅黑" panose="020B0503020204020204" pitchFamily="34" charset="-122"/>
+              </a:rPr>
+              <a:t>TF Prediction </a:t>
+            </a:r>
+            <a:endParaRPr kumimoji="0" lang="zh-CN" altLang="en-US" sz="900" b="1" i="0" u="none" strike="noStrike" kern="1200" cap="none" spc="0" normalizeH="0" baseline="0" noProof="0" dirty="0">
+              <a:ln>
+                <a:noFill/>
+              </a:ln>
+              <a:solidFill>
+                <a:schemeClr val="tx1">
+                  <a:lumMod val="85000"/>
+                  <a:lumOff val="15000"/>
+                </a:schemeClr>
+              </a:solidFill>
+              <a:effectLst/>
+              <a:uLnTx/>
+              <a:uFillTx/>
+              <a:latin typeface="微软雅黑" panose="020B0503020204020204" pitchFamily="34" charset="-122"/>
+              <a:ea typeface="微软雅黑" panose="020B0503020204020204" pitchFamily="34" charset="-122"/>
+              <a:cs typeface="+mn-cs"/>
+              <a:sym typeface="微软雅黑" panose="020B0503020204020204" pitchFamily="34" charset="-122"/>
+            </a:endParaRPr>
+          </a:p>
+        </p:txBody>
+      </p:sp>
+      <p:sp>
+        <p:nvSpPr>
+          <p:cNvPr id="18" name="文本框 17">
+            <a:extLst>
+              <a:ext uri="{FF2B5EF4-FFF2-40B4-BE49-F238E27FC236}">
+                <a16:creationId xmlns:a16="http://schemas.microsoft.com/office/drawing/2014/main" id="{4B3F6828-040F-C45A-38F8-6EA7AE91D780}"/>
+              </a:ext>
+            </a:extLst>
+          </p:cNvPr>
+          <p:cNvSpPr txBox="1"/>
+          <p:nvPr/>
+        </p:nvSpPr>
+        <p:spPr>
+          <a:xfrm>
+            <a:off x="2412151" y="2059971"/>
+            <a:ext cx="807080" cy="276999"/>
+          </a:xfrm>
+          <a:prstGeom prst="rect">
+            <a:avLst/>
+          </a:prstGeom>
+          <a:noFill/>
+        </p:spPr>
+        <p:txBody>
+          <a:bodyPr wrap="square" rtlCol="0">
+            <a:spAutoFit/>
+          </a:bodyPr>
+          <a:lstStyle/>
+          <a:p>
+            <a:pPr marL="0" marR="0" lvl="0" indent="0" algn="l" defTabSz="914433" rtl="0" eaLnBrk="1" fontAlgn="auto" latinLnBrk="0" hangingPunct="1">
+              <a:lnSpc>
+                <a:spcPct val="100000"/>
+              </a:lnSpc>
+              <a:spcBef>
+                <a:spcPts val="0"/>
+              </a:spcBef>
+              <a:spcAft>
+                <a:spcPts val="0"/>
+              </a:spcAft>
+              <a:buClrTx/>
+              <a:buSzTx/>
+              <a:buFontTx/>
+              <a:buNone/>
+              <a:tabLst/>
+              <a:defRPr/>
+            </a:pPr>
+            <a:r>
+              <a:rPr kumimoji="0" lang="en-US" altLang="zh-CN" sz="1200" b="1" i="0" u="none" strike="noStrike" kern="1200" cap="none" spc="0" normalizeH="0" baseline="0" noProof="0" dirty="0">
+                <a:ln>
+                  <a:noFill/>
+                </a:ln>
+                <a:solidFill>
+                  <a:schemeClr val="accent1">
+                    <a:lumMod val="75000"/>
+                  </a:schemeClr>
+                </a:solidFill>
+                <a:effectLst/>
+                <a:uLnTx/>
+                <a:uFillTx/>
+                <a:latin typeface="微软雅黑" panose="020B0503020204020204" pitchFamily="34" charset="-122"/>
+                <a:ea typeface="微软雅黑" panose="020B0503020204020204" pitchFamily="34" charset="-122"/>
+                <a:cs typeface="+mn-cs"/>
+                <a:sym typeface="微软雅黑" panose="020B0503020204020204" pitchFamily="34" charset="-122"/>
+              </a:rPr>
+              <a:t>Blastp</a:t>
+            </a:r>
+            <a:endParaRPr kumimoji="0" lang="zh-CN" altLang="en-US" sz="900" b="1" i="0" u="none" strike="noStrike" kern="1200" cap="none" spc="0" normalizeH="0" baseline="0" noProof="0" dirty="0">
+              <a:ln>
+                <a:noFill/>
+              </a:ln>
+              <a:solidFill>
+                <a:schemeClr val="accent1">
+                  <a:lumMod val="75000"/>
+                </a:schemeClr>
+              </a:solidFill>
+              <a:effectLst/>
+              <a:uLnTx/>
+              <a:uFillTx/>
+              <a:latin typeface="微软雅黑" panose="020B0503020204020204" pitchFamily="34" charset="-122"/>
+              <a:ea typeface="微软雅黑" panose="020B0503020204020204" pitchFamily="34" charset="-122"/>
+              <a:cs typeface="+mn-cs"/>
+              <a:sym typeface="微软雅黑" panose="020B0503020204020204" pitchFamily="34" charset="-122"/>
+            </a:endParaRPr>
+          </a:p>
+        </p:txBody>
+      </p:sp>
+      <p:sp>
+        <p:nvSpPr>
+          <p:cNvPr id="19" name="文本框 18">
+            <a:extLst>
+              <a:ext uri="{FF2B5EF4-FFF2-40B4-BE49-F238E27FC236}">
+                <a16:creationId xmlns:a16="http://schemas.microsoft.com/office/drawing/2014/main" id="{693D2105-B217-DA06-9E5E-988C8FE92419}"/>
+              </a:ext>
+            </a:extLst>
+          </p:cNvPr>
+          <p:cNvSpPr txBox="1"/>
+          <p:nvPr/>
+        </p:nvSpPr>
+        <p:spPr>
+          <a:xfrm>
+            <a:off x="3425787" y="2064368"/>
+            <a:ext cx="1149084" cy="276999"/>
+          </a:xfrm>
+          <a:prstGeom prst="rect">
+            <a:avLst/>
+          </a:prstGeom>
+          <a:noFill/>
+        </p:spPr>
+        <p:txBody>
+          <a:bodyPr wrap="square" rtlCol="0">
+            <a:spAutoFit/>
+          </a:bodyPr>
+          <a:lstStyle/>
+          <a:p>
+            <a:pPr defTabSz="914433">
               <a:defRPr/>
             </a:pPr>
             <a:r>
@@ -6676,6 +10807,90 @@
                 <a:sym typeface="微软雅黑" panose="020B0503020204020204" pitchFamily="34" charset="-122"/>
               </a:rPr>
               <a:t>MSA</a:t>
+            </a:r>
+            <a:r>
+              <a:rPr kumimoji="0" lang="zh-CN" altLang="en-US" sz="1200" b="1" i="0" u="none" strike="noStrike" kern="1200" cap="none" spc="0" normalizeH="0" baseline="0" noProof="0" dirty="0">
+                <a:ln>
+                  <a:noFill/>
+                </a:ln>
+                <a:solidFill>
+                  <a:prstClr val="black">
+                    <a:lumMod val="75000"/>
+                    <a:lumOff val="25000"/>
+                  </a:prstClr>
+                </a:solidFill>
+                <a:effectLst/>
+                <a:uLnTx/>
+                <a:uFillTx/>
+                <a:latin typeface="微软雅黑" panose="020B0503020204020204" pitchFamily="34" charset="-122"/>
+                <a:ea typeface="微软雅黑" panose="020B0503020204020204" pitchFamily="34" charset="-122"/>
+                <a:cs typeface="+mn-cs"/>
+                <a:sym typeface="微软雅黑" panose="020B0503020204020204" pitchFamily="34" charset="-122"/>
+              </a:rPr>
+              <a:t> </a:t>
+            </a:r>
+            <a:r>
+              <a:rPr kumimoji="0" lang="en-US" altLang="zh-CN" sz="1200" b="1" i="0" u="none" strike="noStrike" kern="1200" cap="none" spc="0" normalizeH="0" baseline="0" noProof="0" dirty="0">
+                <a:ln>
+                  <a:noFill/>
+                </a:ln>
+                <a:solidFill>
+                  <a:prstClr val="black">
+                    <a:lumMod val="75000"/>
+                    <a:lumOff val="25000"/>
+                  </a:prstClr>
+                </a:solidFill>
+                <a:effectLst/>
+                <a:uLnTx/>
+                <a:uFillTx/>
+                <a:latin typeface="微软雅黑" panose="020B0503020204020204" pitchFamily="34" charset="-122"/>
+                <a:ea typeface="微软雅黑" panose="020B0503020204020204" pitchFamily="34" charset="-122"/>
+                <a:cs typeface="+mn-cs"/>
+                <a:sym typeface="微软雅黑" panose="020B0503020204020204" pitchFamily="34" charset="-122"/>
+              </a:rPr>
+              <a:t>&amp;</a:t>
+            </a:r>
+            <a:r>
+              <a:rPr kumimoji="0" lang="zh-CN" altLang="en-US" sz="1200" b="1" i="0" u="none" strike="noStrike" kern="1200" cap="none" spc="0" normalizeH="0" baseline="0" noProof="0" dirty="0">
+                <a:ln>
+                  <a:noFill/>
+                </a:ln>
+                <a:solidFill>
+                  <a:prstClr val="black">
+                    <a:lumMod val="75000"/>
+                    <a:lumOff val="25000"/>
+                  </a:prstClr>
+                </a:solidFill>
+                <a:effectLst/>
+                <a:uLnTx/>
+                <a:uFillTx/>
+                <a:latin typeface="微软雅黑" panose="020B0503020204020204" pitchFamily="34" charset="-122"/>
+                <a:ea typeface="微软雅黑" panose="020B0503020204020204" pitchFamily="34" charset="-122"/>
+                <a:cs typeface="+mn-cs"/>
+                <a:sym typeface="微软雅黑" panose="020B0503020204020204" pitchFamily="34" charset="-122"/>
+              </a:rPr>
+              <a:t> </a:t>
+            </a:r>
+            <a:r>
+              <a:rPr kumimoji="0" lang="en" altLang="zh-CN" sz="1200" b="1" i="0" u="none" strike="noStrike" kern="1200" cap="none" spc="0" normalizeH="0" baseline="0" noProof="0" dirty="0">
+                <a:ln>
+                  <a:noFill/>
+                </a:ln>
+                <a:solidFill>
+                  <a:prstClr val="black">
+                    <a:lumMod val="75000"/>
+                    <a:lumOff val="25000"/>
+                  </a:prstClr>
+                </a:solidFill>
+                <a:effectLst/>
+                <a:uLnTx/>
+                <a:uFillTx/>
+                <a:latin typeface="微软雅黑" panose="020B0503020204020204" pitchFamily="34" charset="-122"/>
+                <a:ea typeface="微软雅黑" panose="020B0503020204020204" pitchFamily="34" charset="-122"/>
+                <a:cs typeface="+mn-cs"/>
+                <a:sym typeface="微软雅黑" panose="020B0503020204020204" pitchFamily="34" charset="-122"/>
+              </a:rPr>
+              <a:t>Tree</a:t>
             </a:r>
             <a:endParaRPr kumimoji="0" lang="zh-CN" altLang="en-US" sz="900" b="1" i="0" u="none" strike="noStrike" kern="1200" cap="none" spc="0" normalizeH="0" baseline="0" noProof="0" dirty="0">
               <a:ln>
@@ -6700,10 +10915,133 @@
       </p:sp>
       <p:sp>
         <p:nvSpPr>
-          <p:cNvPr id="3" name="文本框 2">
+          <p:cNvPr id="20" name="圆角矩形 19">
             <a:extLst>
               <a:ext uri="{FF2B5EF4-FFF2-40B4-BE49-F238E27FC236}">
-                <a16:creationId xmlns:a16="http://schemas.microsoft.com/office/drawing/2014/main" id="{8EC215A2-85DE-DD39-56E0-2270DB93F5C9}"/>
+                <a16:creationId xmlns:a16="http://schemas.microsoft.com/office/drawing/2014/main" id="{7AE1E410-CF7D-BB67-67ED-0BC78D51DB20}"/>
+              </a:ext>
+            </a:extLst>
+          </p:cNvPr>
+          <p:cNvSpPr/>
+          <p:nvPr/>
+        </p:nvSpPr>
+        <p:spPr>
+          <a:xfrm>
+            <a:off x="1227179" y="3841181"/>
+            <a:ext cx="9543915" cy="2576021"/>
+          </a:xfrm>
+          <a:prstGeom prst="roundRect">
+            <a:avLst>
+              <a:gd name="adj" fmla="val 4751"/>
+            </a:avLst>
+          </a:prstGeom>
+          <a:ln>
+            <a:solidFill>
+              <a:schemeClr val="bg1">
+                <a:lumMod val="50000"/>
+              </a:schemeClr>
+            </a:solidFill>
+          </a:ln>
+        </p:spPr>
+        <p:style>
+          <a:lnRef idx="2">
+            <a:schemeClr val="accent6"/>
+          </a:lnRef>
+          <a:fillRef idx="1">
+            <a:schemeClr val="lt1"/>
+          </a:fillRef>
+          <a:effectRef idx="0">
+            <a:schemeClr val="accent6"/>
+          </a:effectRef>
+          <a:fontRef idx="minor">
+            <a:schemeClr val="dk1"/>
+          </a:fontRef>
+        </p:style>
+        <p:txBody>
+          <a:bodyPr rtlCol="0" anchor="ctr"/>
+          <a:lstStyle/>
+          <a:p>
+            <a:pPr marL="0" marR="0" lvl="0" indent="0" algn="ctr" defTabSz="457180" rtl="0" eaLnBrk="1" fontAlgn="auto" latinLnBrk="0" hangingPunct="1">
+              <a:lnSpc>
+                <a:spcPct val="100000"/>
+              </a:lnSpc>
+              <a:spcBef>
+                <a:spcPts val="0"/>
+              </a:spcBef>
+              <a:spcAft>
+                <a:spcPts val="0"/>
+              </a:spcAft>
+              <a:buClrTx/>
+              <a:buSzTx/>
+              <a:buFontTx/>
+              <a:buNone/>
+              <a:tabLst/>
+              <a:defRPr/>
+            </a:pPr>
+            <a:endParaRPr kumimoji="1" lang="zh-CN" altLang="en-US" sz="1801" b="0" i="0" u="none" strike="noStrike" kern="1200" cap="none" spc="0" normalizeH="0" baseline="0" noProof="0">
+              <a:ln>
+                <a:noFill/>
+              </a:ln>
+              <a:solidFill>
+                <a:prstClr val="black"/>
+              </a:solidFill>
+              <a:effectLst/>
+              <a:uLnTx/>
+              <a:uFillTx/>
+              <a:latin typeface="Calibri" panose="020F0502020204030204"/>
+              <a:ea typeface="等线" panose="02010600030101010101" pitchFamily="2" charset="-122"/>
+              <a:cs typeface="+mn-cs"/>
+            </a:endParaRPr>
+          </a:p>
+        </p:txBody>
+      </p:sp>
+      <p:cxnSp>
+        <p:nvCxnSpPr>
+          <p:cNvPr id="21" name="直线箭头连接符 20">
+            <a:extLst>
+              <a:ext uri="{FF2B5EF4-FFF2-40B4-BE49-F238E27FC236}">
+                <a16:creationId xmlns:a16="http://schemas.microsoft.com/office/drawing/2014/main" id="{D44BFA9E-685A-1CD7-056F-3BF9A051B3EB}"/>
+              </a:ext>
+            </a:extLst>
+          </p:cNvPr>
+          <p:cNvCxnSpPr>
+            <a:cxnSpLocks/>
+          </p:cNvCxnSpPr>
+          <p:nvPr/>
+        </p:nvCxnSpPr>
+        <p:spPr>
+          <a:xfrm flipH="1">
+            <a:off x="10156269" y="3418358"/>
+            <a:ext cx="238307" cy="714229"/>
+          </a:xfrm>
+          <a:prstGeom prst="straightConnector1">
+            <a:avLst/>
+          </a:prstGeom>
+          <a:ln>
+            <a:tailEnd type="triangle"/>
+          </a:ln>
+        </p:spPr>
+        <p:style>
+          <a:lnRef idx="1">
+            <a:schemeClr val="accent1"/>
+          </a:lnRef>
+          <a:fillRef idx="0">
+            <a:schemeClr val="accent1"/>
+          </a:fillRef>
+          <a:effectRef idx="0">
+            <a:schemeClr val="accent1"/>
+          </a:effectRef>
+          <a:fontRef idx="minor">
+            <a:schemeClr val="tx1"/>
+          </a:fontRef>
+        </p:style>
+      </p:cxnSp>
+      <p:sp>
+        <p:nvSpPr>
+          <p:cNvPr id="23" name="文本框 22">
+            <a:extLst>
+              <a:ext uri="{FF2B5EF4-FFF2-40B4-BE49-F238E27FC236}">
+                <a16:creationId xmlns:a16="http://schemas.microsoft.com/office/drawing/2014/main" id="{0705A34E-719D-9993-979F-894032757991}"/>
               </a:ext>
             </a:extLst>
           </p:cNvPr>
@@ -6712,8 +11050,1062 @@
         </p:nvSpPr>
         <p:spPr>
           <a:xfrm>
-            <a:off x="4241951" y="2055860"/>
-            <a:ext cx="807080" cy="276999"/>
+            <a:off x="9972602" y="3004633"/>
+            <a:ext cx="1149084" cy="430887"/>
+          </a:xfrm>
+          <a:prstGeom prst="rect">
+            <a:avLst/>
+          </a:prstGeom>
+          <a:noFill/>
+        </p:spPr>
+        <p:txBody>
+          <a:bodyPr wrap="square" rtlCol="0">
+            <a:spAutoFit/>
+          </a:bodyPr>
+          <a:lstStyle/>
+          <a:p>
+            <a:pPr defTabSz="914433">
+              <a:defRPr/>
+            </a:pPr>
+            <a:r>
+              <a:rPr lang="zh-CN" altLang="en-US" sz="1100" dirty="0">
+                <a:solidFill>
+                  <a:srgbClr val="FF0000"/>
+                </a:solidFill>
+                <a:latin typeface="微软雅黑" panose="020B0503020204020204" pitchFamily="34" charset="-122"/>
+                <a:ea typeface="微软雅黑" panose="020B0503020204020204" pitchFamily="34" charset="-122"/>
+                <a:sym typeface="微软雅黑" panose="020B0503020204020204" pitchFamily="34" charset="-122"/>
+              </a:rPr>
+              <a:t>最多输入</a:t>
+            </a:r>
+            <a:r>
+              <a:rPr lang="en-US" altLang="zh-CN" sz="1100" dirty="0">
+                <a:solidFill>
+                  <a:srgbClr val="FF0000"/>
+                </a:solidFill>
+                <a:latin typeface="微软雅黑" panose="020B0503020204020204" pitchFamily="34" charset="-122"/>
+                <a:ea typeface="微软雅黑" panose="020B0503020204020204" pitchFamily="34" charset="-122"/>
+                <a:sym typeface="微软雅黑" panose="020B0503020204020204" pitchFamily="34" charset="-122"/>
+              </a:rPr>
+              <a:t>20</a:t>
+            </a:r>
+            <a:r>
+              <a:rPr lang="zh-CN" altLang="en-US" sz="1100" dirty="0">
+                <a:solidFill>
+                  <a:srgbClr val="FF0000"/>
+                </a:solidFill>
+                <a:latin typeface="微软雅黑" panose="020B0503020204020204" pitchFamily="34" charset="-122"/>
+                <a:ea typeface="微软雅黑" panose="020B0503020204020204" pitchFamily="34" charset="-122"/>
+                <a:sym typeface="微软雅黑" panose="020B0503020204020204" pitchFamily="34" charset="-122"/>
+              </a:rPr>
+              <a:t>个序列</a:t>
+            </a:r>
+            <a:endParaRPr kumimoji="0" lang="zh-CN" altLang="en-US" sz="800" i="0" u="none" strike="noStrike" kern="1200" cap="none" spc="0" normalizeH="0" baseline="0" noProof="0" dirty="0">
+              <a:ln>
+                <a:noFill/>
+              </a:ln>
+              <a:solidFill>
+                <a:srgbClr val="FF0000"/>
+              </a:solidFill>
+              <a:effectLst/>
+              <a:uLnTx/>
+              <a:uFillTx/>
+              <a:latin typeface="微软雅黑" panose="020B0503020204020204" pitchFamily="34" charset="-122"/>
+              <a:ea typeface="微软雅黑" panose="020B0503020204020204" pitchFamily="34" charset="-122"/>
+              <a:cs typeface="+mn-cs"/>
+              <a:sym typeface="微软雅黑" panose="020B0503020204020204" pitchFamily="34" charset="-122"/>
+            </a:endParaRPr>
+          </a:p>
+        </p:txBody>
+      </p:sp>
+      <p:pic>
+        <p:nvPicPr>
+          <p:cNvPr id="24" name="图片 23">
+            <a:extLst>
+              <a:ext uri="{FF2B5EF4-FFF2-40B4-BE49-F238E27FC236}">
+                <a16:creationId xmlns:a16="http://schemas.microsoft.com/office/drawing/2014/main" id="{B92D6F47-C236-18A6-51D1-DD5727E1EB20}"/>
+              </a:ext>
+            </a:extLst>
+          </p:cNvPr>
+          <p:cNvPicPr>
+            <a:picLocks noChangeAspect="1"/>
+          </p:cNvPicPr>
+          <p:nvPr/>
+        </p:nvPicPr>
+        <p:blipFill>
+          <a:blip r:embed="rId4"/>
+          <a:stretch>
+            <a:fillRect/>
+          </a:stretch>
+        </p:blipFill>
+        <p:spPr>
+          <a:xfrm>
+            <a:off x="2246032" y="4028189"/>
+            <a:ext cx="7533719" cy="2200959"/>
+          </a:xfrm>
+          <a:prstGeom prst="rect">
+            <a:avLst/>
+          </a:prstGeom>
+        </p:spPr>
+      </p:pic>
+      <p:cxnSp>
+        <p:nvCxnSpPr>
+          <p:cNvPr id="27" name="直线箭头连接符 26">
+            <a:extLst>
+              <a:ext uri="{FF2B5EF4-FFF2-40B4-BE49-F238E27FC236}">
+                <a16:creationId xmlns:a16="http://schemas.microsoft.com/office/drawing/2014/main" id="{4F313BE9-4AA3-F23B-82FA-D75DEEF86190}"/>
+              </a:ext>
+            </a:extLst>
+          </p:cNvPr>
+          <p:cNvCxnSpPr>
+            <a:cxnSpLocks/>
+          </p:cNvCxnSpPr>
+          <p:nvPr/>
+        </p:nvCxnSpPr>
+        <p:spPr>
+          <a:xfrm flipV="1">
+            <a:off x="3715998" y="6908616"/>
+            <a:ext cx="921350" cy="10601"/>
+          </a:xfrm>
+          <a:prstGeom prst="straightConnector1">
+            <a:avLst/>
+          </a:prstGeom>
+          <a:ln>
+            <a:tailEnd type="triangle"/>
+          </a:ln>
+        </p:spPr>
+        <p:style>
+          <a:lnRef idx="1">
+            <a:schemeClr val="accent1"/>
+          </a:lnRef>
+          <a:fillRef idx="0">
+            <a:schemeClr val="accent1"/>
+          </a:fillRef>
+          <a:effectRef idx="0">
+            <a:schemeClr val="accent1"/>
+          </a:effectRef>
+          <a:fontRef idx="minor">
+            <a:schemeClr val="tx1"/>
+          </a:fontRef>
+        </p:style>
+      </p:cxnSp>
+      <p:sp>
+        <p:nvSpPr>
+          <p:cNvPr id="32" name="文本框 31">
+            <a:extLst>
+              <a:ext uri="{FF2B5EF4-FFF2-40B4-BE49-F238E27FC236}">
+                <a16:creationId xmlns:a16="http://schemas.microsoft.com/office/drawing/2014/main" id="{849FB580-BE1F-E5C6-8151-9BA14FF8941E}"/>
+              </a:ext>
+            </a:extLst>
+          </p:cNvPr>
+          <p:cNvSpPr txBox="1"/>
+          <p:nvPr/>
+        </p:nvSpPr>
+        <p:spPr>
+          <a:xfrm>
+            <a:off x="2426521" y="6815005"/>
+            <a:ext cx="1474829" cy="261610"/>
+          </a:xfrm>
+          <a:prstGeom prst="rect">
+            <a:avLst/>
+          </a:prstGeom>
+          <a:noFill/>
+        </p:spPr>
+        <p:txBody>
+          <a:bodyPr wrap="square" rtlCol="0">
+            <a:spAutoFit/>
+          </a:bodyPr>
+          <a:lstStyle/>
+          <a:p>
+            <a:pPr defTabSz="914433">
+              <a:defRPr/>
+            </a:pPr>
+            <a:r>
+              <a:rPr lang="zh-CN" altLang="en-US" sz="1100" dirty="0">
+                <a:solidFill>
+                  <a:srgbClr val="FF0000"/>
+                </a:solidFill>
+                <a:latin typeface="微软雅黑" panose="020B0503020204020204" pitchFamily="34" charset="-122"/>
+                <a:ea typeface="微软雅黑" panose="020B0503020204020204" pitchFamily="34" charset="-122"/>
+                <a:sym typeface="微软雅黑" panose="020B0503020204020204" pitchFamily="34" charset="-122"/>
+              </a:rPr>
+              <a:t>见</a:t>
+            </a:r>
+            <a:r>
+              <a:rPr lang="en-US" altLang="zh-CN" sz="1100" dirty="0" err="1">
+                <a:solidFill>
+                  <a:srgbClr val="FF0000"/>
+                </a:solidFill>
+                <a:latin typeface="微软雅黑" panose="020B0503020204020204" pitchFamily="34" charset="-122"/>
+                <a:ea typeface="微软雅黑" panose="020B0503020204020204" pitchFamily="34" charset="-122"/>
+                <a:sym typeface="微软雅黑" panose="020B0503020204020204" pitchFamily="34" charset="-122"/>
+              </a:rPr>
+              <a:t>blast_input.txt</a:t>
+            </a:r>
+            <a:endParaRPr kumimoji="0" lang="zh-CN" altLang="en-US" sz="800" i="0" u="none" strike="noStrike" kern="1200" cap="none" spc="0" normalizeH="0" baseline="0" noProof="0" dirty="0">
+              <a:ln>
+                <a:noFill/>
+              </a:ln>
+              <a:solidFill>
+                <a:srgbClr val="FF0000"/>
+              </a:solidFill>
+              <a:effectLst/>
+              <a:uLnTx/>
+              <a:uFillTx/>
+              <a:latin typeface="微软雅黑" panose="020B0503020204020204" pitchFamily="34" charset="-122"/>
+              <a:ea typeface="微软雅黑" panose="020B0503020204020204" pitchFamily="34" charset="-122"/>
+              <a:cs typeface="+mn-cs"/>
+              <a:sym typeface="微软雅黑" panose="020B0503020204020204" pitchFamily="34" charset="-122"/>
+            </a:endParaRPr>
+          </a:p>
+        </p:txBody>
+      </p:sp>
+      <p:pic>
+        <p:nvPicPr>
+          <p:cNvPr id="33" name="图片 32">
+            <a:extLst>
+              <a:ext uri="{FF2B5EF4-FFF2-40B4-BE49-F238E27FC236}">
+                <a16:creationId xmlns:a16="http://schemas.microsoft.com/office/drawing/2014/main" id="{A903BD54-6359-DFA7-181C-8356F6FD5885}"/>
+              </a:ext>
+            </a:extLst>
+          </p:cNvPr>
+          <p:cNvPicPr>
+            <a:picLocks noChangeAspect="1"/>
+          </p:cNvPicPr>
+          <p:nvPr/>
+        </p:nvPicPr>
+        <p:blipFill>
+          <a:blip r:embed="rId5"/>
+          <a:stretch>
+            <a:fillRect/>
+          </a:stretch>
+        </p:blipFill>
+        <p:spPr>
+          <a:xfrm>
+            <a:off x="2126691" y="8721074"/>
+            <a:ext cx="7772400" cy="3098411"/>
+          </a:xfrm>
+          <a:prstGeom prst="rect">
+            <a:avLst/>
+          </a:prstGeom>
+        </p:spPr>
+      </p:pic>
+      <p:sp>
+        <p:nvSpPr>
+          <p:cNvPr id="35" name="圆角矩形 34">
+            <a:extLst>
+              <a:ext uri="{FF2B5EF4-FFF2-40B4-BE49-F238E27FC236}">
+                <a16:creationId xmlns:a16="http://schemas.microsoft.com/office/drawing/2014/main" id="{868EC310-84B9-F152-35F1-AED5F434B559}"/>
+              </a:ext>
+            </a:extLst>
+          </p:cNvPr>
+          <p:cNvSpPr/>
+          <p:nvPr/>
+        </p:nvSpPr>
+        <p:spPr>
+          <a:xfrm>
+            <a:off x="5453284" y="13334380"/>
+            <a:ext cx="1007573" cy="314960"/>
+          </a:xfrm>
+          <a:prstGeom prst="roundRect">
+            <a:avLst/>
+          </a:prstGeom>
+          <a:solidFill>
+            <a:schemeClr val="bg1"/>
+          </a:solidFill>
+          <a:ln w="6350">
+            <a:solidFill>
+              <a:schemeClr val="tx1"/>
+            </a:solidFill>
+          </a:ln>
+        </p:spPr>
+        <p:style>
+          <a:lnRef idx="2">
+            <a:schemeClr val="accent1">
+              <a:shade val="15000"/>
+            </a:schemeClr>
+          </a:lnRef>
+          <a:fillRef idx="1">
+            <a:schemeClr val="accent1"/>
+          </a:fillRef>
+          <a:effectRef idx="0">
+            <a:schemeClr val="accent1"/>
+          </a:effectRef>
+          <a:fontRef idx="minor">
+            <a:schemeClr val="lt1"/>
+          </a:fontRef>
+        </p:style>
+        <p:txBody>
+          <a:bodyPr rtlCol="0" anchor="ctr"/>
+          <a:lstStyle/>
+          <a:p>
+            <a:pPr marL="0" marR="0" lvl="0" indent="0" algn="ctr" defTabSz="457180" rtl="0" eaLnBrk="1" fontAlgn="auto" latinLnBrk="0" hangingPunct="1">
+              <a:lnSpc>
+                <a:spcPct val="100000"/>
+              </a:lnSpc>
+              <a:spcBef>
+                <a:spcPts val="0"/>
+              </a:spcBef>
+              <a:spcAft>
+                <a:spcPts val="0"/>
+              </a:spcAft>
+              <a:buClrTx/>
+              <a:buSzTx/>
+              <a:buFontTx/>
+              <a:buNone/>
+              <a:tabLst/>
+              <a:defRPr/>
+            </a:pPr>
+            <a:r>
+              <a:rPr kumimoji="1" lang="en-US" altLang="zh-CN" sz="1200" dirty="0">
+                <a:solidFill>
+                  <a:schemeClr val="tx1"/>
+                </a:solidFill>
+                <a:latin typeface="Calibri" panose="020F0502020204030204"/>
+                <a:ea typeface="等线" panose="02010600030101010101" pitchFamily="2" charset="-122"/>
+              </a:rPr>
+              <a:t>Get</a:t>
+            </a:r>
+            <a:r>
+              <a:rPr kumimoji="1" lang="zh-CN" altLang="en-US" sz="1200" dirty="0">
+                <a:solidFill>
+                  <a:schemeClr val="tx1"/>
+                </a:solidFill>
+                <a:latin typeface="Calibri" panose="020F0502020204030204"/>
+                <a:ea typeface="等线" panose="02010600030101010101" pitchFamily="2" charset="-122"/>
+              </a:rPr>
+              <a:t> </a:t>
+            </a:r>
+            <a:r>
+              <a:rPr kumimoji="1" lang="en-US" altLang="zh-CN" sz="1200" dirty="0">
+                <a:solidFill>
+                  <a:schemeClr val="tx1"/>
+                </a:solidFill>
+                <a:latin typeface="Calibri" panose="020F0502020204030204"/>
+                <a:ea typeface="等线" panose="02010600030101010101" pitchFamily="2" charset="-122"/>
+              </a:rPr>
+              <a:t>Seq</a:t>
+            </a:r>
+            <a:endParaRPr kumimoji="1" lang="zh-CN" altLang="en-US" sz="1200" b="0" i="0" u="none" strike="noStrike" kern="1200" cap="none" spc="0" normalizeH="0" baseline="0" noProof="0" dirty="0">
+              <a:ln>
+                <a:noFill/>
+              </a:ln>
+              <a:solidFill>
+                <a:schemeClr val="tx1"/>
+              </a:solidFill>
+              <a:effectLst/>
+              <a:uLnTx/>
+              <a:uFillTx/>
+              <a:latin typeface="Calibri" panose="020F0502020204030204"/>
+              <a:ea typeface="等线" panose="02010600030101010101" pitchFamily="2" charset="-122"/>
+              <a:cs typeface="+mn-cs"/>
+            </a:endParaRPr>
+          </a:p>
+        </p:txBody>
+      </p:sp>
+      <p:cxnSp>
+        <p:nvCxnSpPr>
+          <p:cNvPr id="36" name="直线箭头连接符 35">
+            <a:extLst>
+              <a:ext uri="{FF2B5EF4-FFF2-40B4-BE49-F238E27FC236}">
+                <a16:creationId xmlns:a16="http://schemas.microsoft.com/office/drawing/2014/main" id="{7C8EC88A-EA15-D8BC-6632-29ED57338F98}"/>
+              </a:ext>
+            </a:extLst>
+          </p:cNvPr>
+          <p:cNvCxnSpPr>
+            <a:cxnSpLocks/>
+          </p:cNvCxnSpPr>
+          <p:nvPr/>
+        </p:nvCxnSpPr>
+        <p:spPr>
+          <a:xfrm flipH="1" flipV="1">
+            <a:off x="6350752" y="13491860"/>
+            <a:ext cx="1031683" cy="241472"/>
+          </a:xfrm>
+          <a:prstGeom prst="straightConnector1">
+            <a:avLst/>
+          </a:prstGeom>
+          <a:ln>
+            <a:tailEnd type="triangle"/>
+          </a:ln>
+        </p:spPr>
+        <p:style>
+          <a:lnRef idx="1">
+            <a:schemeClr val="accent1"/>
+          </a:lnRef>
+          <a:fillRef idx="0">
+            <a:schemeClr val="accent1"/>
+          </a:fillRef>
+          <a:effectRef idx="0">
+            <a:schemeClr val="accent1"/>
+          </a:effectRef>
+          <a:fontRef idx="minor">
+            <a:schemeClr val="tx1"/>
+          </a:fontRef>
+        </p:style>
+      </p:cxnSp>
+      <p:sp>
+        <p:nvSpPr>
+          <p:cNvPr id="38" name="文本框 37">
+            <a:extLst>
+              <a:ext uri="{FF2B5EF4-FFF2-40B4-BE49-F238E27FC236}">
+                <a16:creationId xmlns:a16="http://schemas.microsoft.com/office/drawing/2014/main" id="{D54B8B0E-9118-CC69-14A9-E638BDD45DFD}"/>
+              </a:ext>
+            </a:extLst>
+          </p:cNvPr>
+          <p:cNvSpPr txBox="1"/>
+          <p:nvPr/>
+        </p:nvSpPr>
+        <p:spPr>
+          <a:xfrm>
+            <a:off x="7382435" y="13619506"/>
+            <a:ext cx="1474829" cy="261610"/>
+          </a:xfrm>
+          <a:prstGeom prst="rect">
+            <a:avLst/>
+          </a:prstGeom>
+          <a:noFill/>
+        </p:spPr>
+        <p:txBody>
+          <a:bodyPr wrap="square" rtlCol="0">
+            <a:spAutoFit/>
+          </a:bodyPr>
+          <a:lstStyle/>
+          <a:p>
+            <a:pPr defTabSz="914433">
+              <a:defRPr/>
+            </a:pPr>
+            <a:r>
+              <a:rPr lang="zh-CN" altLang="en-US" sz="1100" dirty="0">
+                <a:solidFill>
+                  <a:srgbClr val="FF0000"/>
+                </a:solidFill>
+                <a:latin typeface="微软雅黑" panose="020B0503020204020204" pitchFamily="34" charset="-122"/>
+                <a:ea typeface="微软雅黑" panose="020B0503020204020204" pitchFamily="34" charset="-122"/>
+                <a:sym typeface="微软雅黑" panose="020B0503020204020204" pitchFamily="34" charset="-122"/>
+              </a:rPr>
+              <a:t>获得</a:t>
+            </a:r>
+            <a:r>
+              <a:rPr lang="en" altLang="zh-CN" sz="1100" dirty="0" err="1">
+                <a:solidFill>
+                  <a:srgbClr val="FF0000"/>
+                </a:solidFill>
+                <a:latin typeface="微软雅黑" panose="020B0503020204020204" pitchFamily="34" charset="-122"/>
+                <a:ea typeface="微软雅黑" panose="020B0503020204020204" pitchFamily="34" charset="-122"/>
+                <a:sym typeface="微软雅黑" panose="020B0503020204020204" pitchFamily="34" charset="-122"/>
+              </a:rPr>
+              <a:t>blast_seq.fasta</a:t>
+            </a:r>
+            <a:endParaRPr kumimoji="0" lang="zh-CN" altLang="en-US" sz="800" i="0" u="none" strike="noStrike" kern="1200" cap="none" spc="0" normalizeH="0" baseline="0" noProof="0" dirty="0">
+              <a:ln>
+                <a:noFill/>
+              </a:ln>
+              <a:solidFill>
+                <a:srgbClr val="FF0000"/>
+              </a:solidFill>
+              <a:effectLst/>
+              <a:uLnTx/>
+              <a:uFillTx/>
+              <a:latin typeface="微软雅黑" panose="020B0503020204020204" pitchFamily="34" charset="-122"/>
+              <a:ea typeface="微软雅黑" panose="020B0503020204020204" pitchFamily="34" charset="-122"/>
+              <a:cs typeface="+mn-cs"/>
+              <a:sym typeface="微软雅黑" panose="020B0503020204020204" pitchFamily="34" charset="-122"/>
+            </a:endParaRPr>
+          </a:p>
+        </p:txBody>
+      </p:sp>
+    </p:spTree>
+    <p:extLst>
+      <p:ext uri="{BB962C8B-B14F-4D97-AF65-F5344CB8AC3E}">
+        <p14:creationId xmlns:p14="http://schemas.microsoft.com/office/powerpoint/2010/main" val="3225921859"/>
+      </p:ext>
+    </p:extLst>
+  </p:cSld>
+  <p:clrMapOvr>
+    <a:masterClrMapping/>
+  </p:clrMapOvr>
+</p:sld>
+</file>
+
+<file path=ppt/slides/slide5.xml><?xml version="1.0" encoding="utf-8"?>
+<p:sld xmlns:a="http://schemas.openxmlformats.org/drawingml/2006/main" xmlns:r="http://schemas.openxmlformats.org/officeDocument/2006/relationships" xmlns:p="http://schemas.openxmlformats.org/presentationml/2006/main">
+  <p:cSld>
+    <p:bg>
+      <p:bgPr>
+        <a:solidFill>
+          <a:schemeClr val="bg2">
+            <a:lumMod val="90000"/>
+            <a:alpha val="20000"/>
+          </a:schemeClr>
+        </a:solidFill>
+        <a:effectLst/>
+      </p:bgPr>
+    </p:bg>
+    <p:spTree>
+      <p:nvGrpSpPr>
+        <p:cNvPr id="1" name=""/>
+        <p:cNvGrpSpPr/>
+        <p:nvPr/>
+      </p:nvGrpSpPr>
+      <p:grpSpPr>
+        <a:xfrm>
+          <a:off x="0" y="0"/>
+          <a:ext cx="0" cy="0"/>
+          <a:chOff x="0" y="0"/>
+          <a:chExt cx="0" cy="0"/>
+        </a:xfrm>
+      </p:grpSpPr>
+      <p:sp>
+        <p:nvSpPr>
+          <p:cNvPr id="146" name="矩形 145">
+            <a:extLst>
+              <a:ext uri="{FF2B5EF4-FFF2-40B4-BE49-F238E27FC236}">
+                <a16:creationId xmlns:a16="http://schemas.microsoft.com/office/drawing/2014/main" id="{3F9AC06E-09EA-94EF-8352-7C8AF3A9AF2F}"/>
+              </a:ext>
+            </a:extLst>
+          </p:cNvPr>
+          <p:cNvSpPr/>
+          <p:nvPr/>
+        </p:nvSpPr>
+        <p:spPr>
+          <a:xfrm>
+            <a:off x="313777" y="1694148"/>
+            <a:ext cx="11480800" cy="14188821"/>
+          </a:xfrm>
+          <a:prstGeom prst="rect">
+            <a:avLst/>
+          </a:prstGeom>
+          <a:solidFill>
+            <a:schemeClr val="bg1"/>
+          </a:solidFill>
+          <a:ln w="6350">
+            <a:noFill/>
+          </a:ln>
+        </p:spPr>
+        <p:style>
+          <a:lnRef idx="2">
+            <a:schemeClr val="accent1">
+              <a:shade val="50000"/>
+            </a:schemeClr>
+          </a:lnRef>
+          <a:fillRef idx="1">
+            <a:schemeClr val="accent1"/>
+          </a:fillRef>
+          <a:effectRef idx="0">
+            <a:schemeClr val="accent1"/>
+          </a:effectRef>
+          <a:fontRef idx="minor">
+            <a:schemeClr val="lt1"/>
+          </a:fontRef>
+        </p:style>
+        <p:txBody>
+          <a:bodyPr rtlCol="0" anchor="ctr"/>
+          <a:lstStyle/>
+          <a:p>
+            <a:pPr marL="0" marR="0" lvl="0" indent="0" algn="ctr" defTabSz="914433" rtl="0" eaLnBrk="1" fontAlgn="auto" latinLnBrk="0" hangingPunct="1">
+              <a:lnSpc>
+                <a:spcPct val="100000"/>
+              </a:lnSpc>
+              <a:spcBef>
+                <a:spcPts val="0"/>
+              </a:spcBef>
+              <a:spcAft>
+                <a:spcPts val="0"/>
+              </a:spcAft>
+              <a:buClrTx/>
+              <a:buSzTx/>
+              <a:buFontTx/>
+              <a:buNone/>
+              <a:tabLst/>
+              <a:defRPr/>
+            </a:pPr>
+            <a:endParaRPr kumimoji="0" lang="en-US" altLang="zh-CN" sz="1600" b="1" i="0" u="none" strike="noStrike" kern="1200" cap="none" spc="0" normalizeH="0" baseline="0" noProof="0" dirty="0">
+              <a:ln>
+                <a:noFill/>
+              </a:ln>
+              <a:solidFill>
+                <a:srgbClr val="4472C4">
+                  <a:lumMod val="75000"/>
+                </a:srgbClr>
+              </a:solidFill>
+              <a:effectLst/>
+              <a:uLnTx/>
+              <a:uFillTx/>
+              <a:latin typeface="微软雅黑" panose="020B0503020204020204" pitchFamily="34" charset="-122"/>
+              <a:ea typeface="微软雅黑" panose="020B0503020204020204" pitchFamily="34" charset="-122"/>
+              <a:cs typeface="+mn-cs"/>
+              <a:sym typeface="微软雅黑" panose="020B0503020204020204" pitchFamily="34" charset="-122"/>
+            </a:endParaRPr>
+          </a:p>
+          <a:p>
+            <a:pPr marL="0" marR="0" lvl="0" indent="0" algn="ctr" defTabSz="914433" rtl="0" eaLnBrk="1" fontAlgn="auto" latinLnBrk="0" hangingPunct="1">
+              <a:lnSpc>
+                <a:spcPct val="100000"/>
+              </a:lnSpc>
+              <a:spcBef>
+                <a:spcPts val="0"/>
+              </a:spcBef>
+              <a:spcAft>
+                <a:spcPts val="0"/>
+              </a:spcAft>
+              <a:buClrTx/>
+              <a:buSzTx/>
+              <a:buFontTx/>
+              <a:buNone/>
+              <a:tabLst/>
+              <a:defRPr/>
+            </a:pPr>
+            <a:endParaRPr kumimoji="0" lang="en-US" altLang="zh-CN" sz="1600" b="1" i="0" u="none" strike="noStrike" kern="1200" cap="none" spc="0" normalizeH="0" baseline="0" noProof="0" dirty="0">
+              <a:ln>
+                <a:noFill/>
+              </a:ln>
+              <a:solidFill>
+                <a:srgbClr val="4472C4">
+                  <a:lumMod val="75000"/>
+                </a:srgbClr>
+              </a:solidFill>
+              <a:effectLst/>
+              <a:uLnTx/>
+              <a:uFillTx/>
+              <a:latin typeface="微软雅黑" panose="020B0503020204020204" pitchFamily="34" charset="-122"/>
+              <a:ea typeface="微软雅黑" panose="020B0503020204020204" pitchFamily="34" charset="-122"/>
+              <a:cs typeface="+mn-cs"/>
+              <a:sym typeface="微软雅黑" panose="020B0503020204020204" pitchFamily="34" charset="-122"/>
+            </a:endParaRPr>
+          </a:p>
+          <a:p>
+            <a:pPr marL="0" marR="0" lvl="0" indent="0" algn="ctr" defTabSz="914433" rtl="0" eaLnBrk="1" fontAlgn="auto" latinLnBrk="0" hangingPunct="1">
+              <a:lnSpc>
+                <a:spcPct val="100000"/>
+              </a:lnSpc>
+              <a:spcBef>
+                <a:spcPts val="0"/>
+              </a:spcBef>
+              <a:spcAft>
+                <a:spcPts val="0"/>
+              </a:spcAft>
+              <a:buClrTx/>
+              <a:buSzTx/>
+              <a:buFontTx/>
+              <a:buNone/>
+              <a:tabLst/>
+              <a:defRPr/>
+            </a:pPr>
+            <a:endParaRPr kumimoji="0" lang="en-US" altLang="zh-CN" sz="1600" b="1" i="0" u="none" strike="noStrike" kern="1200" cap="none" spc="0" normalizeH="0" baseline="0" noProof="0" dirty="0">
+              <a:ln>
+                <a:noFill/>
+              </a:ln>
+              <a:solidFill>
+                <a:srgbClr val="4472C4">
+                  <a:lumMod val="75000"/>
+                </a:srgbClr>
+              </a:solidFill>
+              <a:effectLst/>
+              <a:uLnTx/>
+              <a:uFillTx/>
+              <a:latin typeface="微软雅黑" panose="020B0503020204020204" pitchFamily="34" charset="-122"/>
+              <a:ea typeface="微软雅黑" panose="020B0503020204020204" pitchFamily="34" charset="-122"/>
+              <a:cs typeface="+mn-cs"/>
+              <a:sym typeface="微软雅黑" panose="020B0503020204020204" pitchFamily="34" charset="-122"/>
+            </a:endParaRPr>
+          </a:p>
+          <a:p>
+            <a:pPr marL="0" marR="0" lvl="0" indent="0" algn="ctr" defTabSz="914433" rtl="0" eaLnBrk="1" fontAlgn="auto" latinLnBrk="0" hangingPunct="1">
+              <a:lnSpc>
+                <a:spcPct val="100000"/>
+              </a:lnSpc>
+              <a:spcBef>
+                <a:spcPts val="0"/>
+              </a:spcBef>
+              <a:spcAft>
+                <a:spcPts val="0"/>
+              </a:spcAft>
+              <a:buClrTx/>
+              <a:buSzTx/>
+              <a:buFontTx/>
+              <a:buNone/>
+              <a:tabLst/>
+              <a:defRPr/>
+            </a:pPr>
+            <a:endParaRPr kumimoji="0" lang="en-US" altLang="zh-CN" sz="1600" b="1" i="0" u="none" strike="noStrike" kern="1200" cap="none" spc="0" normalizeH="0" baseline="0" noProof="0" dirty="0">
+              <a:ln>
+                <a:noFill/>
+              </a:ln>
+              <a:solidFill>
+                <a:srgbClr val="4472C4">
+                  <a:lumMod val="75000"/>
+                </a:srgbClr>
+              </a:solidFill>
+              <a:effectLst/>
+              <a:uLnTx/>
+              <a:uFillTx/>
+              <a:latin typeface="微软雅黑" panose="020B0503020204020204" pitchFamily="34" charset="-122"/>
+              <a:ea typeface="微软雅黑" panose="020B0503020204020204" pitchFamily="34" charset="-122"/>
+              <a:cs typeface="+mn-cs"/>
+              <a:sym typeface="微软雅黑" panose="020B0503020204020204" pitchFamily="34" charset="-122"/>
+            </a:endParaRPr>
+          </a:p>
+        </p:txBody>
+      </p:sp>
+      <p:sp>
+        <p:nvSpPr>
+          <p:cNvPr id="15" name="矩形 14">
+            <a:extLst>
+              <a:ext uri="{FF2B5EF4-FFF2-40B4-BE49-F238E27FC236}">
+                <a16:creationId xmlns:a16="http://schemas.microsoft.com/office/drawing/2014/main" id="{627A1670-860B-3A84-E1E4-5D162728396F}"/>
+              </a:ext>
+            </a:extLst>
+          </p:cNvPr>
+          <p:cNvSpPr/>
+          <p:nvPr/>
+        </p:nvSpPr>
+        <p:spPr>
+          <a:xfrm>
+            <a:off x="0" y="693517"/>
+            <a:ext cx="12192000" cy="690741"/>
+          </a:xfrm>
+          <a:prstGeom prst="rect">
+            <a:avLst/>
+          </a:prstGeom>
+          <a:solidFill>
+            <a:schemeClr val="bg1"/>
+          </a:solidFill>
+          <a:ln>
+            <a:solidFill>
+              <a:schemeClr val="bg1"/>
+            </a:solidFill>
+          </a:ln>
+        </p:spPr>
+        <p:style>
+          <a:lnRef idx="2">
+            <a:schemeClr val="accent1">
+              <a:shade val="50000"/>
+            </a:schemeClr>
+          </a:lnRef>
+          <a:fillRef idx="1">
+            <a:schemeClr val="accent1"/>
+          </a:fillRef>
+          <a:effectRef idx="0">
+            <a:schemeClr val="accent1"/>
+          </a:effectRef>
+          <a:fontRef idx="minor">
+            <a:schemeClr val="lt1"/>
+          </a:fontRef>
+        </p:style>
+        <p:txBody>
+          <a:bodyPr rtlCol="0" anchor="ctr"/>
+          <a:lstStyle/>
+          <a:p>
+            <a:pPr marL="0" marR="0" lvl="0" indent="0" algn="ctr" defTabSz="914433" rtl="0" eaLnBrk="1" fontAlgn="auto" latinLnBrk="0" hangingPunct="1">
+              <a:lnSpc>
+                <a:spcPct val="100000"/>
+              </a:lnSpc>
+              <a:spcBef>
+                <a:spcPts val="0"/>
+              </a:spcBef>
+              <a:spcAft>
+                <a:spcPts val="0"/>
+              </a:spcAft>
+              <a:buClrTx/>
+              <a:buSzTx/>
+              <a:buFontTx/>
+              <a:buNone/>
+              <a:tabLst/>
+              <a:defRPr/>
+            </a:pPr>
+            <a:endParaRPr kumimoji="0" lang="zh-CN" altLang="en-US" sz="3202" b="0" i="0" u="none" strike="noStrike" kern="1200" cap="none" spc="0" normalizeH="0" baseline="0" noProof="0" dirty="0">
+              <a:ln>
+                <a:noFill/>
+              </a:ln>
+              <a:solidFill>
+                <a:prstClr val="white"/>
+              </a:solidFill>
+              <a:effectLst/>
+              <a:uLnTx/>
+              <a:uFillTx/>
+              <a:latin typeface="微软雅黑" panose="020B0503020204020204" pitchFamily="34" charset="-122"/>
+              <a:ea typeface="微软雅黑" panose="020B0503020204020204" pitchFamily="34" charset="-122"/>
+              <a:cs typeface="+mn-cs"/>
+              <a:sym typeface="微软雅黑" panose="020B0503020204020204" pitchFamily="34" charset="-122"/>
+            </a:endParaRPr>
+          </a:p>
+        </p:txBody>
+      </p:sp>
+      <p:pic>
+        <p:nvPicPr>
+          <p:cNvPr id="16" name="图形 15">
+            <a:extLst>
+              <a:ext uri="{FF2B5EF4-FFF2-40B4-BE49-F238E27FC236}">
+                <a16:creationId xmlns:a16="http://schemas.microsoft.com/office/drawing/2014/main" id="{E3DB26D1-C3E9-A379-C007-3AE8A41B466D}"/>
+              </a:ext>
+            </a:extLst>
+          </p:cNvPr>
+          <p:cNvPicPr>
+            <a:picLocks noChangeAspect="1"/>
+          </p:cNvPicPr>
+          <p:nvPr/>
+        </p:nvPicPr>
+        <p:blipFill>
+          <a:blip r:embed="rId2">
+            <a:extLst>
+              <a:ext uri="{96DAC541-7B7A-43D3-8B79-37D633B846F1}">
+                <asvg:svgBlip xmlns:asvg="http://schemas.microsoft.com/office/drawing/2016/SVG/main" r:embed="rId3"/>
+              </a:ext>
+            </a:extLst>
+          </a:blip>
+          <a:stretch>
+            <a:fillRect/>
+          </a:stretch>
+        </p:blipFill>
+        <p:spPr>
+          <a:xfrm>
+            <a:off x="520332" y="799040"/>
+            <a:ext cx="1985145" cy="486187"/>
+          </a:xfrm>
+          <a:prstGeom prst="rect">
+            <a:avLst/>
+          </a:prstGeom>
+        </p:spPr>
+      </p:pic>
+      <p:sp>
+        <p:nvSpPr>
+          <p:cNvPr id="25" name="矩形 24">
+            <a:extLst>
+              <a:ext uri="{FF2B5EF4-FFF2-40B4-BE49-F238E27FC236}">
+                <a16:creationId xmlns:a16="http://schemas.microsoft.com/office/drawing/2014/main" id="{F9891A39-0866-4099-5CE1-0255E362AF2D}"/>
+              </a:ext>
+            </a:extLst>
+          </p:cNvPr>
+          <p:cNvSpPr/>
+          <p:nvPr/>
+        </p:nvSpPr>
+        <p:spPr>
+          <a:xfrm>
+            <a:off x="0" y="1384643"/>
+            <a:ext cx="12192000" cy="138853"/>
+          </a:xfrm>
+          <a:prstGeom prst="rect">
+            <a:avLst/>
+          </a:prstGeom>
+          <a:solidFill>
+            <a:schemeClr val="accent2">
+              <a:lumMod val="20000"/>
+              <a:lumOff val="80000"/>
+            </a:schemeClr>
+          </a:solidFill>
+          <a:ln>
+            <a:solidFill>
+              <a:schemeClr val="accent2">
+                <a:lumMod val="20000"/>
+                <a:lumOff val="80000"/>
+              </a:schemeClr>
+            </a:solidFill>
+          </a:ln>
+        </p:spPr>
+        <p:style>
+          <a:lnRef idx="2">
+            <a:schemeClr val="accent1">
+              <a:shade val="50000"/>
+            </a:schemeClr>
+          </a:lnRef>
+          <a:fillRef idx="1">
+            <a:schemeClr val="accent1"/>
+          </a:fillRef>
+          <a:effectRef idx="0">
+            <a:schemeClr val="accent1"/>
+          </a:effectRef>
+          <a:fontRef idx="minor">
+            <a:schemeClr val="lt1"/>
+          </a:fontRef>
+        </p:style>
+        <p:txBody>
+          <a:bodyPr rtlCol="0" anchor="ctr"/>
+          <a:lstStyle/>
+          <a:p>
+            <a:pPr marL="0" marR="0" lvl="0" indent="0" algn="ctr" defTabSz="914433" rtl="0" eaLnBrk="1" fontAlgn="auto" latinLnBrk="0" hangingPunct="1">
+              <a:lnSpc>
+                <a:spcPct val="100000"/>
+              </a:lnSpc>
+              <a:spcBef>
+                <a:spcPts val="0"/>
+              </a:spcBef>
+              <a:spcAft>
+                <a:spcPts val="0"/>
+              </a:spcAft>
+              <a:buClrTx/>
+              <a:buSzTx/>
+              <a:buFontTx/>
+              <a:buNone/>
+              <a:tabLst/>
+              <a:defRPr/>
+            </a:pPr>
+            <a:endParaRPr kumimoji="0" lang="zh-CN" altLang="en-US" sz="3202" b="0" i="0" u="none" strike="noStrike" kern="1200" cap="none" spc="0" normalizeH="0" baseline="0" noProof="0">
+              <a:ln>
+                <a:noFill/>
+              </a:ln>
+              <a:solidFill>
+                <a:prstClr val="white"/>
+              </a:solidFill>
+              <a:effectLst/>
+              <a:uLnTx/>
+              <a:uFillTx/>
+              <a:latin typeface="微软雅黑" panose="020B0503020204020204" pitchFamily="34" charset="-122"/>
+              <a:ea typeface="微软雅黑" panose="020B0503020204020204" pitchFamily="34" charset="-122"/>
+              <a:cs typeface="+mn-cs"/>
+              <a:sym typeface="微软雅黑" panose="020B0503020204020204" pitchFamily="34" charset="-122"/>
+            </a:endParaRPr>
+          </a:p>
+        </p:txBody>
+      </p:sp>
+      <p:sp>
+        <p:nvSpPr>
+          <p:cNvPr id="30" name="矩形: 圆角 12">
+            <a:extLst>
+              <a:ext uri="{FF2B5EF4-FFF2-40B4-BE49-F238E27FC236}">
+                <a16:creationId xmlns:a16="http://schemas.microsoft.com/office/drawing/2014/main" id="{018966DE-DB3E-FB87-3F3C-C01B28331592}"/>
+              </a:ext>
+            </a:extLst>
+          </p:cNvPr>
+          <p:cNvSpPr/>
+          <p:nvPr/>
+        </p:nvSpPr>
+        <p:spPr>
+          <a:xfrm>
+            <a:off x="520333" y="1904999"/>
+            <a:ext cx="11143348" cy="13767121"/>
+          </a:xfrm>
+          <a:prstGeom prst="roundRect">
+            <a:avLst>
+              <a:gd name="adj" fmla="val 1964"/>
+            </a:avLst>
+          </a:prstGeom>
+          <a:noFill/>
+          <a:ln>
+            <a:solidFill>
+              <a:schemeClr val="accent3">
+                <a:lumMod val="20000"/>
+                <a:lumOff val="80000"/>
+              </a:schemeClr>
+            </a:solidFill>
+          </a:ln>
+        </p:spPr>
+        <p:style>
+          <a:lnRef idx="2">
+            <a:schemeClr val="accent1">
+              <a:shade val="50000"/>
+            </a:schemeClr>
+          </a:lnRef>
+          <a:fillRef idx="1">
+            <a:schemeClr val="accent1"/>
+          </a:fillRef>
+          <a:effectRef idx="0">
+            <a:schemeClr val="accent1"/>
+          </a:effectRef>
+          <a:fontRef idx="minor">
+            <a:schemeClr val="lt1"/>
+          </a:fontRef>
+        </p:style>
+        <p:txBody>
+          <a:bodyPr rtlCol="0" anchor="ctr"/>
+          <a:lstStyle/>
+          <a:p>
+            <a:pPr marL="0" marR="0" lvl="0" indent="0" algn="ctr" defTabSz="914433" rtl="0" eaLnBrk="1" fontAlgn="auto" latinLnBrk="0" hangingPunct="1">
+              <a:lnSpc>
+                <a:spcPct val="100000"/>
+              </a:lnSpc>
+              <a:spcBef>
+                <a:spcPts val="0"/>
+              </a:spcBef>
+              <a:spcAft>
+                <a:spcPts val="0"/>
+              </a:spcAft>
+              <a:buClrTx/>
+              <a:buSzTx/>
+              <a:buFontTx/>
+              <a:buNone/>
+              <a:tabLst/>
+              <a:defRPr/>
+            </a:pPr>
+            <a:endParaRPr kumimoji="0" lang="zh-CN" altLang="en-US" sz="3202" b="0" i="0" u="none" strike="noStrike" kern="1200" cap="none" spc="0" normalizeH="0" baseline="0" noProof="0" dirty="0">
+              <a:ln>
+                <a:noFill/>
+              </a:ln>
+              <a:solidFill>
+                <a:prstClr val="white"/>
+              </a:solidFill>
+              <a:effectLst/>
+              <a:uLnTx/>
+              <a:uFillTx/>
+              <a:latin typeface="微软雅黑" panose="020B0503020204020204" pitchFamily="34" charset="-122"/>
+              <a:ea typeface="微软雅黑" panose="020B0503020204020204" pitchFamily="34" charset="-122"/>
+              <a:cs typeface="+mn-cs"/>
+              <a:sym typeface="微软雅黑" panose="020B0503020204020204" pitchFamily="34" charset="-122"/>
+            </a:endParaRPr>
+          </a:p>
+        </p:txBody>
+      </p:sp>
+      <p:cxnSp>
+        <p:nvCxnSpPr>
+          <p:cNvPr id="45" name="直线连接符 44">
+            <a:extLst>
+              <a:ext uri="{FF2B5EF4-FFF2-40B4-BE49-F238E27FC236}">
+                <a16:creationId xmlns:a16="http://schemas.microsoft.com/office/drawing/2014/main" id="{1A3DE53A-462B-3596-83D4-1BFCFC325EC6}"/>
+              </a:ext>
+            </a:extLst>
+          </p:cNvPr>
+          <p:cNvCxnSpPr>
+            <a:cxnSpLocks/>
+          </p:cNvCxnSpPr>
+          <p:nvPr/>
+        </p:nvCxnSpPr>
+        <p:spPr>
+          <a:xfrm>
+            <a:off x="862411" y="2441471"/>
+            <a:ext cx="10383532" cy="0"/>
+          </a:xfrm>
+          <a:prstGeom prst="line">
+            <a:avLst/>
+          </a:prstGeom>
+          <a:ln>
+            <a:solidFill>
+              <a:schemeClr val="dk1">
+                <a:alpha val="39855"/>
+              </a:schemeClr>
+            </a:solidFill>
+          </a:ln>
+        </p:spPr>
+        <p:style>
+          <a:lnRef idx="1">
+            <a:schemeClr val="dk1"/>
+          </a:lnRef>
+          <a:fillRef idx="0">
+            <a:schemeClr val="dk1"/>
+          </a:fillRef>
+          <a:effectRef idx="0">
+            <a:schemeClr val="dk1"/>
+          </a:effectRef>
+          <a:fontRef idx="minor">
+            <a:schemeClr val="tx1"/>
+          </a:fontRef>
+        </p:style>
+      </p:cxnSp>
+      <p:sp>
+        <p:nvSpPr>
+          <p:cNvPr id="53" name="文本框 52">
+            <a:extLst>
+              <a:ext uri="{FF2B5EF4-FFF2-40B4-BE49-F238E27FC236}">
+                <a16:creationId xmlns:a16="http://schemas.microsoft.com/office/drawing/2014/main" id="{705A1A95-37F7-7126-9750-AA7251CEACD1}"/>
+              </a:ext>
+            </a:extLst>
+          </p:cNvPr>
+          <p:cNvSpPr txBox="1"/>
+          <p:nvPr/>
+        </p:nvSpPr>
+        <p:spPr>
+          <a:xfrm>
+            <a:off x="209318" y="275882"/>
+            <a:ext cx="9284306" cy="307905"/>
           </a:xfrm>
           <a:prstGeom prst="rect">
             <a:avLst/>
@@ -6744,15 +12136,14 @@
               <a:defRPr/>
             </a:pPr>
             <a:r>
-              <a:rPr kumimoji="0" lang="en-US" altLang="zh-CN" sz="1200" b="1" i="0" u="none" strike="noStrike" kern="1200" cap="none" spc="0" normalizeH="0" baseline="0" noProof="0" dirty="0">
+              <a:rPr kumimoji="0" lang="en-US" altLang="zh-CN" sz="1401" b="1" i="0" u="none" strike="noStrike" kern="1200" cap="none" spc="0" normalizeH="0" baseline="0" noProof="0" dirty="0">
                 <a:ln>
                   <a:noFill/>
                 </a:ln>
                 <a:solidFill>
-                  <a:prstClr val="black">
-                    <a:lumMod val="75000"/>
-                    <a:lumOff val="25000"/>
-                  </a:prstClr>
+                  <a:srgbClr val="E7E6E6">
+                    <a:lumMod val="25000"/>
+                  </a:srgbClr>
                 </a:solidFill>
                 <a:effectLst/>
                 <a:uLnTx/>
@@ -6762,7 +12153,631 @@
                 <a:cs typeface="+mn-cs"/>
                 <a:sym typeface="微软雅黑" panose="020B0503020204020204" pitchFamily="34" charset="-122"/>
               </a:rPr>
-              <a:t>Tree</a:t>
+              <a:t>Tools -&gt; TF Prediction </a:t>
+            </a:r>
+            <a:r>
+              <a:rPr kumimoji="0" lang="zh-CN" altLang="en-US" sz="1401" b="1" i="0" u="none" strike="noStrike" kern="1200" cap="none" spc="0" normalizeH="0" baseline="0" noProof="0" dirty="0">
+                <a:ln>
+                  <a:noFill/>
+                </a:ln>
+                <a:solidFill>
+                  <a:srgbClr val="E7E6E6">
+                    <a:lumMod val="25000"/>
+                  </a:srgbClr>
+                </a:solidFill>
+                <a:effectLst/>
+                <a:uLnTx/>
+                <a:uFillTx/>
+                <a:latin typeface="微软雅黑" panose="020B0503020204020204" pitchFamily="34" charset="-122"/>
+                <a:ea typeface="微软雅黑" panose="020B0503020204020204" pitchFamily="34" charset="-122"/>
+                <a:cs typeface="+mn-cs"/>
+                <a:sym typeface="微软雅黑" panose="020B0503020204020204" pitchFamily="34" charset="-122"/>
+              </a:rPr>
+              <a:t>界面参考</a:t>
+            </a:r>
+          </a:p>
+        </p:txBody>
+      </p:sp>
+      <p:sp>
+        <p:nvSpPr>
+          <p:cNvPr id="10" name="文本框 9">
+            <a:extLst>
+              <a:ext uri="{FF2B5EF4-FFF2-40B4-BE49-F238E27FC236}">
+                <a16:creationId xmlns:a16="http://schemas.microsoft.com/office/drawing/2014/main" id="{1D2F7A64-587A-93D1-5366-F4305FE740AC}"/>
+              </a:ext>
+            </a:extLst>
+          </p:cNvPr>
+          <p:cNvSpPr txBox="1"/>
+          <p:nvPr/>
+        </p:nvSpPr>
+        <p:spPr>
+          <a:xfrm>
+            <a:off x="927673" y="2606660"/>
+            <a:ext cx="10332292" cy="891975"/>
+          </a:xfrm>
+          <a:prstGeom prst="rect">
+            <a:avLst/>
+          </a:prstGeom>
+          <a:noFill/>
+        </p:spPr>
+        <p:txBody>
+          <a:bodyPr wrap="square" rtlCol="0">
+            <a:spAutoFit/>
+          </a:bodyPr>
+          <a:lstStyle/>
+          <a:p>
+            <a:pPr marL="0" marR="0" lvl="0" indent="0" algn="l" defTabSz="457180" rtl="0" eaLnBrk="1" fontAlgn="auto" latinLnBrk="0" hangingPunct="1">
+              <a:lnSpc>
+                <a:spcPct val="150000"/>
+              </a:lnSpc>
+              <a:spcBef>
+                <a:spcPts val="0"/>
+              </a:spcBef>
+              <a:spcAft>
+                <a:spcPts val="0"/>
+              </a:spcAft>
+              <a:buClrTx/>
+              <a:buSzTx/>
+              <a:buFontTx/>
+              <a:buNone/>
+              <a:tabLst/>
+              <a:defRPr/>
+            </a:pPr>
+            <a:r>
+              <a:rPr kumimoji="0" lang="en-US" altLang="zh-CN" sz="1400" b="0" i="0" u="none" strike="noStrike" kern="1200" cap="none" spc="0" normalizeH="0" baseline="0" noProof="0" dirty="0">
+                <a:ln>
+                  <a:noFill/>
+                </a:ln>
+                <a:solidFill>
+                  <a:srgbClr val="515A6E"/>
+                </a:solidFill>
+                <a:effectLst/>
+                <a:uLnTx/>
+                <a:uFillTx/>
+                <a:latin typeface="Arial" panose="020B0604020202020204" pitchFamily="34" charset="0"/>
+                <a:ea typeface="等线" panose="02010600030101010101" pitchFamily="2" charset="-122"/>
+                <a:cs typeface="+mn-cs"/>
+              </a:rPr>
+              <a:t>Notice</a:t>
+            </a:r>
+            <a:endParaRPr kumimoji="0" lang="en" altLang="zh-CN" sz="1600" b="0" i="0" u="none" strike="noStrike" kern="1200" cap="none" spc="0" normalizeH="0" baseline="0" noProof="0" dirty="0">
+              <a:ln>
+                <a:noFill/>
+              </a:ln>
+              <a:solidFill>
+                <a:srgbClr val="515A6E"/>
+              </a:solidFill>
+              <a:effectLst/>
+              <a:uLnTx/>
+              <a:uFillTx/>
+              <a:latin typeface="Arial" panose="020B0604020202020204" pitchFamily="34" charset="0"/>
+              <a:ea typeface="等线" panose="02010600030101010101" pitchFamily="2" charset="-122"/>
+              <a:cs typeface="+mn-cs"/>
+            </a:endParaRPr>
+          </a:p>
+          <a:p>
+            <a:pPr marL="228600" marR="0" lvl="0" indent="-228600" algn="l" defTabSz="457180" rtl="0" eaLnBrk="1" fontAlgn="auto" latinLnBrk="0" hangingPunct="1">
+              <a:lnSpc>
+                <a:spcPct val="150000"/>
+              </a:lnSpc>
+              <a:spcBef>
+                <a:spcPts val="0"/>
+              </a:spcBef>
+              <a:spcAft>
+                <a:spcPts val="0"/>
+              </a:spcAft>
+              <a:buClrTx/>
+              <a:buSzTx/>
+              <a:buFontTx/>
+              <a:buAutoNum type="arabicPeriod"/>
+              <a:tabLst/>
+              <a:defRPr/>
+            </a:pPr>
+            <a:r>
+              <a:rPr kumimoji="0" lang="en-US" altLang="zh-CN" sz="1100" b="0" i="0" u="none" strike="noStrike" kern="1200" cap="none" spc="0" normalizeH="0" baseline="0" noProof="0" dirty="0">
+                <a:ln>
+                  <a:noFill/>
+                </a:ln>
+                <a:solidFill>
+                  <a:srgbClr val="515A6E"/>
+                </a:solidFill>
+                <a:effectLst/>
+                <a:uLnTx/>
+                <a:uFillTx/>
+                <a:latin typeface="Arial" panose="020B0604020202020204" pitchFamily="34" charset="0"/>
+                <a:ea typeface="微软雅黑" panose="020B0503020204020204" pitchFamily="34" charset="-122"/>
+                <a:cs typeface="+mn-cs"/>
+                <a:sym typeface="微软雅黑" panose="020B0503020204020204" pitchFamily="34" charset="-122"/>
+              </a:rPr>
+              <a:t>Input a specific protein sequence for sequence alignment analysis with the Myceliophthora thermophila protein database.</a:t>
+            </a:r>
+          </a:p>
+          <a:p>
+            <a:pPr marL="228600" marR="0" lvl="0" indent="-228600" algn="l" defTabSz="457180" rtl="0" eaLnBrk="1" fontAlgn="auto" latinLnBrk="0" hangingPunct="1">
+              <a:lnSpc>
+                <a:spcPct val="150000"/>
+              </a:lnSpc>
+              <a:spcBef>
+                <a:spcPts val="0"/>
+              </a:spcBef>
+              <a:spcAft>
+                <a:spcPts val="0"/>
+              </a:spcAft>
+              <a:buClrTx/>
+              <a:buSzTx/>
+              <a:buFontTx/>
+              <a:buAutoNum type="arabicPeriod"/>
+              <a:tabLst/>
+              <a:defRPr/>
+            </a:pPr>
+            <a:r>
+              <a:rPr kumimoji="0" lang="en-US" altLang="zh-CN" sz="1100" b="0" i="0" u="none" strike="noStrike" kern="1200" cap="none" spc="0" normalizeH="0" baseline="0" noProof="0" dirty="0">
+                <a:ln>
+                  <a:noFill/>
+                </a:ln>
+                <a:solidFill>
+                  <a:srgbClr val="515A6E"/>
+                </a:solidFill>
+                <a:effectLst/>
+                <a:uLnTx/>
+                <a:uFillTx/>
+                <a:latin typeface="Arial" panose="020B0604020202020204" pitchFamily="34" charset="0"/>
+                <a:ea typeface="微软雅黑" panose="020B0503020204020204" pitchFamily="34" charset="-122"/>
+                <a:cs typeface="+mn-cs"/>
+                <a:sym typeface="微软雅黑" panose="020B0503020204020204" pitchFamily="34" charset="-122"/>
+              </a:rPr>
+              <a:t>After clicking the download button, you will be able to download the protein sequence information from the alignment analysis results.</a:t>
+            </a:r>
+          </a:p>
+        </p:txBody>
+      </p:sp>
+      <p:sp>
+        <p:nvSpPr>
+          <p:cNvPr id="11" name="圆角矩形 10">
+            <a:extLst>
+              <a:ext uri="{FF2B5EF4-FFF2-40B4-BE49-F238E27FC236}">
+                <a16:creationId xmlns:a16="http://schemas.microsoft.com/office/drawing/2014/main" id="{FDDB3BF3-5169-24BC-BFF3-80619849DCEC}"/>
+              </a:ext>
+            </a:extLst>
+          </p:cNvPr>
+          <p:cNvSpPr/>
+          <p:nvPr/>
+        </p:nvSpPr>
+        <p:spPr>
+          <a:xfrm>
+            <a:off x="4587000" y="6349536"/>
+            <a:ext cx="1007573" cy="314960"/>
+          </a:xfrm>
+          <a:prstGeom prst="roundRect">
+            <a:avLst/>
+          </a:prstGeom>
+          <a:solidFill>
+            <a:schemeClr val="accent2">
+              <a:lumMod val="60000"/>
+              <a:lumOff val="40000"/>
+            </a:schemeClr>
+          </a:solidFill>
+          <a:ln w="6350">
+            <a:solidFill>
+              <a:schemeClr val="accent1">
+                <a:shade val="15000"/>
+                <a:alpha val="60000"/>
+              </a:schemeClr>
+            </a:solidFill>
+          </a:ln>
+        </p:spPr>
+        <p:style>
+          <a:lnRef idx="2">
+            <a:schemeClr val="accent1">
+              <a:shade val="15000"/>
+            </a:schemeClr>
+          </a:lnRef>
+          <a:fillRef idx="1">
+            <a:schemeClr val="accent1"/>
+          </a:fillRef>
+          <a:effectRef idx="0">
+            <a:schemeClr val="accent1"/>
+          </a:effectRef>
+          <a:fontRef idx="minor">
+            <a:schemeClr val="lt1"/>
+          </a:fontRef>
+        </p:style>
+        <p:txBody>
+          <a:bodyPr rtlCol="0" anchor="ctr"/>
+          <a:lstStyle/>
+          <a:p>
+            <a:pPr marL="0" marR="0" lvl="0" indent="0" algn="ctr" defTabSz="457180" rtl="0" eaLnBrk="1" fontAlgn="auto" latinLnBrk="0" hangingPunct="1">
+              <a:lnSpc>
+                <a:spcPct val="100000"/>
+              </a:lnSpc>
+              <a:spcBef>
+                <a:spcPts val="0"/>
+              </a:spcBef>
+              <a:spcAft>
+                <a:spcPts val="0"/>
+              </a:spcAft>
+              <a:buClrTx/>
+              <a:buSzTx/>
+              <a:buFontTx/>
+              <a:buNone/>
+              <a:tabLst/>
+              <a:defRPr/>
+            </a:pPr>
+            <a:r>
+              <a:rPr kumimoji="1" lang="en-US" altLang="zh-CN" sz="1200" b="0" i="0" u="none" strike="noStrike" kern="1200" cap="none" spc="0" normalizeH="0" baseline="0" noProof="0" dirty="0">
+                <a:ln>
+                  <a:noFill/>
+                </a:ln>
+                <a:solidFill>
+                  <a:prstClr val="white"/>
+                </a:solidFill>
+                <a:effectLst/>
+                <a:uLnTx/>
+                <a:uFillTx/>
+                <a:latin typeface="Calibri" panose="020F0502020204030204"/>
+                <a:ea typeface="等线" panose="02010600030101010101" pitchFamily="2" charset="-122"/>
+                <a:cs typeface="+mn-cs"/>
+              </a:rPr>
+              <a:t>Example</a:t>
+            </a:r>
+            <a:endParaRPr kumimoji="1" lang="zh-CN" altLang="en-US" sz="1200" b="0" i="0" u="none" strike="noStrike" kern="1200" cap="none" spc="0" normalizeH="0" baseline="0" noProof="0" dirty="0">
+              <a:ln>
+                <a:noFill/>
+              </a:ln>
+              <a:solidFill>
+                <a:prstClr val="white"/>
+              </a:solidFill>
+              <a:effectLst/>
+              <a:uLnTx/>
+              <a:uFillTx/>
+              <a:latin typeface="Calibri" panose="020F0502020204030204"/>
+              <a:ea typeface="等线" panose="02010600030101010101" pitchFamily="2" charset="-122"/>
+              <a:cs typeface="+mn-cs"/>
+            </a:endParaRPr>
+          </a:p>
+        </p:txBody>
+      </p:sp>
+      <p:sp>
+        <p:nvSpPr>
+          <p:cNvPr id="12" name="圆角矩形 11">
+            <a:extLst>
+              <a:ext uri="{FF2B5EF4-FFF2-40B4-BE49-F238E27FC236}">
+                <a16:creationId xmlns:a16="http://schemas.microsoft.com/office/drawing/2014/main" id="{9CADEC5D-33F1-FA56-BC8B-F1C8EE670503}"/>
+              </a:ext>
+            </a:extLst>
+          </p:cNvPr>
+          <p:cNvSpPr/>
+          <p:nvPr/>
+        </p:nvSpPr>
+        <p:spPr>
+          <a:xfrm>
+            <a:off x="6137395" y="6349536"/>
+            <a:ext cx="1007573" cy="314960"/>
+          </a:xfrm>
+          <a:prstGeom prst="roundRect">
+            <a:avLst/>
+          </a:prstGeom>
+          <a:solidFill>
+            <a:schemeClr val="accent1">
+              <a:lumMod val="75000"/>
+            </a:schemeClr>
+          </a:solidFill>
+          <a:ln w="6350">
+            <a:solidFill>
+              <a:schemeClr val="accent1">
+                <a:shade val="15000"/>
+                <a:alpha val="59912"/>
+              </a:schemeClr>
+            </a:solidFill>
+          </a:ln>
+        </p:spPr>
+        <p:style>
+          <a:lnRef idx="2">
+            <a:schemeClr val="accent1">
+              <a:shade val="15000"/>
+            </a:schemeClr>
+          </a:lnRef>
+          <a:fillRef idx="1">
+            <a:schemeClr val="accent1"/>
+          </a:fillRef>
+          <a:effectRef idx="0">
+            <a:schemeClr val="accent1"/>
+          </a:effectRef>
+          <a:fontRef idx="minor">
+            <a:schemeClr val="lt1"/>
+          </a:fontRef>
+        </p:style>
+        <p:txBody>
+          <a:bodyPr rtlCol="0" anchor="ctr"/>
+          <a:lstStyle/>
+          <a:p>
+            <a:pPr marL="0" marR="0" lvl="0" indent="0" algn="ctr" defTabSz="457180" rtl="0" eaLnBrk="1" fontAlgn="auto" latinLnBrk="0" hangingPunct="1">
+              <a:lnSpc>
+                <a:spcPct val="100000"/>
+              </a:lnSpc>
+              <a:spcBef>
+                <a:spcPts val="0"/>
+              </a:spcBef>
+              <a:spcAft>
+                <a:spcPts val="0"/>
+              </a:spcAft>
+              <a:buClrTx/>
+              <a:buSzTx/>
+              <a:buFontTx/>
+              <a:buNone/>
+              <a:tabLst/>
+              <a:defRPr/>
+            </a:pPr>
+            <a:r>
+              <a:rPr kumimoji="1" lang="en-US" altLang="zh-CN" sz="1200" b="0" i="0" u="none" strike="noStrike" kern="1200" cap="none" spc="0" normalizeH="0" baseline="0" noProof="0" dirty="0">
+                <a:ln>
+                  <a:noFill/>
+                </a:ln>
+                <a:solidFill>
+                  <a:prstClr val="white"/>
+                </a:solidFill>
+                <a:effectLst/>
+                <a:uLnTx/>
+                <a:uFillTx/>
+                <a:latin typeface="Calibri" panose="020F0502020204030204"/>
+                <a:ea typeface="等线" panose="02010600030101010101" pitchFamily="2" charset="-122"/>
+                <a:cs typeface="+mn-cs"/>
+              </a:rPr>
+              <a:t>Submit</a:t>
+            </a:r>
+            <a:endParaRPr kumimoji="1" lang="zh-CN" altLang="en-US" sz="1200" b="0" i="0" u="none" strike="noStrike" kern="1200" cap="none" spc="0" normalizeH="0" baseline="0" noProof="0" dirty="0">
+              <a:ln>
+                <a:noFill/>
+              </a:ln>
+              <a:solidFill>
+                <a:prstClr val="white"/>
+              </a:solidFill>
+              <a:effectLst/>
+              <a:uLnTx/>
+              <a:uFillTx/>
+              <a:latin typeface="Calibri" panose="020F0502020204030204"/>
+              <a:ea typeface="等线" panose="02010600030101010101" pitchFamily="2" charset="-122"/>
+              <a:cs typeface="+mn-cs"/>
+            </a:endParaRPr>
+          </a:p>
+        </p:txBody>
+      </p:sp>
+      <p:cxnSp>
+        <p:nvCxnSpPr>
+          <p:cNvPr id="13" name="直线连接符 12">
+            <a:extLst>
+              <a:ext uri="{FF2B5EF4-FFF2-40B4-BE49-F238E27FC236}">
+                <a16:creationId xmlns:a16="http://schemas.microsoft.com/office/drawing/2014/main" id="{C327293E-1F2A-C492-F2B5-33A945B880BD}"/>
+              </a:ext>
+            </a:extLst>
+          </p:cNvPr>
+          <p:cNvCxnSpPr>
+            <a:cxnSpLocks/>
+          </p:cNvCxnSpPr>
+          <p:nvPr/>
+        </p:nvCxnSpPr>
+        <p:spPr>
+          <a:xfrm>
+            <a:off x="779508" y="7172918"/>
+            <a:ext cx="10383532" cy="0"/>
+          </a:xfrm>
+          <a:prstGeom prst="line">
+            <a:avLst/>
+          </a:prstGeom>
+          <a:ln>
+            <a:solidFill>
+              <a:schemeClr val="dk1">
+                <a:alpha val="39855"/>
+              </a:schemeClr>
+            </a:solidFill>
+          </a:ln>
+        </p:spPr>
+        <p:style>
+          <a:lnRef idx="1">
+            <a:schemeClr val="dk1"/>
+          </a:lnRef>
+          <a:fillRef idx="0">
+            <a:schemeClr val="dk1"/>
+          </a:fillRef>
+          <a:effectRef idx="0">
+            <a:schemeClr val="dk1"/>
+          </a:effectRef>
+          <a:fontRef idx="minor">
+            <a:schemeClr val="tx1"/>
+          </a:fontRef>
+        </p:style>
+      </p:cxnSp>
+      <p:cxnSp>
+        <p:nvCxnSpPr>
+          <p:cNvPr id="14" name="直线箭头连接符 13">
+            <a:extLst>
+              <a:ext uri="{FF2B5EF4-FFF2-40B4-BE49-F238E27FC236}">
+                <a16:creationId xmlns:a16="http://schemas.microsoft.com/office/drawing/2014/main" id="{8C132D2E-8C4E-E1F8-1CEE-DC009381599A}"/>
+              </a:ext>
+            </a:extLst>
+          </p:cNvPr>
+          <p:cNvCxnSpPr>
+            <a:cxnSpLocks/>
+          </p:cNvCxnSpPr>
+          <p:nvPr/>
+        </p:nvCxnSpPr>
+        <p:spPr>
+          <a:xfrm>
+            <a:off x="6665052" y="6664496"/>
+            <a:ext cx="0" cy="940456"/>
+          </a:xfrm>
+          <a:prstGeom prst="straightConnector1">
+            <a:avLst/>
+          </a:prstGeom>
+          <a:ln>
+            <a:tailEnd type="triangle"/>
+          </a:ln>
+        </p:spPr>
+        <p:style>
+          <a:lnRef idx="1">
+            <a:schemeClr val="accent1"/>
+          </a:lnRef>
+          <a:fillRef idx="0">
+            <a:schemeClr val="accent1"/>
+          </a:fillRef>
+          <a:effectRef idx="0">
+            <a:schemeClr val="accent1"/>
+          </a:effectRef>
+          <a:fontRef idx="minor">
+            <a:schemeClr val="tx1"/>
+          </a:fontRef>
+        </p:style>
+      </p:cxnSp>
+      <p:sp>
+        <p:nvSpPr>
+          <p:cNvPr id="7" name="文本框 6">
+            <a:extLst>
+              <a:ext uri="{FF2B5EF4-FFF2-40B4-BE49-F238E27FC236}">
+                <a16:creationId xmlns:a16="http://schemas.microsoft.com/office/drawing/2014/main" id="{8D3F9432-CF44-04A7-172F-58A2AAC039FB}"/>
+              </a:ext>
+            </a:extLst>
+          </p:cNvPr>
+          <p:cNvSpPr txBox="1"/>
+          <p:nvPr/>
+        </p:nvSpPr>
+        <p:spPr>
+          <a:xfrm>
+            <a:off x="5121897" y="919203"/>
+            <a:ext cx="1985144" cy="276999"/>
+          </a:xfrm>
+          <a:prstGeom prst="rect">
+            <a:avLst/>
+          </a:prstGeom>
+          <a:noFill/>
+        </p:spPr>
+        <p:txBody>
+          <a:bodyPr wrap="square" rtlCol="0">
+            <a:spAutoFit/>
+          </a:bodyPr>
+          <a:lstStyle/>
+          <a:p>
+            <a:pPr marL="0" marR="0" lvl="0" indent="0" algn="l" defTabSz="914433" rtl="0" eaLnBrk="1" fontAlgn="auto" latinLnBrk="0" hangingPunct="1">
+              <a:lnSpc>
+                <a:spcPct val="100000"/>
+              </a:lnSpc>
+              <a:spcBef>
+                <a:spcPts val="0"/>
+              </a:spcBef>
+              <a:spcAft>
+                <a:spcPts val="0"/>
+              </a:spcAft>
+              <a:buClrTx/>
+              <a:buSzTx/>
+              <a:buFontTx/>
+              <a:buNone/>
+              <a:tabLst/>
+              <a:defRPr/>
+            </a:pPr>
+            <a:r>
+              <a:rPr kumimoji="0" lang="en-US" altLang="zh-CN" sz="1200" b="1" i="0" u="none" strike="noStrike" kern="1200" cap="none" spc="0" normalizeH="0" baseline="0" noProof="0" dirty="0">
+                <a:ln>
+                  <a:noFill/>
+                </a:ln>
+                <a:solidFill>
+                  <a:srgbClr val="4472C4">
+                    <a:lumMod val="75000"/>
+                  </a:srgbClr>
+                </a:solidFill>
+                <a:effectLst/>
+                <a:uLnTx/>
+                <a:uFillTx/>
+                <a:latin typeface="微软雅黑" panose="020B0503020204020204" pitchFamily="34" charset="-122"/>
+                <a:ea typeface="微软雅黑" panose="020B0503020204020204" pitchFamily="34" charset="-122"/>
+                <a:cs typeface="+mn-cs"/>
+                <a:sym typeface="微软雅黑" panose="020B0503020204020204" pitchFamily="34" charset="-122"/>
+              </a:rPr>
+              <a:t>Tools</a:t>
+            </a:r>
+            <a:endParaRPr kumimoji="0" lang="zh-CN" altLang="en-US" sz="900" b="1" i="0" u="none" strike="noStrike" kern="1200" cap="none" spc="0" normalizeH="0" baseline="0" noProof="0" dirty="0">
+              <a:ln>
+                <a:noFill/>
+              </a:ln>
+              <a:solidFill>
+                <a:srgbClr val="4472C4">
+                  <a:lumMod val="75000"/>
+                </a:srgbClr>
+              </a:solidFill>
+              <a:effectLst/>
+              <a:uLnTx/>
+              <a:uFillTx/>
+              <a:latin typeface="微软雅黑" panose="020B0503020204020204" pitchFamily="34" charset="-122"/>
+              <a:ea typeface="微软雅黑" panose="020B0503020204020204" pitchFamily="34" charset="-122"/>
+              <a:cs typeface="+mn-cs"/>
+              <a:sym typeface="微软雅黑" panose="020B0503020204020204" pitchFamily="34" charset="-122"/>
+            </a:endParaRPr>
+          </a:p>
+        </p:txBody>
+      </p:sp>
+      <p:sp>
+        <p:nvSpPr>
+          <p:cNvPr id="17" name="文本框 16">
+            <a:extLst>
+              <a:ext uri="{FF2B5EF4-FFF2-40B4-BE49-F238E27FC236}">
+                <a16:creationId xmlns:a16="http://schemas.microsoft.com/office/drawing/2014/main" id="{0803DEC4-AD1C-F742-A4BB-B81CA521E3A5}"/>
+              </a:ext>
+            </a:extLst>
+          </p:cNvPr>
+          <p:cNvSpPr txBox="1"/>
+          <p:nvPr/>
+        </p:nvSpPr>
+        <p:spPr>
+          <a:xfrm>
+            <a:off x="959505" y="2055861"/>
+            <a:ext cx="2259726" cy="276999"/>
+          </a:xfrm>
+          <a:prstGeom prst="rect">
+            <a:avLst/>
+          </a:prstGeom>
+          <a:noFill/>
+        </p:spPr>
+        <p:txBody>
+          <a:bodyPr wrap="square" rtlCol="0">
+            <a:spAutoFit/>
+          </a:bodyPr>
+          <a:lstStyle/>
+          <a:p>
+            <a:pPr marL="0" marR="0" lvl="0" indent="0" algn="l" defTabSz="914433" rtl="0" eaLnBrk="1" fontAlgn="auto" latinLnBrk="0" hangingPunct="1">
+              <a:lnSpc>
+                <a:spcPct val="100000"/>
+              </a:lnSpc>
+              <a:spcBef>
+                <a:spcPts val="0"/>
+              </a:spcBef>
+              <a:spcAft>
+                <a:spcPts val="0"/>
+              </a:spcAft>
+              <a:buClrTx/>
+              <a:buSzTx/>
+              <a:buFontTx/>
+              <a:buNone/>
+              <a:tabLst/>
+              <a:defRPr/>
+            </a:pPr>
+            <a:r>
+              <a:rPr kumimoji="0" lang="en-US" altLang="zh-CN" sz="1200" b="1" i="0" u="none" strike="noStrike" kern="1200" cap="none" spc="0" normalizeH="0" baseline="0" noProof="0" dirty="0">
+                <a:ln>
+                  <a:noFill/>
+                </a:ln>
+                <a:solidFill>
+                  <a:prstClr val="black">
+                    <a:lumMod val="85000"/>
+                    <a:lumOff val="15000"/>
+                  </a:prstClr>
+                </a:solidFill>
+                <a:effectLst/>
+                <a:uLnTx/>
+                <a:uFillTx/>
+                <a:latin typeface="微软雅黑" panose="020B0503020204020204" pitchFamily="34" charset="-122"/>
+                <a:ea typeface="微软雅黑" panose="020B0503020204020204" pitchFamily="34" charset="-122"/>
+                <a:cs typeface="+mn-cs"/>
+                <a:sym typeface="微软雅黑" panose="020B0503020204020204" pitchFamily="34" charset="-122"/>
+              </a:rPr>
+              <a:t>TF Prediction </a:t>
             </a:r>
             <a:endParaRPr kumimoji="0" lang="zh-CN" altLang="en-US" sz="900" b="1" i="0" u="none" strike="noStrike" kern="1200" cap="none" spc="0" normalizeH="0" baseline="0" noProof="0" dirty="0">
               <a:ln>
@@ -6770,8 +12785,8 @@
               </a:ln>
               <a:solidFill>
                 <a:prstClr val="black">
-                  <a:lumMod val="75000"/>
-                  <a:lumOff val="25000"/>
+                  <a:lumMod val="85000"/>
+                  <a:lumOff val="15000"/>
                 </a:prstClr>
               </a:solidFill>
               <a:effectLst/>
@@ -6785,12 +12800,1098 @@
           </a:p>
         </p:txBody>
       </p:sp>
+      <p:sp>
+        <p:nvSpPr>
+          <p:cNvPr id="18" name="文本框 17">
+            <a:extLst>
+              <a:ext uri="{FF2B5EF4-FFF2-40B4-BE49-F238E27FC236}">
+                <a16:creationId xmlns:a16="http://schemas.microsoft.com/office/drawing/2014/main" id="{4B3F6828-040F-C45A-38F8-6EA7AE91D780}"/>
+              </a:ext>
+            </a:extLst>
+          </p:cNvPr>
+          <p:cNvSpPr txBox="1"/>
+          <p:nvPr/>
+        </p:nvSpPr>
+        <p:spPr>
+          <a:xfrm>
+            <a:off x="2412151" y="2059971"/>
+            <a:ext cx="807080" cy="276999"/>
+          </a:xfrm>
+          <a:prstGeom prst="rect">
+            <a:avLst/>
+          </a:prstGeom>
+          <a:noFill/>
+        </p:spPr>
+        <p:txBody>
+          <a:bodyPr wrap="square" rtlCol="0">
+            <a:spAutoFit/>
+          </a:bodyPr>
+          <a:lstStyle/>
+          <a:p>
+            <a:pPr marL="0" marR="0" lvl="0" indent="0" algn="l" defTabSz="914433" rtl="0" eaLnBrk="1" fontAlgn="auto" latinLnBrk="0" hangingPunct="1">
+              <a:lnSpc>
+                <a:spcPct val="100000"/>
+              </a:lnSpc>
+              <a:spcBef>
+                <a:spcPts val="0"/>
+              </a:spcBef>
+              <a:spcAft>
+                <a:spcPts val="0"/>
+              </a:spcAft>
+              <a:buClrTx/>
+              <a:buSzTx/>
+              <a:buFontTx/>
+              <a:buNone/>
+              <a:tabLst/>
+              <a:defRPr/>
+            </a:pPr>
+            <a:r>
+              <a:rPr kumimoji="0" lang="en-US" altLang="zh-CN" sz="1200" b="1" i="0" u="none" strike="noStrike" kern="1200" cap="none" spc="0" normalizeH="0" baseline="0" noProof="0" dirty="0">
+                <a:ln>
+                  <a:noFill/>
+                </a:ln>
+                <a:solidFill>
+                  <a:schemeClr val="tx1">
+                    <a:lumMod val="85000"/>
+                    <a:lumOff val="15000"/>
+                  </a:schemeClr>
+                </a:solidFill>
+                <a:effectLst/>
+                <a:uLnTx/>
+                <a:uFillTx/>
+                <a:latin typeface="微软雅黑" panose="020B0503020204020204" pitchFamily="34" charset="-122"/>
+                <a:ea typeface="微软雅黑" panose="020B0503020204020204" pitchFamily="34" charset="-122"/>
+                <a:cs typeface="+mn-cs"/>
+                <a:sym typeface="微软雅黑" panose="020B0503020204020204" pitchFamily="34" charset="-122"/>
+              </a:rPr>
+              <a:t>Blastp</a:t>
+            </a:r>
+            <a:endParaRPr kumimoji="0" lang="zh-CN" altLang="en-US" sz="900" b="1" i="0" u="none" strike="noStrike" kern="1200" cap="none" spc="0" normalizeH="0" baseline="0" noProof="0" dirty="0">
+              <a:ln>
+                <a:noFill/>
+              </a:ln>
+              <a:solidFill>
+                <a:schemeClr val="tx1">
+                  <a:lumMod val="85000"/>
+                  <a:lumOff val="15000"/>
+                </a:schemeClr>
+              </a:solidFill>
+              <a:effectLst/>
+              <a:uLnTx/>
+              <a:uFillTx/>
+              <a:latin typeface="微软雅黑" panose="020B0503020204020204" pitchFamily="34" charset="-122"/>
+              <a:ea typeface="微软雅黑" panose="020B0503020204020204" pitchFamily="34" charset="-122"/>
+              <a:cs typeface="+mn-cs"/>
+              <a:sym typeface="微软雅黑" panose="020B0503020204020204" pitchFamily="34" charset="-122"/>
+            </a:endParaRPr>
+          </a:p>
+        </p:txBody>
+      </p:sp>
+      <p:sp>
+        <p:nvSpPr>
+          <p:cNvPr id="19" name="文本框 18">
+            <a:extLst>
+              <a:ext uri="{FF2B5EF4-FFF2-40B4-BE49-F238E27FC236}">
+                <a16:creationId xmlns:a16="http://schemas.microsoft.com/office/drawing/2014/main" id="{693D2105-B217-DA06-9E5E-988C8FE92419}"/>
+              </a:ext>
+            </a:extLst>
+          </p:cNvPr>
+          <p:cNvSpPr txBox="1"/>
+          <p:nvPr/>
+        </p:nvSpPr>
+        <p:spPr>
+          <a:xfrm>
+            <a:off x="3425787" y="2064368"/>
+            <a:ext cx="1149084" cy="276999"/>
+          </a:xfrm>
+          <a:prstGeom prst="rect">
+            <a:avLst/>
+          </a:prstGeom>
+          <a:noFill/>
+        </p:spPr>
+        <p:txBody>
+          <a:bodyPr wrap="square" rtlCol="0">
+            <a:spAutoFit/>
+          </a:bodyPr>
+          <a:lstStyle/>
+          <a:p>
+            <a:pPr marL="0" marR="0" lvl="0" indent="0" algn="l" defTabSz="914433" rtl="0" eaLnBrk="1" fontAlgn="auto" latinLnBrk="0" hangingPunct="1">
+              <a:lnSpc>
+                <a:spcPct val="100000"/>
+              </a:lnSpc>
+              <a:spcBef>
+                <a:spcPts val="0"/>
+              </a:spcBef>
+              <a:spcAft>
+                <a:spcPts val="0"/>
+              </a:spcAft>
+              <a:buClrTx/>
+              <a:buSzTx/>
+              <a:buFontTx/>
+              <a:buNone/>
+              <a:tabLst/>
+              <a:defRPr/>
+            </a:pPr>
+            <a:r>
+              <a:rPr kumimoji="0" lang="en-US" altLang="zh-CN" sz="1200" b="1" i="0" u="none" strike="noStrike" kern="1200" cap="none" spc="0" normalizeH="0" baseline="0" noProof="0" dirty="0">
+                <a:ln>
+                  <a:noFill/>
+                </a:ln>
+                <a:solidFill>
+                  <a:schemeClr val="accent1">
+                    <a:lumMod val="75000"/>
+                  </a:schemeClr>
+                </a:solidFill>
+                <a:effectLst/>
+                <a:uLnTx/>
+                <a:uFillTx/>
+                <a:latin typeface="微软雅黑" panose="020B0503020204020204" pitchFamily="34" charset="-122"/>
+                <a:ea typeface="微软雅黑" panose="020B0503020204020204" pitchFamily="34" charset="-122"/>
+                <a:cs typeface="+mn-cs"/>
+                <a:sym typeface="微软雅黑" panose="020B0503020204020204" pitchFamily="34" charset="-122"/>
+              </a:rPr>
+              <a:t>MSA</a:t>
+            </a:r>
+            <a:r>
+              <a:rPr kumimoji="0" lang="zh-CN" altLang="en-US" sz="1200" b="1" i="0" u="none" strike="noStrike" kern="1200" cap="none" spc="0" normalizeH="0" baseline="0" noProof="0" dirty="0">
+                <a:ln>
+                  <a:noFill/>
+                </a:ln>
+                <a:solidFill>
+                  <a:schemeClr val="accent1">
+                    <a:lumMod val="75000"/>
+                  </a:schemeClr>
+                </a:solidFill>
+                <a:effectLst/>
+                <a:uLnTx/>
+                <a:uFillTx/>
+                <a:latin typeface="微软雅黑" panose="020B0503020204020204" pitchFamily="34" charset="-122"/>
+                <a:ea typeface="微软雅黑" panose="020B0503020204020204" pitchFamily="34" charset="-122"/>
+                <a:cs typeface="+mn-cs"/>
+                <a:sym typeface="微软雅黑" panose="020B0503020204020204" pitchFamily="34" charset="-122"/>
+              </a:rPr>
+              <a:t> </a:t>
+            </a:r>
+            <a:r>
+              <a:rPr kumimoji="0" lang="en-US" altLang="zh-CN" sz="1200" b="1" i="0" u="none" strike="noStrike" kern="1200" cap="none" spc="0" normalizeH="0" baseline="0" noProof="0" dirty="0">
+                <a:ln>
+                  <a:noFill/>
+                </a:ln>
+                <a:solidFill>
+                  <a:schemeClr val="accent1">
+                    <a:lumMod val="75000"/>
+                  </a:schemeClr>
+                </a:solidFill>
+                <a:effectLst/>
+                <a:uLnTx/>
+                <a:uFillTx/>
+                <a:latin typeface="微软雅黑" panose="020B0503020204020204" pitchFamily="34" charset="-122"/>
+                <a:ea typeface="微软雅黑" panose="020B0503020204020204" pitchFamily="34" charset="-122"/>
+                <a:cs typeface="+mn-cs"/>
+                <a:sym typeface="微软雅黑" panose="020B0503020204020204" pitchFamily="34" charset="-122"/>
+              </a:rPr>
+              <a:t>&amp;</a:t>
+            </a:r>
+            <a:r>
+              <a:rPr kumimoji="0" lang="zh-CN" altLang="en-US" sz="1200" b="1" i="0" u="none" strike="noStrike" kern="1200" cap="none" spc="0" normalizeH="0" baseline="0" noProof="0" dirty="0">
+                <a:ln>
+                  <a:noFill/>
+                </a:ln>
+                <a:solidFill>
+                  <a:schemeClr val="accent1">
+                    <a:lumMod val="75000"/>
+                  </a:schemeClr>
+                </a:solidFill>
+                <a:effectLst/>
+                <a:uLnTx/>
+                <a:uFillTx/>
+                <a:latin typeface="微软雅黑" panose="020B0503020204020204" pitchFamily="34" charset="-122"/>
+                <a:ea typeface="微软雅黑" panose="020B0503020204020204" pitchFamily="34" charset="-122"/>
+                <a:cs typeface="+mn-cs"/>
+                <a:sym typeface="微软雅黑" panose="020B0503020204020204" pitchFamily="34" charset="-122"/>
+              </a:rPr>
+              <a:t> </a:t>
+            </a:r>
+            <a:r>
+              <a:rPr kumimoji="0" lang="en" altLang="zh-CN" sz="1200" b="1" i="0" u="none" strike="noStrike" kern="1200" cap="none" spc="0" normalizeH="0" baseline="0" noProof="0" dirty="0">
+                <a:ln>
+                  <a:noFill/>
+                </a:ln>
+                <a:solidFill>
+                  <a:schemeClr val="accent1">
+                    <a:lumMod val="75000"/>
+                  </a:schemeClr>
+                </a:solidFill>
+                <a:effectLst/>
+                <a:uLnTx/>
+                <a:uFillTx/>
+                <a:latin typeface="微软雅黑" panose="020B0503020204020204" pitchFamily="34" charset="-122"/>
+                <a:ea typeface="微软雅黑" panose="020B0503020204020204" pitchFamily="34" charset="-122"/>
+                <a:cs typeface="+mn-cs"/>
+                <a:sym typeface="微软雅黑" panose="020B0503020204020204" pitchFamily="34" charset="-122"/>
+              </a:rPr>
+              <a:t>Tree</a:t>
+            </a:r>
+            <a:endParaRPr kumimoji="0" lang="zh-CN" altLang="en-US" sz="900" b="1" i="0" u="none" strike="noStrike" kern="1200" cap="none" spc="0" normalizeH="0" baseline="0" noProof="0" dirty="0">
+              <a:ln>
+                <a:noFill/>
+              </a:ln>
+              <a:solidFill>
+                <a:schemeClr val="accent1">
+                  <a:lumMod val="75000"/>
+                </a:schemeClr>
+              </a:solidFill>
+              <a:effectLst/>
+              <a:uLnTx/>
+              <a:uFillTx/>
+              <a:latin typeface="微软雅黑" panose="020B0503020204020204" pitchFamily="34" charset="-122"/>
+              <a:ea typeface="微软雅黑" panose="020B0503020204020204" pitchFamily="34" charset="-122"/>
+              <a:cs typeface="+mn-cs"/>
+              <a:sym typeface="微软雅黑" panose="020B0503020204020204" pitchFamily="34" charset="-122"/>
+            </a:endParaRPr>
+          </a:p>
+        </p:txBody>
+      </p:sp>
+      <p:cxnSp>
+        <p:nvCxnSpPr>
+          <p:cNvPr id="21" name="直线箭头连接符 20">
+            <a:extLst>
+              <a:ext uri="{FF2B5EF4-FFF2-40B4-BE49-F238E27FC236}">
+                <a16:creationId xmlns:a16="http://schemas.microsoft.com/office/drawing/2014/main" id="{D44BFA9E-685A-1CD7-056F-3BF9A051B3EB}"/>
+              </a:ext>
+            </a:extLst>
+          </p:cNvPr>
+          <p:cNvCxnSpPr>
+            <a:cxnSpLocks/>
+          </p:cNvCxnSpPr>
+          <p:nvPr/>
+        </p:nvCxnSpPr>
+        <p:spPr>
+          <a:xfrm flipH="1" flipV="1">
+            <a:off x="6830112" y="5305858"/>
+            <a:ext cx="866645" cy="94584"/>
+          </a:xfrm>
+          <a:prstGeom prst="straightConnector1">
+            <a:avLst/>
+          </a:prstGeom>
+          <a:ln>
+            <a:tailEnd type="triangle"/>
+          </a:ln>
+        </p:spPr>
+        <p:style>
+          <a:lnRef idx="1">
+            <a:schemeClr val="accent1"/>
+          </a:lnRef>
+          <a:fillRef idx="0">
+            <a:schemeClr val="accent1"/>
+          </a:fillRef>
+          <a:effectRef idx="0">
+            <a:schemeClr val="accent1"/>
+          </a:effectRef>
+          <a:fontRef idx="minor">
+            <a:schemeClr val="tx1"/>
+          </a:fontRef>
+        </p:style>
+      </p:cxnSp>
+      <p:sp>
+        <p:nvSpPr>
+          <p:cNvPr id="23" name="文本框 22">
+            <a:extLst>
+              <a:ext uri="{FF2B5EF4-FFF2-40B4-BE49-F238E27FC236}">
+                <a16:creationId xmlns:a16="http://schemas.microsoft.com/office/drawing/2014/main" id="{0705A34E-719D-9993-979F-894032757991}"/>
+              </a:ext>
+            </a:extLst>
+          </p:cNvPr>
+          <p:cNvSpPr txBox="1"/>
+          <p:nvPr/>
+        </p:nvSpPr>
+        <p:spPr>
+          <a:xfrm>
+            <a:off x="7696757" y="5319423"/>
+            <a:ext cx="1674651" cy="261610"/>
+          </a:xfrm>
+          <a:prstGeom prst="rect">
+            <a:avLst/>
+          </a:prstGeom>
+          <a:noFill/>
+        </p:spPr>
+        <p:txBody>
+          <a:bodyPr wrap="square" rtlCol="0">
+            <a:spAutoFit/>
+          </a:bodyPr>
+          <a:lstStyle/>
+          <a:p>
+            <a:pPr marL="0" marR="0" lvl="0" indent="0" algn="l" defTabSz="914433" rtl="0" eaLnBrk="1" fontAlgn="auto" latinLnBrk="0" hangingPunct="1">
+              <a:lnSpc>
+                <a:spcPct val="100000"/>
+              </a:lnSpc>
+              <a:spcBef>
+                <a:spcPts val="0"/>
+              </a:spcBef>
+              <a:spcAft>
+                <a:spcPts val="0"/>
+              </a:spcAft>
+              <a:buClrTx/>
+              <a:buSzTx/>
+              <a:buFontTx/>
+              <a:buNone/>
+              <a:tabLst/>
+              <a:defRPr/>
+            </a:pPr>
+            <a:r>
+              <a:rPr kumimoji="0" lang="zh-CN" altLang="en-US" sz="1100" b="0" i="0" u="none" strike="noStrike" kern="1200" cap="none" spc="0" normalizeH="0" baseline="0" noProof="0" dirty="0">
+                <a:ln>
+                  <a:noFill/>
+                </a:ln>
+                <a:solidFill>
+                  <a:srgbClr val="FF0000"/>
+                </a:solidFill>
+                <a:effectLst/>
+                <a:uLnTx/>
+                <a:uFillTx/>
+                <a:latin typeface="微软雅黑" panose="020B0503020204020204" pitchFamily="34" charset="-122"/>
+                <a:ea typeface="微软雅黑" panose="020B0503020204020204" pitchFamily="34" charset="-122"/>
+                <a:cs typeface="+mn-cs"/>
+                <a:sym typeface="微软雅黑" panose="020B0503020204020204" pitchFamily="34" charset="-122"/>
+              </a:rPr>
+              <a:t>可选</a:t>
+            </a:r>
+            <a:r>
+              <a:rPr kumimoji="0" lang="en-US" altLang="zh-CN" sz="1100" b="0" i="0" u="none" strike="noStrike" kern="1200" cap="none" spc="0" normalizeH="0" baseline="0" noProof="0" dirty="0">
+                <a:ln>
+                  <a:noFill/>
+                </a:ln>
+                <a:solidFill>
+                  <a:srgbClr val="FF0000"/>
+                </a:solidFill>
+                <a:effectLst/>
+                <a:uLnTx/>
+                <a:uFillTx/>
+                <a:latin typeface="微软雅黑" panose="020B0503020204020204" pitchFamily="34" charset="-122"/>
+                <a:ea typeface="微软雅黑" panose="020B0503020204020204" pitchFamily="34" charset="-122"/>
+                <a:cs typeface="+mn-cs"/>
+                <a:sym typeface="微软雅黑" panose="020B0503020204020204" pitchFamily="34" charset="-122"/>
+              </a:rPr>
+              <a:t>Lg</a:t>
+            </a:r>
+            <a:r>
+              <a:rPr kumimoji="0" lang="zh-CN" altLang="en-US" sz="1100" b="0" i="0" u="none" strike="noStrike" kern="1200" cap="none" spc="0" normalizeH="0" baseline="0" noProof="0" dirty="0">
+                <a:ln>
+                  <a:noFill/>
+                </a:ln>
+                <a:solidFill>
+                  <a:srgbClr val="FF0000"/>
+                </a:solidFill>
+                <a:effectLst/>
+                <a:uLnTx/>
+                <a:uFillTx/>
+                <a:latin typeface="微软雅黑" panose="020B0503020204020204" pitchFamily="34" charset="-122"/>
+                <a:ea typeface="微软雅黑" panose="020B0503020204020204" pitchFamily="34" charset="-122"/>
+                <a:cs typeface="+mn-cs"/>
+                <a:sym typeface="微软雅黑" panose="020B0503020204020204" pitchFamily="34" charset="-122"/>
+              </a:rPr>
+              <a:t>、</a:t>
+            </a:r>
+            <a:r>
+              <a:rPr kumimoji="0" lang="en-US" altLang="zh-CN" sz="1100" b="0" i="0" u="none" strike="noStrike" kern="1200" cap="none" spc="0" normalizeH="0" baseline="0" noProof="0" dirty="0">
+                <a:ln>
+                  <a:noFill/>
+                </a:ln>
+                <a:solidFill>
+                  <a:srgbClr val="FF0000"/>
+                </a:solidFill>
+                <a:effectLst/>
+                <a:uLnTx/>
+                <a:uFillTx/>
+                <a:latin typeface="微软雅黑" panose="020B0503020204020204" pitchFamily="34" charset="-122"/>
+                <a:ea typeface="微软雅黑" panose="020B0503020204020204" pitchFamily="34" charset="-122"/>
+                <a:cs typeface="+mn-cs"/>
+                <a:sym typeface="微软雅黑" panose="020B0503020204020204" pitchFamily="34" charset="-122"/>
+              </a:rPr>
+              <a:t>jtt</a:t>
+            </a:r>
+            <a:r>
+              <a:rPr kumimoji="0" lang="zh-CN" altLang="en-US" sz="1100" b="0" i="0" u="none" strike="noStrike" kern="1200" cap="none" spc="0" normalizeH="0" baseline="0" noProof="0" dirty="0">
+                <a:ln>
+                  <a:noFill/>
+                </a:ln>
+                <a:solidFill>
+                  <a:srgbClr val="FF0000"/>
+                </a:solidFill>
+                <a:effectLst/>
+                <a:uLnTx/>
+                <a:uFillTx/>
+                <a:latin typeface="微软雅黑" panose="020B0503020204020204" pitchFamily="34" charset="-122"/>
+                <a:ea typeface="微软雅黑" panose="020B0503020204020204" pitchFamily="34" charset="-122"/>
+                <a:cs typeface="+mn-cs"/>
+                <a:sym typeface="微软雅黑" panose="020B0503020204020204" pitchFamily="34" charset="-122"/>
+              </a:rPr>
+              <a:t>、</a:t>
+            </a:r>
+            <a:r>
+              <a:rPr kumimoji="0" lang="en-US" altLang="zh-CN" sz="1100" b="0" i="0" u="none" strike="noStrike" kern="1200" cap="none" spc="0" normalizeH="0" baseline="0" noProof="0" dirty="0">
+                <a:ln>
+                  <a:noFill/>
+                </a:ln>
+                <a:solidFill>
+                  <a:srgbClr val="FF0000"/>
+                </a:solidFill>
+                <a:effectLst/>
+                <a:uLnTx/>
+                <a:uFillTx/>
+                <a:latin typeface="微软雅黑" panose="020B0503020204020204" pitchFamily="34" charset="-122"/>
+                <a:ea typeface="微软雅黑" panose="020B0503020204020204" pitchFamily="34" charset="-122"/>
+                <a:cs typeface="+mn-cs"/>
+                <a:sym typeface="微软雅黑" panose="020B0503020204020204" pitchFamily="34" charset="-122"/>
+              </a:rPr>
+              <a:t>wag</a:t>
+            </a:r>
+            <a:endParaRPr kumimoji="0" lang="zh-CN" altLang="en-US" sz="800" b="0" i="0" u="none" strike="noStrike" kern="1200" cap="none" spc="0" normalizeH="0" baseline="0" noProof="0" dirty="0">
+              <a:ln>
+                <a:noFill/>
+              </a:ln>
+              <a:solidFill>
+                <a:srgbClr val="FF0000"/>
+              </a:solidFill>
+              <a:effectLst/>
+              <a:uLnTx/>
+              <a:uFillTx/>
+              <a:latin typeface="微软雅黑" panose="020B0503020204020204" pitchFamily="34" charset="-122"/>
+              <a:ea typeface="微软雅黑" panose="020B0503020204020204" pitchFamily="34" charset="-122"/>
+              <a:cs typeface="+mn-cs"/>
+              <a:sym typeface="微软雅黑" panose="020B0503020204020204" pitchFamily="34" charset="-122"/>
+            </a:endParaRPr>
+          </a:p>
+        </p:txBody>
+      </p:sp>
+      <p:cxnSp>
+        <p:nvCxnSpPr>
+          <p:cNvPr id="27" name="直线箭头连接符 26">
+            <a:extLst>
+              <a:ext uri="{FF2B5EF4-FFF2-40B4-BE49-F238E27FC236}">
+                <a16:creationId xmlns:a16="http://schemas.microsoft.com/office/drawing/2014/main" id="{4F313BE9-4AA3-F23B-82FA-D75DEEF86190}"/>
+              </a:ext>
+            </a:extLst>
+          </p:cNvPr>
+          <p:cNvCxnSpPr>
+            <a:cxnSpLocks/>
+          </p:cNvCxnSpPr>
+          <p:nvPr/>
+        </p:nvCxnSpPr>
+        <p:spPr>
+          <a:xfrm>
+            <a:off x="3701628" y="6519165"/>
+            <a:ext cx="863152" cy="0"/>
+          </a:xfrm>
+          <a:prstGeom prst="straightConnector1">
+            <a:avLst/>
+          </a:prstGeom>
+          <a:ln>
+            <a:tailEnd type="triangle"/>
+          </a:ln>
+        </p:spPr>
+        <p:style>
+          <a:lnRef idx="1">
+            <a:schemeClr val="accent1"/>
+          </a:lnRef>
+          <a:fillRef idx="0">
+            <a:schemeClr val="accent1"/>
+          </a:fillRef>
+          <a:effectRef idx="0">
+            <a:schemeClr val="accent1"/>
+          </a:effectRef>
+          <a:fontRef idx="minor">
+            <a:schemeClr val="tx1"/>
+          </a:fontRef>
+        </p:style>
+      </p:cxnSp>
+      <p:sp>
+        <p:nvSpPr>
+          <p:cNvPr id="32" name="文本框 31">
+            <a:extLst>
+              <a:ext uri="{FF2B5EF4-FFF2-40B4-BE49-F238E27FC236}">
+                <a16:creationId xmlns:a16="http://schemas.microsoft.com/office/drawing/2014/main" id="{849FB580-BE1F-E5C6-8151-9BA14FF8941E}"/>
+              </a:ext>
+            </a:extLst>
+          </p:cNvPr>
+          <p:cNvSpPr txBox="1"/>
+          <p:nvPr/>
+        </p:nvSpPr>
+        <p:spPr>
+          <a:xfrm>
+            <a:off x="2326513" y="6388360"/>
+            <a:ext cx="1664585" cy="261610"/>
+          </a:xfrm>
+          <a:prstGeom prst="rect">
+            <a:avLst/>
+          </a:prstGeom>
+          <a:noFill/>
+        </p:spPr>
+        <p:txBody>
+          <a:bodyPr wrap="square" rtlCol="0">
+            <a:spAutoFit/>
+          </a:bodyPr>
+          <a:lstStyle/>
+          <a:p>
+            <a:pPr marL="0" marR="0" lvl="0" indent="0" algn="l" defTabSz="914433" rtl="0" eaLnBrk="1" fontAlgn="auto" latinLnBrk="0" hangingPunct="1">
+              <a:lnSpc>
+                <a:spcPct val="100000"/>
+              </a:lnSpc>
+              <a:spcBef>
+                <a:spcPts val="0"/>
+              </a:spcBef>
+              <a:spcAft>
+                <a:spcPts val="0"/>
+              </a:spcAft>
+              <a:buClrTx/>
+              <a:buSzTx/>
+              <a:buFontTx/>
+              <a:buNone/>
+              <a:tabLst/>
+              <a:defRPr/>
+            </a:pPr>
+            <a:r>
+              <a:rPr kumimoji="0" lang="zh-CN" altLang="en-US" sz="1100" b="0" i="0" u="none" strike="noStrike" kern="1200" cap="none" spc="0" normalizeH="0" baseline="0" noProof="0" dirty="0">
+                <a:ln>
+                  <a:noFill/>
+                </a:ln>
+                <a:solidFill>
+                  <a:srgbClr val="FF0000"/>
+                </a:solidFill>
+                <a:effectLst/>
+                <a:uLnTx/>
+                <a:uFillTx/>
+                <a:latin typeface="微软雅黑" panose="020B0503020204020204" pitchFamily="34" charset="-122"/>
+                <a:ea typeface="微软雅黑" panose="020B0503020204020204" pitchFamily="34" charset="-122"/>
+                <a:cs typeface="+mn-cs"/>
+                <a:sym typeface="微软雅黑" panose="020B0503020204020204" pitchFamily="34" charset="-122"/>
+              </a:rPr>
+              <a:t>获得</a:t>
+            </a:r>
+            <a:r>
+              <a:rPr kumimoji="0" lang="en" altLang="zh-CN" sz="1100" b="0" i="0" u="none" strike="noStrike" kern="1200" cap="none" spc="0" normalizeH="0" baseline="0" noProof="0" dirty="0" err="1">
+                <a:ln>
+                  <a:noFill/>
+                </a:ln>
+                <a:solidFill>
+                  <a:srgbClr val="FF0000"/>
+                </a:solidFill>
+                <a:effectLst/>
+                <a:uLnTx/>
+                <a:uFillTx/>
+                <a:latin typeface="微软雅黑" panose="020B0503020204020204" pitchFamily="34" charset="-122"/>
+                <a:ea typeface="微软雅黑" panose="020B0503020204020204" pitchFamily="34" charset="-122"/>
+                <a:cs typeface="+mn-cs"/>
+                <a:sym typeface="微软雅黑" panose="020B0503020204020204" pitchFamily="34" charset="-122"/>
+              </a:rPr>
+              <a:t>blast_seq.fasta</a:t>
+            </a:r>
+            <a:endParaRPr kumimoji="0" lang="zh-CN" altLang="en-US" sz="800" b="0" i="0" u="none" strike="noStrike" kern="1200" cap="none" spc="0" normalizeH="0" baseline="0" noProof="0" dirty="0">
+              <a:ln>
+                <a:noFill/>
+              </a:ln>
+              <a:solidFill>
+                <a:srgbClr val="FF0000"/>
+              </a:solidFill>
+              <a:effectLst/>
+              <a:uLnTx/>
+              <a:uFillTx/>
+              <a:latin typeface="微软雅黑" panose="020B0503020204020204" pitchFamily="34" charset="-122"/>
+              <a:ea typeface="微软雅黑" panose="020B0503020204020204" pitchFamily="34" charset="-122"/>
+              <a:cs typeface="+mn-cs"/>
+              <a:sym typeface="微软雅黑" panose="020B0503020204020204" pitchFamily="34" charset="-122"/>
+            </a:endParaRPr>
+          </a:p>
+        </p:txBody>
+      </p:sp>
+      <p:sp>
+        <p:nvSpPr>
+          <p:cNvPr id="2" name="圆角矩形 1">
+            <a:extLst>
+              <a:ext uri="{FF2B5EF4-FFF2-40B4-BE49-F238E27FC236}">
+                <a16:creationId xmlns:a16="http://schemas.microsoft.com/office/drawing/2014/main" id="{A046DB79-F0D7-BB79-8194-6C5A111E9777}"/>
+              </a:ext>
+            </a:extLst>
+          </p:cNvPr>
+          <p:cNvSpPr/>
+          <p:nvPr/>
+        </p:nvSpPr>
+        <p:spPr>
+          <a:xfrm>
+            <a:off x="4218013" y="4438721"/>
+            <a:ext cx="3573957" cy="379318"/>
+          </a:xfrm>
+          <a:prstGeom prst="roundRect">
+            <a:avLst>
+              <a:gd name="adj" fmla="val 6174"/>
+            </a:avLst>
+          </a:prstGeom>
+        </p:spPr>
+        <p:style>
+          <a:lnRef idx="2">
+            <a:schemeClr val="accent3"/>
+          </a:lnRef>
+          <a:fillRef idx="1">
+            <a:schemeClr val="lt1"/>
+          </a:fillRef>
+          <a:effectRef idx="0">
+            <a:schemeClr val="accent3"/>
+          </a:effectRef>
+          <a:fontRef idx="minor">
+            <a:schemeClr val="dk1"/>
+          </a:fontRef>
+        </p:style>
+        <p:txBody>
+          <a:bodyPr rtlCol="0" anchor="ctr"/>
+          <a:lstStyle/>
+          <a:p>
+            <a:pPr marL="0" marR="0" lvl="0" indent="0" defTabSz="914433" rtl="0" eaLnBrk="1" fontAlgn="auto" latinLnBrk="0" hangingPunct="1">
+              <a:lnSpc>
+                <a:spcPct val="100000"/>
+              </a:lnSpc>
+              <a:spcBef>
+                <a:spcPts val="0"/>
+              </a:spcBef>
+              <a:spcAft>
+                <a:spcPts val="0"/>
+              </a:spcAft>
+              <a:buClrTx/>
+              <a:buSzTx/>
+              <a:buFontTx/>
+              <a:buNone/>
+              <a:tabLst/>
+              <a:defRPr/>
+            </a:pPr>
+            <a:endParaRPr kumimoji="1" lang="zh-CN" altLang="en-US" sz="3202" b="0" i="0" u="none" strike="noStrike" kern="1200" cap="none" spc="0" normalizeH="0" baseline="0" noProof="0">
+              <a:ln>
+                <a:noFill/>
+              </a:ln>
+              <a:solidFill>
+                <a:prstClr val="black"/>
+              </a:solidFill>
+              <a:effectLst/>
+              <a:uLnTx/>
+              <a:uFillTx/>
+              <a:latin typeface="等线" panose="020F0502020204030204"/>
+              <a:ea typeface="等线" panose="02010600030101010101" pitchFamily="2" charset="-122"/>
+              <a:cs typeface="+mn-cs"/>
+            </a:endParaRPr>
+          </a:p>
+        </p:txBody>
+      </p:sp>
       <p:pic>
         <p:nvPicPr>
-          <p:cNvPr id="4" name="图片 3">
+          <p:cNvPr id="3" name="图片 2">
             <a:extLst>
               <a:ext uri="{FF2B5EF4-FFF2-40B4-BE49-F238E27FC236}">
-                <a16:creationId xmlns:a16="http://schemas.microsoft.com/office/drawing/2014/main" id="{63B15C45-D3EA-153C-0406-CB3007FE8C15}"/>
+                <a16:creationId xmlns:a16="http://schemas.microsoft.com/office/drawing/2014/main" id="{9CF7A903-7067-460A-5F57-7026FB25F75C}"/>
+              </a:ext>
+            </a:extLst>
+          </p:cNvPr>
+          <p:cNvPicPr>
+            <a:picLocks noChangeAspect="1"/>
+          </p:cNvPicPr>
+          <p:nvPr/>
+        </p:nvPicPr>
+        <p:blipFill rotWithShape="1">
+          <a:blip r:embed="rId4"/>
+          <a:srcRect r="78674" b="2734"/>
+          <a:stretch/>
+        </p:blipFill>
+        <p:spPr>
+          <a:xfrm>
+            <a:off x="4285302" y="4519863"/>
+            <a:ext cx="331383" cy="280058"/>
+          </a:xfrm>
+          <a:prstGeom prst="rect">
+            <a:avLst/>
+          </a:prstGeom>
+        </p:spPr>
+      </p:pic>
+      <p:sp>
+        <p:nvSpPr>
+          <p:cNvPr id="4" name="文本框 3">
+            <a:extLst>
+              <a:ext uri="{FF2B5EF4-FFF2-40B4-BE49-F238E27FC236}">
+                <a16:creationId xmlns:a16="http://schemas.microsoft.com/office/drawing/2014/main" id="{D62360ED-4838-8CD4-7355-D87389A6ECF7}"/>
+              </a:ext>
+            </a:extLst>
+          </p:cNvPr>
+          <p:cNvSpPr txBox="1"/>
+          <p:nvPr/>
+        </p:nvSpPr>
+        <p:spPr>
+          <a:xfrm>
+            <a:off x="4564780" y="4529714"/>
+            <a:ext cx="3010537" cy="230832"/>
+          </a:xfrm>
+          <a:prstGeom prst="rect">
+            <a:avLst/>
+          </a:prstGeom>
+          <a:noFill/>
+        </p:spPr>
+        <p:txBody>
+          <a:bodyPr wrap="square" rtlCol="0">
+            <a:spAutoFit/>
+          </a:bodyPr>
+          <a:lstStyle/>
+          <a:p>
+            <a:pPr defTabSz="914433">
+              <a:defRPr/>
+            </a:pPr>
+            <a:r>
+              <a:rPr kumimoji="0" lang="en-US" altLang="zh-CN" sz="900" b="1" i="0" u="none" strike="noStrike" kern="1200" cap="none" spc="0" normalizeH="0" baseline="0" noProof="0" dirty="0">
+                <a:ln>
+                  <a:noFill/>
+                </a:ln>
+                <a:solidFill>
+                  <a:srgbClr val="4472C4">
+                    <a:lumMod val="50000"/>
+                  </a:srgbClr>
+                </a:solidFill>
+                <a:effectLst/>
+                <a:uLnTx/>
+                <a:uFillTx/>
+                <a:latin typeface="微软雅黑" panose="020B0503020204020204" pitchFamily="34" charset="-122"/>
+                <a:ea typeface="微软雅黑" panose="020B0503020204020204" pitchFamily="34" charset="-122"/>
+                <a:cs typeface="+mn-cs"/>
+                <a:sym typeface="微软雅黑" panose="020B0503020204020204" pitchFamily="34" charset="-122"/>
+              </a:rPr>
+              <a:t>Click to Upload the protein sequence fasta file</a:t>
+            </a:r>
+            <a:endParaRPr kumimoji="0" lang="zh-CN" altLang="en-US" sz="900" b="1" i="0" u="none" strike="noStrike" kern="1200" cap="none" spc="0" normalizeH="0" baseline="0" noProof="0" dirty="0">
+              <a:ln>
+                <a:noFill/>
+              </a:ln>
+              <a:solidFill>
+                <a:srgbClr val="4472C4">
+                  <a:lumMod val="50000"/>
+                </a:srgbClr>
+              </a:solidFill>
+              <a:effectLst/>
+              <a:uLnTx/>
+              <a:uFillTx/>
+              <a:latin typeface="微软雅黑" panose="020B0503020204020204" pitchFamily="34" charset="-122"/>
+              <a:ea typeface="微软雅黑" panose="020B0503020204020204" pitchFamily="34" charset="-122"/>
+              <a:cs typeface="+mn-cs"/>
+              <a:sym typeface="微软雅黑" panose="020B0503020204020204" pitchFamily="34" charset="-122"/>
+            </a:endParaRPr>
+          </a:p>
+        </p:txBody>
+      </p:sp>
+      <p:sp>
+        <p:nvSpPr>
+          <p:cNvPr id="5" name="文本框 4">
+            <a:extLst>
+              <a:ext uri="{FF2B5EF4-FFF2-40B4-BE49-F238E27FC236}">
+                <a16:creationId xmlns:a16="http://schemas.microsoft.com/office/drawing/2014/main" id="{C2F3AFAB-C97C-B3D4-490F-51173181DCDB}"/>
+              </a:ext>
+            </a:extLst>
+          </p:cNvPr>
+          <p:cNvSpPr txBox="1"/>
+          <p:nvPr/>
+        </p:nvSpPr>
+        <p:spPr>
+          <a:xfrm>
+            <a:off x="2565035" y="5193597"/>
+            <a:ext cx="2616420" cy="230832"/>
+          </a:xfrm>
+          <a:prstGeom prst="rect">
+            <a:avLst/>
+          </a:prstGeom>
+          <a:noFill/>
+        </p:spPr>
+        <p:txBody>
+          <a:bodyPr wrap="square" rtlCol="0">
+            <a:spAutoFit/>
+          </a:bodyPr>
+          <a:lstStyle/>
+          <a:p>
+            <a:pPr defTabSz="914433">
+              <a:defRPr/>
+            </a:pPr>
+            <a:r>
+              <a:rPr kumimoji="0" lang="en-US" altLang="zh-CN" sz="900" b="1" i="0" u="none" strike="noStrike" kern="1200" cap="none" spc="0" normalizeH="0" baseline="0" noProof="0" dirty="0">
+                <a:ln>
+                  <a:noFill/>
+                </a:ln>
+                <a:solidFill>
+                  <a:srgbClr val="4472C4">
+                    <a:lumMod val="50000"/>
+                  </a:srgbClr>
+                </a:solidFill>
+                <a:effectLst/>
+                <a:uLnTx/>
+                <a:uFillTx/>
+                <a:latin typeface="微软雅黑" panose="020B0503020204020204" pitchFamily="34" charset="-122"/>
+                <a:ea typeface="微软雅黑" panose="020B0503020204020204" pitchFamily="34" charset="-122"/>
+                <a:cs typeface="+mn-cs"/>
+                <a:sym typeface="微软雅黑" panose="020B0503020204020204" pitchFamily="34" charset="-122"/>
+              </a:rPr>
+              <a:t>Phylogenetic Tree Construction Model</a:t>
+            </a:r>
+            <a:r>
+              <a:rPr kumimoji="0" lang="zh-CN" altLang="en-US" sz="900" b="1" i="0" u="none" strike="noStrike" kern="1200" cap="none" spc="0" normalizeH="0" baseline="0" noProof="0" dirty="0">
+                <a:ln>
+                  <a:noFill/>
+                </a:ln>
+                <a:solidFill>
+                  <a:srgbClr val="4472C4">
+                    <a:lumMod val="50000"/>
+                  </a:srgbClr>
+                </a:solidFill>
+                <a:effectLst/>
+                <a:uLnTx/>
+                <a:uFillTx/>
+                <a:latin typeface="微软雅黑" panose="020B0503020204020204" pitchFamily="34" charset="-122"/>
+                <a:ea typeface="微软雅黑" panose="020B0503020204020204" pitchFamily="34" charset="-122"/>
+                <a:cs typeface="+mn-cs"/>
+                <a:sym typeface="微软雅黑" panose="020B0503020204020204" pitchFamily="34" charset="-122"/>
+              </a:rPr>
+              <a:t>：</a:t>
+            </a:r>
+          </a:p>
+        </p:txBody>
+      </p:sp>
+      <p:sp>
+        <p:nvSpPr>
+          <p:cNvPr id="28" name="圆角矩形 27">
+            <a:extLst>
+              <a:ext uri="{FF2B5EF4-FFF2-40B4-BE49-F238E27FC236}">
+                <a16:creationId xmlns:a16="http://schemas.microsoft.com/office/drawing/2014/main" id="{48795F68-9D25-9D28-4574-95FC39E8DC76}"/>
+              </a:ext>
+            </a:extLst>
+          </p:cNvPr>
+          <p:cNvSpPr/>
+          <p:nvPr/>
+        </p:nvSpPr>
+        <p:spPr>
+          <a:xfrm>
+            <a:off x="1006378" y="8054387"/>
+            <a:ext cx="9831950" cy="1068472"/>
+          </a:xfrm>
+          <a:prstGeom prst="roundRect">
+            <a:avLst>
+              <a:gd name="adj" fmla="val 4751"/>
+            </a:avLst>
+          </a:prstGeom>
+          <a:ln>
+            <a:solidFill>
+              <a:schemeClr val="bg1">
+                <a:lumMod val="50000"/>
+              </a:schemeClr>
+            </a:solidFill>
+          </a:ln>
+        </p:spPr>
+        <p:style>
+          <a:lnRef idx="2">
+            <a:schemeClr val="accent6"/>
+          </a:lnRef>
+          <a:fillRef idx="1">
+            <a:schemeClr val="lt1"/>
+          </a:fillRef>
+          <a:effectRef idx="0">
+            <a:schemeClr val="accent6"/>
+          </a:effectRef>
+          <a:fontRef idx="minor">
+            <a:schemeClr val="dk1"/>
+          </a:fontRef>
+        </p:style>
+        <p:txBody>
+          <a:bodyPr rtlCol="0" anchor="ctr"/>
+          <a:lstStyle/>
+          <a:p>
+            <a:pPr marL="0" marR="0" lvl="0" indent="0" algn="ctr" defTabSz="457180" rtl="0" eaLnBrk="1" fontAlgn="auto" latinLnBrk="0" hangingPunct="1">
+              <a:lnSpc>
+                <a:spcPct val="100000"/>
+              </a:lnSpc>
+              <a:spcBef>
+                <a:spcPts val="0"/>
+              </a:spcBef>
+              <a:spcAft>
+                <a:spcPts val="0"/>
+              </a:spcAft>
+              <a:buClrTx/>
+              <a:buSzTx/>
+              <a:buFontTx/>
+              <a:buNone/>
+              <a:tabLst/>
+              <a:defRPr/>
+            </a:pPr>
+            <a:endParaRPr kumimoji="1" lang="zh-CN" altLang="en-US" sz="1801" b="0" i="0" u="none" strike="noStrike" kern="1200" cap="none" spc="0" normalizeH="0" baseline="0" noProof="0">
+              <a:ln>
+                <a:noFill/>
+              </a:ln>
+              <a:solidFill>
+                <a:prstClr val="black"/>
+              </a:solidFill>
+              <a:effectLst/>
+              <a:uLnTx/>
+              <a:uFillTx/>
+              <a:latin typeface="Calibri" panose="020F0502020204030204"/>
+              <a:ea typeface="等线" panose="02010600030101010101" pitchFamily="2" charset="-122"/>
+              <a:cs typeface="+mn-cs"/>
+            </a:endParaRPr>
+          </a:p>
+        </p:txBody>
+      </p:sp>
+      <p:sp>
+        <p:nvSpPr>
+          <p:cNvPr id="8" name="圆角矩形 7">
+            <a:extLst>
+              <a:ext uri="{FF2B5EF4-FFF2-40B4-BE49-F238E27FC236}">
+                <a16:creationId xmlns:a16="http://schemas.microsoft.com/office/drawing/2014/main" id="{FA514BB7-13A2-60BE-8700-DD8E5DBA0E8D}"/>
+              </a:ext>
+            </a:extLst>
+          </p:cNvPr>
+          <p:cNvSpPr/>
+          <p:nvPr/>
+        </p:nvSpPr>
+        <p:spPr>
+          <a:xfrm>
+            <a:off x="5066890" y="5127458"/>
+            <a:ext cx="1674651" cy="324180"/>
+          </a:xfrm>
+          <a:prstGeom prst="roundRect">
+            <a:avLst/>
+          </a:prstGeom>
+        </p:spPr>
+        <p:style>
+          <a:lnRef idx="2">
+            <a:schemeClr val="accent3"/>
+          </a:lnRef>
+          <a:fillRef idx="1">
+            <a:schemeClr val="lt1"/>
+          </a:fillRef>
+          <a:effectRef idx="0">
+            <a:schemeClr val="accent3"/>
+          </a:effectRef>
+          <a:fontRef idx="minor">
+            <a:schemeClr val="dk1"/>
+          </a:fontRef>
+        </p:style>
+        <p:txBody>
+          <a:bodyPr rtlCol="0" anchor="ctr"/>
+          <a:lstStyle/>
+          <a:p>
+            <a:pPr marL="0" marR="0" lvl="0" indent="0" algn="ctr" defTabSz="914433" rtl="0" eaLnBrk="1" fontAlgn="auto" latinLnBrk="0" hangingPunct="1">
+              <a:lnSpc>
+                <a:spcPct val="100000"/>
+              </a:lnSpc>
+              <a:spcBef>
+                <a:spcPts val="0"/>
+              </a:spcBef>
+              <a:spcAft>
+                <a:spcPts val="0"/>
+              </a:spcAft>
+              <a:buClrTx/>
+              <a:buSzTx/>
+              <a:buFontTx/>
+              <a:buNone/>
+              <a:tabLst/>
+              <a:defRPr/>
+            </a:pPr>
+            <a:endParaRPr kumimoji="1" lang="zh-CN" altLang="en-US" sz="3202" b="0" i="0" u="none" strike="noStrike" kern="1200" cap="none" spc="0" normalizeH="0" baseline="0" noProof="0">
+              <a:ln>
+                <a:noFill/>
+              </a:ln>
+              <a:solidFill>
+                <a:prstClr val="black"/>
+              </a:solidFill>
+              <a:effectLst/>
+              <a:uLnTx/>
+              <a:uFillTx/>
+              <a:latin typeface="等线" panose="020F0502020204030204"/>
+              <a:ea typeface="等线" panose="02010600030101010101" pitchFamily="2" charset="-122"/>
+              <a:cs typeface="+mn-cs"/>
+            </a:endParaRPr>
+          </a:p>
+        </p:txBody>
+      </p:sp>
+      <p:sp>
+        <p:nvSpPr>
+          <p:cNvPr id="9" name="文本框 8">
+            <a:extLst>
+              <a:ext uri="{FF2B5EF4-FFF2-40B4-BE49-F238E27FC236}">
+                <a16:creationId xmlns:a16="http://schemas.microsoft.com/office/drawing/2014/main" id="{9B94F3A6-7DEA-3E87-CA5B-94FEA5F0308C}"/>
+              </a:ext>
+            </a:extLst>
+          </p:cNvPr>
+          <p:cNvSpPr txBox="1"/>
+          <p:nvPr/>
+        </p:nvSpPr>
+        <p:spPr>
+          <a:xfrm>
+            <a:off x="5225740" y="5177645"/>
+            <a:ext cx="745534" cy="230832"/>
+          </a:xfrm>
+          <a:prstGeom prst="rect">
+            <a:avLst/>
+          </a:prstGeom>
+          <a:noFill/>
+        </p:spPr>
+        <p:txBody>
+          <a:bodyPr wrap="square" rtlCol="0">
+            <a:spAutoFit/>
+          </a:bodyPr>
+          <a:lstStyle/>
+          <a:p>
+            <a:pPr marL="0" marR="0" lvl="0" indent="0" algn="l" defTabSz="914433" rtl="0" eaLnBrk="1" fontAlgn="auto" latinLnBrk="0" hangingPunct="1">
+              <a:lnSpc>
+                <a:spcPct val="100000"/>
+              </a:lnSpc>
+              <a:spcBef>
+                <a:spcPts val="0"/>
+              </a:spcBef>
+              <a:spcAft>
+                <a:spcPts val="0"/>
+              </a:spcAft>
+              <a:buClrTx/>
+              <a:buSzTx/>
+              <a:buFontTx/>
+              <a:buNone/>
+              <a:tabLst/>
+              <a:defRPr/>
+            </a:pPr>
+            <a:r>
+              <a:rPr lang="en-US" altLang="zh-CN" sz="900" b="1" dirty="0">
+                <a:solidFill>
+                  <a:srgbClr val="4472C4">
+                    <a:lumMod val="50000"/>
+                  </a:srgbClr>
+                </a:solidFill>
+                <a:latin typeface="微软雅黑" panose="020B0503020204020204" pitchFamily="34" charset="-122"/>
+                <a:ea typeface="微软雅黑" panose="020B0503020204020204" pitchFamily="34" charset="-122"/>
+                <a:sym typeface="微软雅黑" panose="020B0503020204020204" pitchFamily="34" charset="-122"/>
+              </a:rPr>
+              <a:t>lg</a:t>
+            </a:r>
+            <a:endParaRPr kumimoji="0" lang="zh-CN" altLang="en-US" sz="900" b="1" i="0" u="none" strike="noStrike" kern="1200" cap="none" spc="0" normalizeH="0" baseline="0" noProof="0" dirty="0">
+              <a:ln>
+                <a:noFill/>
+              </a:ln>
+              <a:solidFill>
+                <a:srgbClr val="4472C4">
+                  <a:lumMod val="50000"/>
+                </a:srgbClr>
+              </a:solidFill>
+              <a:effectLst/>
+              <a:uLnTx/>
+              <a:uFillTx/>
+              <a:latin typeface="微软雅黑" panose="020B0503020204020204" pitchFamily="34" charset="-122"/>
+              <a:ea typeface="微软雅黑" panose="020B0503020204020204" pitchFamily="34" charset="-122"/>
+              <a:cs typeface="+mn-cs"/>
+              <a:sym typeface="微软雅黑" panose="020B0503020204020204" pitchFamily="34" charset="-122"/>
+            </a:endParaRPr>
+          </a:p>
+        </p:txBody>
+      </p:sp>
+      <p:pic>
+        <p:nvPicPr>
+          <p:cNvPr id="22" name="图片 21">
+            <a:extLst>
+              <a:ext uri="{FF2B5EF4-FFF2-40B4-BE49-F238E27FC236}">
+                <a16:creationId xmlns:a16="http://schemas.microsoft.com/office/drawing/2014/main" id="{4C702633-8CD6-0948-7B28-26227E0ECF17}"/>
               </a:ext>
             </a:extLst>
           </p:cNvPr>
@@ -6800,15 +13901,15 @@
           <p:nvPr/>
         </p:nvPicPr>
         <p:blipFill>
-          <a:blip r:embed="rId6"/>
+          <a:blip r:embed="rId5"/>
           <a:stretch>
             <a:fillRect/>
           </a:stretch>
         </p:blipFill>
         <p:spPr>
           <a:xfrm>
-            <a:off x="3714058" y="8523217"/>
-            <a:ext cx="4406900" cy="4914900"/>
+            <a:off x="6310194" y="5193597"/>
+            <a:ext cx="355600" cy="198267"/>
           </a:xfrm>
           <a:prstGeom prst="rect">
             <a:avLst/>
@@ -6817,10 +13918,151 @@
       </p:pic>
       <p:sp>
         <p:nvSpPr>
-          <p:cNvPr id="6" name="文本框 5">
+          <p:cNvPr id="35" name="圆角矩形 34">
             <a:extLst>
               <a:ext uri="{FF2B5EF4-FFF2-40B4-BE49-F238E27FC236}">
-                <a16:creationId xmlns:a16="http://schemas.microsoft.com/office/drawing/2014/main" id="{0A867E73-3589-AC53-2E81-FF493EB950B9}"/>
+                <a16:creationId xmlns:a16="http://schemas.microsoft.com/office/drawing/2014/main" id="{868EC310-84B9-F152-35F1-AED5F434B559}"/>
+              </a:ext>
+            </a:extLst>
+          </p:cNvPr>
+          <p:cNvSpPr/>
+          <p:nvPr/>
+        </p:nvSpPr>
+        <p:spPr>
+          <a:xfrm>
+            <a:off x="5302621" y="9693505"/>
+            <a:ext cx="1007573" cy="314960"/>
+          </a:xfrm>
+          <a:prstGeom prst="roundRect">
+            <a:avLst/>
+          </a:prstGeom>
+          <a:solidFill>
+            <a:schemeClr val="bg1"/>
+          </a:solidFill>
+          <a:ln w="6350">
+            <a:solidFill>
+              <a:schemeClr val="tx1"/>
+            </a:solidFill>
+          </a:ln>
+        </p:spPr>
+        <p:style>
+          <a:lnRef idx="2">
+            <a:schemeClr val="accent1">
+              <a:shade val="15000"/>
+            </a:schemeClr>
+          </a:lnRef>
+          <a:fillRef idx="1">
+            <a:schemeClr val="accent1"/>
+          </a:fillRef>
+          <a:effectRef idx="0">
+            <a:schemeClr val="accent1"/>
+          </a:effectRef>
+          <a:fontRef idx="minor">
+            <a:schemeClr val="lt1"/>
+          </a:fontRef>
+        </p:style>
+        <p:txBody>
+          <a:bodyPr rtlCol="0" anchor="ctr"/>
+          <a:lstStyle/>
+          <a:p>
+            <a:pPr marL="0" marR="0" lvl="0" indent="0" algn="ctr" defTabSz="457180" rtl="0" eaLnBrk="1" fontAlgn="auto" latinLnBrk="0" hangingPunct="1">
+              <a:lnSpc>
+                <a:spcPct val="100000"/>
+              </a:lnSpc>
+              <a:spcBef>
+                <a:spcPts val="0"/>
+              </a:spcBef>
+              <a:spcAft>
+                <a:spcPts val="0"/>
+              </a:spcAft>
+              <a:buClrTx/>
+              <a:buSzTx/>
+              <a:buFontTx/>
+              <a:buNone/>
+              <a:tabLst/>
+              <a:defRPr/>
+            </a:pPr>
+            <a:r>
+              <a:rPr kumimoji="1" lang="en-US" altLang="zh-CN" sz="1200" b="0" i="0" u="none" strike="noStrike" kern="1200" cap="none" spc="0" normalizeH="0" baseline="0" noProof="0" dirty="0">
+                <a:ln>
+                  <a:noFill/>
+                </a:ln>
+                <a:solidFill>
+                  <a:prstClr val="black"/>
+                </a:solidFill>
+                <a:effectLst/>
+                <a:uLnTx/>
+                <a:uFillTx/>
+                <a:latin typeface="Calibri" panose="020F0502020204030204"/>
+                <a:ea typeface="等线" panose="02010600030101010101" pitchFamily="2" charset="-122"/>
+                <a:cs typeface="+mn-cs"/>
+              </a:rPr>
+              <a:t>Download</a:t>
+            </a:r>
+            <a:endParaRPr kumimoji="1" lang="zh-CN" altLang="en-US" sz="1200" b="0" i="0" u="none" strike="noStrike" kern="1200" cap="none" spc="0" normalizeH="0" baseline="0" noProof="0" dirty="0">
+              <a:ln>
+                <a:noFill/>
+              </a:ln>
+              <a:solidFill>
+                <a:prstClr val="black"/>
+              </a:solidFill>
+              <a:effectLst/>
+              <a:uLnTx/>
+              <a:uFillTx/>
+              <a:latin typeface="Calibri" panose="020F0502020204030204"/>
+              <a:ea typeface="等线" panose="02010600030101010101" pitchFamily="2" charset="-122"/>
+              <a:cs typeface="+mn-cs"/>
+            </a:endParaRPr>
+          </a:p>
+        </p:txBody>
+      </p:sp>
+      <p:cxnSp>
+        <p:nvCxnSpPr>
+          <p:cNvPr id="36" name="直线箭头连接符 35">
+            <a:extLst>
+              <a:ext uri="{FF2B5EF4-FFF2-40B4-BE49-F238E27FC236}">
+                <a16:creationId xmlns:a16="http://schemas.microsoft.com/office/drawing/2014/main" id="{7C8EC88A-EA15-D8BC-6632-29ED57338F98}"/>
+              </a:ext>
+            </a:extLst>
+          </p:cNvPr>
+          <p:cNvCxnSpPr>
+            <a:cxnSpLocks/>
+          </p:cNvCxnSpPr>
+          <p:nvPr/>
+        </p:nvCxnSpPr>
+        <p:spPr>
+          <a:xfrm flipH="1" flipV="1">
+            <a:off x="6200089" y="9850985"/>
+            <a:ext cx="1031683" cy="241472"/>
+          </a:xfrm>
+          <a:prstGeom prst="straightConnector1">
+            <a:avLst/>
+          </a:prstGeom>
+          <a:ln>
+            <a:tailEnd type="triangle"/>
+          </a:ln>
+        </p:spPr>
+        <p:style>
+          <a:lnRef idx="1">
+            <a:schemeClr val="accent1"/>
+          </a:lnRef>
+          <a:fillRef idx="0">
+            <a:schemeClr val="accent1"/>
+          </a:fillRef>
+          <a:effectRef idx="0">
+            <a:schemeClr val="accent1"/>
+          </a:effectRef>
+          <a:fontRef idx="minor">
+            <a:schemeClr val="tx1"/>
+          </a:fontRef>
+        </p:style>
+      </p:cxnSp>
+      <p:sp>
+        <p:nvSpPr>
+          <p:cNvPr id="38" name="文本框 37">
+            <a:extLst>
+              <a:ext uri="{FF2B5EF4-FFF2-40B4-BE49-F238E27FC236}">
+                <a16:creationId xmlns:a16="http://schemas.microsoft.com/office/drawing/2014/main" id="{D54B8B0E-9118-CC69-14A9-E638BDD45DFD}"/>
               </a:ext>
             </a:extLst>
           </p:cNvPr>
@@ -6829,8 +14071,8 @@
         </p:nvSpPr>
         <p:spPr>
           <a:xfrm>
-            <a:off x="5049031" y="13814529"/>
-            <a:ext cx="2081252" cy="281792"/>
+            <a:off x="7231772" y="9978631"/>
+            <a:ext cx="1474829" cy="600164"/>
           </a:xfrm>
           <a:prstGeom prst="rect">
             <a:avLst/>
@@ -6847,15 +14089,12 @@
               <a:defRPr/>
             </a:pPr>
             <a:r>
-              <a:rPr kumimoji="0" lang="zh-CN" altLang="en" sz="1200" b="1" i="0" u="none" strike="noStrike" kern="1200" cap="none" spc="0" normalizeH="0" baseline="0" noProof="0" dirty="0">
+              <a:rPr kumimoji="0" lang="zh-CN" altLang="en-US" sz="1100" b="0" i="0" u="none" strike="noStrike" kern="1200" cap="none" spc="0" normalizeH="0" baseline="0" noProof="0" dirty="0">
                 <a:ln>
                   <a:noFill/>
                 </a:ln>
                 <a:solidFill>
-                  <a:prstClr val="black">
-                    <a:lumMod val="75000"/>
-                    <a:lumOff val="25000"/>
-                  </a:prstClr>
+                  <a:srgbClr val="FF0000"/>
                 </a:solidFill>
                 <a:effectLst/>
                 <a:uLnTx/>
@@ -6865,18 +14104,15 @@
                 <a:cs typeface="+mn-cs"/>
                 <a:sym typeface="微软雅黑" panose="020B0503020204020204" pitchFamily="34" charset="-122"/>
               </a:rPr>
-              <a:t>展示</a:t>
-            </a:r>
-            <a:r>
-              <a:rPr kumimoji="0" lang="zh-CN" altLang="en-US" sz="1200" b="1" i="0" u="none" strike="noStrike" kern="1200" cap="none" spc="0" normalizeH="0" baseline="0" noProof="0" dirty="0">
+              <a:t>获得</a:t>
+            </a:r>
+            <a:r>
+              <a:rPr kumimoji="0" lang="en" altLang="zh-CN" sz="1100" b="0" i="0" u="none" strike="noStrike" kern="1200" cap="none" spc="0" normalizeH="0" baseline="0" noProof="0" dirty="0" err="1">
                 <a:ln>
                   <a:noFill/>
                 </a:ln>
                 <a:solidFill>
-                  <a:prstClr val="black">
-                    <a:lumMod val="75000"/>
-                    <a:lumOff val="25000"/>
-                  </a:prstClr>
+                  <a:srgbClr val="FF0000"/>
                 </a:solidFill>
                 <a:effectLst/>
                 <a:uLnTx/>
@@ -6886,17 +14122,50 @@
                 <a:cs typeface="+mn-cs"/>
                 <a:sym typeface="微软雅黑" panose="020B0503020204020204" pitchFamily="34" charset="-122"/>
               </a:rPr>
-              <a:t>预测结果表格即可</a:t>
-            </a:r>
-            <a:endParaRPr kumimoji="0" lang="en" altLang="zh-CN" sz="1200" b="1" i="0" u="none" strike="noStrike" kern="1200" cap="none" spc="0" normalizeH="0" baseline="0" noProof="0" dirty="0">
+              <a:t>mafft_result.fasta</a:t>
+            </a:r>
+            <a:r>
+              <a:rPr kumimoji="0" lang="zh-CN" altLang="en-US" sz="1100" b="0" i="0" u="none" strike="noStrike" kern="1200" cap="none" spc="0" normalizeH="0" baseline="0" noProof="0" dirty="0">
+                <a:ln>
+                  <a:noFill/>
+                </a:ln>
+                <a:solidFill>
+                  <a:srgbClr val="FF0000"/>
+                </a:solidFill>
+                <a:effectLst/>
+                <a:uLnTx/>
+                <a:uFillTx/>
+                <a:latin typeface="微软雅黑" panose="020B0503020204020204" pitchFamily="34" charset="-122"/>
+                <a:ea typeface="微软雅黑" panose="020B0503020204020204" pitchFamily="34" charset="-122"/>
+                <a:cs typeface="+mn-cs"/>
+                <a:sym typeface="微软雅黑" panose="020B0503020204020204" pitchFamily="34" charset="-122"/>
+              </a:rPr>
+              <a:t>，</a:t>
+            </a:r>
+            <a:r>
+              <a:rPr kumimoji="0" lang="en" altLang="zh-CN" sz="1100" b="0" i="0" u="none" strike="noStrike" kern="1200" cap="none" spc="0" normalizeH="0" baseline="0" noProof="0" dirty="0" err="1">
+                <a:ln>
+                  <a:noFill/>
+                </a:ln>
+                <a:solidFill>
+                  <a:srgbClr val="FF0000"/>
+                </a:solidFill>
+                <a:effectLst/>
+                <a:uLnTx/>
+                <a:uFillTx/>
+                <a:latin typeface="微软雅黑" panose="020B0503020204020204" pitchFamily="34" charset="-122"/>
+                <a:ea typeface="微软雅黑" panose="020B0503020204020204" pitchFamily="34" charset="-122"/>
+                <a:cs typeface="+mn-cs"/>
+                <a:sym typeface="微软雅黑" panose="020B0503020204020204" pitchFamily="34" charset="-122"/>
+              </a:rPr>
+              <a:t>fasttree_result.nwk</a:t>
+            </a:r>
+            <a:endParaRPr kumimoji="0" lang="zh-CN" altLang="en-US" sz="800" b="0" i="0" u="none" strike="noStrike" kern="1200" cap="none" spc="0" normalizeH="0" baseline="0" noProof="0" dirty="0">
               <a:ln>
                 <a:noFill/>
               </a:ln>
               <a:solidFill>
-                <a:prstClr val="black">
-                  <a:lumMod val="75000"/>
-                  <a:lumOff val="25000"/>
-                </a:prstClr>
+                <a:srgbClr val="FF0000"/>
               </a:solidFill>
               <a:effectLst/>
               <a:uLnTx/>
@@ -6909,10 +14178,124 @@
           </a:p>
         </p:txBody>
       </p:sp>
+      <p:sp>
+        <p:nvSpPr>
+          <p:cNvPr id="29" name="文本框 28">
+            <a:extLst>
+              <a:ext uri="{FF2B5EF4-FFF2-40B4-BE49-F238E27FC236}">
+                <a16:creationId xmlns:a16="http://schemas.microsoft.com/office/drawing/2014/main" id="{8197C722-0821-9042-C116-04ACB81E8B66}"/>
+              </a:ext>
+            </a:extLst>
+          </p:cNvPr>
+          <p:cNvSpPr txBox="1"/>
+          <p:nvPr/>
+        </p:nvSpPr>
+        <p:spPr>
+          <a:xfrm>
+            <a:off x="2515870" y="8455224"/>
+            <a:ext cx="7404202" cy="523220"/>
+          </a:xfrm>
+          <a:prstGeom prst="rect">
+            <a:avLst/>
+          </a:prstGeom>
+          <a:noFill/>
+        </p:spPr>
+        <p:txBody>
+          <a:bodyPr wrap="square" rtlCol="0">
+            <a:spAutoFit/>
+          </a:bodyPr>
+          <a:lstStyle/>
+          <a:p>
+            <a:pPr defTabSz="914433">
+              <a:defRPr/>
+            </a:pPr>
+            <a:r>
+              <a:rPr kumimoji="0" lang="zh-CN" altLang="en-US" sz="1400" b="1" i="0" u="none" strike="noStrike" kern="1200" cap="none" spc="0" normalizeH="0" baseline="0" noProof="0" dirty="0">
+                <a:ln>
+                  <a:noFill/>
+                </a:ln>
+                <a:solidFill>
+                  <a:srgbClr val="4472C4">
+                    <a:lumMod val="50000"/>
+                  </a:srgbClr>
+                </a:solidFill>
+                <a:effectLst/>
+                <a:uLnTx/>
+                <a:uFillTx/>
+                <a:latin typeface="微软雅黑" panose="020B0503020204020204" pitchFamily="34" charset="-122"/>
+                <a:ea typeface="微软雅黑" panose="020B0503020204020204" pitchFamily="34" charset="-122"/>
+                <a:cs typeface="+mn-cs"/>
+                <a:sym typeface="微软雅黑" panose="020B0503020204020204" pitchFamily="34" charset="-122"/>
+              </a:rPr>
+              <a:t>不知道怎么展示，先就提供个下载功能吧（最好是直接用</a:t>
+            </a:r>
+            <a:r>
+              <a:rPr kumimoji="0" lang="en-US" altLang="zh-CN" sz="1400" b="1" i="0" u="none" strike="noStrike" kern="1200" cap="none" spc="0" normalizeH="0" baseline="0" noProof="0" dirty="0">
+                <a:ln>
+                  <a:noFill/>
+                </a:ln>
+                <a:solidFill>
+                  <a:srgbClr val="4472C4">
+                    <a:lumMod val="50000"/>
+                  </a:srgbClr>
+                </a:solidFill>
+                <a:effectLst/>
+                <a:uLnTx/>
+                <a:uFillTx/>
+                <a:latin typeface="微软雅黑" panose="020B0503020204020204" pitchFamily="34" charset="-122"/>
+                <a:ea typeface="微软雅黑" panose="020B0503020204020204" pitchFamily="34" charset="-122"/>
+                <a:cs typeface="+mn-cs"/>
+                <a:sym typeface="微软雅黑" panose="020B0503020204020204" pitchFamily="34" charset="-122"/>
+              </a:rPr>
+              <a:t>react-</a:t>
+            </a:r>
+            <a:r>
+              <a:rPr kumimoji="0" lang="en-US" altLang="zh-CN" sz="1400" b="1" i="0" u="none" strike="noStrike" kern="1200" cap="none" spc="0" normalizeH="0" baseline="0" noProof="0" dirty="0" err="1">
+                <a:ln>
+                  <a:noFill/>
+                </a:ln>
+                <a:solidFill>
+                  <a:srgbClr val="4472C4">
+                    <a:lumMod val="50000"/>
+                  </a:srgbClr>
+                </a:solidFill>
+                <a:effectLst/>
+                <a:uLnTx/>
+                <a:uFillTx/>
+                <a:latin typeface="微软雅黑" panose="020B0503020204020204" pitchFamily="34" charset="-122"/>
+                <a:ea typeface="微软雅黑" panose="020B0503020204020204" pitchFamily="34" charset="-122"/>
+                <a:cs typeface="+mn-cs"/>
+                <a:sym typeface="微软雅黑" panose="020B0503020204020204" pitchFamily="34" charset="-122"/>
+              </a:rPr>
+              <a:t>msaview</a:t>
+            </a:r>
+            <a:r>
+              <a:rPr kumimoji="0" lang="zh-CN" altLang="en-US" sz="1400" b="1" i="0" u="none" strike="noStrike" kern="1200" cap="none" spc="0" normalizeH="0" baseline="0" noProof="0" dirty="0">
+                <a:ln>
+                  <a:noFill/>
+                </a:ln>
+                <a:solidFill>
+                  <a:srgbClr val="4472C4">
+                    <a:lumMod val="50000"/>
+                  </a:srgbClr>
+                </a:solidFill>
+                <a:effectLst/>
+                <a:uLnTx/>
+                <a:uFillTx/>
+                <a:latin typeface="微软雅黑" panose="020B0503020204020204" pitchFamily="34" charset="-122"/>
+                <a:ea typeface="微软雅黑" panose="020B0503020204020204" pitchFamily="34" charset="-122"/>
+                <a:cs typeface="+mn-cs"/>
+                <a:sym typeface="微软雅黑" panose="020B0503020204020204" pitchFamily="34" charset="-122"/>
+              </a:rPr>
+              <a:t>展示结果，感觉不好实现）</a:t>
+            </a:r>
+          </a:p>
+        </p:txBody>
+      </p:sp>
     </p:spTree>
     <p:extLst>
       <p:ext uri="{BB962C8B-B14F-4D97-AF65-F5344CB8AC3E}">
-        <p14:creationId xmlns:p14="http://schemas.microsoft.com/office/powerpoint/2010/main" val="3225921859"/>
+        <p14:creationId xmlns:p14="http://schemas.microsoft.com/office/powerpoint/2010/main" val="3164394971"/>
       </p:ext>
     </p:extLst>
   </p:cSld>
@@ -7173,7 +14556,74 @@
       </a:bgFillStyleLst>
     </a:fmtScheme>
   </a:themeElements>
-  <a:objectDefaults/>
+  <a:objectDefaults>
+    <a:spDef>
+      <a:spPr>
+        <a:solidFill>
+          <a:schemeClr val="accent1">
+            <a:lumMod val="75000"/>
+          </a:schemeClr>
+        </a:solidFill>
+        <a:ln w="6350">
+          <a:solidFill>
+            <a:schemeClr val="accent1">
+              <a:shade val="15000"/>
+              <a:alpha val="59912"/>
+            </a:schemeClr>
+          </a:solidFill>
+        </a:ln>
+      </a:spPr>
+      <a:bodyPr rtlCol="0" anchor="ctr"/>
+      <a:lstStyle>
+        <a:defPPr marL="0" marR="0" indent="0" algn="ctr" defTabSz="457180" rtl="0" eaLnBrk="1" fontAlgn="auto" latinLnBrk="0" hangingPunct="1">
+          <a:lnSpc>
+            <a:spcPct val="100000"/>
+          </a:lnSpc>
+          <a:spcBef>
+            <a:spcPts val="0"/>
+          </a:spcBef>
+          <a:spcAft>
+            <a:spcPts val="0"/>
+          </a:spcAft>
+          <a:buClrTx/>
+          <a:buSzTx/>
+          <a:buFontTx/>
+          <a:buNone/>
+          <a:tabLst/>
+          <a:defRPr kumimoji="1" sz="1200" b="0" i="0" u="none" strike="noStrike" kern="1200" cap="none" spc="0" normalizeH="0" baseline="0" noProof="0" dirty="0">
+            <a:ln>
+              <a:noFill/>
+            </a:ln>
+            <a:solidFill>
+              <a:schemeClr val="tx1"/>
+            </a:solidFill>
+            <a:effectLst/>
+            <a:uLnTx/>
+            <a:uFillTx/>
+            <a:latin typeface="Calibri" panose="020F0502020204030204"/>
+            <a:ea typeface="等线" panose="02010600030101010101" pitchFamily="2" charset="-122"/>
+            <a:cs typeface="+mn-cs"/>
+          </a:defRPr>
+        </a:defPPr>
+      </a:lstStyle>
+      <a:style>
+        <a:lnRef idx="2">
+          <a:schemeClr val="accent1">
+            <a:shade val="15000"/>
+          </a:schemeClr>
+        </a:lnRef>
+        <a:fillRef idx="1">
+          <a:schemeClr val="accent1"/>
+        </a:fillRef>
+        <a:effectRef idx="0">
+          <a:schemeClr val="accent1"/>
+        </a:effectRef>
+        <a:fontRef idx="minor">
+          <a:schemeClr val="lt1"/>
+        </a:fontRef>
+      </a:style>
+    </a:spDef>
+  </a:objectDefaults>
   <a:extraClrSchemeLst/>
   <a:extLst>
     <a:ext uri="{05A4C25C-085E-4340-85A3-A5531E510DB2}">

--- a/Metabolic_Analysis_&_Tools.pptx
+++ b/Metabolic_Analysis_&_Tools.pptx
@@ -247,7 +247,7 @@
           <a:p>
             <a:fld id="{3E73DA82-0082-2445-BF22-418BB184E2E3}" type="datetimeFigureOut">
               <a:rPr kumimoji="1" lang="zh-CN" altLang="en-US" smtClean="0"/>
-              <a:t>2024/1/24</a:t>
+              <a:t>2024/1/26</a:t>
             </a:fld>
             <a:endParaRPr kumimoji="1" lang="zh-CN" altLang="en-US"/>
           </a:p>
@@ -417,7 +417,7 @@
           <a:p>
             <a:fld id="{3E73DA82-0082-2445-BF22-418BB184E2E3}" type="datetimeFigureOut">
               <a:rPr kumimoji="1" lang="zh-CN" altLang="en-US" smtClean="0"/>
-              <a:t>2024/1/24</a:t>
+              <a:t>2024/1/26</a:t>
             </a:fld>
             <a:endParaRPr kumimoji="1" lang="zh-CN" altLang="en-US"/>
           </a:p>
@@ -597,7 +597,7 @@
           <a:p>
             <a:fld id="{3E73DA82-0082-2445-BF22-418BB184E2E3}" type="datetimeFigureOut">
               <a:rPr kumimoji="1" lang="zh-CN" altLang="en-US" smtClean="0"/>
-              <a:t>2024/1/24</a:t>
+              <a:t>2024/1/26</a:t>
             </a:fld>
             <a:endParaRPr kumimoji="1" lang="zh-CN" altLang="en-US"/>
           </a:p>
@@ -767,7 +767,7 @@
           <a:p>
             <a:fld id="{3E73DA82-0082-2445-BF22-418BB184E2E3}" type="datetimeFigureOut">
               <a:rPr kumimoji="1" lang="zh-CN" altLang="en-US" smtClean="0"/>
-              <a:t>2024/1/24</a:t>
+              <a:t>2024/1/26</a:t>
             </a:fld>
             <a:endParaRPr kumimoji="1" lang="zh-CN" altLang="en-US"/>
           </a:p>
@@ -1011,7 +1011,7 @@
           <a:p>
             <a:fld id="{3E73DA82-0082-2445-BF22-418BB184E2E3}" type="datetimeFigureOut">
               <a:rPr kumimoji="1" lang="zh-CN" altLang="en-US" smtClean="0"/>
-              <a:t>2024/1/24</a:t>
+              <a:t>2024/1/26</a:t>
             </a:fld>
             <a:endParaRPr kumimoji="1" lang="zh-CN" altLang="en-US"/>
           </a:p>
@@ -1243,7 +1243,7 @@
           <a:p>
             <a:fld id="{3E73DA82-0082-2445-BF22-418BB184E2E3}" type="datetimeFigureOut">
               <a:rPr kumimoji="1" lang="zh-CN" altLang="en-US" smtClean="0"/>
-              <a:t>2024/1/24</a:t>
+              <a:t>2024/1/26</a:t>
             </a:fld>
             <a:endParaRPr kumimoji="1" lang="zh-CN" altLang="en-US"/>
           </a:p>
@@ -1610,7 +1610,7 @@
           <a:p>
             <a:fld id="{3E73DA82-0082-2445-BF22-418BB184E2E3}" type="datetimeFigureOut">
               <a:rPr kumimoji="1" lang="zh-CN" altLang="en-US" smtClean="0"/>
-              <a:t>2024/1/24</a:t>
+              <a:t>2024/1/26</a:t>
             </a:fld>
             <a:endParaRPr kumimoji="1" lang="zh-CN" altLang="en-US"/>
           </a:p>
@@ -1728,7 +1728,7 @@
           <a:p>
             <a:fld id="{3E73DA82-0082-2445-BF22-418BB184E2E3}" type="datetimeFigureOut">
               <a:rPr kumimoji="1" lang="zh-CN" altLang="en-US" smtClean="0"/>
-              <a:t>2024/1/24</a:t>
+              <a:t>2024/1/26</a:t>
             </a:fld>
             <a:endParaRPr kumimoji="1" lang="zh-CN" altLang="en-US"/>
           </a:p>
@@ -1823,7 +1823,7 @@
           <a:p>
             <a:fld id="{3E73DA82-0082-2445-BF22-418BB184E2E3}" type="datetimeFigureOut">
               <a:rPr kumimoji="1" lang="zh-CN" altLang="en-US" smtClean="0"/>
-              <a:t>2024/1/24</a:t>
+              <a:t>2024/1/26</a:t>
             </a:fld>
             <a:endParaRPr kumimoji="1" lang="zh-CN" altLang="en-US"/>
           </a:p>
@@ -2100,7 +2100,7 @@
           <a:p>
             <a:fld id="{3E73DA82-0082-2445-BF22-418BB184E2E3}" type="datetimeFigureOut">
               <a:rPr kumimoji="1" lang="zh-CN" altLang="en-US" smtClean="0"/>
-              <a:t>2024/1/24</a:t>
+              <a:t>2024/1/26</a:t>
             </a:fld>
             <a:endParaRPr kumimoji="1" lang="zh-CN" altLang="en-US"/>
           </a:p>
@@ -2357,7 +2357,7 @@
           <a:p>
             <a:fld id="{3E73DA82-0082-2445-BF22-418BB184E2E3}" type="datetimeFigureOut">
               <a:rPr kumimoji="1" lang="zh-CN" altLang="en-US" smtClean="0"/>
-              <a:t>2024/1/24</a:t>
+              <a:t>2024/1/26</a:t>
             </a:fld>
             <a:endParaRPr kumimoji="1" lang="zh-CN" altLang="en-US"/>
           </a:p>
@@ -2570,7 +2570,7 @@
           <a:p>
             <a:fld id="{3E73DA82-0082-2445-BF22-418BB184E2E3}" type="datetimeFigureOut">
               <a:rPr kumimoji="1" lang="zh-CN" altLang="en-US" smtClean="0"/>
-              <a:t>2024/1/24</a:t>
+              <a:t>2024/1/26</a:t>
             </a:fld>
             <a:endParaRPr kumimoji="1" lang="zh-CN" altLang="en-US"/>
           </a:p>
@@ -9932,7 +9932,7 @@
         </p:nvSpPr>
         <p:spPr>
           <a:xfrm>
-            <a:off x="4601370" y="6749588"/>
+            <a:off x="4601370" y="7610200"/>
             <a:ext cx="1007573" cy="314960"/>
           </a:xfrm>
           <a:prstGeom prst="roundRect">
@@ -10038,7 +10038,7 @@
         </p:nvSpPr>
         <p:spPr>
           <a:xfrm>
-            <a:off x="6151765" y="6749588"/>
+            <a:off x="6151765" y="7610200"/>
             <a:ext cx="1007573" cy="314960"/>
           </a:xfrm>
           <a:prstGeom prst="roundRect">
@@ -10145,7 +10145,7 @@
         </p:nvCxnSpPr>
         <p:spPr>
           <a:xfrm>
-            <a:off x="765305" y="7474418"/>
+            <a:off x="765305" y="8335030"/>
             <a:ext cx="10383532" cy="0"/>
           </a:xfrm>
           <a:prstGeom prst="line">
@@ -10190,7 +10190,7 @@
         </p:nvCxnSpPr>
         <p:spPr>
           <a:xfrm>
-            <a:off x="6655552" y="7064548"/>
+            <a:off x="6655552" y="7925160"/>
             <a:ext cx="0" cy="940456"/>
           </a:xfrm>
           <a:prstGeom prst="straightConnector1">
@@ -10229,7 +10229,7 @@
         </p:nvSpPr>
         <p:spPr>
           <a:xfrm>
-            <a:off x="959505" y="7728005"/>
+            <a:off x="959505" y="8588617"/>
             <a:ext cx="3406426" cy="276999"/>
           </a:xfrm>
           <a:prstGeom prst="rect">
@@ -10443,7 +10443,7 @@
         </p:nvSpPr>
         <p:spPr>
           <a:xfrm>
-            <a:off x="1126079" y="8382933"/>
+            <a:off x="1126079" y="9243545"/>
             <a:ext cx="10051372" cy="4179528"/>
           </a:xfrm>
           <a:prstGeom prst="roundRect">
@@ -10525,7 +10525,7 @@
         </p:nvSpPr>
         <p:spPr>
           <a:xfrm>
-            <a:off x="5121897" y="11980787"/>
+            <a:off x="5121897" y="12841399"/>
             <a:ext cx="2081252" cy="281792"/>
           </a:xfrm>
           <a:prstGeom prst="rect">
@@ -11164,7 +11164,7 @@
         </p:nvCxnSpPr>
         <p:spPr>
           <a:xfrm flipV="1">
-            <a:off x="3715998" y="6908616"/>
+            <a:off x="3715998" y="7769228"/>
             <a:ext cx="921350" cy="10601"/>
           </a:xfrm>
           <a:prstGeom prst="straightConnector1">
@@ -11203,7 +11203,7 @@
         </p:nvSpPr>
         <p:spPr>
           <a:xfrm>
-            <a:off x="2426521" y="6815005"/>
+            <a:off x="2426521" y="7675617"/>
             <a:ext cx="1474829" cy="261610"/>
           </a:xfrm>
           <a:prstGeom prst="rect">
@@ -11282,7 +11282,7 @@
         </p:blipFill>
         <p:spPr>
           <a:xfrm>
-            <a:off x="2126691" y="8721074"/>
+            <a:off x="2126691" y="9581686"/>
             <a:ext cx="7772400" cy="3098411"/>
           </a:xfrm>
           <a:prstGeom prst="rect">
@@ -11304,7 +11304,7 @@
         </p:nvSpPr>
         <p:spPr>
           <a:xfrm>
-            <a:off x="5453284" y="13334380"/>
+            <a:off x="5453284" y="14194992"/>
             <a:ext cx="1007573" cy="314960"/>
           </a:xfrm>
           <a:prstGeom prst="roundRect">
@@ -11419,7 +11419,7 @@
         </p:nvCxnSpPr>
         <p:spPr>
           <a:xfrm flipH="1" flipV="1">
-            <a:off x="6350752" y="13491860"/>
+            <a:off x="6350752" y="14352472"/>
             <a:ext cx="1031683" cy="241472"/>
           </a:xfrm>
           <a:prstGeom prst="straightConnector1">
@@ -11458,7 +11458,7 @@
         </p:nvSpPr>
         <p:spPr>
           <a:xfrm>
-            <a:off x="7382435" y="13619506"/>
+            <a:off x="7382435" y="14480118"/>
             <a:ext cx="1474829" cy="261610"/>
           </a:xfrm>
           <a:prstGeom prst="rect">
@@ -11496,6 +11496,391 @@
                 <a:sym typeface="微软雅黑" panose="020B0503020204020204" pitchFamily="34" charset="-122"/>
               </a:rPr>
               <a:t>blast_seq.fasta</a:t>
+            </a:r>
+            <a:endParaRPr kumimoji="0" lang="zh-CN" altLang="en-US" sz="800" i="0" u="none" strike="noStrike" kern="1200" cap="none" spc="0" normalizeH="0" baseline="0" noProof="0" dirty="0">
+              <a:ln>
+                <a:noFill/>
+              </a:ln>
+              <a:solidFill>
+                <a:srgbClr val="FF0000"/>
+              </a:solidFill>
+              <a:effectLst/>
+              <a:uLnTx/>
+              <a:uFillTx/>
+              <a:latin typeface="微软雅黑" panose="020B0503020204020204" pitchFamily="34" charset="-122"/>
+              <a:ea typeface="微软雅黑" panose="020B0503020204020204" pitchFamily="34" charset="-122"/>
+              <a:cs typeface="+mn-cs"/>
+              <a:sym typeface="微软雅黑" panose="020B0503020204020204" pitchFamily="34" charset="-122"/>
+            </a:endParaRPr>
+          </a:p>
+        </p:txBody>
+      </p:sp>
+      <p:sp>
+        <p:nvSpPr>
+          <p:cNvPr id="2" name="文本框 1">
+            <a:extLst>
+              <a:ext uri="{FF2B5EF4-FFF2-40B4-BE49-F238E27FC236}">
+                <a16:creationId xmlns:a16="http://schemas.microsoft.com/office/drawing/2014/main" id="{521CD458-F1EF-B3CE-8271-A1C8D5D936AC}"/>
+              </a:ext>
+            </a:extLst>
+          </p:cNvPr>
+          <p:cNvSpPr txBox="1"/>
+          <p:nvPr/>
+        </p:nvSpPr>
+        <p:spPr>
+          <a:xfrm>
+            <a:off x="4294886" y="6886543"/>
+            <a:ext cx="1007573" cy="229046"/>
+          </a:xfrm>
+          <a:prstGeom prst="rect">
+            <a:avLst/>
+          </a:prstGeom>
+          <a:noFill/>
+        </p:spPr>
+        <p:txBody>
+          <a:bodyPr wrap="square" rtlCol="0">
+            <a:spAutoFit/>
+          </a:bodyPr>
+          <a:lstStyle/>
+          <a:p>
+            <a:pPr defTabSz="914433">
+              <a:defRPr/>
+            </a:pPr>
+            <a:r>
+              <a:rPr kumimoji="0" lang="en-US" altLang="zh-CN" sz="900" b="1" i="0" u="none" strike="noStrike" kern="1200" cap="none" spc="0" normalizeH="0" baseline="0" noProof="0" dirty="0">
+                <a:ln>
+                  <a:noFill/>
+                </a:ln>
+                <a:solidFill>
+                  <a:srgbClr val="4472C4">
+                    <a:lumMod val="50000"/>
+                  </a:srgbClr>
+                </a:solidFill>
+                <a:effectLst/>
+                <a:uLnTx/>
+                <a:uFillTx/>
+                <a:latin typeface="微软雅黑" panose="020B0503020204020204" pitchFamily="34" charset="-122"/>
+                <a:ea typeface="微软雅黑" panose="020B0503020204020204" pitchFamily="34" charset="-122"/>
+                <a:cs typeface="+mn-cs"/>
+                <a:sym typeface="微软雅黑" panose="020B0503020204020204" pitchFamily="34" charset="-122"/>
+              </a:rPr>
+              <a:t>E-value</a:t>
+            </a:r>
+            <a:r>
+              <a:rPr kumimoji="0" lang="zh-CN" altLang="en-US" sz="900" b="1" i="0" u="none" strike="noStrike" kern="1200" cap="none" spc="0" normalizeH="0" baseline="0" noProof="0" dirty="0">
+                <a:ln>
+                  <a:noFill/>
+                </a:ln>
+                <a:solidFill>
+                  <a:srgbClr val="4472C4">
+                    <a:lumMod val="50000"/>
+                  </a:srgbClr>
+                </a:solidFill>
+                <a:effectLst/>
+                <a:uLnTx/>
+                <a:uFillTx/>
+                <a:latin typeface="微软雅黑" panose="020B0503020204020204" pitchFamily="34" charset="-122"/>
+                <a:ea typeface="微软雅黑" panose="020B0503020204020204" pitchFamily="34" charset="-122"/>
+                <a:cs typeface="+mn-cs"/>
+                <a:sym typeface="微软雅黑" panose="020B0503020204020204" pitchFamily="34" charset="-122"/>
+              </a:rPr>
+              <a:t>：</a:t>
+            </a:r>
+          </a:p>
+        </p:txBody>
+      </p:sp>
+      <p:sp>
+        <p:nvSpPr>
+          <p:cNvPr id="3" name="圆角矩形 2">
+            <a:extLst>
+              <a:ext uri="{FF2B5EF4-FFF2-40B4-BE49-F238E27FC236}">
+                <a16:creationId xmlns:a16="http://schemas.microsoft.com/office/drawing/2014/main" id="{029EAE48-7924-800B-A6E3-24B705FF42C2}"/>
+              </a:ext>
+            </a:extLst>
+          </p:cNvPr>
+          <p:cNvSpPr/>
+          <p:nvPr/>
+        </p:nvSpPr>
+        <p:spPr>
+          <a:xfrm>
+            <a:off x="4929569" y="6807268"/>
+            <a:ext cx="1810326" cy="387598"/>
+          </a:xfrm>
+          <a:prstGeom prst="roundRect">
+            <a:avLst/>
+          </a:prstGeom>
+        </p:spPr>
+        <p:style>
+          <a:lnRef idx="2">
+            <a:schemeClr val="accent3"/>
+          </a:lnRef>
+          <a:fillRef idx="1">
+            <a:schemeClr val="lt1"/>
+          </a:fillRef>
+          <a:effectRef idx="0">
+            <a:schemeClr val="accent3"/>
+          </a:effectRef>
+          <a:fontRef idx="minor">
+            <a:schemeClr val="dk1"/>
+          </a:fontRef>
+        </p:style>
+        <p:txBody>
+          <a:bodyPr rtlCol="0" anchor="ctr"/>
+          <a:lstStyle/>
+          <a:p>
+            <a:pPr marL="0" marR="0" lvl="0" indent="0" algn="ctr" defTabSz="914433" rtl="0" eaLnBrk="1" fontAlgn="auto" latinLnBrk="0" hangingPunct="1">
+              <a:lnSpc>
+                <a:spcPct val="100000"/>
+              </a:lnSpc>
+              <a:spcBef>
+                <a:spcPts val="0"/>
+              </a:spcBef>
+              <a:spcAft>
+                <a:spcPts val="0"/>
+              </a:spcAft>
+              <a:buClrTx/>
+              <a:buSzTx/>
+              <a:buFontTx/>
+              <a:buNone/>
+              <a:tabLst/>
+              <a:defRPr/>
+            </a:pPr>
+            <a:endParaRPr kumimoji="1" lang="zh-CN" altLang="en-US" sz="3202" b="0" i="0" u="none" strike="noStrike" kern="1200" cap="none" spc="0" normalizeH="0" baseline="0" noProof="0">
+              <a:ln>
+                <a:noFill/>
+              </a:ln>
+              <a:solidFill>
+                <a:prstClr val="black"/>
+              </a:solidFill>
+              <a:effectLst/>
+              <a:uLnTx/>
+              <a:uFillTx/>
+              <a:latin typeface="等线" panose="020F0502020204030204"/>
+              <a:ea typeface="等线" panose="02010600030101010101" pitchFamily="2" charset="-122"/>
+              <a:cs typeface="+mn-cs"/>
+            </a:endParaRPr>
+          </a:p>
+        </p:txBody>
+      </p:sp>
+      <p:sp>
+        <p:nvSpPr>
+          <p:cNvPr id="4" name="文本框 3">
+            <a:extLst>
+              <a:ext uri="{FF2B5EF4-FFF2-40B4-BE49-F238E27FC236}">
+                <a16:creationId xmlns:a16="http://schemas.microsoft.com/office/drawing/2014/main" id="{EDCA3D5A-1B7F-7B17-B506-557908D5352A}"/>
+              </a:ext>
+            </a:extLst>
+          </p:cNvPr>
+          <p:cNvSpPr txBox="1"/>
+          <p:nvPr/>
+        </p:nvSpPr>
+        <p:spPr>
+          <a:xfrm>
+            <a:off x="5075864" y="6911813"/>
+            <a:ext cx="745534" cy="230832"/>
+          </a:xfrm>
+          <a:prstGeom prst="rect">
+            <a:avLst/>
+          </a:prstGeom>
+          <a:noFill/>
+        </p:spPr>
+        <p:txBody>
+          <a:bodyPr wrap="square" rtlCol="0">
+            <a:spAutoFit/>
+          </a:bodyPr>
+          <a:lstStyle/>
+          <a:p>
+            <a:pPr marL="0" marR="0" lvl="0" indent="0" algn="l" defTabSz="914433" rtl="0" eaLnBrk="1" fontAlgn="auto" latinLnBrk="0" hangingPunct="1">
+              <a:lnSpc>
+                <a:spcPct val="100000"/>
+              </a:lnSpc>
+              <a:spcBef>
+                <a:spcPts val="0"/>
+              </a:spcBef>
+              <a:spcAft>
+                <a:spcPts val="0"/>
+              </a:spcAft>
+              <a:buClrTx/>
+              <a:buSzTx/>
+              <a:buFontTx/>
+              <a:buNone/>
+              <a:tabLst/>
+              <a:defRPr/>
+            </a:pPr>
+            <a:r>
+              <a:rPr kumimoji="0" lang="en-US" altLang="zh-CN" sz="900" b="1" i="0" u="none" strike="noStrike" kern="1200" cap="none" spc="0" normalizeH="0" baseline="0" noProof="0" dirty="0">
+                <a:ln>
+                  <a:noFill/>
+                </a:ln>
+                <a:solidFill>
+                  <a:srgbClr val="4472C4">
+                    <a:lumMod val="50000"/>
+                  </a:srgbClr>
+                </a:solidFill>
+                <a:effectLst/>
+                <a:uLnTx/>
+                <a:uFillTx/>
+                <a:latin typeface="微软雅黑" panose="020B0503020204020204" pitchFamily="34" charset="-122"/>
+                <a:ea typeface="微软雅黑" panose="020B0503020204020204" pitchFamily="34" charset="-122"/>
+                <a:cs typeface="+mn-cs"/>
+                <a:sym typeface="微软雅黑" panose="020B0503020204020204" pitchFamily="34" charset="-122"/>
+              </a:rPr>
+              <a:t>1e-6</a:t>
+            </a:r>
+            <a:endParaRPr kumimoji="0" lang="zh-CN" altLang="en-US" sz="900" b="1" i="0" u="none" strike="noStrike" kern="1200" cap="none" spc="0" normalizeH="0" baseline="0" noProof="0" dirty="0">
+              <a:ln>
+                <a:noFill/>
+              </a:ln>
+              <a:solidFill>
+                <a:srgbClr val="4472C4">
+                  <a:lumMod val="50000"/>
+                </a:srgbClr>
+              </a:solidFill>
+              <a:effectLst/>
+              <a:uLnTx/>
+              <a:uFillTx/>
+              <a:latin typeface="微软雅黑" panose="020B0503020204020204" pitchFamily="34" charset="-122"/>
+              <a:ea typeface="微软雅黑" panose="020B0503020204020204" pitchFamily="34" charset="-122"/>
+              <a:cs typeface="+mn-cs"/>
+              <a:sym typeface="微软雅黑" panose="020B0503020204020204" pitchFamily="34" charset="-122"/>
+            </a:endParaRPr>
+          </a:p>
+        </p:txBody>
+      </p:sp>
+      <p:pic>
+        <p:nvPicPr>
+          <p:cNvPr id="8" name="图片 7">
+            <a:extLst>
+              <a:ext uri="{FF2B5EF4-FFF2-40B4-BE49-F238E27FC236}">
+                <a16:creationId xmlns:a16="http://schemas.microsoft.com/office/drawing/2014/main" id="{A2A591FF-899B-C616-E167-DC21248CD83E}"/>
+              </a:ext>
+            </a:extLst>
+          </p:cNvPr>
+          <p:cNvPicPr>
+            <a:picLocks noChangeAspect="1"/>
+          </p:cNvPicPr>
+          <p:nvPr/>
+        </p:nvPicPr>
+        <p:blipFill>
+          <a:blip r:embed="rId6"/>
+          <a:stretch>
+            <a:fillRect/>
+          </a:stretch>
+        </p:blipFill>
+        <p:spPr>
+          <a:xfrm>
+            <a:off x="6370603" y="6901933"/>
+            <a:ext cx="355600" cy="198267"/>
+          </a:xfrm>
+          <a:prstGeom prst="rect">
+            <a:avLst/>
+          </a:prstGeom>
+        </p:spPr>
+      </p:pic>
+      <p:cxnSp>
+        <p:nvCxnSpPr>
+          <p:cNvPr id="9" name="直线箭头连接符 8">
+            <a:extLst>
+              <a:ext uri="{FF2B5EF4-FFF2-40B4-BE49-F238E27FC236}">
+                <a16:creationId xmlns:a16="http://schemas.microsoft.com/office/drawing/2014/main" id="{EEB2A92F-C615-D5D3-1DE8-4AA4DDA51876}"/>
+              </a:ext>
+            </a:extLst>
+          </p:cNvPr>
+          <p:cNvCxnSpPr>
+            <a:cxnSpLocks/>
+          </p:cNvCxnSpPr>
+          <p:nvPr/>
+        </p:nvCxnSpPr>
+        <p:spPr>
+          <a:xfrm flipH="1" flipV="1">
+            <a:off x="6655552" y="7001067"/>
+            <a:ext cx="1265072" cy="211032"/>
+          </a:xfrm>
+          <a:prstGeom prst="straightConnector1">
+            <a:avLst/>
+          </a:prstGeom>
+          <a:ln>
+            <a:tailEnd type="triangle"/>
+          </a:ln>
+        </p:spPr>
+        <p:style>
+          <a:lnRef idx="1">
+            <a:schemeClr val="accent1"/>
+          </a:lnRef>
+          <a:fillRef idx="0">
+            <a:schemeClr val="accent1"/>
+          </a:fillRef>
+          <a:effectRef idx="0">
+            <a:schemeClr val="accent1"/>
+          </a:effectRef>
+          <a:fontRef idx="minor">
+            <a:schemeClr val="tx1"/>
+          </a:fontRef>
+        </p:style>
+      </p:cxnSp>
+      <p:sp>
+        <p:nvSpPr>
+          <p:cNvPr id="22" name="文本框 21">
+            <a:extLst>
+              <a:ext uri="{FF2B5EF4-FFF2-40B4-BE49-F238E27FC236}">
+                <a16:creationId xmlns:a16="http://schemas.microsoft.com/office/drawing/2014/main" id="{AEDC80FD-F201-3F04-6C2F-86FD1A1FC4A8}"/>
+              </a:ext>
+            </a:extLst>
+          </p:cNvPr>
+          <p:cNvSpPr txBox="1"/>
+          <p:nvPr/>
+        </p:nvSpPr>
+        <p:spPr>
+          <a:xfrm>
+            <a:off x="7927928" y="7052962"/>
+            <a:ext cx="1149084" cy="430887"/>
+          </a:xfrm>
+          <a:prstGeom prst="rect">
+            <a:avLst/>
+          </a:prstGeom>
+          <a:noFill/>
+        </p:spPr>
+        <p:txBody>
+          <a:bodyPr wrap="square" rtlCol="0">
+            <a:spAutoFit/>
+          </a:bodyPr>
+          <a:lstStyle/>
+          <a:p>
+            <a:pPr defTabSz="914433">
+              <a:defRPr/>
+            </a:pPr>
+            <a:r>
+              <a:rPr lang="zh-CN" altLang="en-US" sz="1100" dirty="0">
+                <a:solidFill>
+                  <a:srgbClr val="FF0000"/>
+                </a:solidFill>
+                <a:latin typeface="微软雅黑" panose="020B0503020204020204" pitchFamily="34" charset="-122"/>
+                <a:ea typeface="微软雅黑" panose="020B0503020204020204" pitchFamily="34" charset="-122"/>
+                <a:sym typeface="微软雅黑" panose="020B0503020204020204" pitchFamily="34" charset="-122"/>
+              </a:rPr>
+              <a:t>最多输入</a:t>
+            </a:r>
+            <a:r>
+              <a:rPr lang="en-US" altLang="zh-CN" sz="1100" dirty="0">
+                <a:solidFill>
+                  <a:srgbClr val="FF0000"/>
+                </a:solidFill>
+                <a:latin typeface="微软雅黑" panose="020B0503020204020204" pitchFamily="34" charset="-122"/>
+                <a:ea typeface="微软雅黑" panose="020B0503020204020204" pitchFamily="34" charset="-122"/>
+                <a:sym typeface="微软雅黑" panose="020B0503020204020204" pitchFamily="34" charset="-122"/>
+              </a:rPr>
+              <a:t>20</a:t>
+            </a:r>
+            <a:r>
+              <a:rPr lang="zh-CN" altLang="en-US" sz="1100" dirty="0">
+                <a:solidFill>
+                  <a:srgbClr val="FF0000"/>
+                </a:solidFill>
+                <a:latin typeface="微软雅黑" panose="020B0503020204020204" pitchFamily="34" charset="-122"/>
+                <a:ea typeface="微软雅黑" panose="020B0503020204020204" pitchFamily="34" charset="-122"/>
+                <a:sym typeface="微软雅黑" panose="020B0503020204020204" pitchFamily="34" charset="-122"/>
+              </a:rPr>
+              <a:t>个序列</a:t>
             </a:r>
             <a:endParaRPr kumimoji="0" lang="zh-CN" altLang="en-US" sz="800" i="0" u="none" strike="noStrike" kern="1200" cap="none" spc="0" normalizeH="0" baseline="0" noProof="0" dirty="0">
               <a:ln>
@@ -12104,7 +12489,7 @@
         </p:nvSpPr>
         <p:spPr>
           <a:xfrm>
-            <a:off x="209318" y="275882"/>
+            <a:off x="299138" y="141445"/>
             <a:ext cx="9284306" cy="307905"/>
           </a:xfrm>
           <a:prstGeom prst="rect">
@@ -12118,21 +12503,7 @@
           </a:bodyPr>
           <a:lstStyle/>
           <a:p>
-            <a:pPr marL="0" marR="0" lvl="0" indent="0" algn="l" defTabSz="914433" rtl="0" eaLnBrk="1" fontAlgn="auto" latinLnBrk="0" hangingPunct="1">
-              <a:lnSpc>
-                <a:spcPct val="100000"/>
-              </a:lnSpc>
-              <a:spcBef>
-                <a:spcPts val="0"/>
-              </a:spcBef>
-              <a:spcAft>
-                <a:spcPts val="0"/>
-              </a:spcAft>
-              <a:buClrTx/>
-              <a:buSzTx/>
-              <a:buFontTx/>
-              <a:buNone/>
-              <a:tabLst/>
+            <a:pPr defTabSz="914433">
               <a:defRPr/>
             </a:pPr>
             <a:r>
@@ -12153,7 +12524,7 @@
                 <a:cs typeface="+mn-cs"/>
                 <a:sym typeface="微软雅黑" panose="020B0503020204020204" pitchFamily="34" charset="-122"/>
               </a:rPr>
-              <a:t>Tools -&gt; TF Prediction </a:t>
+              <a:t>Tools -&gt; MSA &amp; Tree</a:t>
             </a:r>
             <a:r>
               <a:rPr kumimoji="0" lang="zh-CN" altLang="en-US" sz="1401" b="1" i="0" u="none" strike="noStrike" kern="1200" cap="none" spc="0" normalizeH="0" baseline="0" noProof="0" dirty="0">
@@ -12173,7 +12544,7 @@
                 <a:cs typeface="+mn-cs"/>
                 <a:sym typeface="微软雅黑" panose="020B0503020204020204" pitchFamily="34" charset="-122"/>
               </a:rPr>
-              <a:t>界面参考</a:t>
+              <a:t> 界面参考</a:t>
             </a:r>
           </a:p>
         </p:txBody>
@@ -13157,6 +13528,17 @@
               <a:t>可选</a:t>
             </a:r>
             <a:r>
+              <a:rPr lang="en-US" altLang="zh-CN" sz="1100" dirty="0">
+                <a:solidFill>
+                  <a:srgbClr val="FF0000"/>
+                </a:solidFill>
+                <a:latin typeface="微软雅黑" panose="020B0503020204020204" pitchFamily="34" charset="-122"/>
+                <a:ea typeface="微软雅黑" panose="020B0503020204020204" pitchFamily="34" charset="-122"/>
+                <a:sym typeface="微软雅黑" panose="020B0503020204020204" pitchFamily="34" charset="-122"/>
+              </a:rPr>
+              <a:t>l</a:t>
+            </a:r>
+            <a:r>
               <a:rPr kumimoji="0" lang="en-US" altLang="zh-CN" sz="1100" b="0" i="0" u="none" strike="noStrike" kern="1200" cap="none" spc="0" normalizeH="0" baseline="0" noProof="0" dirty="0">
                 <a:ln>
                   <a:noFill/>
@@ -13172,7 +13554,7 @@
                 <a:cs typeface="+mn-cs"/>
                 <a:sym typeface="微软雅黑" panose="020B0503020204020204" pitchFamily="34" charset="-122"/>
               </a:rPr>
-              <a:t>Lg</a:t>
+              <a:t>g</a:t>
             </a:r>
             <a:r>
               <a:rPr kumimoji="0" lang="zh-CN" altLang="en-US" sz="1100" b="0" i="0" u="none" strike="noStrike" kern="1200" cap="none" spc="0" normalizeH="0" baseline="0" noProof="0" dirty="0">
@@ -14192,8 +14574,8 @@
         </p:nvSpPr>
         <p:spPr>
           <a:xfrm>
-            <a:off x="2515870" y="8455224"/>
-            <a:ext cx="7404202" cy="523220"/>
+            <a:off x="2502826" y="8370979"/>
+            <a:ext cx="8012774" cy="307777"/>
           </a:xfrm>
           <a:prstGeom prst="rect">
             <a:avLst/>

--- a/Metabolic_Analysis_&_Tools.pptx
+++ b/Metabolic_Analysis_&_Tools.pptx
@@ -247,7 +247,7 @@
           <a:p>
             <a:fld id="{3E73DA82-0082-2445-BF22-418BB184E2E3}" type="datetimeFigureOut">
               <a:rPr kumimoji="1" lang="zh-CN" altLang="en-US" smtClean="0"/>
-              <a:t>2024/1/26</a:t>
+              <a:t>2024/2/27</a:t>
             </a:fld>
             <a:endParaRPr kumimoji="1" lang="zh-CN" altLang="en-US"/>
           </a:p>
@@ -417,7 +417,7 @@
           <a:p>
             <a:fld id="{3E73DA82-0082-2445-BF22-418BB184E2E3}" type="datetimeFigureOut">
               <a:rPr kumimoji="1" lang="zh-CN" altLang="en-US" smtClean="0"/>
-              <a:t>2024/1/26</a:t>
+              <a:t>2024/2/27</a:t>
             </a:fld>
             <a:endParaRPr kumimoji="1" lang="zh-CN" altLang="en-US"/>
           </a:p>
@@ -597,7 +597,7 @@
           <a:p>
             <a:fld id="{3E73DA82-0082-2445-BF22-418BB184E2E3}" type="datetimeFigureOut">
               <a:rPr kumimoji="1" lang="zh-CN" altLang="en-US" smtClean="0"/>
-              <a:t>2024/1/26</a:t>
+              <a:t>2024/2/27</a:t>
             </a:fld>
             <a:endParaRPr kumimoji="1" lang="zh-CN" altLang="en-US"/>
           </a:p>
@@ -767,7 +767,7 @@
           <a:p>
             <a:fld id="{3E73DA82-0082-2445-BF22-418BB184E2E3}" type="datetimeFigureOut">
               <a:rPr kumimoji="1" lang="zh-CN" altLang="en-US" smtClean="0"/>
-              <a:t>2024/1/26</a:t>
+              <a:t>2024/2/27</a:t>
             </a:fld>
             <a:endParaRPr kumimoji="1" lang="zh-CN" altLang="en-US"/>
           </a:p>
@@ -1011,7 +1011,7 @@
           <a:p>
             <a:fld id="{3E73DA82-0082-2445-BF22-418BB184E2E3}" type="datetimeFigureOut">
               <a:rPr kumimoji="1" lang="zh-CN" altLang="en-US" smtClean="0"/>
-              <a:t>2024/1/26</a:t>
+              <a:t>2024/2/27</a:t>
             </a:fld>
             <a:endParaRPr kumimoji="1" lang="zh-CN" altLang="en-US"/>
           </a:p>
@@ -1243,7 +1243,7 @@
           <a:p>
             <a:fld id="{3E73DA82-0082-2445-BF22-418BB184E2E3}" type="datetimeFigureOut">
               <a:rPr kumimoji="1" lang="zh-CN" altLang="en-US" smtClean="0"/>
-              <a:t>2024/1/26</a:t>
+              <a:t>2024/2/27</a:t>
             </a:fld>
             <a:endParaRPr kumimoji="1" lang="zh-CN" altLang="en-US"/>
           </a:p>
@@ -1610,7 +1610,7 @@
           <a:p>
             <a:fld id="{3E73DA82-0082-2445-BF22-418BB184E2E3}" type="datetimeFigureOut">
               <a:rPr kumimoji="1" lang="zh-CN" altLang="en-US" smtClean="0"/>
-              <a:t>2024/1/26</a:t>
+              <a:t>2024/2/27</a:t>
             </a:fld>
             <a:endParaRPr kumimoji="1" lang="zh-CN" altLang="en-US"/>
           </a:p>
@@ -1728,7 +1728,7 @@
           <a:p>
             <a:fld id="{3E73DA82-0082-2445-BF22-418BB184E2E3}" type="datetimeFigureOut">
               <a:rPr kumimoji="1" lang="zh-CN" altLang="en-US" smtClean="0"/>
-              <a:t>2024/1/26</a:t>
+              <a:t>2024/2/27</a:t>
             </a:fld>
             <a:endParaRPr kumimoji="1" lang="zh-CN" altLang="en-US"/>
           </a:p>
@@ -1823,7 +1823,7 @@
           <a:p>
             <a:fld id="{3E73DA82-0082-2445-BF22-418BB184E2E3}" type="datetimeFigureOut">
               <a:rPr kumimoji="1" lang="zh-CN" altLang="en-US" smtClean="0"/>
-              <a:t>2024/1/26</a:t>
+              <a:t>2024/2/27</a:t>
             </a:fld>
             <a:endParaRPr kumimoji="1" lang="zh-CN" altLang="en-US"/>
           </a:p>
@@ -2100,7 +2100,7 @@
           <a:p>
             <a:fld id="{3E73DA82-0082-2445-BF22-418BB184E2E3}" type="datetimeFigureOut">
               <a:rPr kumimoji="1" lang="zh-CN" altLang="en-US" smtClean="0"/>
-              <a:t>2024/1/26</a:t>
+              <a:t>2024/2/27</a:t>
             </a:fld>
             <a:endParaRPr kumimoji="1" lang="zh-CN" altLang="en-US"/>
           </a:p>
@@ -2357,7 +2357,7 @@
           <a:p>
             <a:fld id="{3E73DA82-0082-2445-BF22-418BB184E2E3}" type="datetimeFigureOut">
               <a:rPr kumimoji="1" lang="zh-CN" altLang="en-US" smtClean="0"/>
-              <a:t>2024/1/26</a:t>
+              <a:t>2024/2/27</a:t>
             </a:fld>
             <a:endParaRPr kumimoji="1" lang="zh-CN" altLang="en-US"/>
           </a:p>
@@ -2570,7 +2570,7 @@
           <a:p>
             <a:fld id="{3E73DA82-0082-2445-BF22-418BB184E2E3}" type="datetimeFigureOut">
               <a:rPr kumimoji="1" lang="zh-CN" altLang="en-US" smtClean="0"/>
-              <a:t>2024/1/26</a:t>
+              <a:t>2024/2/27</a:t>
             </a:fld>
             <a:endParaRPr kumimoji="1" lang="zh-CN" altLang="en-US"/>
           </a:p>
@@ -11777,129 +11777,6 @@
           </a:prstGeom>
         </p:spPr>
       </p:pic>
-      <p:cxnSp>
-        <p:nvCxnSpPr>
-          <p:cNvPr id="9" name="直线箭头连接符 8">
-            <a:extLst>
-              <a:ext uri="{FF2B5EF4-FFF2-40B4-BE49-F238E27FC236}">
-                <a16:creationId xmlns:a16="http://schemas.microsoft.com/office/drawing/2014/main" id="{EEB2A92F-C615-D5D3-1DE8-4AA4DDA51876}"/>
-              </a:ext>
-            </a:extLst>
-          </p:cNvPr>
-          <p:cNvCxnSpPr>
-            <a:cxnSpLocks/>
-          </p:cNvCxnSpPr>
-          <p:nvPr/>
-        </p:nvCxnSpPr>
-        <p:spPr>
-          <a:xfrm flipH="1" flipV="1">
-            <a:off x="6655552" y="7001067"/>
-            <a:ext cx="1265072" cy="211032"/>
-          </a:xfrm>
-          <a:prstGeom prst="straightConnector1">
-            <a:avLst/>
-          </a:prstGeom>
-          <a:ln>
-            <a:tailEnd type="triangle"/>
-          </a:ln>
-        </p:spPr>
-        <p:style>
-          <a:lnRef idx="1">
-            <a:schemeClr val="accent1"/>
-          </a:lnRef>
-          <a:fillRef idx="0">
-            <a:schemeClr val="accent1"/>
-          </a:fillRef>
-          <a:effectRef idx="0">
-            <a:schemeClr val="accent1"/>
-          </a:effectRef>
-          <a:fontRef idx="minor">
-            <a:schemeClr val="tx1"/>
-          </a:fontRef>
-        </p:style>
-      </p:cxnSp>
-      <p:sp>
-        <p:nvSpPr>
-          <p:cNvPr id="22" name="文本框 21">
-            <a:extLst>
-              <a:ext uri="{FF2B5EF4-FFF2-40B4-BE49-F238E27FC236}">
-                <a16:creationId xmlns:a16="http://schemas.microsoft.com/office/drawing/2014/main" id="{AEDC80FD-F201-3F04-6C2F-86FD1A1FC4A8}"/>
-              </a:ext>
-            </a:extLst>
-          </p:cNvPr>
-          <p:cNvSpPr txBox="1"/>
-          <p:nvPr/>
-        </p:nvSpPr>
-        <p:spPr>
-          <a:xfrm>
-            <a:off x="7927928" y="7052962"/>
-            <a:ext cx="1149084" cy="430887"/>
-          </a:xfrm>
-          <a:prstGeom prst="rect">
-            <a:avLst/>
-          </a:prstGeom>
-          <a:noFill/>
-        </p:spPr>
-        <p:txBody>
-          <a:bodyPr wrap="square" rtlCol="0">
-            <a:spAutoFit/>
-          </a:bodyPr>
-          <a:lstStyle/>
-          <a:p>
-            <a:pPr defTabSz="914433">
-              <a:defRPr/>
-            </a:pPr>
-            <a:r>
-              <a:rPr lang="zh-CN" altLang="en-US" sz="1100" dirty="0">
-                <a:solidFill>
-                  <a:srgbClr val="FF0000"/>
-                </a:solidFill>
-                <a:latin typeface="微软雅黑" panose="020B0503020204020204" pitchFamily="34" charset="-122"/>
-                <a:ea typeface="微软雅黑" panose="020B0503020204020204" pitchFamily="34" charset="-122"/>
-                <a:sym typeface="微软雅黑" panose="020B0503020204020204" pitchFamily="34" charset="-122"/>
-              </a:rPr>
-              <a:t>最多输入</a:t>
-            </a:r>
-            <a:r>
-              <a:rPr lang="en-US" altLang="zh-CN" sz="1100" dirty="0">
-                <a:solidFill>
-                  <a:srgbClr val="FF0000"/>
-                </a:solidFill>
-                <a:latin typeface="微软雅黑" panose="020B0503020204020204" pitchFamily="34" charset="-122"/>
-                <a:ea typeface="微软雅黑" panose="020B0503020204020204" pitchFamily="34" charset="-122"/>
-                <a:sym typeface="微软雅黑" panose="020B0503020204020204" pitchFamily="34" charset="-122"/>
-              </a:rPr>
-              <a:t>20</a:t>
-            </a:r>
-            <a:r>
-              <a:rPr lang="zh-CN" altLang="en-US" sz="1100" dirty="0">
-                <a:solidFill>
-                  <a:srgbClr val="FF0000"/>
-                </a:solidFill>
-                <a:latin typeface="微软雅黑" panose="020B0503020204020204" pitchFamily="34" charset="-122"/>
-                <a:ea typeface="微软雅黑" panose="020B0503020204020204" pitchFamily="34" charset="-122"/>
-                <a:sym typeface="微软雅黑" panose="020B0503020204020204" pitchFamily="34" charset="-122"/>
-              </a:rPr>
-              <a:t>个序列</a:t>
-            </a:r>
-            <a:endParaRPr kumimoji="0" lang="zh-CN" altLang="en-US" sz="800" i="0" u="none" strike="noStrike" kern="1200" cap="none" spc="0" normalizeH="0" baseline="0" noProof="0" dirty="0">
-              <a:ln>
-                <a:noFill/>
-              </a:ln>
-              <a:solidFill>
-                <a:srgbClr val="FF0000"/>
-              </a:solidFill>
-              <a:effectLst/>
-              <a:uLnTx/>
-              <a:uFillTx/>
-              <a:latin typeface="微软雅黑" panose="020B0503020204020204" pitchFamily="34" charset="-122"/>
-              <a:ea typeface="微软雅黑" panose="020B0503020204020204" pitchFamily="34" charset="-122"/>
-              <a:cs typeface="+mn-cs"/>
-              <a:sym typeface="微软雅黑" panose="020B0503020204020204" pitchFamily="34" charset="-122"/>
-            </a:endParaRPr>
-          </a:p>
-        </p:txBody>
-      </p:sp>
     </p:spTree>
     <p:extLst>
       <p:ext uri="{BB962C8B-B14F-4D97-AF65-F5344CB8AC3E}">
@@ -14574,8 +14451,8 @@
         </p:nvSpPr>
         <p:spPr>
           <a:xfrm>
-            <a:off x="2502826" y="8370979"/>
-            <a:ext cx="8012774" cy="307777"/>
+            <a:off x="2309146" y="8460724"/>
+            <a:ext cx="7521803" cy="307777"/>
           </a:xfrm>
           <a:prstGeom prst="rect">
             <a:avLst/>
@@ -14592,7 +14469,7 @@
               <a:defRPr/>
             </a:pPr>
             <a:r>
-              <a:rPr kumimoji="0" lang="zh-CN" altLang="en-US" sz="1400" b="1" i="0" u="none" strike="noStrike" kern="1200" cap="none" spc="0" normalizeH="0" baseline="0" noProof="0" dirty="0">
+              <a:rPr kumimoji="0" lang="en-US" altLang="zh-CN" sz="1400" b="1" i="0" u="none" strike="noStrike" kern="1200" cap="none" spc="0" normalizeH="0" baseline="0" noProof="0" dirty="0">
                 <a:ln>
                   <a:noFill/>
                 </a:ln>
@@ -14609,27 +14486,7 @@
                 <a:cs typeface="+mn-cs"/>
                 <a:sym typeface="微软雅黑" panose="020B0503020204020204" pitchFamily="34" charset="-122"/>
               </a:rPr>
-              <a:t>不知道怎么展示，先就提供个下载功能吧（最好是直接用</a:t>
-            </a:r>
-            <a:r>
-              <a:rPr kumimoji="0" lang="en-US" altLang="zh-CN" sz="1400" b="1" i="0" u="none" strike="noStrike" kern="1200" cap="none" spc="0" normalizeH="0" baseline="0" noProof="0" dirty="0">
-                <a:ln>
-                  <a:noFill/>
-                </a:ln>
-                <a:solidFill>
-                  <a:srgbClr val="4472C4">
-                    <a:lumMod val="50000"/>
-                  </a:srgbClr>
-                </a:solidFill>
-                <a:effectLst/>
-                <a:uLnTx/>
-                <a:uFillTx/>
-                <a:latin typeface="微软雅黑" panose="020B0503020204020204" pitchFamily="34" charset="-122"/>
-                <a:ea typeface="微软雅黑" panose="020B0503020204020204" pitchFamily="34" charset="-122"/>
-                <a:cs typeface="+mn-cs"/>
-                <a:sym typeface="微软雅黑" panose="020B0503020204020204" pitchFamily="34" charset="-122"/>
-              </a:rPr>
-              <a:t>react-</a:t>
+              <a:t>React-</a:t>
             </a:r>
             <a:r>
               <a:rPr kumimoji="0" lang="en-US" altLang="zh-CN" sz="1400" b="1" i="0" u="none" strike="noStrike" kern="1200" cap="none" spc="0" normalizeH="0" baseline="0" noProof="0" dirty="0" err="1">
@@ -14669,8 +14526,92 @@
                 <a:cs typeface="+mn-cs"/>
                 <a:sym typeface="微软雅黑" panose="020B0503020204020204" pitchFamily="34" charset="-122"/>
               </a:rPr>
-              <a:t>展示结果，感觉不好实现）</a:t>
-            </a:r>
+              <a:t>可视化展示示</a:t>
+            </a:r>
+            <a:r>
+              <a:rPr kumimoji="0" lang="en" altLang="zh-CN" sz="1400" b="0" i="0" u="none" strike="noStrike" kern="1200" cap="none" spc="0" normalizeH="0" baseline="0" noProof="0" dirty="0" err="1">
+                <a:ln>
+                  <a:noFill/>
+                </a:ln>
+                <a:solidFill>
+                  <a:srgbClr val="FF0000"/>
+                </a:solidFill>
+                <a:effectLst/>
+                <a:uLnTx/>
+                <a:uFillTx/>
+                <a:latin typeface="微软雅黑" panose="020B0503020204020204" pitchFamily="34" charset="-122"/>
+                <a:ea typeface="微软雅黑" panose="020B0503020204020204" pitchFamily="34" charset="-122"/>
+                <a:cs typeface="+mn-cs"/>
+                <a:sym typeface="微软雅黑" panose="020B0503020204020204" pitchFamily="34" charset="-122"/>
+              </a:rPr>
+              <a:t>mafft_result.fasta</a:t>
+            </a:r>
+            <a:r>
+              <a:rPr kumimoji="0" lang="zh-CN" altLang="en-US" sz="1400" b="0" i="0" u="none" strike="noStrike" kern="1200" cap="none" spc="0" normalizeH="0" baseline="0" noProof="0" dirty="0">
+                <a:ln>
+                  <a:noFill/>
+                </a:ln>
+                <a:solidFill>
+                  <a:srgbClr val="FF0000"/>
+                </a:solidFill>
+                <a:effectLst/>
+                <a:uLnTx/>
+                <a:uFillTx/>
+                <a:latin typeface="微软雅黑" panose="020B0503020204020204" pitchFamily="34" charset="-122"/>
+                <a:ea typeface="微软雅黑" panose="020B0503020204020204" pitchFamily="34" charset="-122"/>
+                <a:cs typeface="+mn-cs"/>
+                <a:sym typeface="微软雅黑" panose="020B0503020204020204" pitchFamily="34" charset="-122"/>
+              </a:rPr>
+              <a:t>，</a:t>
+            </a:r>
+            <a:r>
+              <a:rPr kumimoji="0" lang="en" altLang="zh-CN" sz="1400" b="0" i="0" u="none" strike="noStrike" kern="1200" cap="none" spc="0" normalizeH="0" baseline="0" noProof="0" dirty="0" err="1">
+                <a:ln>
+                  <a:noFill/>
+                </a:ln>
+                <a:solidFill>
+                  <a:srgbClr val="FF0000"/>
+                </a:solidFill>
+                <a:effectLst/>
+                <a:uLnTx/>
+                <a:uFillTx/>
+                <a:latin typeface="微软雅黑" panose="020B0503020204020204" pitchFamily="34" charset="-122"/>
+                <a:ea typeface="微软雅黑" panose="020B0503020204020204" pitchFamily="34" charset="-122"/>
+                <a:cs typeface="+mn-cs"/>
+                <a:sym typeface="微软雅黑" panose="020B0503020204020204" pitchFamily="34" charset="-122"/>
+              </a:rPr>
+              <a:t>fasttree_result.nwk</a:t>
+            </a:r>
+            <a:r>
+              <a:rPr kumimoji="0" lang="zh-CN" altLang="en" sz="1400" b="0" i="0" u="none" strike="noStrike" kern="1200" cap="none" spc="0" normalizeH="0" baseline="0" noProof="0" dirty="0">
+                <a:ln>
+                  <a:noFill/>
+                </a:ln>
+                <a:solidFill>
+                  <a:srgbClr val="FF0000"/>
+                </a:solidFill>
+                <a:effectLst/>
+                <a:uLnTx/>
+                <a:uFillTx/>
+                <a:latin typeface="微软雅黑" panose="020B0503020204020204" pitchFamily="34" charset="-122"/>
+                <a:ea typeface="微软雅黑" panose="020B0503020204020204" pitchFamily="34" charset="-122"/>
+                <a:cs typeface="+mn-cs"/>
+                <a:sym typeface="微软雅黑" panose="020B0503020204020204" pitchFamily="34" charset="-122"/>
+              </a:rPr>
+              <a:t>内容</a:t>
+            </a:r>
+            <a:endParaRPr kumimoji="0" lang="zh-CN" altLang="en-US" sz="1400" b="1" i="0" u="none" strike="noStrike" kern="1200" cap="none" spc="0" normalizeH="0" baseline="0" noProof="0" dirty="0">
+              <a:ln>
+                <a:noFill/>
+              </a:ln>
+              <a:effectLst/>
+              <a:uLnTx/>
+              <a:uFillTx/>
+              <a:latin typeface="微软雅黑" panose="020B0503020204020204" pitchFamily="34" charset="-122"/>
+              <a:ea typeface="微软雅黑" panose="020B0503020204020204" pitchFamily="34" charset="-122"/>
+              <a:cs typeface="+mn-cs"/>
+              <a:sym typeface="微软雅黑" panose="020B0503020204020204" pitchFamily="34" charset="-122"/>
+            </a:endParaRPr>
           </a:p>
         </p:txBody>
       </p:sp>

--- a/Metabolic_Analysis_&_Tools.pptx
+++ b/Metabolic_Analysis_&_Tools.pptx
@@ -7,9 +7,9 @@
   <p:sldIdLst>
     <p:sldId id="268" r:id="rId2"/>
     <p:sldId id="271" r:id="rId3"/>
-    <p:sldId id="270" r:id="rId4"/>
-    <p:sldId id="269" r:id="rId5"/>
-    <p:sldId id="272" r:id="rId6"/>
+    <p:sldId id="269" r:id="rId4"/>
+    <p:sldId id="272" r:id="rId5"/>
+    <p:sldId id="270" r:id="rId6"/>
   </p:sldIdLst>
   <p:sldSz cx="12192000" cy="16256000"/>
   <p:notesSz cx="6858000" cy="9144000"/>
@@ -247,7 +247,7 @@
           <a:p>
             <a:fld id="{3E73DA82-0082-2445-BF22-418BB184E2E3}" type="datetimeFigureOut">
               <a:rPr kumimoji="1" lang="zh-CN" altLang="en-US" smtClean="0"/>
-              <a:t>2024/2/27</a:t>
+              <a:t>2024/3/11</a:t>
             </a:fld>
             <a:endParaRPr kumimoji="1" lang="zh-CN" altLang="en-US"/>
           </a:p>
@@ -417,7 +417,7 @@
           <a:p>
             <a:fld id="{3E73DA82-0082-2445-BF22-418BB184E2E3}" type="datetimeFigureOut">
               <a:rPr kumimoji="1" lang="zh-CN" altLang="en-US" smtClean="0"/>
-              <a:t>2024/2/27</a:t>
+              <a:t>2024/3/11</a:t>
             </a:fld>
             <a:endParaRPr kumimoji="1" lang="zh-CN" altLang="en-US"/>
           </a:p>
@@ -597,7 +597,7 @@
           <a:p>
             <a:fld id="{3E73DA82-0082-2445-BF22-418BB184E2E3}" type="datetimeFigureOut">
               <a:rPr kumimoji="1" lang="zh-CN" altLang="en-US" smtClean="0"/>
-              <a:t>2024/2/27</a:t>
+              <a:t>2024/3/11</a:t>
             </a:fld>
             <a:endParaRPr kumimoji="1" lang="zh-CN" altLang="en-US"/>
           </a:p>
@@ -767,7 +767,7 @@
           <a:p>
             <a:fld id="{3E73DA82-0082-2445-BF22-418BB184E2E3}" type="datetimeFigureOut">
               <a:rPr kumimoji="1" lang="zh-CN" altLang="en-US" smtClean="0"/>
-              <a:t>2024/2/27</a:t>
+              <a:t>2024/3/11</a:t>
             </a:fld>
             <a:endParaRPr kumimoji="1" lang="zh-CN" altLang="en-US"/>
           </a:p>
@@ -1011,7 +1011,7 @@
           <a:p>
             <a:fld id="{3E73DA82-0082-2445-BF22-418BB184E2E3}" type="datetimeFigureOut">
               <a:rPr kumimoji="1" lang="zh-CN" altLang="en-US" smtClean="0"/>
-              <a:t>2024/2/27</a:t>
+              <a:t>2024/3/11</a:t>
             </a:fld>
             <a:endParaRPr kumimoji="1" lang="zh-CN" altLang="en-US"/>
           </a:p>
@@ -1243,7 +1243,7 @@
           <a:p>
             <a:fld id="{3E73DA82-0082-2445-BF22-418BB184E2E3}" type="datetimeFigureOut">
               <a:rPr kumimoji="1" lang="zh-CN" altLang="en-US" smtClean="0"/>
-              <a:t>2024/2/27</a:t>
+              <a:t>2024/3/11</a:t>
             </a:fld>
             <a:endParaRPr kumimoji="1" lang="zh-CN" altLang="en-US"/>
           </a:p>
@@ -1610,7 +1610,7 @@
           <a:p>
             <a:fld id="{3E73DA82-0082-2445-BF22-418BB184E2E3}" type="datetimeFigureOut">
               <a:rPr kumimoji="1" lang="zh-CN" altLang="en-US" smtClean="0"/>
-              <a:t>2024/2/27</a:t>
+              <a:t>2024/3/11</a:t>
             </a:fld>
             <a:endParaRPr kumimoji="1" lang="zh-CN" altLang="en-US"/>
           </a:p>
@@ -1728,7 +1728,7 @@
           <a:p>
             <a:fld id="{3E73DA82-0082-2445-BF22-418BB184E2E3}" type="datetimeFigureOut">
               <a:rPr kumimoji="1" lang="zh-CN" altLang="en-US" smtClean="0"/>
-              <a:t>2024/2/27</a:t>
+              <a:t>2024/3/11</a:t>
             </a:fld>
             <a:endParaRPr kumimoji="1" lang="zh-CN" altLang="en-US"/>
           </a:p>
@@ -1823,7 +1823,7 @@
           <a:p>
             <a:fld id="{3E73DA82-0082-2445-BF22-418BB184E2E3}" type="datetimeFigureOut">
               <a:rPr kumimoji="1" lang="zh-CN" altLang="en-US" smtClean="0"/>
-              <a:t>2024/2/27</a:t>
+              <a:t>2024/3/11</a:t>
             </a:fld>
             <a:endParaRPr kumimoji="1" lang="zh-CN" altLang="en-US"/>
           </a:p>
@@ -2100,7 +2100,7 @@
           <a:p>
             <a:fld id="{3E73DA82-0082-2445-BF22-418BB184E2E3}" type="datetimeFigureOut">
               <a:rPr kumimoji="1" lang="zh-CN" altLang="en-US" smtClean="0"/>
-              <a:t>2024/2/27</a:t>
+              <a:t>2024/3/11</a:t>
             </a:fld>
             <a:endParaRPr kumimoji="1" lang="zh-CN" altLang="en-US"/>
           </a:p>
@@ -2357,7 +2357,7 @@
           <a:p>
             <a:fld id="{3E73DA82-0082-2445-BF22-418BB184E2E3}" type="datetimeFigureOut">
               <a:rPr kumimoji="1" lang="zh-CN" altLang="en-US" smtClean="0"/>
-              <a:t>2024/2/27</a:t>
+              <a:t>2024/3/11</a:t>
             </a:fld>
             <a:endParaRPr kumimoji="1" lang="zh-CN" altLang="en-US"/>
           </a:p>
@@ -2570,7 +2570,7 @@
           <a:p>
             <a:fld id="{3E73DA82-0082-2445-BF22-418BB184E2E3}" type="datetimeFigureOut">
               <a:rPr kumimoji="1" lang="zh-CN" altLang="en-US" smtClean="0"/>
-              <a:t>2024/2/27</a:t>
+              <a:t>2024/3/11</a:t>
             </a:fld>
             <a:endParaRPr kumimoji="1" lang="zh-CN" altLang="en-US"/>
           </a:p>
@@ -7616,10 +7616,10 @@
       </p:cxnSp>
       <p:sp>
         <p:nvSpPr>
-          <p:cNvPr id="48" name="文本框 47">
+          <p:cNvPr id="53" name="文本框 52">
             <a:extLst>
               <a:ext uri="{FF2B5EF4-FFF2-40B4-BE49-F238E27FC236}">
-                <a16:creationId xmlns:a16="http://schemas.microsoft.com/office/drawing/2014/main" id="{7BC38C87-6D0B-CDF2-E24F-1189D2CEA5F2}"/>
+                <a16:creationId xmlns:a16="http://schemas.microsoft.com/office/drawing/2014/main" id="{705A1A95-37F7-7126-9750-AA7251CEACD1}"/>
               </a:ext>
             </a:extLst>
           </p:cNvPr>
@@ -7628,8 +7628,8 @@
         </p:nvSpPr>
         <p:spPr>
           <a:xfrm>
-            <a:off x="959505" y="2055861"/>
-            <a:ext cx="2259726" cy="276999"/>
+            <a:off x="209318" y="275882"/>
+            <a:ext cx="9284306" cy="307905"/>
           </a:xfrm>
           <a:prstGeom prst="rect">
             <a:avLst/>
@@ -7660,14 +7660,14 @@
               <a:defRPr/>
             </a:pPr>
             <a:r>
-              <a:rPr kumimoji="0" lang="en-US" altLang="zh-CN" sz="1200" b="1" i="0" u="none" strike="noStrike" kern="1200" cap="none" spc="0" normalizeH="0" baseline="0" noProof="0" dirty="0">
+              <a:rPr kumimoji="0" lang="en-US" altLang="zh-CN" sz="1401" b="1" i="0" u="none" strike="noStrike" kern="1200" cap="none" spc="0" normalizeH="0" baseline="0" noProof="0" dirty="0">
                 <a:ln>
                   <a:noFill/>
                 </a:ln>
                 <a:solidFill>
-                  <a:schemeClr val="accent1">
-                    <a:lumMod val="75000"/>
-                  </a:schemeClr>
+                  <a:srgbClr val="E7E6E6">
+                    <a:lumMod val="25000"/>
+                  </a:srgbClr>
                 </a:solidFill>
                 <a:effectLst/>
                 <a:uLnTx/>
@@ -7677,25 +7677,28 @@
                 <a:cs typeface="+mn-cs"/>
                 <a:sym typeface="微软雅黑" panose="020B0503020204020204" pitchFamily="34" charset="-122"/>
               </a:rPr>
-              <a:t>TF Prediction </a:t>
-            </a:r>
-            <a:endParaRPr kumimoji="0" lang="zh-CN" altLang="en-US" sz="900" b="1" i="0" u="none" strike="noStrike" kern="1200" cap="none" spc="0" normalizeH="0" baseline="0" noProof="0" dirty="0">
-              <a:ln>
-                <a:noFill/>
-              </a:ln>
-              <a:solidFill>
-                <a:schemeClr val="accent1">
-                  <a:lumMod val="75000"/>
-                </a:schemeClr>
-              </a:solidFill>
-              <a:effectLst/>
-              <a:uLnTx/>
-              <a:uFillTx/>
-              <a:latin typeface="微软雅黑" panose="020B0503020204020204" pitchFamily="34" charset="-122"/>
-              <a:ea typeface="微软雅黑" panose="020B0503020204020204" pitchFamily="34" charset="-122"/>
-              <a:cs typeface="+mn-cs"/>
-              <a:sym typeface="微软雅黑" panose="020B0503020204020204" pitchFamily="34" charset="-122"/>
-            </a:endParaRPr>
+              <a:t>Tools -&gt; Blastp</a:t>
+            </a:r>
+            <a:r>
+              <a:rPr kumimoji="0" lang="zh-CN" altLang="en-US" sz="1401" b="1" i="0" u="none" strike="noStrike" kern="1200" cap="none" spc="0" normalizeH="0" baseline="0" noProof="0" dirty="0">
+                <a:ln>
+                  <a:noFill/>
+                </a:ln>
+                <a:solidFill>
+                  <a:srgbClr val="E7E6E6">
+                    <a:lumMod val="25000"/>
+                  </a:srgbClr>
+                </a:solidFill>
+                <a:effectLst/>
+                <a:uLnTx/>
+                <a:uFillTx/>
+                <a:latin typeface="微软雅黑" panose="020B0503020204020204" pitchFamily="34" charset="-122"/>
+                <a:ea typeface="微软雅黑" panose="020B0503020204020204" pitchFamily="34" charset="-122"/>
+                <a:cs typeface="+mn-cs"/>
+                <a:sym typeface="微软雅黑" panose="020B0503020204020204" pitchFamily="34" charset="-122"/>
+              </a:rPr>
+              <a:t> 界面参考</a:t>
+            </a:r>
           </a:p>
         </p:txBody>
       </p:sp>
@@ -7777,21 +7780,12 @@
             </a:endParaRPr>
           </a:p>
           <a:p>
-            <a:pPr marL="228600" marR="0" lvl="0" indent="-228600" algn="l" defTabSz="457180" rtl="0" eaLnBrk="1" fontAlgn="auto" latinLnBrk="0" hangingPunct="1">
+            <a:pPr marL="228600" indent="-228600">
               <a:lnSpc>
                 <a:spcPct val="150000"/>
               </a:lnSpc>
-              <a:spcBef>
-                <a:spcPts val="0"/>
-              </a:spcBef>
-              <a:spcAft>
-                <a:spcPts val="0"/>
-              </a:spcAft>
-              <a:buClrTx/>
-              <a:buSzTx/>
               <a:buFontTx/>
               <a:buAutoNum type="arabicPeriod"/>
-              <a:tabLst/>
               <a:defRPr/>
             </a:pPr>
             <a:r>
@@ -7810,26 +7804,18 @@
                 <a:cs typeface="+mn-cs"/>
                 <a:sym typeface="微软雅黑" panose="020B0503020204020204" pitchFamily="34" charset="-122"/>
               </a:rPr>
-              <a:t>Upload a protein sequence FASTA file for transcription factor prediction analysis based on DeepTFactor(</a:t>
-            </a:r>
-            <a:r>
-              <a:rPr kumimoji="0" lang="en" altLang="zh-CN" sz="1100" b="0" i="0" u="sng" strike="noStrike" kern="1200" cap="none" spc="0" normalizeH="0" baseline="0" noProof="0" dirty="0">
-                <a:ln>
-                  <a:noFill/>
-                </a:ln>
-                <a:solidFill>
-                  <a:prstClr val="black"/>
-                </a:solidFill>
-                <a:effectLst/>
-                <a:uLnTx/>
-                <a:uFillTx/>
-                <a:latin typeface="Open Sans" panose="020F0502020204030204" pitchFamily="34" charset="0"/>
-                <a:ea typeface="等线" panose="02010600030101010101" pitchFamily="2" charset="-122"/>
-                <a:cs typeface="+mn-cs"/>
-                <a:hlinkClick r:id="rId4"/>
-              </a:rPr>
-              <a:t>https://doi.org/10.1073/pnas.2021171118</a:t>
-            </a:r>
+              <a:t>Input a specific protein sequence for sequence alignment analysis with the Myceliophthora thermophila protein database.</a:t>
+            </a:r>
+          </a:p>
+          <a:p>
+            <a:pPr marL="228600" indent="-228600">
+              <a:lnSpc>
+                <a:spcPct val="150000"/>
+              </a:lnSpc>
+              <a:buFontTx/>
+              <a:buAutoNum type="arabicPeriod"/>
+              <a:defRPr/>
+            </a:pPr>
             <a:r>
               <a:rPr kumimoji="0" lang="en-US" altLang="zh-CN" sz="1100" b="0" i="0" u="none" strike="noStrike" kern="1200" cap="none" spc="0" normalizeH="0" baseline="0" noProof="0" dirty="0">
                 <a:ln>
@@ -7846,60 +7832,8 @@
                 <a:cs typeface="+mn-cs"/>
                 <a:sym typeface="微软雅黑" panose="020B0503020204020204" pitchFamily="34" charset="-122"/>
               </a:rPr>
-              <a:t>).</a:t>
-            </a:r>
-          </a:p>
-          <a:p>
-            <a:pPr marL="228600" marR="0" lvl="0" indent="-228600" algn="l" defTabSz="457180" rtl="0" eaLnBrk="1" fontAlgn="auto" latinLnBrk="0" hangingPunct="1">
-              <a:lnSpc>
-                <a:spcPct val="150000"/>
-              </a:lnSpc>
-              <a:spcBef>
-                <a:spcPts val="0"/>
-              </a:spcBef>
-              <a:spcAft>
-                <a:spcPts val="0"/>
-              </a:spcAft>
-              <a:buClrTx/>
-              <a:buSzTx/>
-              <a:buFontTx/>
-              <a:buAutoNum type="arabicPeriod"/>
-              <a:tabLst/>
-              <a:defRPr/>
-            </a:pPr>
-            <a:r>
-              <a:rPr kumimoji="0" lang="en" altLang="zh-CN" sz="1100" b="0" i="0" u="none" strike="noStrike" kern="1200" cap="none" spc="0" normalizeH="0" baseline="0" noProof="0" dirty="0">
-                <a:ln>
-                  <a:noFill/>
-                </a:ln>
-                <a:solidFill>
-                  <a:srgbClr val="515A6E"/>
-                </a:solidFill>
-                <a:effectLst/>
-                <a:uLnTx/>
-                <a:uFillTx/>
-                <a:latin typeface="Arial" panose="020B0604020202020204" pitchFamily="34" charset="0"/>
-                <a:ea typeface="微软雅黑" panose="020B0503020204020204" pitchFamily="34" charset="-122"/>
-                <a:cs typeface="+mn-cs"/>
-                <a:sym typeface="微软雅黑" panose="020B0503020204020204" pitchFamily="34" charset="-122"/>
-              </a:rPr>
-              <a:t>Click on "Example" to obtain a sample file.</a:t>
-            </a:r>
-            <a:endParaRPr kumimoji="0" lang="en-US" altLang="zh-CN" sz="1100" b="0" i="0" u="none" strike="noStrike" kern="1200" cap="none" spc="0" normalizeH="0" baseline="0" noProof="0" dirty="0">
-              <a:ln>
-                <a:noFill/>
-              </a:ln>
-              <a:solidFill>
-                <a:srgbClr val="515A6E"/>
-              </a:solidFill>
-              <a:effectLst/>
-              <a:uLnTx/>
-              <a:uFillTx/>
-              <a:latin typeface="Arial" panose="020B0604020202020204" pitchFamily="34" charset="0"/>
-              <a:ea typeface="微软雅黑" panose="020B0503020204020204" pitchFamily="34" charset="-122"/>
-              <a:cs typeface="+mn-cs"/>
-              <a:sym typeface="微软雅黑" panose="020B0503020204020204" pitchFamily="34" charset="-122"/>
-            </a:endParaRPr>
+              <a:t>After clicking the download button, you will be able to download the protein sequence information from the alignment analysis results.</a:t>
+            </a:r>
           </a:p>
         </p:txBody>
       </p:sp>
@@ -7917,7 +7851,7 @@
         </p:nvSpPr>
         <p:spPr>
           <a:xfrm>
-            <a:off x="4574871" y="5603825"/>
+            <a:off x="4601370" y="7610200"/>
             <a:ext cx="1007573" cy="314960"/>
           </a:xfrm>
           <a:prstGeom prst="roundRect">
@@ -8023,7 +7957,7 @@
         </p:nvSpPr>
         <p:spPr>
           <a:xfrm>
-            <a:off x="6125266" y="5603825"/>
+            <a:off x="6151765" y="7610200"/>
             <a:ext cx="1007573" cy="314960"/>
           </a:xfrm>
           <a:prstGeom prst="roundRect">
@@ -8130,7 +8064,7 @@
         </p:nvCxnSpPr>
         <p:spPr>
           <a:xfrm>
-            <a:off x="751858" y="6570915"/>
+            <a:off x="765305" y="8335030"/>
             <a:ext cx="10383532" cy="0"/>
           </a:xfrm>
           <a:prstGeom prst="line">
@@ -8175,8 +8109,8 @@
         </p:nvCxnSpPr>
         <p:spPr>
           <a:xfrm>
-            <a:off x="6655552" y="6040330"/>
-            <a:ext cx="0" cy="1208506"/>
+            <a:off x="6655552" y="7925160"/>
+            <a:ext cx="0" cy="940456"/>
           </a:xfrm>
           <a:prstGeom prst="straightConnector1">
             <a:avLst/>
@@ -8214,7 +8148,7 @@
         </p:nvSpPr>
         <p:spPr>
           <a:xfrm>
-            <a:off x="946058" y="6824502"/>
+            <a:off x="959505" y="8588617"/>
             <a:ext cx="3406426" cy="276999"/>
           </a:xfrm>
           <a:prstGeom prst="rect">
@@ -8264,10 +8198,10 @@
                 <a:cs typeface="+mn-cs"/>
                 <a:sym typeface="微软雅黑" panose="020B0503020204020204" pitchFamily="34" charset="-122"/>
               </a:rPr>
-              <a:t>Metabolic Flux V</a:t>
-            </a:r>
-            <a:r>
-              <a:rPr kumimoji="0" lang="en" altLang="zh-CN" sz="1200" b="1" i="0" u="none" strike="noStrike" kern="1200" cap="none" spc="0" normalizeH="0" baseline="0" noProof="0" dirty="0" err="1">
+              <a:t>Blast</a:t>
+            </a:r>
+            <a:r>
+              <a:rPr kumimoji="0" lang="zh-CN" altLang="en-US" sz="1200" b="1" i="0" u="none" strike="noStrike" kern="1200" cap="none" spc="0" normalizeH="0" baseline="0" noProof="0" dirty="0">
                 <a:ln>
                   <a:noFill/>
                 </a:ln>
@@ -8285,7 +8219,28 @@
                 <a:cs typeface="+mn-cs"/>
                 <a:sym typeface="微软雅黑" panose="020B0503020204020204" pitchFamily="34" charset="-122"/>
               </a:rPr>
-              <a:t>isualization</a:t>
+              <a:t> </a:t>
+            </a:r>
+            <a:r>
+              <a:rPr kumimoji="0" lang="en-US" altLang="zh-CN" sz="1200" b="1" i="0" u="none" strike="noStrike" kern="1200" cap="none" spc="0" normalizeH="0" baseline="0" noProof="0" dirty="0">
+                <a:ln>
+                  <a:noFill/>
+                </a:ln>
+                <a:solidFill>
+                  <a:prstClr val="black">
+                    <a:lumMod val="75000"/>
+                    <a:lumOff val="25000"/>
+                  </a:prstClr>
+                </a:solidFill>
+                <a:effectLst/>
+                <a:uLnTx/>
+                <a:uFillTx/>
+                <a:latin typeface="微软雅黑" panose="020B0503020204020204" pitchFamily="34" charset="-122"/>
+                <a:ea typeface="微软雅黑" panose="020B0503020204020204" pitchFamily="34" charset="-122"/>
+                <a:cs typeface="+mn-cs"/>
+                <a:sym typeface="微软雅黑" panose="020B0503020204020204" pitchFamily="34" charset="-122"/>
+              </a:rPr>
+              <a:t>Result</a:t>
             </a:r>
             <a:endParaRPr kumimoji="0" lang="en" altLang="zh-CN" sz="1200" b="1" i="0" u="none" strike="noStrike" kern="1200" cap="none" spc="0" normalizeH="0" baseline="0" noProof="0" dirty="0">
               <a:ln>
@@ -8395,10 +8350,92 @@
       </p:sp>
       <p:sp>
         <p:nvSpPr>
-          <p:cNvPr id="28" name="文本框 27">
+          <p:cNvPr id="34" name="圆角矩形 33">
             <a:extLst>
               <a:ext uri="{FF2B5EF4-FFF2-40B4-BE49-F238E27FC236}">
-                <a16:creationId xmlns:a16="http://schemas.microsoft.com/office/drawing/2014/main" id="{72B8B29A-87E6-18FD-A875-DC830BB32691}"/>
+                <a16:creationId xmlns:a16="http://schemas.microsoft.com/office/drawing/2014/main" id="{0B6A1921-AAAC-2693-01D1-6A005FEFA3E3}"/>
+              </a:ext>
+            </a:extLst>
+          </p:cNvPr>
+          <p:cNvSpPr/>
+          <p:nvPr/>
+        </p:nvSpPr>
+        <p:spPr>
+          <a:xfrm>
+            <a:off x="1126079" y="9243545"/>
+            <a:ext cx="10051372" cy="4179528"/>
+          </a:xfrm>
+          <a:prstGeom prst="roundRect">
+            <a:avLst>
+              <a:gd name="adj" fmla="val 4751"/>
+            </a:avLst>
+          </a:prstGeom>
+          <a:ln>
+            <a:solidFill>
+              <a:schemeClr val="bg1">
+                <a:lumMod val="50000"/>
+              </a:schemeClr>
+            </a:solidFill>
+          </a:ln>
+        </p:spPr>
+        <p:style>
+          <a:lnRef idx="2">
+            <a:schemeClr val="accent6"/>
+          </a:lnRef>
+          <a:fillRef idx="1">
+            <a:schemeClr val="lt1"/>
+          </a:fillRef>
+          <a:effectRef idx="0">
+            <a:schemeClr val="accent6"/>
+          </a:effectRef>
+          <a:fontRef idx="minor">
+            <a:schemeClr val="dk1"/>
+          </a:fontRef>
+        </p:style>
+        <p:txBody>
+          <a:bodyPr rtlCol="0" anchor="ctr"/>
+          <a:lstStyle/>
+          <a:p>
+            <a:pPr marL="0" marR="0" lvl="0" indent="0" algn="ctr" defTabSz="457180" rtl="0" eaLnBrk="1" fontAlgn="auto" latinLnBrk="0" hangingPunct="1">
+              <a:lnSpc>
+                <a:spcPct val="100000"/>
+              </a:lnSpc>
+              <a:spcBef>
+                <a:spcPts val="0"/>
+              </a:spcBef>
+              <a:spcAft>
+                <a:spcPts val="0"/>
+              </a:spcAft>
+              <a:buClrTx/>
+              <a:buSzTx/>
+              <a:buFontTx/>
+              <a:buNone/>
+              <a:tabLst/>
+              <a:defRPr/>
+            </a:pPr>
+            <a:endParaRPr kumimoji="1" lang="zh-CN" altLang="en-US" sz="1801" b="0" i="0" u="none" strike="noStrike" kern="1200" cap="none" spc="0" normalizeH="0" baseline="0" noProof="0">
+              <a:ln>
+                <a:noFill/>
+              </a:ln>
+              <a:solidFill>
+                <a:prstClr val="black"/>
+              </a:solidFill>
+              <a:effectLst/>
+              <a:uLnTx/>
+              <a:uFillTx/>
+              <a:latin typeface="Calibri" panose="020F0502020204030204"/>
+              <a:ea typeface="等线" panose="02010600030101010101" pitchFamily="2" charset="-122"/>
+              <a:cs typeface="+mn-cs"/>
+            </a:endParaRPr>
+          </a:p>
+        </p:txBody>
+      </p:sp>
+      <p:sp>
+        <p:nvSpPr>
+          <p:cNvPr id="6" name="文本框 5">
+            <a:extLst>
+              <a:ext uri="{FF2B5EF4-FFF2-40B4-BE49-F238E27FC236}">
+                <a16:creationId xmlns:a16="http://schemas.microsoft.com/office/drawing/2014/main" id="{0A867E73-3589-AC53-2E81-FF493EB950B9}"/>
               </a:ext>
             </a:extLst>
           </p:cNvPr>
@@ -8407,8 +8444,8 @@
         </p:nvSpPr>
         <p:spPr>
           <a:xfrm>
-            <a:off x="2412151" y="2059971"/>
-            <a:ext cx="807080" cy="276999"/>
+            <a:off x="5121897" y="12841399"/>
+            <a:ext cx="2081252" cy="281792"/>
           </a:xfrm>
           <a:prstGeom prst="rect">
             <a:avLst/>
@@ -8421,33 +8458,19 @@
           </a:bodyPr>
           <a:lstStyle/>
           <a:p>
-            <a:pPr marL="0" marR="0" lvl="0" indent="0" algn="l" defTabSz="914433" rtl="0" eaLnBrk="1" fontAlgn="auto" latinLnBrk="0" hangingPunct="1">
-              <a:lnSpc>
-                <a:spcPct val="100000"/>
-              </a:lnSpc>
-              <a:spcBef>
-                <a:spcPts val="0"/>
-              </a:spcBef>
-              <a:spcAft>
-                <a:spcPts val="0"/>
-              </a:spcAft>
-              <a:buClrTx/>
-              <a:buSzTx/>
-              <a:buFontTx/>
-              <a:buNone/>
-              <a:tabLst/>
+            <a:pPr defTabSz="914433">
               <a:defRPr/>
             </a:pPr>
             <a:r>
-              <a:rPr kumimoji="0" lang="en-US" altLang="zh-CN" sz="1200" b="1" i="0" u="none" strike="noStrike" kern="1200" cap="none" spc="0" normalizeH="0" baseline="0" noProof="0" dirty="0">
+              <a:rPr kumimoji="0" lang="en" altLang="zh-CN" sz="1200" b="1" i="0" u="none" strike="noStrike" kern="1200" cap="none" spc="0" normalizeH="0" baseline="0" noProof="0" dirty="0" err="1">
                 <a:ln>
                   <a:noFill/>
                 </a:ln>
                 <a:solidFill>
-                  <a:schemeClr val="tx1">
-                    <a:lumMod val="85000"/>
-                    <a:lumOff val="15000"/>
-                  </a:schemeClr>
+                  <a:prstClr val="black">
+                    <a:lumMod val="75000"/>
+                    <a:lumOff val="25000"/>
+                  </a:prstClr>
                 </a:solidFill>
                 <a:effectLst/>
                 <a:uLnTx/>
@@ -8457,7 +8480,94 @@
                 <a:cs typeface="+mn-cs"/>
                 <a:sym typeface="微软雅黑" panose="020B0503020204020204" pitchFamily="34" charset="-122"/>
               </a:rPr>
-              <a:t>Blastp</a:t>
+              <a:t>blast_output.txt</a:t>
+            </a:r>
+            <a:endParaRPr kumimoji="0" lang="en" altLang="zh-CN" sz="1200" b="1" i="0" u="none" strike="noStrike" kern="1200" cap="none" spc="0" normalizeH="0" baseline="0" noProof="0" dirty="0">
+              <a:ln>
+                <a:noFill/>
+              </a:ln>
+              <a:solidFill>
+                <a:prstClr val="black">
+                  <a:lumMod val="75000"/>
+                  <a:lumOff val="25000"/>
+                </a:prstClr>
+              </a:solidFill>
+              <a:effectLst/>
+              <a:uLnTx/>
+              <a:uFillTx/>
+              <a:latin typeface="微软雅黑" panose="020B0503020204020204" pitchFamily="34" charset="-122"/>
+              <a:ea typeface="微软雅黑" panose="020B0503020204020204" pitchFamily="34" charset="-122"/>
+              <a:cs typeface="+mn-cs"/>
+              <a:sym typeface="微软雅黑" panose="020B0503020204020204" pitchFamily="34" charset="-122"/>
+            </a:endParaRPr>
+          </a:p>
+        </p:txBody>
+      </p:sp>
+      <p:sp>
+        <p:nvSpPr>
+          <p:cNvPr id="17" name="文本框 16">
+            <a:extLst>
+              <a:ext uri="{FF2B5EF4-FFF2-40B4-BE49-F238E27FC236}">
+                <a16:creationId xmlns:a16="http://schemas.microsoft.com/office/drawing/2014/main" id="{0803DEC4-AD1C-F742-A4BB-B81CA521E3A5}"/>
+              </a:ext>
+            </a:extLst>
+          </p:cNvPr>
+          <p:cNvSpPr txBox="1"/>
+          <p:nvPr/>
+        </p:nvSpPr>
+        <p:spPr>
+          <a:xfrm>
+            <a:off x="959505" y="2055861"/>
+            <a:ext cx="2259726" cy="276999"/>
+          </a:xfrm>
+          <a:prstGeom prst="rect">
+            <a:avLst/>
+          </a:prstGeom>
+          <a:noFill/>
+        </p:spPr>
+        <p:txBody>
+          <a:bodyPr wrap="square" rtlCol="0">
+            <a:spAutoFit/>
+          </a:bodyPr>
+          <a:lstStyle/>
+          <a:p>
+            <a:pPr marL="0" marR="0" lvl="0" indent="0" algn="l" defTabSz="914433" rtl="0" eaLnBrk="1" fontAlgn="auto" latinLnBrk="0" hangingPunct="1">
+              <a:lnSpc>
+                <a:spcPct val="100000"/>
+              </a:lnSpc>
+              <a:spcBef>
+                <a:spcPts val="0"/>
+              </a:spcBef>
+              <a:spcAft>
+                <a:spcPts val="0"/>
+              </a:spcAft>
+              <a:buClrTx/>
+              <a:buSzTx/>
+              <a:buFontTx/>
+              <a:buNone/>
+              <a:tabLst/>
+              <a:defRPr/>
+            </a:pPr>
+            <a:r>
+              <a:rPr kumimoji="0" lang="en-US" altLang="zh-CN" sz="1200" b="1" i="0" u="none" strike="noStrike" kern="1200" cap="none" spc="0" normalizeH="0" baseline="0" noProof="0" dirty="0">
+                <a:ln>
+                  <a:noFill/>
+                </a:ln>
+                <a:solidFill>
+                  <a:schemeClr val="tx1">
+                    <a:lumMod val="85000"/>
+                    <a:lumOff val="15000"/>
+                  </a:schemeClr>
+                </a:solidFill>
+                <a:effectLst/>
+                <a:uLnTx/>
+                <a:uFillTx/>
+                <a:latin typeface="微软雅黑" panose="020B0503020204020204" pitchFamily="34" charset="-122"/>
+                <a:ea typeface="微软雅黑" panose="020B0503020204020204" pitchFamily="34" charset="-122"/>
+                <a:cs typeface="+mn-cs"/>
+                <a:sym typeface="微软雅黑" panose="020B0503020204020204" pitchFamily="34" charset="-122"/>
+              </a:rPr>
+              <a:t>TF Prediction </a:t>
             </a:r>
             <a:endParaRPr kumimoji="0" lang="zh-CN" altLang="en-US" sz="900" b="1" i="0" u="none" strike="noStrike" kern="1200" cap="none" spc="0" normalizeH="0" baseline="0" noProof="0" dirty="0">
               <a:ln>
@@ -8482,53 +8592,33 @@
       </p:sp>
       <p:sp>
         <p:nvSpPr>
-          <p:cNvPr id="34" name="圆角矩形 33">
+          <p:cNvPr id="18" name="文本框 17">
             <a:extLst>
               <a:ext uri="{FF2B5EF4-FFF2-40B4-BE49-F238E27FC236}">
-                <a16:creationId xmlns:a16="http://schemas.microsoft.com/office/drawing/2014/main" id="{0B6A1921-AAAC-2693-01D1-6A005FEFA3E3}"/>
+                <a16:creationId xmlns:a16="http://schemas.microsoft.com/office/drawing/2014/main" id="{4B3F6828-040F-C45A-38F8-6EA7AE91D780}"/>
               </a:ext>
             </a:extLst>
           </p:cNvPr>
-          <p:cNvSpPr/>
+          <p:cNvSpPr txBox="1"/>
           <p:nvPr/>
         </p:nvSpPr>
         <p:spPr>
           <a:xfrm>
-            <a:off x="1070314" y="7419488"/>
-            <a:ext cx="10051372" cy="7344741"/>
-          </a:xfrm>
-          <a:prstGeom prst="roundRect">
-            <a:avLst>
-              <a:gd name="adj" fmla="val 4751"/>
-            </a:avLst>
+            <a:off x="2412151" y="2059971"/>
+            <a:ext cx="807080" cy="276999"/>
+          </a:xfrm>
+          <a:prstGeom prst="rect">
+            <a:avLst/>
           </a:prstGeom>
-          <a:ln>
-            <a:solidFill>
-              <a:schemeClr val="bg1">
-                <a:lumMod val="50000"/>
-              </a:schemeClr>
-            </a:solidFill>
-          </a:ln>
-        </p:spPr>
-        <p:style>
-          <a:lnRef idx="2">
-            <a:schemeClr val="accent6"/>
-          </a:lnRef>
-          <a:fillRef idx="1">
-            <a:schemeClr val="lt1"/>
-          </a:fillRef>
-          <a:effectRef idx="0">
-            <a:schemeClr val="accent6"/>
-          </a:effectRef>
-          <a:fontRef idx="minor">
-            <a:schemeClr val="dk1"/>
-          </a:fontRef>
-        </p:style>
-        <p:txBody>
-          <a:bodyPr rtlCol="0" anchor="ctr"/>
+          <a:noFill/>
+        </p:spPr>
+        <p:txBody>
+          <a:bodyPr wrap="square" rtlCol="0">
+            <a:spAutoFit/>
+          </a:bodyPr>
           <a:lstStyle/>
           <a:p>
-            <a:pPr marL="0" marR="0" lvl="0" indent="0" algn="ctr" defTabSz="457180" rtl="0" eaLnBrk="1" fontAlgn="auto" latinLnBrk="0" hangingPunct="1">
+            <a:pPr marL="0" marR="0" lvl="0" indent="0" algn="l" defTabSz="914433" rtl="0" eaLnBrk="1" fontAlgn="auto" latinLnBrk="0" hangingPunct="1">
               <a:lnSpc>
                 <a:spcPct val="100000"/>
               </a:lnSpc>
@@ -8545,29 +8635,52 @@
               <a:tabLst/>
               <a:defRPr/>
             </a:pPr>
-            <a:endParaRPr kumimoji="1" lang="zh-CN" altLang="en-US" sz="1801" b="0" i="0" u="none" strike="noStrike" kern="1200" cap="none" spc="0" normalizeH="0" baseline="0" noProof="0">
+            <a:r>
+              <a:rPr kumimoji="0" lang="en-US" altLang="zh-CN" sz="1200" b="1" i="0" u="none" strike="noStrike" kern="1200" cap="none" spc="0" normalizeH="0" baseline="0" noProof="0" dirty="0">
+                <a:ln>
+                  <a:noFill/>
+                </a:ln>
+                <a:solidFill>
+                  <a:schemeClr val="accent1">
+                    <a:lumMod val="75000"/>
+                  </a:schemeClr>
+                </a:solidFill>
+                <a:effectLst/>
+                <a:uLnTx/>
+                <a:uFillTx/>
+                <a:latin typeface="微软雅黑" panose="020B0503020204020204" pitchFamily="34" charset="-122"/>
+                <a:ea typeface="微软雅黑" panose="020B0503020204020204" pitchFamily="34" charset="-122"/>
+                <a:cs typeface="+mn-cs"/>
+                <a:sym typeface="微软雅黑" panose="020B0503020204020204" pitchFamily="34" charset="-122"/>
+              </a:rPr>
+              <a:t>Blastp</a:t>
+            </a:r>
+            <a:endParaRPr kumimoji="0" lang="zh-CN" altLang="en-US" sz="900" b="1" i="0" u="none" strike="noStrike" kern="1200" cap="none" spc="0" normalizeH="0" baseline="0" noProof="0" dirty="0">
               <a:ln>
                 <a:noFill/>
               </a:ln>
               <a:solidFill>
-                <a:prstClr val="black"/>
+                <a:schemeClr val="accent1">
+                  <a:lumMod val="75000"/>
+                </a:schemeClr>
               </a:solidFill>
               <a:effectLst/>
               <a:uLnTx/>
               <a:uFillTx/>
-              <a:latin typeface="Calibri" panose="020F0502020204030204"/>
-              <a:ea typeface="等线" panose="02010600030101010101" pitchFamily="2" charset="-122"/>
+              <a:latin typeface="微软雅黑" panose="020B0503020204020204" pitchFamily="34" charset="-122"/>
+              <a:ea typeface="微软雅黑" panose="020B0503020204020204" pitchFamily="34" charset="-122"/>
               <a:cs typeface="+mn-cs"/>
+              <a:sym typeface="微软雅黑" panose="020B0503020204020204" pitchFamily="34" charset="-122"/>
             </a:endParaRPr>
           </a:p>
         </p:txBody>
       </p:sp>
       <p:sp>
         <p:nvSpPr>
-          <p:cNvPr id="2" name="文本框 1">
+          <p:cNvPr id="19" name="文本框 18">
             <a:extLst>
               <a:ext uri="{FF2B5EF4-FFF2-40B4-BE49-F238E27FC236}">
-                <a16:creationId xmlns:a16="http://schemas.microsoft.com/office/drawing/2014/main" id="{3DFE68FA-B02C-43EC-4895-69EFF91099B0}"/>
+                <a16:creationId xmlns:a16="http://schemas.microsoft.com/office/drawing/2014/main" id="{693D2105-B217-DA06-9E5E-988C8FE92419}"/>
               </a:ext>
             </a:extLst>
           </p:cNvPr>
@@ -8719,12 +8832,359 @@
           </a:p>
         </p:txBody>
       </p:sp>
+      <p:sp>
+        <p:nvSpPr>
+          <p:cNvPr id="20" name="圆角矩形 19">
+            <a:extLst>
+              <a:ext uri="{FF2B5EF4-FFF2-40B4-BE49-F238E27FC236}">
+                <a16:creationId xmlns:a16="http://schemas.microsoft.com/office/drawing/2014/main" id="{7AE1E410-CF7D-BB67-67ED-0BC78D51DB20}"/>
+              </a:ext>
+            </a:extLst>
+          </p:cNvPr>
+          <p:cNvSpPr/>
+          <p:nvPr/>
+        </p:nvSpPr>
+        <p:spPr>
+          <a:xfrm>
+            <a:off x="1227179" y="3841181"/>
+            <a:ext cx="9543915" cy="2576021"/>
+          </a:xfrm>
+          <a:prstGeom prst="roundRect">
+            <a:avLst>
+              <a:gd name="adj" fmla="val 4751"/>
+            </a:avLst>
+          </a:prstGeom>
+          <a:ln>
+            <a:solidFill>
+              <a:schemeClr val="bg1">
+                <a:lumMod val="50000"/>
+              </a:schemeClr>
+            </a:solidFill>
+          </a:ln>
+        </p:spPr>
+        <p:style>
+          <a:lnRef idx="2">
+            <a:schemeClr val="accent6"/>
+          </a:lnRef>
+          <a:fillRef idx="1">
+            <a:schemeClr val="lt1"/>
+          </a:fillRef>
+          <a:effectRef idx="0">
+            <a:schemeClr val="accent6"/>
+          </a:effectRef>
+          <a:fontRef idx="minor">
+            <a:schemeClr val="dk1"/>
+          </a:fontRef>
+        </p:style>
+        <p:txBody>
+          <a:bodyPr rtlCol="0" anchor="ctr"/>
+          <a:lstStyle/>
+          <a:p>
+            <a:pPr marL="0" marR="0" lvl="0" indent="0" algn="ctr" defTabSz="457180" rtl="0" eaLnBrk="1" fontAlgn="auto" latinLnBrk="0" hangingPunct="1">
+              <a:lnSpc>
+                <a:spcPct val="100000"/>
+              </a:lnSpc>
+              <a:spcBef>
+                <a:spcPts val="0"/>
+              </a:spcBef>
+              <a:spcAft>
+                <a:spcPts val="0"/>
+              </a:spcAft>
+              <a:buClrTx/>
+              <a:buSzTx/>
+              <a:buFontTx/>
+              <a:buNone/>
+              <a:tabLst/>
+              <a:defRPr/>
+            </a:pPr>
+            <a:endParaRPr kumimoji="1" lang="zh-CN" altLang="en-US" sz="1801" b="0" i="0" u="none" strike="noStrike" kern="1200" cap="none" spc="0" normalizeH="0" baseline="0" noProof="0">
+              <a:ln>
+                <a:noFill/>
+              </a:ln>
+              <a:solidFill>
+                <a:prstClr val="black"/>
+              </a:solidFill>
+              <a:effectLst/>
+              <a:uLnTx/>
+              <a:uFillTx/>
+              <a:latin typeface="Calibri" panose="020F0502020204030204"/>
+              <a:ea typeface="等线" panose="02010600030101010101" pitchFamily="2" charset="-122"/>
+              <a:cs typeface="+mn-cs"/>
+            </a:endParaRPr>
+          </a:p>
+        </p:txBody>
+      </p:sp>
+      <p:cxnSp>
+        <p:nvCxnSpPr>
+          <p:cNvPr id="21" name="直线箭头连接符 20">
+            <a:extLst>
+              <a:ext uri="{FF2B5EF4-FFF2-40B4-BE49-F238E27FC236}">
+                <a16:creationId xmlns:a16="http://schemas.microsoft.com/office/drawing/2014/main" id="{D44BFA9E-685A-1CD7-056F-3BF9A051B3EB}"/>
+              </a:ext>
+            </a:extLst>
+          </p:cNvPr>
+          <p:cNvCxnSpPr>
+            <a:cxnSpLocks/>
+          </p:cNvCxnSpPr>
+          <p:nvPr/>
+        </p:nvCxnSpPr>
+        <p:spPr>
+          <a:xfrm flipH="1">
+            <a:off x="10156269" y="3418358"/>
+            <a:ext cx="238307" cy="714229"/>
+          </a:xfrm>
+          <a:prstGeom prst="straightConnector1">
+            <a:avLst/>
+          </a:prstGeom>
+          <a:ln>
+            <a:tailEnd type="triangle"/>
+          </a:ln>
+        </p:spPr>
+        <p:style>
+          <a:lnRef idx="1">
+            <a:schemeClr val="accent1"/>
+          </a:lnRef>
+          <a:fillRef idx="0">
+            <a:schemeClr val="accent1"/>
+          </a:fillRef>
+          <a:effectRef idx="0">
+            <a:schemeClr val="accent1"/>
+          </a:effectRef>
+          <a:fontRef idx="minor">
+            <a:schemeClr val="tx1"/>
+          </a:fontRef>
+        </p:style>
+      </p:cxnSp>
+      <p:sp>
+        <p:nvSpPr>
+          <p:cNvPr id="23" name="文本框 22">
+            <a:extLst>
+              <a:ext uri="{FF2B5EF4-FFF2-40B4-BE49-F238E27FC236}">
+                <a16:creationId xmlns:a16="http://schemas.microsoft.com/office/drawing/2014/main" id="{0705A34E-719D-9993-979F-894032757991}"/>
+              </a:ext>
+            </a:extLst>
+          </p:cNvPr>
+          <p:cNvSpPr txBox="1"/>
+          <p:nvPr/>
+        </p:nvSpPr>
+        <p:spPr>
+          <a:xfrm>
+            <a:off x="9972602" y="3004633"/>
+            <a:ext cx="1149084" cy="430887"/>
+          </a:xfrm>
+          <a:prstGeom prst="rect">
+            <a:avLst/>
+          </a:prstGeom>
+          <a:noFill/>
+        </p:spPr>
+        <p:txBody>
+          <a:bodyPr wrap="square" rtlCol="0">
+            <a:spAutoFit/>
+          </a:bodyPr>
+          <a:lstStyle/>
+          <a:p>
+            <a:pPr defTabSz="914433">
+              <a:defRPr/>
+            </a:pPr>
+            <a:r>
+              <a:rPr lang="zh-CN" altLang="en-US" sz="1100" dirty="0">
+                <a:solidFill>
+                  <a:srgbClr val="FF0000"/>
+                </a:solidFill>
+                <a:latin typeface="微软雅黑" panose="020B0503020204020204" pitchFamily="34" charset="-122"/>
+                <a:ea typeface="微软雅黑" panose="020B0503020204020204" pitchFamily="34" charset="-122"/>
+                <a:sym typeface="微软雅黑" panose="020B0503020204020204" pitchFamily="34" charset="-122"/>
+              </a:rPr>
+              <a:t>最多输入</a:t>
+            </a:r>
+            <a:r>
+              <a:rPr lang="en-US" altLang="zh-CN" sz="1100" dirty="0">
+                <a:solidFill>
+                  <a:srgbClr val="FF0000"/>
+                </a:solidFill>
+                <a:latin typeface="微软雅黑" panose="020B0503020204020204" pitchFamily="34" charset="-122"/>
+                <a:ea typeface="微软雅黑" panose="020B0503020204020204" pitchFamily="34" charset="-122"/>
+                <a:sym typeface="微软雅黑" panose="020B0503020204020204" pitchFamily="34" charset="-122"/>
+              </a:rPr>
+              <a:t>20</a:t>
+            </a:r>
+            <a:r>
+              <a:rPr lang="zh-CN" altLang="en-US" sz="1100" dirty="0">
+                <a:solidFill>
+                  <a:srgbClr val="FF0000"/>
+                </a:solidFill>
+                <a:latin typeface="微软雅黑" panose="020B0503020204020204" pitchFamily="34" charset="-122"/>
+                <a:ea typeface="微软雅黑" panose="020B0503020204020204" pitchFamily="34" charset="-122"/>
+                <a:sym typeface="微软雅黑" panose="020B0503020204020204" pitchFamily="34" charset="-122"/>
+              </a:rPr>
+              <a:t>个序列</a:t>
+            </a:r>
+            <a:endParaRPr kumimoji="0" lang="zh-CN" altLang="en-US" sz="800" i="0" u="none" strike="noStrike" kern="1200" cap="none" spc="0" normalizeH="0" baseline="0" noProof="0" dirty="0">
+              <a:ln>
+                <a:noFill/>
+              </a:ln>
+              <a:solidFill>
+                <a:srgbClr val="FF0000"/>
+              </a:solidFill>
+              <a:effectLst/>
+              <a:uLnTx/>
+              <a:uFillTx/>
+              <a:latin typeface="微软雅黑" panose="020B0503020204020204" pitchFamily="34" charset="-122"/>
+              <a:ea typeface="微软雅黑" panose="020B0503020204020204" pitchFamily="34" charset="-122"/>
+              <a:cs typeface="+mn-cs"/>
+              <a:sym typeface="微软雅黑" panose="020B0503020204020204" pitchFamily="34" charset="-122"/>
+            </a:endParaRPr>
+          </a:p>
+        </p:txBody>
+      </p:sp>
       <p:pic>
         <p:nvPicPr>
-          <p:cNvPr id="4" name="图片 3">
+          <p:cNvPr id="24" name="图片 23">
             <a:extLst>
               <a:ext uri="{FF2B5EF4-FFF2-40B4-BE49-F238E27FC236}">
-                <a16:creationId xmlns:a16="http://schemas.microsoft.com/office/drawing/2014/main" id="{63B15C45-D3EA-153C-0406-CB3007FE8C15}"/>
+                <a16:creationId xmlns:a16="http://schemas.microsoft.com/office/drawing/2014/main" id="{B92D6F47-C236-18A6-51D1-DD5727E1EB20}"/>
+              </a:ext>
+            </a:extLst>
+          </p:cNvPr>
+          <p:cNvPicPr>
+            <a:picLocks noChangeAspect="1"/>
+          </p:cNvPicPr>
+          <p:nvPr/>
+        </p:nvPicPr>
+        <p:blipFill>
+          <a:blip r:embed="rId4"/>
+          <a:stretch>
+            <a:fillRect/>
+          </a:stretch>
+        </p:blipFill>
+        <p:spPr>
+          <a:xfrm>
+            <a:off x="2246032" y="4028189"/>
+            <a:ext cx="7533719" cy="2200959"/>
+          </a:xfrm>
+          <a:prstGeom prst="rect">
+            <a:avLst/>
+          </a:prstGeom>
+        </p:spPr>
+      </p:pic>
+      <p:cxnSp>
+        <p:nvCxnSpPr>
+          <p:cNvPr id="27" name="直线箭头连接符 26">
+            <a:extLst>
+              <a:ext uri="{FF2B5EF4-FFF2-40B4-BE49-F238E27FC236}">
+                <a16:creationId xmlns:a16="http://schemas.microsoft.com/office/drawing/2014/main" id="{4F313BE9-4AA3-F23B-82FA-D75DEEF86190}"/>
+              </a:ext>
+            </a:extLst>
+          </p:cNvPr>
+          <p:cNvCxnSpPr>
+            <a:cxnSpLocks/>
+          </p:cNvCxnSpPr>
+          <p:nvPr/>
+        </p:nvCxnSpPr>
+        <p:spPr>
+          <a:xfrm flipV="1">
+            <a:off x="3715998" y="7769228"/>
+            <a:ext cx="921350" cy="10601"/>
+          </a:xfrm>
+          <a:prstGeom prst="straightConnector1">
+            <a:avLst/>
+          </a:prstGeom>
+          <a:ln>
+            <a:tailEnd type="triangle"/>
+          </a:ln>
+        </p:spPr>
+        <p:style>
+          <a:lnRef idx="1">
+            <a:schemeClr val="accent1"/>
+          </a:lnRef>
+          <a:fillRef idx="0">
+            <a:schemeClr val="accent1"/>
+          </a:fillRef>
+          <a:effectRef idx="0">
+            <a:schemeClr val="accent1"/>
+          </a:effectRef>
+          <a:fontRef idx="minor">
+            <a:schemeClr val="tx1"/>
+          </a:fontRef>
+        </p:style>
+      </p:cxnSp>
+      <p:sp>
+        <p:nvSpPr>
+          <p:cNvPr id="32" name="文本框 31">
+            <a:extLst>
+              <a:ext uri="{FF2B5EF4-FFF2-40B4-BE49-F238E27FC236}">
+                <a16:creationId xmlns:a16="http://schemas.microsoft.com/office/drawing/2014/main" id="{849FB580-BE1F-E5C6-8151-9BA14FF8941E}"/>
+              </a:ext>
+            </a:extLst>
+          </p:cNvPr>
+          <p:cNvSpPr txBox="1"/>
+          <p:nvPr/>
+        </p:nvSpPr>
+        <p:spPr>
+          <a:xfrm>
+            <a:off x="2426521" y="7675617"/>
+            <a:ext cx="1474829" cy="261610"/>
+          </a:xfrm>
+          <a:prstGeom prst="rect">
+            <a:avLst/>
+          </a:prstGeom>
+          <a:noFill/>
+        </p:spPr>
+        <p:txBody>
+          <a:bodyPr wrap="square" rtlCol="0">
+            <a:spAutoFit/>
+          </a:bodyPr>
+          <a:lstStyle/>
+          <a:p>
+            <a:pPr defTabSz="914433">
+              <a:defRPr/>
+            </a:pPr>
+            <a:r>
+              <a:rPr lang="zh-CN" altLang="en-US" sz="1100" dirty="0">
+                <a:solidFill>
+                  <a:srgbClr val="FF0000"/>
+                </a:solidFill>
+                <a:latin typeface="微软雅黑" panose="020B0503020204020204" pitchFamily="34" charset="-122"/>
+                <a:ea typeface="微软雅黑" panose="020B0503020204020204" pitchFamily="34" charset="-122"/>
+                <a:sym typeface="微软雅黑" panose="020B0503020204020204" pitchFamily="34" charset="-122"/>
+              </a:rPr>
+              <a:t>见</a:t>
+            </a:r>
+            <a:r>
+              <a:rPr lang="en-US" altLang="zh-CN" sz="1100" dirty="0" err="1">
+                <a:solidFill>
+                  <a:srgbClr val="FF0000"/>
+                </a:solidFill>
+                <a:latin typeface="微软雅黑" panose="020B0503020204020204" pitchFamily="34" charset="-122"/>
+                <a:ea typeface="微软雅黑" panose="020B0503020204020204" pitchFamily="34" charset="-122"/>
+                <a:sym typeface="微软雅黑" panose="020B0503020204020204" pitchFamily="34" charset="-122"/>
+              </a:rPr>
+              <a:t>blast_input.txt</a:t>
+            </a:r>
+            <a:endParaRPr kumimoji="0" lang="zh-CN" altLang="en-US" sz="800" i="0" u="none" strike="noStrike" kern="1200" cap="none" spc="0" normalizeH="0" baseline="0" noProof="0" dirty="0">
+              <a:ln>
+                <a:noFill/>
+              </a:ln>
+              <a:solidFill>
+                <a:srgbClr val="FF0000"/>
+              </a:solidFill>
+              <a:effectLst/>
+              <a:uLnTx/>
+              <a:uFillTx/>
+              <a:latin typeface="微软雅黑" panose="020B0503020204020204" pitchFamily="34" charset="-122"/>
+              <a:ea typeface="微软雅黑" panose="020B0503020204020204" pitchFamily="34" charset="-122"/>
+              <a:cs typeface="+mn-cs"/>
+              <a:sym typeface="微软雅黑" panose="020B0503020204020204" pitchFamily="34" charset="-122"/>
+            </a:endParaRPr>
+          </a:p>
+        </p:txBody>
+      </p:sp>
+      <p:pic>
+        <p:nvPicPr>
+          <p:cNvPr id="33" name="图片 32">
+            <a:extLst>
+              <a:ext uri="{FF2B5EF4-FFF2-40B4-BE49-F238E27FC236}">
+                <a16:creationId xmlns:a16="http://schemas.microsoft.com/office/drawing/2014/main" id="{A903BD54-6359-DFA7-181C-8356F6FD5885}"/>
               </a:ext>
             </a:extLst>
           </p:cNvPr>
@@ -8741,8 +9201,8 @@
         </p:blipFill>
         <p:spPr>
           <a:xfrm>
-            <a:off x="3714058" y="8523217"/>
-            <a:ext cx="4406900" cy="4914900"/>
+            <a:off x="2126691" y="9581686"/>
+            <a:ext cx="7772400" cy="3098411"/>
           </a:xfrm>
           <a:prstGeom prst="rect">
             <a:avLst/>
@@ -8751,10 +9211,164 @@
       </p:pic>
       <p:sp>
         <p:nvSpPr>
-          <p:cNvPr id="6" name="文本框 5">
+          <p:cNvPr id="35" name="圆角矩形 34">
             <a:extLst>
               <a:ext uri="{FF2B5EF4-FFF2-40B4-BE49-F238E27FC236}">
-                <a16:creationId xmlns:a16="http://schemas.microsoft.com/office/drawing/2014/main" id="{0A867E73-3589-AC53-2E81-FF493EB950B9}"/>
+                <a16:creationId xmlns:a16="http://schemas.microsoft.com/office/drawing/2014/main" id="{868EC310-84B9-F152-35F1-AED5F434B559}"/>
+              </a:ext>
+            </a:extLst>
+          </p:cNvPr>
+          <p:cNvSpPr/>
+          <p:nvPr/>
+        </p:nvSpPr>
+        <p:spPr>
+          <a:xfrm>
+            <a:off x="5453284" y="14194992"/>
+            <a:ext cx="1007573" cy="314960"/>
+          </a:xfrm>
+          <a:prstGeom prst="roundRect">
+            <a:avLst/>
+          </a:prstGeom>
+          <a:solidFill>
+            <a:schemeClr val="bg1"/>
+          </a:solidFill>
+          <a:ln w="6350">
+            <a:solidFill>
+              <a:schemeClr val="tx1"/>
+            </a:solidFill>
+          </a:ln>
+        </p:spPr>
+        <p:style>
+          <a:lnRef idx="2">
+            <a:schemeClr val="accent1">
+              <a:shade val="15000"/>
+            </a:schemeClr>
+          </a:lnRef>
+          <a:fillRef idx="1">
+            <a:schemeClr val="accent1"/>
+          </a:fillRef>
+          <a:effectRef idx="0">
+            <a:schemeClr val="accent1"/>
+          </a:effectRef>
+          <a:fontRef idx="minor">
+            <a:schemeClr val="lt1"/>
+          </a:fontRef>
+        </p:style>
+        <p:txBody>
+          <a:bodyPr rtlCol="0" anchor="ctr"/>
+          <a:lstStyle/>
+          <a:p>
+            <a:pPr marL="0" marR="0" lvl="0" indent="0" algn="ctr" defTabSz="457180" rtl="0" eaLnBrk="1" fontAlgn="auto" latinLnBrk="0" hangingPunct="1">
+              <a:lnSpc>
+                <a:spcPct val="100000"/>
+              </a:lnSpc>
+              <a:spcBef>
+                <a:spcPts val="0"/>
+              </a:spcBef>
+              <a:spcAft>
+                <a:spcPts val="0"/>
+              </a:spcAft>
+              <a:buClrTx/>
+              <a:buSzTx/>
+              <a:buFontTx/>
+              <a:buNone/>
+              <a:tabLst/>
+              <a:defRPr/>
+            </a:pPr>
+            <a:r>
+              <a:rPr kumimoji="1" lang="en-US" altLang="zh-CN" sz="1200" dirty="0">
+                <a:solidFill>
+                  <a:schemeClr val="tx1"/>
+                </a:solidFill>
+                <a:latin typeface="Calibri" panose="020F0502020204030204"/>
+                <a:ea typeface="等线" panose="02010600030101010101" pitchFamily="2" charset="-122"/>
+              </a:rPr>
+              <a:t>Get</a:t>
+            </a:r>
+            <a:r>
+              <a:rPr kumimoji="1" lang="zh-CN" altLang="en-US" sz="1200" dirty="0">
+                <a:solidFill>
+                  <a:schemeClr val="tx1"/>
+                </a:solidFill>
+                <a:latin typeface="Calibri" panose="020F0502020204030204"/>
+                <a:ea typeface="等线" panose="02010600030101010101" pitchFamily="2" charset="-122"/>
+              </a:rPr>
+              <a:t> </a:t>
+            </a:r>
+            <a:r>
+              <a:rPr kumimoji="1" lang="en-US" altLang="zh-CN" sz="1200" dirty="0">
+                <a:solidFill>
+                  <a:schemeClr val="tx1"/>
+                </a:solidFill>
+                <a:latin typeface="Calibri" panose="020F0502020204030204"/>
+                <a:ea typeface="等线" panose="02010600030101010101" pitchFamily="2" charset="-122"/>
+              </a:rPr>
+              <a:t>Seq</a:t>
+            </a:r>
+            <a:endParaRPr kumimoji="1" lang="zh-CN" altLang="en-US" sz="1200" b="0" i="0" u="none" strike="noStrike" kern="1200" cap="none" spc="0" normalizeH="0" baseline="0" noProof="0" dirty="0">
+              <a:ln>
+                <a:noFill/>
+              </a:ln>
+              <a:solidFill>
+                <a:schemeClr val="tx1"/>
+              </a:solidFill>
+              <a:effectLst/>
+              <a:uLnTx/>
+              <a:uFillTx/>
+              <a:latin typeface="Calibri" panose="020F0502020204030204"/>
+              <a:ea typeface="等线" panose="02010600030101010101" pitchFamily="2" charset="-122"/>
+              <a:cs typeface="+mn-cs"/>
+            </a:endParaRPr>
+          </a:p>
+        </p:txBody>
+      </p:sp>
+      <p:cxnSp>
+        <p:nvCxnSpPr>
+          <p:cNvPr id="36" name="直线箭头连接符 35">
+            <a:extLst>
+              <a:ext uri="{FF2B5EF4-FFF2-40B4-BE49-F238E27FC236}">
+                <a16:creationId xmlns:a16="http://schemas.microsoft.com/office/drawing/2014/main" id="{7C8EC88A-EA15-D8BC-6632-29ED57338F98}"/>
+              </a:ext>
+            </a:extLst>
+          </p:cNvPr>
+          <p:cNvCxnSpPr>
+            <a:cxnSpLocks/>
+          </p:cNvCxnSpPr>
+          <p:nvPr/>
+        </p:nvCxnSpPr>
+        <p:spPr>
+          <a:xfrm flipH="1" flipV="1">
+            <a:off x="6350752" y="14352472"/>
+            <a:ext cx="1031683" cy="241472"/>
+          </a:xfrm>
+          <a:prstGeom prst="straightConnector1">
+            <a:avLst/>
+          </a:prstGeom>
+          <a:ln>
+            <a:tailEnd type="triangle"/>
+          </a:ln>
+        </p:spPr>
+        <p:style>
+          <a:lnRef idx="1">
+            <a:schemeClr val="accent1"/>
+          </a:lnRef>
+          <a:fillRef idx="0">
+            <a:schemeClr val="accent1"/>
+          </a:fillRef>
+          <a:effectRef idx="0">
+            <a:schemeClr val="accent1"/>
+          </a:effectRef>
+          <a:fontRef idx="minor">
+            <a:schemeClr val="tx1"/>
+          </a:fontRef>
+        </p:style>
+      </p:cxnSp>
+      <p:sp>
+        <p:nvSpPr>
+          <p:cNvPr id="38" name="文本框 37">
+            <a:extLst>
+              <a:ext uri="{FF2B5EF4-FFF2-40B4-BE49-F238E27FC236}">
+                <a16:creationId xmlns:a16="http://schemas.microsoft.com/office/drawing/2014/main" id="{D54B8B0E-9118-CC69-14A9-E638BDD45DFD}"/>
               </a:ext>
             </a:extLst>
           </p:cNvPr>
@@ -8763,8 +9377,8 @@
         </p:nvSpPr>
         <p:spPr>
           <a:xfrm>
-            <a:off x="5049031" y="13814529"/>
-            <a:ext cx="2081252" cy="281792"/>
+            <a:off x="7382435" y="14480118"/>
+            <a:ext cx="1474829" cy="261610"/>
           </a:xfrm>
           <a:prstGeom prst="rect">
             <a:avLst/>
@@ -8777,74 +9391,37 @@
           </a:bodyPr>
           <a:lstStyle/>
           <a:p>
-            <a:pPr marL="0" marR="0" lvl="0" indent="0" algn="l" defTabSz="914433" rtl="0" eaLnBrk="1" fontAlgn="auto" latinLnBrk="0" hangingPunct="1">
-              <a:lnSpc>
-                <a:spcPct val="100000"/>
-              </a:lnSpc>
-              <a:spcBef>
-                <a:spcPts val="0"/>
-              </a:spcBef>
-              <a:spcAft>
-                <a:spcPts val="0"/>
-              </a:spcAft>
-              <a:buClrTx/>
-              <a:buSzTx/>
-              <a:buFontTx/>
-              <a:buNone/>
-              <a:tabLst/>
+            <a:pPr defTabSz="914433">
               <a:defRPr/>
             </a:pPr>
             <a:r>
-              <a:rPr kumimoji="0" lang="zh-CN" altLang="en" sz="1200" b="1" i="0" u="none" strike="noStrike" kern="1200" cap="none" spc="0" normalizeH="0" baseline="0" noProof="0" dirty="0">
-                <a:ln>
-                  <a:noFill/>
-                </a:ln>
-                <a:solidFill>
-                  <a:prstClr val="black">
-                    <a:lumMod val="75000"/>
-                    <a:lumOff val="25000"/>
-                  </a:prstClr>
-                </a:solidFill>
-                <a:effectLst/>
-                <a:uLnTx/>
-                <a:uFillTx/>
+              <a:rPr lang="zh-CN" altLang="en-US" sz="1100" dirty="0">
+                <a:solidFill>
+                  <a:srgbClr val="FF0000"/>
+                </a:solidFill>
                 <a:latin typeface="微软雅黑" panose="020B0503020204020204" pitchFamily="34" charset="-122"/>
                 <a:ea typeface="微软雅黑" panose="020B0503020204020204" pitchFamily="34" charset="-122"/>
-                <a:cs typeface="+mn-cs"/>
                 <a:sym typeface="微软雅黑" panose="020B0503020204020204" pitchFamily="34" charset="-122"/>
               </a:rPr>
-              <a:t>展示</a:t>
-            </a:r>
-            <a:r>
-              <a:rPr kumimoji="0" lang="zh-CN" altLang="en-US" sz="1200" b="1" i="0" u="none" strike="noStrike" kern="1200" cap="none" spc="0" normalizeH="0" baseline="0" noProof="0" dirty="0">
-                <a:ln>
-                  <a:noFill/>
-                </a:ln>
-                <a:solidFill>
-                  <a:prstClr val="black">
-                    <a:lumMod val="75000"/>
-                    <a:lumOff val="25000"/>
-                  </a:prstClr>
-                </a:solidFill>
-                <a:effectLst/>
-                <a:uLnTx/>
-                <a:uFillTx/>
+              <a:t>获得</a:t>
+            </a:r>
+            <a:r>
+              <a:rPr lang="en" altLang="zh-CN" sz="1100" dirty="0" err="1">
+                <a:solidFill>
+                  <a:srgbClr val="FF0000"/>
+                </a:solidFill>
                 <a:latin typeface="微软雅黑" panose="020B0503020204020204" pitchFamily="34" charset="-122"/>
                 <a:ea typeface="微软雅黑" panose="020B0503020204020204" pitchFamily="34" charset="-122"/>
-                <a:cs typeface="+mn-cs"/>
                 <a:sym typeface="微软雅黑" panose="020B0503020204020204" pitchFamily="34" charset="-122"/>
               </a:rPr>
-              <a:t>预测结果表格即可</a:t>
-            </a:r>
-            <a:endParaRPr kumimoji="0" lang="en" altLang="zh-CN" sz="1200" b="1" i="0" u="none" strike="noStrike" kern="1200" cap="none" spc="0" normalizeH="0" baseline="0" noProof="0" dirty="0">
+              <a:t>blast_seq.fasta</a:t>
+            </a:r>
+            <a:endParaRPr kumimoji="0" lang="zh-CN" altLang="en-US" sz="800" i="0" u="none" strike="noStrike" kern="1200" cap="none" spc="0" normalizeH="0" baseline="0" noProof="0" dirty="0">
               <a:ln>
                 <a:noFill/>
               </a:ln>
               <a:solidFill>
-                <a:prstClr val="black">
-                  <a:lumMod val="75000"/>
-                  <a:lumOff val="25000"/>
-                </a:prstClr>
+                <a:srgbClr val="FF0000"/>
               </a:solidFill>
               <a:effectLst/>
               <a:uLnTx/>
@@ -8859,10 +9436,84 @@
       </p:sp>
       <p:sp>
         <p:nvSpPr>
-          <p:cNvPr id="18" name="圆角矩形 17">
+          <p:cNvPr id="2" name="文本框 1">
             <a:extLst>
               <a:ext uri="{FF2B5EF4-FFF2-40B4-BE49-F238E27FC236}">
-                <a16:creationId xmlns:a16="http://schemas.microsoft.com/office/drawing/2014/main" id="{EDA8F831-C077-243B-4A9A-DD16FF1D1471}"/>
+                <a16:creationId xmlns:a16="http://schemas.microsoft.com/office/drawing/2014/main" id="{521CD458-F1EF-B3CE-8271-A1C8D5D936AC}"/>
+              </a:ext>
+            </a:extLst>
+          </p:cNvPr>
+          <p:cNvSpPr txBox="1"/>
+          <p:nvPr/>
+        </p:nvSpPr>
+        <p:spPr>
+          <a:xfrm>
+            <a:off x="4294886" y="6886543"/>
+            <a:ext cx="1007573" cy="229046"/>
+          </a:xfrm>
+          <a:prstGeom prst="rect">
+            <a:avLst/>
+          </a:prstGeom>
+          <a:noFill/>
+        </p:spPr>
+        <p:txBody>
+          <a:bodyPr wrap="square" rtlCol="0">
+            <a:spAutoFit/>
+          </a:bodyPr>
+          <a:lstStyle/>
+          <a:p>
+            <a:pPr defTabSz="914433">
+              <a:defRPr/>
+            </a:pPr>
+            <a:r>
+              <a:rPr kumimoji="0" lang="en-US" altLang="zh-CN" sz="900" b="1" i="0" u="none" strike="noStrike" kern="1200" cap="none" spc="0" normalizeH="0" baseline="0" noProof="0" dirty="0">
+                <a:ln>
+                  <a:noFill/>
+                </a:ln>
+                <a:solidFill>
+                  <a:srgbClr val="4472C4">
+                    <a:lumMod val="50000"/>
+                  </a:srgbClr>
+                </a:solidFill>
+                <a:effectLst/>
+                <a:uLnTx/>
+                <a:uFillTx/>
+                <a:latin typeface="微软雅黑" panose="020B0503020204020204" pitchFamily="34" charset="-122"/>
+                <a:ea typeface="微软雅黑" panose="020B0503020204020204" pitchFamily="34" charset="-122"/>
+                <a:cs typeface="+mn-cs"/>
+                <a:sym typeface="微软雅黑" panose="020B0503020204020204" pitchFamily="34" charset="-122"/>
+              </a:rPr>
+              <a:t>E-value</a:t>
+            </a:r>
+            <a:r>
+              <a:rPr kumimoji="0" lang="zh-CN" altLang="en-US" sz="900" b="1" i="0" u="none" strike="noStrike" kern="1200" cap="none" spc="0" normalizeH="0" baseline="0" noProof="0" dirty="0">
+                <a:ln>
+                  <a:noFill/>
+                </a:ln>
+                <a:solidFill>
+                  <a:srgbClr val="4472C4">
+                    <a:lumMod val="50000"/>
+                  </a:srgbClr>
+                </a:solidFill>
+                <a:effectLst/>
+                <a:uLnTx/>
+                <a:uFillTx/>
+                <a:latin typeface="微软雅黑" panose="020B0503020204020204" pitchFamily="34" charset="-122"/>
+                <a:ea typeface="微软雅黑" panose="020B0503020204020204" pitchFamily="34" charset="-122"/>
+                <a:cs typeface="+mn-cs"/>
+                <a:sym typeface="微软雅黑" panose="020B0503020204020204" pitchFamily="34" charset="-122"/>
+              </a:rPr>
+              <a:t>：</a:t>
+            </a:r>
+          </a:p>
+        </p:txBody>
+      </p:sp>
+      <p:sp>
+        <p:nvSpPr>
+          <p:cNvPr id="3" name="圆角矩形 2">
+            <a:extLst>
+              <a:ext uri="{FF2B5EF4-FFF2-40B4-BE49-F238E27FC236}">
+                <a16:creationId xmlns:a16="http://schemas.microsoft.com/office/drawing/2014/main" id="{029EAE48-7924-800B-A6E3-24B705FF42C2}"/>
               </a:ext>
             </a:extLst>
           </p:cNvPr>
@@ -8871,13 +9522,11 @@
         </p:nvSpPr>
         <p:spPr>
           <a:xfrm>
-            <a:off x="4218013" y="4438721"/>
-            <a:ext cx="3573957" cy="379318"/>
+            <a:off x="4929569" y="6807268"/>
+            <a:ext cx="1810326" cy="387598"/>
           </a:xfrm>
           <a:prstGeom prst="roundRect">
-            <a:avLst>
-              <a:gd name="adj" fmla="val 6174"/>
-            </a:avLst>
+            <a:avLst/>
           </a:prstGeom>
         </p:spPr>
         <p:style>
@@ -8898,7 +9547,7 @@
           <a:bodyPr rtlCol="0" anchor="ctr"/>
           <a:lstStyle/>
           <a:p>
-            <a:pPr marL="0" marR="0" lvl="0" indent="0" defTabSz="914433" rtl="0" eaLnBrk="1" fontAlgn="auto" latinLnBrk="0" hangingPunct="1">
+            <a:pPr marL="0" marR="0" lvl="0" indent="0" algn="ctr" defTabSz="914433" rtl="0" eaLnBrk="1" fontAlgn="auto" latinLnBrk="0" hangingPunct="1">
               <a:lnSpc>
                 <a:spcPct val="100000"/>
               </a:lnSpc>
@@ -8932,41 +9581,12 @@
           </a:p>
         </p:txBody>
       </p:sp>
-      <p:pic>
-        <p:nvPicPr>
-          <p:cNvPr id="19" name="图片 18">
+      <p:sp>
+        <p:nvSpPr>
+          <p:cNvPr id="4" name="文本框 3">
             <a:extLst>
               <a:ext uri="{FF2B5EF4-FFF2-40B4-BE49-F238E27FC236}">
-                <a16:creationId xmlns:a16="http://schemas.microsoft.com/office/drawing/2014/main" id="{DE53AE7F-77C4-DC8D-72AC-4A4EAB41A3A5}"/>
-              </a:ext>
-            </a:extLst>
-          </p:cNvPr>
-          <p:cNvPicPr>
-            <a:picLocks noChangeAspect="1"/>
-          </p:cNvPicPr>
-          <p:nvPr/>
-        </p:nvPicPr>
-        <p:blipFill rotWithShape="1">
-          <a:blip r:embed="rId6"/>
-          <a:srcRect r="78674" b="2734"/>
-          <a:stretch/>
-        </p:blipFill>
-        <p:spPr>
-          <a:xfrm>
-            <a:off x="4285302" y="4519863"/>
-            <a:ext cx="331383" cy="280058"/>
-          </a:xfrm>
-          <a:prstGeom prst="rect">
-            <a:avLst/>
-          </a:prstGeom>
-        </p:spPr>
-      </p:pic>
-      <p:sp>
-        <p:nvSpPr>
-          <p:cNvPr id="20" name="文本框 19">
-            <a:extLst>
-              <a:ext uri="{FF2B5EF4-FFF2-40B4-BE49-F238E27FC236}">
-                <a16:creationId xmlns:a16="http://schemas.microsoft.com/office/drawing/2014/main" id="{048B3A95-7024-8FB3-6C35-FDC274545AC8}"/>
+                <a16:creationId xmlns:a16="http://schemas.microsoft.com/office/drawing/2014/main" id="{EDCA3D5A-1B7F-7B17-B506-557908D5352A}"/>
               </a:ext>
             </a:extLst>
           </p:cNvPr>
@@ -8975,8 +9595,8 @@
         </p:nvSpPr>
         <p:spPr>
           <a:xfrm>
-            <a:off x="4564780" y="4529714"/>
-            <a:ext cx="3010537" cy="230832"/>
+            <a:off x="5075864" y="6911813"/>
+            <a:ext cx="745534" cy="230832"/>
           </a:xfrm>
           <a:prstGeom prst="rect">
             <a:avLst/>
@@ -8989,7 +9609,21 @@
           </a:bodyPr>
           <a:lstStyle/>
           <a:p>
-            <a:pPr defTabSz="914433">
+            <a:pPr marL="0" marR="0" lvl="0" indent="0" algn="l" defTabSz="914433" rtl="0" eaLnBrk="1" fontAlgn="auto" latinLnBrk="0" hangingPunct="1">
+              <a:lnSpc>
+                <a:spcPct val="100000"/>
+              </a:lnSpc>
+              <a:spcBef>
+                <a:spcPts val="0"/>
+              </a:spcBef>
+              <a:spcAft>
+                <a:spcPts val="0"/>
+              </a:spcAft>
+              <a:buClrTx/>
+              <a:buSzTx/>
+              <a:buFontTx/>
+              <a:buNone/>
+              <a:tabLst/>
               <a:defRPr/>
             </a:pPr>
             <a:r>
@@ -9010,7 +9644,7 @@
                 <a:cs typeface="+mn-cs"/>
                 <a:sym typeface="微软雅黑" panose="020B0503020204020204" pitchFamily="34" charset="-122"/>
               </a:rPr>
-              <a:t>Click to Upload the protein sequence fasta file</a:t>
+              <a:t>1e-6</a:t>
             </a:r>
             <a:endParaRPr kumimoji="0" lang="zh-CN" altLang="en-US" sz="900" b="1" i="0" u="none" strike="noStrike" kern="1200" cap="none" spc="0" normalizeH="0" baseline="0" noProof="0" dirty="0">
               <a:ln>
@@ -9032,98 +9666,40 @@
           </a:p>
         </p:txBody>
       </p:sp>
-      <p:sp>
-        <p:nvSpPr>
-          <p:cNvPr id="21" name="文本框 20">
+      <p:pic>
+        <p:nvPicPr>
+          <p:cNvPr id="8" name="图片 7">
             <a:extLst>
               <a:ext uri="{FF2B5EF4-FFF2-40B4-BE49-F238E27FC236}">
-                <a16:creationId xmlns:a16="http://schemas.microsoft.com/office/drawing/2014/main" id="{904A950D-7659-31E1-AD30-7A40C83F5B54}"/>
+                <a16:creationId xmlns:a16="http://schemas.microsoft.com/office/drawing/2014/main" id="{A2A591FF-899B-C616-E167-DC21248CD83E}"/>
               </a:ext>
             </a:extLst>
           </p:cNvPr>
-          <p:cNvSpPr txBox="1"/>
+          <p:cNvPicPr>
+            <a:picLocks noChangeAspect="1"/>
+          </p:cNvPicPr>
           <p:nvPr/>
-        </p:nvSpPr>
-        <p:spPr>
-          <a:xfrm>
-            <a:off x="209318" y="275882"/>
-            <a:ext cx="9284306" cy="307905"/>
+        </p:nvPicPr>
+        <p:blipFill>
+          <a:blip r:embed="rId6"/>
+          <a:stretch>
+            <a:fillRect/>
+          </a:stretch>
+        </p:blipFill>
+        <p:spPr>
+          <a:xfrm>
+            <a:off x="6370603" y="6901933"/>
+            <a:ext cx="355600" cy="198267"/>
           </a:xfrm>
           <a:prstGeom prst="rect">
             <a:avLst/>
           </a:prstGeom>
-          <a:noFill/>
-        </p:spPr>
-        <p:txBody>
-          <a:bodyPr wrap="square" rtlCol="0">
-            <a:spAutoFit/>
-          </a:bodyPr>
-          <a:lstStyle/>
-          <a:p>
-            <a:pPr marL="0" marR="0" lvl="0" indent="0" algn="l" defTabSz="914433" rtl="0" eaLnBrk="1" fontAlgn="auto" latinLnBrk="0" hangingPunct="1">
-              <a:lnSpc>
-                <a:spcPct val="100000"/>
-              </a:lnSpc>
-              <a:spcBef>
-                <a:spcPts val="0"/>
-              </a:spcBef>
-              <a:spcAft>
-                <a:spcPts val="0"/>
-              </a:spcAft>
-              <a:buClrTx/>
-              <a:buSzTx/>
-              <a:buFontTx/>
-              <a:buNone/>
-              <a:tabLst/>
-              <a:defRPr/>
-            </a:pPr>
-            <a:r>
-              <a:rPr kumimoji="0" lang="en-US" altLang="zh-CN" sz="1401" b="1" i="0" u="none" strike="noStrike" kern="1200" cap="none" spc="0" normalizeH="0" baseline="0" noProof="0" dirty="0">
-                <a:ln>
-                  <a:noFill/>
-                </a:ln>
-                <a:solidFill>
-                  <a:srgbClr val="E7E6E6">
-                    <a:lumMod val="25000"/>
-                  </a:srgbClr>
-                </a:solidFill>
-                <a:effectLst/>
-                <a:uLnTx/>
-                <a:uFillTx/>
-                <a:latin typeface="微软雅黑" panose="020B0503020204020204" pitchFamily="34" charset="-122"/>
-                <a:ea typeface="微软雅黑" panose="020B0503020204020204" pitchFamily="34" charset="-122"/>
-                <a:cs typeface="+mn-cs"/>
-                <a:sym typeface="微软雅黑" panose="020B0503020204020204" pitchFamily="34" charset="-122"/>
-              </a:rPr>
-              <a:t>Tools -&gt; TF Prediction </a:t>
-            </a:r>
-            <a:r>
-              <a:rPr kumimoji="0" lang="zh-CN" altLang="en-US" sz="1401" b="1" i="0" u="none" strike="noStrike" kern="1200" cap="none" spc="0" normalizeH="0" baseline="0" noProof="0" dirty="0">
-                <a:ln>
-                  <a:noFill/>
-                </a:ln>
-                <a:solidFill>
-                  <a:srgbClr val="E7E6E6">
-                    <a:lumMod val="25000"/>
-                  </a:srgbClr>
-                </a:solidFill>
-                <a:effectLst/>
-                <a:uLnTx/>
-                <a:uFillTx/>
-                <a:latin typeface="微软雅黑" panose="020B0503020204020204" pitchFamily="34" charset="-122"/>
-                <a:ea typeface="微软雅黑" panose="020B0503020204020204" pitchFamily="34" charset="-122"/>
-                <a:cs typeface="+mn-cs"/>
-                <a:sym typeface="微软雅黑" panose="020B0503020204020204" pitchFamily="34" charset="-122"/>
-              </a:rPr>
-              <a:t>界面参考</a:t>
-            </a:r>
-          </a:p>
-        </p:txBody>
-      </p:sp>
+        </p:spPr>
+      </p:pic>
     </p:spTree>
     <p:extLst>
       <p:ext uri="{BB962C8B-B14F-4D97-AF65-F5344CB8AC3E}">
-        <p14:creationId xmlns:p14="http://schemas.microsoft.com/office/powerpoint/2010/main" val="1161661720"/>
+        <p14:creationId xmlns:p14="http://schemas.microsoft.com/office/powerpoint/2010/main" val="3225921859"/>
       </p:ext>
     </p:extLst>
   </p:cSld>
@@ -9709,7 +10285,7 @@
         </p:nvSpPr>
         <p:spPr>
           <a:xfrm>
-            <a:off x="209318" y="275882"/>
+            <a:off x="299138" y="141445"/>
             <a:ext cx="9284306" cy="307905"/>
           </a:xfrm>
           <a:prstGeom prst="rect">
@@ -9723,21 +10299,7 @@
           </a:bodyPr>
           <a:lstStyle/>
           <a:p>
-            <a:pPr marL="0" marR="0" lvl="0" indent="0" algn="l" defTabSz="914433" rtl="0" eaLnBrk="1" fontAlgn="auto" latinLnBrk="0" hangingPunct="1">
-              <a:lnSpc>
-                <a:spcPct val="100000"/>
-              </a:lnSpc>
-              <a:spcBef>
-                <a:spcPts val="0"/>
-              </a:spcBef>
-              <a:spcAft>
-                <a:spcPts val="0"/>
-              </a:spcAft>
-              <a:buClrTx/>
-              <a:buSzTx/>
-              <a:buFontTx/>
-              <a:buNone/>
-              <a:tabLst/>
+            <a:pPr defTabSz="914433">
               <a:defRPr/>
             </a:pPr>
             <a:r>
@@ -9758,7 +10320,7 @@
                 <a:cs typeface="+mn-cs"/>
                 <a:sym typeface="微软雅黑" panose="020B0503020204020204" pitchFamily="34" charset="-122"/>
               </a:rPr>
-              <a:t>Tools -&gt; Blastp</a:t>
+              <a:t>Tools -&gt; MSA &amp; Tree</a:t>
             </a:r>
             <a:r>
               <a:rPr kumimoji="0" lang="zh-CN" altLang="en-US" sz="1401" b="1" i="0" u="none" strike="noStrike" kern="1200" cap="none" spc="0" normalizeH="0" baseline="0" noProof="0" dirty="0">
@@ -9861,12 +10423,21 @@
             </a:endParaRPr>
           </a:p>
           <a:p>
-            <a:pPr marL="228600" indent="-228600">
+            <a:pPr marL="228600" marR="0" lvl="0" indent="-228600" algn="l" defTabSz="457180" rtl="0" eaLnBrk="1" fontAlgn="auto" latinLnBrk="0" hangingPunct="1">
               <a:lnSpc>
                 <a:spcPct val="150000"/>
               </a:lnSpc>
+              <a:spcBef>
+                <a:spcPts val="0"/>
+              </a:spcBef>
+              <a:spcAft>
+                <a:spcPts val="0"/>
+              </a:spcAft>
+              <a:buClrTx/>
+              <a:buSzTx/>
               <a:buFontTx/>
               <a:buAutoNum type="arabicPeriod"/>
+              <a:tabLst/>
               <a:defRPr/>
             </a:pPr>
             <a:r>
@@ -9889,12 +10460,21 @@
             </a:r>
           </a:p>
           <a:p>
-            <a:pPr marL="228600" indent="-228600">
+            <a:pPr marL="228600" marR="0" lvl="0" indent="-228600" algn="l" defTabSz="457180" rtl="0" eaLnBrk="1" fontAlgn="auto" latinLnBrk="0" hangingPunct="1">
               <a:lnSpc>
                 <a:spcPct val="150000"/>
               </a:lnSpc>
+              <a:spcBef>
+                <a:spcPts val="0"/>
+              </a:spcBef>
+              <a:spcAft>
+                <a:spcPts val="0"/>
+              </a:spcAft>
+              <a:buClrTx/>
+              <a:buSzTx/>
               <a:buFontTx/>
               <a:buAutoNum type="arabicPeriod"/>
+              <a:tabLst/>
               <a:defRPr/>
             </a:pPr>
             <a:r>
@@ -9932,7 +10512,7 @@
         </p:nvSpPr>
         <p:spPr>
           <a:xfrm>
-            <a:off x="4601370" y="7610200"/>
+            <a:off x="4587000" y="6349536"/>
             <a:ext cx="1007573" cy="314960"/>
           </a:xfrm>
           <a:prstGeom prst="roundRect">
@@ -10038,7 +10618,7 @@
         </p:nvSpPr>
         <p:spPr>
           <a:xfrm>
-            <a:off x="6151765" y="7610200"/>
+            <a:off x="6137395" y="6349536"/>
             <a:ext cx="1007573" cy="314960"/>
           </a:xfrm>
           <a:prstGeom prst="roundRect">
@@ -10145,7 +10725,7 @@
         </p:nvCxnSpPr>
         <p:spPr>
           <a:xfrm>
-            <a:off x="765305" y="8335030"/>
+            <a:off x="779508" y="7172918"/>
             <a:ext cx="10383532" cy="0"/>
           </a:xfrm>
           <a:prstGeom prst="line">
@@ -10190,7 +10770,7 @@
         </p:nvCxnSpPr>
         <p:spPr>
           <a:xfrm>
-            <a:off x="6655552" y="7925160"/>
+            <a:off x="6665052" y="6664496"/>
             <a:ext cx="0" cy="940456"/>
           </a:xfrm>
           <a:prstGeom prst="straightConnector1">
@@ -10215,135 +10795,6 @@
           </a:fontRef>
         </p:style>
       </p:cxnSp>
-      <p:sp>
-        <p:nvSpPr>
-          <p:cNvPr id="31" name="文本框 30">
-            <a:extLst>
-              <a:ext uri="{FF2B5EF4-FFF2-40B4-BE49-F238E27FC236}">
-                <a16:creationId xmlns:a16="http://schemas.microsoft.com/office/drawing/2014/main" id="{C0C63F25-B41A-AA4D-EB53-09E8D03FCA6A}"/>
-              </a:ext>
-            </a:extLst>
-          </p:cNvPr>
-          <p:cNvSpPr txBox="1"/>
-          <p:nvPr/>
-        </p:nvSpPr>
-        <p:spPr>
-          <a:xfrm>
-            <a:off x="959505" y="8588617"/>
-            <a:ext cx="3406426" cy="276999"/>
-          </a:xfrm>
-          <a:prstGeom prst="rect">
-            <a:avLst/>
-          </a:prstGeom>
-          <a:noFill/>
-        </p:spPr>
-        <p:txBody>
-          <a:bodyPr wrap="square" rtlCol="0">
-            <a:spAutoFit/>
-          </a:bodyPr>
-          <a:lstStyle/>
-          <a:p>
-            <a:pPr marL="0" marR="0" lvl="0" indent="0" algn="l" defTabSz="914433" rtl="0" eaLnBrk="1" fontAlgn="auto" latinLnBrk="0" hangingPunct="1">
-              <a:lnSpc>
-                <a:spcPct val="100000"/>
-              </a:lnSpc>
-              <a:spcBef>
-                <a:spcPts val="0"/>
-              </a:spcBef>
-              <a:spcAft>
-                <a:spcPts val="0"/>
-              </a:spcAft>
-              <a:buClrTx/>
-              <a:buSzTx/>
-              <a:buFontTx/>
-              <a:buNone/>
-              <a:tabLst/>
-              <a:defRPr/>
-            </a:pPr>
-            <a:r>
-              <a:rPr kumimoji="0" lang="en" altLang="zh-CN" sz="1200" b="1" i="0" u="none" strike="noStrike" kern="1200" cap="none" spc="0" normalizeH="0" baseline="0" noProof="0" dirty="0">
-                <a:ln>
-                  <a:noFill/>
-                </a:ln>
-                <a:solidFill>
-                  <a:prstClr val="black">
-                    <a:lumMod val="75000"/>
-                    <a:lumOff val="25000"/>
-                  </a:prstClr>
-                </a:solidFill>
-                <a:effectLst/>
-                <a:uLnTx/>
-                <a:uFillTx/>
-                <a:latin typeface="微软雅黑" panose="020B0503020204020204" pitchFamily="34" charset="-122"/>
-                <a:ea typeface="微软雅黑" panose="020B0503020204020204" pitchFamily="34" charset="-122"/>
-                <a:cs typeface="+mn-cs"/>
-                <a:sym typeface="微软雅黑" panose="020B0503020204020204" pitchFamily="34" charset="-122"/>
-              </a:rPr>
-              <a:t>Blast</a:t>
-            </a:r>
-            <a:r>
-              <a:rPr kumimoji="0" lang="zh-CN" altLang="en-US" sz="1200" b="1" i="0" u="none" strike="noStrike" kern="1200" cap="none" spc="0" normalizeH="0" baseline="0" noProof="0" dirty="0">
-                <a:ln>
-                  <a:noFill/>
-                </a:ln>
-                <a:solidFill>
-                  <a:prstClr val="black">
-                    <a:lumMod val="75000"/>
-                    <a:lumOff val="25000"/>
-                  </a:prstClr>
-                </a:solidFill>
-                <a:effectLst/>
-                <a:uLnTx/>
-                <a:uFillTx/>
-                <a:latin typeface="微软雅黑" panose="020B0503020204020204" pitchFamily="34" charset="-122"/>
-                <a:ea typeface="微软雅黑" panose="020B0503020204020204" pitchFamily="34" charset="-122"/>
-                <a:cs typeface="+mn-cs"/>
-                <a:sym typeface="微软雅黑" panose="020B0503020204020204" pitchFamily="34" charset="-122"/>
-              </a:rPr>
-              <a:t> </a:t>
-            </a:r>
-            <a:r>
-              <a:rPr kumimoji="0" lang="en-US" altLang="zh-CN" sz="1200" b="1" i="0" u="none" strike="noStrike" kern="1200" cap="none" spc="0" normalizeH="0" baseline="0" noProof="0" dirty="0">
-                <a:ln>
-                  <a:noFill/>
-                </a:ln>
-                <a:solidFill>
-                  <a:prstClr val="black">
-                    <a:lumMod val="75000"/>
-                    <a:lumOff val="25000"/>
-                  </a:prstClr>
-                </a:solidFill>
-                <a:effectLst/>
-                <a:uLnTx/>
-                <a:uFillTx/>
-                <a:latin typeface="微软雅黑" panose="020B0503020204020204" pitchFamily="34" charset="-122"/>
-                <a:ea typeface="微软雅黑" panose="020B0503020204020204" pitchFamily="34" charset="-122"/>
-                <a:cs typeface="+mn-cs"/>
-                <a:sym typeface="微软雅黑" panose="020B0503020204020204" pitchFamily="34" charset="-122"/>
-              </a:rPr>
-              <a:t>Result</a:t>
-            </a:r>
-            <a:endParaRPr kumimoji="0" lang="en" altLang="zh-CN" sz="1200" b="1" i="0" u="none" strike="noStrike" kern="1200" cap="none" spc="0" normalizeH="0" baseline="0" noProof="0" dirty="0">
-              <a:ln>
-                <a:noFill/>
-              </a:ln>
-              <a:solidFill>
-                <a:prstClr val="black">
-                  <a:lumMod val="75000"/>
-                  <a:lumOff val="25000"/>
-                </a:prstClr>
-              </a:solidFill>
-              <a:effectLst/>
-              <a:uLnTx/>
-              <a:uFillTx/>
-              <a:latin typeface="微软雅黑" panose="020B0503020204020204" pitchFamily="34" charset="-122"/>
-              <a:ea typeface="微软雅黑" panose="020B0503020204020204" pitchFamily="34" charset="-122"/>
-              <a:cs typeface="+mn-cs"/>
-              <a:sym typeface="微软雅黑" panose="020B0503020204020204" pitchFamily="34" charset="-122"/>
-            </a:endParaRPr>
-          </a:p>
-        </p:txBody>
-      </p:sp>
       <p:sp>
         <p:nvSpPr>
           <p:cNvPr id="7" name="文本框 6">
@@ -10431,92 +10882,10 @@
       </p:sp>
       <p:sp>
         <p:nvSpPr>
-          <p:cNvPr id="34" name="圆角矩形 33">
+          <p:cNvPr id="17" name="文本框 16">
             <a:extLst>
               <a:ext uri="{FF2B5EF4-FFF2-40B4-BE49-F238E27FC236}">
-                <a16:creationId xmlns:a16="http://schemas.microsoft.com/office/drawing/2014/main" id="{0B6A1921-AAAC-2693-01D1-6A005FEFA3E3}"/>
-              </a:ext>
-            </a:extLst>
-          </p:cNvPr>
-          <p:cNvSpPr/>
-          <p:nvPr/>
-        </p:nvSpPr>
-        <p:spPr>
-          <a:xfrm>
-            <a:off x="1126079" y="9243545"/>
-            <a:ext cx="10051372" cy="4179528"/>
-          </a:xfrm>
-          <a:prstGeom prst="roundRect">
-            <a:avLst>
-              <a:gd name="adj" fmla="val 4751"/>
-            </a:avLst>
-          </a:prstGeom>
-          <a:ln>
-            <a:solidFill>
-              <a:schemeClr val="bg1">
-                <a:lumMod val="50000"/>
-              </a:schemeClr>
-            </a:solidFill>
-          </a:ln>
-        </p:spPr>
-        <p:style>
-          <a:lnRef idx="2">
-            <a:schemeClr val="accent6"/>
-          </a:lnRef>
-          <a:fillRef idx="1">
-            <a:schemeClr val="lt1"/>
-          </a:fillRef>
-          <a:effectRef idx="0">
-            <a:schemeClr val="accent6"/>
-          </a:effectRef>
-          <a:fontRef idx="minor">
-            <a:schemeClr val="dk1"/>
-          </a:fontRef>
-        </p:style>
-        <p:txBody>
-          <a:bodyPr rtlCol="0" anchor="ctr"/>
-          <a:lstStyle/>
-          <a:p>
-            <a:pPr marL="0" marR="0" lvl="0" indent="0" algn="ctr" defTabSz="457180" rtl="0" eaLnBrk="1" fontAlgn="auto" latinLnBrk="0" hangingPunct="1">
-              <a:lnSpc>
-                <a:spcPct val="100000"/>
-              </a:lnSpc>
-              <a:spcBef>
-                <a:spcPts val="0"/>
-              </a:spcBef>
-              <a:spcAft>
-                <a:spcPts val="0"/>
-              </a:spcAft>
-              <a:buClrTx/>
-              <a:buSzTx/>
-              <a:buFontTx/>
-              <a:buNone/>
-              <a:tabLst/>
-              <a:defRPr/>
-            </a:pPr>
-            <a:endParaRPr kumimoji="1" lang="zh-CN" altLang="en-US" sz="1801" b="0" i="0" u="none" strike="noStrike" kern="1200" cap="none" spc="0" normalizeH="0" baseline="0" noProof="0">
-              <a:ln>
-                <a:noFill/>
-              </a:ln>
-              <a:solidFill>
-                <a:prstClr val="black"/>
-              </a:solidFill>
-              <a:effectLst/>
-              <a:uLnTx/>
-              <a:uFillTx/>
-              <a:latin typeface="Calibri" panose="020F0502020204030204"/>
-              <a:ea typeface="等线" panose="02010600030101010101" pitchFamily="2" charset="-122"/>
-              <a:cs typeface="+mn-cs"/>
-            </a:endParaRPr>
-          </a:p>
-        </p:txBody>
-      </p:sp>
-      <p:sp>
-        <p:nvSpPr>
-          <p:cNvPr id="6" name="文本框 5">
-            <a:extLst>
-              <a:ext uri="{FF2B5EF4-FFF2-40B4-BE49-F238E27FC236}">
-                <a16:creationId xmlns:a16="http://schemas.microsoft.com/office/drawing/2014/main" id="{0A867E73-3589-AC53-2E81-FF493EB950B9}"/>
+                <a16:creationId xmlns:a16="http://schemas.microsoft.com/office/drawing/2014/main" id="{0803DEC4-AD1C-F742-A4BB-B81CA521E3A5}"/>
               </a:ext>
             </a:extLst>
           </p:cNvPr>
@@ -10525,8 +10894,8 @@
         </p:nvSpPr>
         <p:spPr>
           <a:xfrm>
-            <a:off x="5121897" y="12841399"/>
-            <a:ext cx="2081252" cy="281792"/>
+            <a:off x="959505" y="2055861"/>
+            <a:ext cx="2259726" cy="276999"/>
           </a:xfrm>
           <a:prstGeom prst="rect">
             <a:avLst/>
@@ -10539,18 +10908,32 @@
           </a:bodyPr>
           <a:lstStyle/>
           <a:p>
-            <a:pPr defTabSz="914433">
+            <a:pPr marL="0" marR="0" lvl="0" indent="0" algn="l" defTabSz="914433" rtl="0" eaLnBrk="1" fontAlgn="auto" latinLnBrk="0" hangingPunct="1">
+              <a:lnSpc>
+                <a:spcPct val="100000"/>
+              </a:lnSpc>
+              <a:spcBef>
+                <a:spcPts val="0"/>
+              </a:spcBef>
+              <a:spcAft>
+                <a:spcPts val="0"/>
+              </a:spcAft>
+              <a:buClrTx/>
+              <a:buSzTx/>
+              <a:buFontTx/>
+              <a:buNone/>
+              <a:tabLst/>
               <a:defRPr/>
             </a:pPr>
             <a:r>
-              <a:rPr kumimoji="0" lang="en" altLang="zh-CN" sz="1200" b="1" i="0" u="none" strike="noStrike" kern="1200" cap="none" spc="0" normalizeH="0" baseline="0" noProof="0" dirty="0" err="1">
+              <a:rPr kumimoji="0" lang="en-US" altLang="zh-CN" sz="1200" b="1" i="0" u="none" strike="noStrike" kern="1200" cap="none" spc="0" normalizeH="0" baseline="0" noProof="0" dirty="0">
                 <a:ln>
                   <a:noFill/>
                 </a:ln>
                 <a:solidFill>
                   <a:prstClr val="black">
-                    <a:lumMod val="75000"/>
-                    <a:lumOff val="25000"/>
+                    <a:lumMod val="85000"/>
+                    <a:lumOff val="15000"/>
                   </a:prstClr>
                 </a:solidFill>
                 <a:effectLst/>
@@ -10561,16 +10944,16 @@
                 <a:cs typeface="+mn-cs"/>
                 <a:sym typeface="微软雅黑" panose="020B0503020204020204" pitchFamily="34" charset="-122"/>
               </a:rPr>
-              <a:t>blast_output.txt</a:t>
-            </a:r>
-            <a:endParaRPr kumimoji="0" lang="en" altLang="zh-CN" sz="1200" b="1" i="0" u="none" strike="noStrike" kern="1200" cap="none" spc="0" normalizeH="0" baseline="0" noProof="0" dirty="0">
+              <a:t>TF Prediction </a:t>
+            </a:r>
+            <a:endParaRPr kumimoji="0" lang="zh-CN" altLang="en-US" sz="900" b="1" i="0" u="none" strike="noStrike" kern="1200" cap="none" spc="0" normalizeH="0" baseline="0" noProof="0" dirty="0">
               <a:ln>
                 <a:noFill/>
               </a:ln>
               <a:solidFill>
                 <a:prstClr val="black">
-                  <a:lumMod val="75000"/>
-                  <a:lumOff val="25000"/>
+                  <a:lumMod val="85000"/>
+                  <a:lumOff val="15000"/>
                 </a:prstClr>
               </a:solidFill>
               <a:effectLst/>
@@ -10586,10 +10969,10 @@
       </p:sp>
       <p:sp>
         <p:nvSpPr>
-          <p:cNvPr id="17" name="文本框 16">
+          <p:cNvPr id="18" name="文本框 17">
             <a:extLst>
               <a:ext uri="{FF2B5EF4-FFF2-40B4-BE49-F238E27FC236}">
-                <a16:creationId xmlns:a16="http://schemas.microsoft.com/office/drawing/2014/main" id="{0803DEC4-AD1C-F742-A4BB-B81CA521E3A5}"/>
+                <a16:creationId xmlns:a16="http://schemas.microsoft.com/office/drawing/2014/main" id="{4B3F6828-040F-C45A-38F8-6EA7AE91D780}"/>
               </a:ext>
             </a:extLst>
           </p:cNvPr>
@@ -10598,8 +10981,8 @@
         </p:nvSpPr>
         <p:spPr>
           <a:xfrm>
-            <a:off x="959505" y="2055861"/>
-            <a:ext cx="2259726" cy="276999"/>
+            <a:off x="2412151" y="2059971"/>
+            <a:ext cx="807080" cy="276999"/>
           </a:xfrm>
           <a:prstGeom prst="rect">
             <a:avLst/>
@@ -10648,7 +11031,7 @@
                 <a:cs typeface="+mn-cs"/>
                 <a:sym typeface="微软雅黑" panose="020B0503020204020204" pitchFamily="34" charset="-122"/>
               </a:rPr>
-              <a:t>TF Prediction </a:t>
+              <a:t>Blastp</a:t>
             </a:r>
             <a:endParaRPr kumimoji="0" lang="zh-CN" altLang="en-US" sz="900" b="1" i="0" u="none" strike="noStrike" kern="1200" cap="none" spc="0" normalizeH="0" baseline="0" noProof="0" dirty="0">
               <a:ln>
@@ -10673,10 +11056,10 @@
       </p:sp>
       <p:sp>
         <p:nvSpPr>
-          <p:cNvPr id="18" name="文本框 17">
+          <p:cNvPr id="19" name="文本框 18">
             <a:extLst>
               <a:ext uri="{FF2B5EF4-FFF2-40B4-BE49-F238E27FC236}">
-                <a16:creationId xmlns:a16="http://schemas.microsoft.com/office/drawing/2014/main" id="{4B3F6828-040F-C45A-38F8-6EA7AE91D780}"/>
+                <a16:creationId xmlns:a16="http://schemas.microsoft.com/office/drawing/2014/main" id="{693D2105-B217-DA06-9E5E-988C8FE92419}"/>
               </a:ext>
             </a:extLst>
           </p:cNvPr>
@@ -10685,8 +11068,8 @@
         </p:nvSpPr>
         <p:spPr>
           <a:xfrm>
-            <a:off x="2412151" y="2059971"/>
-            <a:ext cx="807080" cy="276999"/>
+            <a:off x="3425787" y="2064368"/>
+            <a:ext cx="1149084" cy="276999"/>
           </a:xfrm>
           <a:prstGeom prst="rect">
             <a:avLst/>
@@ -10734,7 +11117,87 @@
                 <a:cs typeface="+mn-cs"/>
                 <a:sym typeface="微软雅黑" panose="020B0503020204020204" pitchFamily="34" charset="-122"/>
               </a:rPr>
-              <a:t>Blastp</a:t>
+              <a:t>MSA</a:t>
+            </a:r>
+            <a:r>
+              <a:rPr kumimoji="0" lang="zh-CN" altLang="en-US" sz="1200" b="1" i="0" u="none" strike="noStrike" kern="1200" cap="none" spc="0" normalizeH="0" baseline="0" noProof="0" dirty="0">
+                <a:ln>
+                  <a:noFill/>
+                </a:ln>
+                <a:solidFill>
+                  <a:schemeClr val="accent1">
+                    <a:lumMod val="75000"/>
+                  </a:schemeClr>
+                </a:solidFill>
+                <a:effectLst/>
+                <a:uLnTx/>
+                <a:uFillTx/>
+                <a:latin typeface="微软雅黑" panose="020B0503020204020204" pitchFamily="34" charset="-122"/>
+                <a:ea typeface="微软雅黑" panose="020B0503020204020204" pitchFamily="34" charset="-122"/>
+                <a:cs typeface="+mn-cs"/>
+                <a:sym typeface="微软雅黑" panose="020B0503020204020204" pitchFamily="34" charset="-122"/>
+              </a:rPr>
+              <a:t> </a:t>
+            </a:r>
+            <a:r>
+              <a:rPr kumimoji="0" lang="en-US" altLang="zh-CN" sz="1200" b="1" i="0" u="none" strike="noStrike" kern="1200" cap="none" spc="0" normalizeH="0" baseline="0" noProof="0" dirty="0">
+                <a:ln>
+                  <a:noFill/>
+                </a:ln>
+                <a:solidFill>
+                  <a:schemeClr val="accent1">
+                    <a:lumMod val="75000"/>
+                  </a:schemeClr>
+                </a:solidFill>
+                <a:effectLst/>
+                <a:uLnTx/>
+                <a:uFillTx/>
+                <a:latin typeface="微软雅黑" panose="020B0503020204020204" pitchFamily="34" charset="-122"/>
+                <a:ea typeface="微软雅黑" panose="020B0503020204020204" pitchFamily="34" charset="-122"/>
+                <a:cs typeface="+mn-cs"/>
+                <a:sym typeface="微软雅黑" panose="020B0503020204020204" pitchFamily="34" charset="-122"/>
+              </a:rPr>
+              <a:t>&amp;</a:t>
+            </a:r>
+            <a:r>
+              <a:rPr kumimoji="0" lang="zh-CN" altLang="en-US" sz="1200" b="1" i="0" u="none" strike="noStrike" kern="1200" cap="none" spc="0" normalizeH="0" baseline="0" noProof="0" dirty="0">
+                <a:ln>
+                  <a:noFill/>
+                </a:ln>
+                <a:solidFill>
+                  <a:schemeClr val="accent1">
+                    <a:lumMod val="75000"/>
+                  </a:schemeClr>
+                </a:solidFill>
+                <a:effectLst/>
+                <a:uLnTx/>
+                <a:uFillTx/>
+                <a:latin typeface="微软雅黑" panose="020B0503020204020204" pitchFamily="34" charset="-122"/>
+                <a:ea typeface="微软雅黑" panose="020B0503020204020204" pitchFamily="34" charset="-122"/>
+                <a:cs typeface="+mn-cs"/>
+                <a:sym typeface="微软雅黑" panose="020B0503020204020204" pitchFamily="34" charset="-122"/>
+              </a:rPr>
+              <a:t> </a:t>
+            </a:r>
+            <a:r>
+              <a:rPr kumimoji="0" lang="en" altLang="zh-CN" sz="1200" b="1" i="0" u="none" strike="noStrike" kern="1200" cap="none" spc="0" normalizeH="0" baseline="0" noProof="0" dirty="0">
+                <a:ln>
+                  <a:noFill/>
+                </a:ln>
+                <a:solidFill>
+                  <a:schemeClr val="accent1">
+                    <a:lumMod val="75000"/>
+                  </a:schemeClr>
+                </a:solidFill>
+                <a:effectLst/>
+                <a:uLnTx/>
+                <a:uFillTx/>
+                <a:latin typeface="微软雅黑" panose="020B0503020204020204" pitchFamily="34" charset="-122"/>
+                <a:ea typeface="微软雅黑" panose="020B0503020204020204" pitchFamily="34" charset="-122"/>
+                <a:cs typeface="+mn-cs"/>
+                <a:sym typeface="微软雅黑" panose="020B0503020204020204" pitchFamily="34" charset="-122"/>
+              </a:rPr>
+              <a:t>Tree</a:t>
             </a:r>
             <a:endParaRPr kumimoji="0" lang="zh-CN" altLang="en-US" sz="900" b="1" i="0" u="none" strike="noStrike" kern="1200" cap="none" spc="0" normalizeH="0" baseline="0" noProof="0" dirty="0">
               <a:ln>
@@ -10756,12 +11219,53 @@
           </a:p>
         </p:txBody>
       </p:sp>
-      <p:sp>
-        <p:nvSpPr>
-          <p:cNvPr id="19" name="文本框 18">
+      <p:cxnSp>
+        <p:nvCxnSpPr>
+          <p:cNvPr id="21" name="直线箭头连接符 20">
             <a:extLst>
               <a:ext uri="{FF2B5EF4-FFF2-40B4-BE49-F238E27FC236}">
-                <a16:creationId xmlns:a16="http://schemas.microsoft.com/office/drawing/2014/main" id="{693D2105-B217-DA06-9E5E-988C8FE92419}"/>
+                <a16:creationId xmlns:a16="http://schemas.microsoft.com/office/drawing/2014/main" id="{D44BFA9E-685A-1CD7-056F-3BF9A051B3EB}"/>
+              </a:ext>
+            </a:extLst>
+          </p:cNvPr>
+          <p:cNvCxnSpPr>
+            <a:cxnSpLocks/>
+          </p:cNvCxnSpPr>
+          <p:nvPr/>
+        </p:nvCxnSpPr>
+        <p:spPr>
+          <a:xfrm flipH="1" flipV="1">
+            <a:off x="6830112" y="5305858"/>
+            <a:ext cx="866645" cy="94584"/>
+          </a:xfrm>
+          <a:prstGeom prst="straightConnector1">
+            <a:avLst/>
+          </a:prstGeom>
+          <a:ln>
+            <a:tailEnd type="triangle"/>
+          </a:ln>
+        </p:spPr>
+        <p:style>
+          <a:lnRef idx="1">
+            <a:schemeClr val="accent1"/>
+          </a:lnRef>
+          <a:fillRef idx="0">
+            <a:schemeClr val="accent1"/>
+          </a:fillRef>
+          <a:effectRef idx="0">
+            <a:schemeClr val="accent1"/>
+          </a:effectRef>
+          <a:fontRef idx="minor">
+            <a:schemeClr val="tx1"/>
+          </a:fontRef>
+        </p:style>
+      </p:cxnSp>
+      <p:sp>
+        <p:nvSpPr>
+          <p:cNvPr id="23" name="文本框 22">
+            <a:extLst>
+              <a:ext uri="{FF2B5EF4-FFF2-40B4-BE49-F238E27FC236}">
+                <a16:creationId xmlns:a16="http://schemas.microsoft.com/office/drawing/2014/main" id="{0705A34E-719D-9993-979F-894032757991}"/>
               </a:ext>
             </a:extLst>
           </p:cNvPr>
@@ -10770,8 +11274,8 @@
         </p:nvSpPr>
         <p:spPr>
           <a:xfrm>
-            <a:off x="3425787" y="2064368"/>
-            <a:ext cx="1149084" cy="276999"/>
+            <a:off x="7696757" y="5319423"/>
+            <a:ext cx="1674651" cy="261610"/>
           </a:xfrm>
           <a:prstGeom prst="rect">
             <a:avLst/>
@@ -10784,19 +11288,30 @@
           </a:bodyPr>
           <a:lstStyle/>
           <a:p>
-            <a:pPr defTabSz="914433">
+            <a:pPr marL="0" marR="0" lvl="0" indent="0" algn="l" defTabSz="914433" rtl="0" eaLnBrk="1" fontAlgn="auto" latinLnBrk="0" hangingPunct="1">
+              <a:lnSpc>
+                <a:spcPct val="100000"/>
+              </a:lnSpc>
+              <a:spcBef>
+                <a:spcPts val="0"/>
+              </a:spcBef>
+              <a:spcAft>
+                <a:spcPts val="0"/>
+              </a:spcAft>
+              <a:buClrTx/>
+              <a:buSzTx/>
+              <a:buFontTx/>
+              <a:buNone/>
+              <a:tabLst/>
               <a:defRPr/>
             </a:pPr>
             <a:r>
-              <a:rPr kumimoji="0" lang="en-US" altLang="zh-CN" sz="1200" b="1" i="0" u="none" strike="noStrike" kern="1200" cap="none" spc="0" normalizeH="0" baseline="0" noProof="0" dirty="0">
+              <a:rPr kumimoji="0" lang="zh-CN" altLang="en-US" sz="1100" b="0" i="0" u="none" strike="noStrike" kern="1200" cap="none" spc="0" normalizeH="0" baseline="0" noProof="0" dirty="0">
                 <a:ln>
                   <a:noFill/>
                 </a:ln>
                 <a:solidFill>
-                  <a:prstClr val="black">
-                    <a:lumMod val="75000"/>
-                    <a:lumOff val="25000"/>
-                  </a:prstClr>
+                  <a:srgbClr val="FF0000"/>
                 </a:solidFill>
                 <a:effectLst/>
                 <a:uLnTx/>
@@ -10806,18 +11321,26 @@
                 <a:cs typeface="+mn-cs"/>
                 <a:sym typeface="微软雅黑" panose="020B0503020204020204" pitchFamily="34" charset="-122"/>
               </a:rPr>
-              <a:t>MSA</a:t>
-            </a:r>
-            <a:r>
-              <a:rPr kumimoji="0" lang="zh-CN" altLang="en-US" sz="1200" b="1" i="0" u="none" strike="noStrike" kern="1200" cap="none" spc="0" normalizeH="0" baseline="0" noProof="0" dirty="0">
+              <a:t>可选</a:t>
+            </a:r>
+            <a:r>
+              <a:rPr lang="en-US" altLang="zh-CN" sz="1100" dirty="0">
+                <a:solidFill>
+                  <a:srgbClr val="FF0000"/>
+                </a:solidFill>
+                <a:latin typeface="微软雅黑" panose="020B0503020204020204" pitchFamily="34" charset="-122"/>
+                <a:ea typeface="微软雅黑" panose="020B0503020204020204" pitchFamily="34" charset="-122"/>
+                <a:sym typeface="微软雅黑" panose="020B0503020204020204" pitchFamily="34" charset="-122"/>
+              </a:rPr>
+              <a:t>l</a:t>
+            </a:r>
+            <a:r>
+              <a:rPr kumimoji="0" lang="en-US" altLang="zh-CN" sz="1100" b="0" i="0" u="none" strike="noStrike" kern="1200" cap="none" spc="0" normalizeH="0" baseline="0" noProof="0" dirty="0">
                 <a:ln>
                   <a:noFill/>
                 </a:ln>
                 <a:solidFill>
-                  <a:prstClr val="black">
-                    <a:lumMod val="75000"/>
-                    <a:lumOff val="25000"/>
-                  </a:prstClr>
+                  <a:srgbClr val="FF0000"/>
                 </a:solidFill>
                 <a:effectLst/>
                 <a:uLnTx/>
@@ -10827,18 +11350,15 @@
                 <a:cs typeface="+mn-cs"/>
                 <a:sym typeface="微软雅黑" panose="020B0503020204020204" pitchFamily="34" charset="-122"/>
               </a:rPr>
-              <a:t> </a:t>
-            </a:r>
-            <a:r>
-              <a:rPr kumimoji="0" lang="en-US" altLang="zh-CN" sz="1200" b="1" i="0" u="none" strike="noStrike" kern="1200" cap="none" spc="0" normalizeH="0" baseline="0" noProof="0" dirty="0">
+              <a:t>g</a:t>
+            </a:r>
+            <a:r>
+              <a:rPr kumimoji="0" lang="zh-CN" altLang="en-US" sz="1100" b="0" i="0" u="none" strike="noStrike" kern="1200" cap="none" spc="0" normalizeH="0" baseline="0" noProof="0" dirty="0">
                 <a:ln>
                   <a:noFill/>
                 </a:ln>
                 <a:solidFill>
-                  <a:prstClr val="black">
-                    <a:lumMod val="75000"/>
-                    <a:lumOff val="25000"/>
-                  </a:prstClr>
+                  <a:srgbClr val="FF0000"/>
                 </a:solidFill>
                 <a:effectLst/>
                 <a:uLnTx/>
@@ -10848,18 +11368,15 @@
                 <a:cs typeface="+mn-cs"/>
                 <a:sym typeface="微软雅黑" panose="020B0503020204020204" pitchFamily="34" charset="-122"/>
               </a:rPr>
-              <a:t>&amp;</a:t>
-            </a:r>
-            <a:r>
-              <a:rPr kumimoji="0" lang="zh-CN" altLang="en-US" sz="1200" b="1" i="0" u="none" strike="noStrike" kern="1200" cap="none" spc="0" normalizeH="0" baseline="0" noProof="0" dirty="0">
+              <a:t>、</a:t>
+            </a:r>
+            <a:r>
+              <a:rPr kumimoji="0" lang="en-US" altLang="zh-CN" sz="1100" b="0" i="0" u="none" strike="noStrike" kern="1200" cap="none" spc="0" normalizeH="0" baseline="0" noProof="0" dirty="0">
                 <a:ln>
                   <a:noFill/>
                 </a:ln>
                 <a:solidFill>
-                  <a:prstClr val="black">
-                    <a:lumMod val="75000"/>
-                    <a:lumOff val="25000"/>
-                  </a:prstClr>
+                  <a:srgbClr val="FF0000"/>
                 </a:solidFill>
                 <a:effectLst/>
                 <a:uLnTx/>
@@ -10869,18 +11386,15 @@
                 <a:cs typeface="+mn-cs"/>
                 <a:sym typeface="微软雅黑" panose="020B0503020204020204" pitchFamily="34" charset="-122"/>
               </a:rPr>
-              <a:t> </a:t>
-            </a:r>
-            <a:r>
-              <a:rPr kumimoji="0" lang="en" altLang="zh-CN" sz="1200" b="1" i="0" u="none" strike="noStrike" kern="1200" cap="none" spc="0" normalizeH="0" baseline="0" noProof="0" dirty="0">
+              <a:t>jtt</a:t>
+            </a:r>
+            <a:r>
+              <a:rPr kumimoji="0" lang="zh-CN" altLang="en-US" sz="1100" b="0" i="0" u="none" strike="noStrike" kern="1200" cap="none" spc="0" normalizeH="0" baseline="0" noProof="0" dirty="0">
                 <a:ln>
                   <a:noFill/>
                 </a:ln>
                 <a:solidFill>
-                  <a:prstClr val="black">
-                    <a:lumMod val="75000"/>
-                    <a:lumOff val="25000"/>
-                  </a:prstClr>
+                  <a:srgbClr val="FF0000"/>
                 </a:solidFill>
                 <a:effectLst/>
                 <a:uLnTx/>
@@ -10890,17 +11404,32 @@
                 <a:cs typeface="+mn-cs"/>
                 <a:sym typeface="微软雅黑" panose="020B0503020204020204" pitchFamily="34" charset="-122"/>
               </a:rPr>
-              <a:t>Tree</a:t>
-            </a:r>
-            <a:endParaRPr kumimoji="0" lang="zh-CN" altLang="en-US" sz="900" b="1" i="0" u="none" strike="noStrike" kern="1200" cap="none" spc="0" normalizeH="0" baseline="0" noProof="0" dirty="0">
+              <a:t>、</a:t>
+            </a:r>
+            <a:r>
+              <a:rPr kumimoji="0" lang="en-US" altLang="zh-CN" sz="1100" b="0" i="0" u="none" strike="noStrike" kern="1200" cap="none" spc="0" normalizeH="0" baseline="0" noProof="0" dirty="0">
+                <a:ln>
+                  <a:noFill/>
+                </a:ln>
+                <a:solidFill>
+                  <a:srgbClr val="FF0000"/>
+                </a:solidFill>
+                <a:effectLst/>
+                <a:uLnTx/>
+                <a:uFillTx/>
+                <a:latin typeface="微软雅黑" panose="020B0503020204020204" pitchFamily="34" charset="-122"/>
+                <a:ea typeface="微软雅黑" panose="020B0503020204020204" pitchFamily="34" charset="-122"/>
+                <a:cs typeface="+mn-cs"/>
+                <a:sym typeface="微软雅黑" panose="020B0503020204020204" pitchFamily="34" charset="-122"/>
+              </a:rPr>
+              <a:t>wag</a:t>
+            </a:r>
+            <a:endParaRPr kumimoji="0" lang="zh-CN" altLang="en-US" sz="800" b="0" i="0" u="none" strike="noStrike" kern="1200" cap="none" spc="0" normalizeH="0" baseline="0" noProof="0" dirty="0">
               <a:ln>
                 <a:noFill/>
               </a:ln>
               <a:solidFill>
-                <a:prstClr val="black">
-                  <a:lumMod val="75000"/>
-                  <a:lumOff val="25000"/>
-                </a:prstClr>
+                <a:srgbClr val="FF0000"/>
               </a:solidFill>
               <a:effectLst/>
               <a:uLnTx/>
@@ -10913,12 +11442,152 @@
           </a:p>
         </p:txBody>
       </p:sp>
-      <p:sp>
-        <p:nvSpPr>
-          <p:cNvPr id="20" name="圆角矩形 19">
+      <p:cxnSp>
+        <p:nvCxnSpPr>
+          <p:cNvPr id="27" name="直线箭头连接符 26">
             <a:extLst>
               <a:ext uri="{FF2B5EF4-FFF2-40B4-BE49-F238E27FC236}">
-                <a16:creationId xmlns:a16="http://schemas.microsoft.com/office/drawing/2014/main" id="{7AE1E410-CF7D-BB67-67ED-0BC78D51DB20}"/>
+                <a16:creationId xmlns:a16="http://schemas.microsoft.com/office/drawing/2014/main" id="{4F313BE9-4AA3-F23B-82FA-D75DEEF86190}"/>
+              </a:ext>
+            </a:extLst>
+          </p:cNvPr>
+          <p:cNvCxnSpPr>
+            <a:cxnSpLocks/>
+          </p:cNvCxnSpPr>
+          <p:nvPr/>
+        </p:nvCxnSpPr>
+        <p:spPr>
+          <a:xfrm>
+            <a:off x="3701628" y="6519165"/>
+            <a:ext cx="863152" cy="0"/>
+          </a:xfrm>
+          <a:prstGeom prst="straightConnector1">
+            <a:avLst/>
+          </a:prstGeom>
+          <a:ln>
+            <a:tailEnd type="triangle"/>
+          </a:ln>
+        </p:spPr>
+        <p:style>
+          <a:lnRef idx="1">
+            <a:schemeClr val="accent1"/>
+          </a:lnRef>
+          <a:fillRef idx="0">
+            <a:schemeClr val="accent1"/>
+          </a:fillRef>
+          <a:effectRef idx="0">
+            <a:schemeClr val="accent1"/>
+          </a:effectRef>
+          <a:fontRef idx="minor">
+            <a:schemeClr val="tx1"/>
+          </a:fontRef>
+        </p:style>
+      </p:cxnSp>
+      <p:sp>
+        <p:nvSpPr>
+          <p:cNvPr id="32" name="文本框 31">
+            <a:extLst>
+              <a:ext uri="{FF2B5EF4-FFF2-40B4-BE49-F238E27FC236}">
+                <a16:creationId xmlns:a16="http://schemas.microsoft.com/office/drawing/2014/main" id="{849FB580-BE1F-E5C6-8151-9BA14FF8941E}"/>
+              </a:ext>
+            </a:extLst>
+          </p:cNvPr>
+          <p:cNvSpPr txBox="1"/>
+          <p:nvPr/>
+        </p:nvSpPr>
+        <p:spPr>
+          <a:xfrm>
+            <a:off x="2326513" y="6388360"/>
+            <a:ext cx="1664585" cy="261610"/>
+          </a:xfrm>
+          <a:prstGeom prst="rect">
+            <a:avLst/>
+          </a:prstGeom>
+          <a:noFill/>
+        </p:spPr>
+        <p:txBody>
+          <a:bodyPr wrap="square" rtlCol="0">
+            <a:spAutoFit/>
+          </a:bodyPr>
+          <a:lstStyle/>
+          <a:p>
+            <a:pPr marL="0" marR="0" lvl="0" indent="0" algn="l" defTabSz="914433" rtl="0" eaLnBrk="1" fontAlgn="auto" latinLnBrk="0" hangingPunct="1">
+              <a:lnSpc>
+                <a:spcPct val="100000"/>
+              </a:lnSpc>
+              <a:spcBef>
+                <a:spcPts val="0"/>
+              </a:spcBef>
+              <a:spcAft>
+                <a:spcPts val="0"/>
+              </a:spcAft>
+              <a:buClrTx/>
+              <a:buSzTx/>
+              <a:buFontTx/>
+              <a:buNone/>
+              <a:tabLst/>
+              <a:defRPr/>
+            </a:pPr>
+            <a:r>
+              <a:rPr kumimoji="0" lang="zh-CN" altLang="en-US" sz="1100" b="0" i="0" u="none" strike="noStrike" kern="1200" cap="none" spc="0" normalizeH="0" baseline="0" noProof="0" dirty="0">
+                <a:ln>
+                  <a:noFill/>
+                </a:ln>
+                <a:solidFill>
+                  <a:srgbClr val="FF0000"/>
+                </a:solidFill>
+                <a:effectLst/>
+                <a:uLnTx/>
+                <a:uFillTx/>
+                <a:latin typeface="微软雅黑" panose="020B0503020204020204" pitchFamily="34" charset="-122"/>
+                <a:ea typeface="微软雅黑" panose="020B0503020204020204" pitchFamily="34" charset="-122"/>
+                <a:cs typeface="+mn-cs"/>
+                <a:sym typeface="微软雅黑" panose="020B0503020204020204" pitchFamily="34" charset="-122"/>
+              </a:rPr>
+              <a:t>获得</a:t>
+            </a:r>
+            <a:r>
+              <a:rPr kumimoji="0" lang="en" altLang="zh-CN" sz="1100" b="0" i="0" u="none" strike="noStrike" kern="1200" cap="none" spc="0" normalizeH="0" baseline="0" noProof="0" dirty="0" err="1">
+                <a:ln>
+                  <a:noFill/>
+                </a:ln>
+                <a:solidFill>
+                  <a:srgbClr val="FF0000"/>
+                </a:solidFill>
+                <a:effectLst/>
+                <a:uLnTx/>
+                <a:uFillTx/>
+                <a:latin typeface="微软雅黑" panose="020B0503020204020204" pitchFamily="34" charset="-122"/>
+                <a:ea typeface="微软雅黑" panose="020B0503020204020204" pitchFamily="34" charset="-122"/>
+                <a:cs typeface="+mn-cs"/>
+                <a:sym typeface="微软雅黑" panose="020B0503020204020204" pitchFamily="34" charset="-122"/>
+              </a:rPr>
+              <a:t>blast_seq.fasta</a:t>
+            </a:r>
+            <a:endParaRPr kumimoji="0" lang="zh-CN" altLang="en-US" sz="800" b="0" i="0" u="none" strike="noStrike" kern="1200" cap="none" spc="0" normalizeH="0" baseline="0" noProof="0" dirty="0">
+              <a:ln>
+                <a:noFill/>
+              </a:ln>
+              <a:solidFill>
+                <a:srgbClr val="FF0000"/>
+              </a:solidFill>
+              <a:effectLst/>
+              <a:uLnTx/>
+              <a:uFillTx/>
+              <a:latin typeface="微软雅黑" panose="020B0503020204020204" pitchFamily="34" charset="-122"/>
+              <a:ea typeface="微软雅黑" panose="020B0503020204020204" pitchFamily="34" charset="-122"/>
+              <a:cs typeface="+mn-cs"/>
+              <a:sym typeface="微软雅黑" panose="020B0503020204020204" pitchFamily="34" charset="-122"/>
+            </a:endParaRPr>
+          </a:p>
+        </p:txBody>
+      </p:sp>
+      <p:sp>
+        <p:nvSpPr>
+          <p:cNvPr id="2" name="圆角矩形 1">
+            <a:extLst>
+              <a:ext uri="{FF2B5EF4-FFF2-40B4-BE49-F238E27FC236}">
+                <a16:creationId xmlns:a16="http://schemas.microsoft.com/office/drawing/2014/main" id="{A046DB79-F0D7-BB79-8194-6C5A111E9777}"/>
               </a:ext>
             </a:extLst>
           </p:cNvPr>
@@ -10927,8 +11596,257 @@
         </p:nvSpPr>
         <p:spPr>
           <a:xfrm>
-            <a:off x="1227179" y="3841181"/>
-            <a:ext cx="9543915" cy="2576021"/>
+            <a:off x="4218013" y="4438721"/>
+            <a:ext cx="3573957" cy="379318"/>
+          </a:xfrm>
+          <a:prstGeom prst="roundRect">
+            <a:avLst>
+              <a:gd name="adj" fmla="val 6174"/>
+            </a:avLst>
+          </a:prstGeom>
+        </p:spPr>
+        <p:style>
+          <a:lnRef idx="2">
+            <a:schemeClr val="accent3"/>
+          </a:lnRef>
+          <a:fillRef idx="1">
+            <a:schemeClr val="lt1"/>
+          </a:fillRef>
+          <a:effectRef idx="0">
+            <a:schemeClr val="accent3"/>
+          </a:effectRef>
+          <a:fontRef idx="minor">
+            <a:schemeClr val="dk1"/>
+          </a:fontRef>
+        </p:style>
+        <p:txBody>
+          <a:bodyPr rtlCol="0" anchor="ctr"/>
+          <a:lstStyle/>
+          <a:p>
+            <a:pPr marL="0" marR="0" lvl="0" indent="0" defTabSz="914433" rtl="0" eaLnBrk="1" fontAlgn="auto" latinLnBrk="0" hangingPunct="1">
+              <a:lnSpc>
+                <a:spcPct val="100000"/>
+              </a:lnSpc>
+              <a:spcBef>
+                <a:spcPts val="0"/>
+              </a:spcBef>
+              <a:spcAft>
+                <a:spcPts val="0"/>
+              </a:spcAft>
+              <a:buClrTx/>
+              <a:buSzTx/>
+              <a:buFontTx/>
+              <a:buNone/>
+              <a:tabLst/>
+              <a:defRPr/>
+            </a:pPr>
+            <a:endParaRPr kumimoji="1" lang="zh-CN" altLang="en-US" sz="3202" b="0" i="0" u="none" strike="noStrike" kern="1200" cap="none" spc="0" normalizeH="0" baseline="0" noProof="0">
+              <a:ln>
+                <a:noFill/>
+              </a:ln>
+              <a:solidFill>
+                <a:prstClr val="black"/>
+              </a:solidFill>
+              <a:effectLst/>
+              <a:uLnTx/>
+              <a:uFillTx/>
+              <a:latin typeface="等线" panose="020F0502020204030204"/>
+              <a:ea typeface="等线" panose="02010600030101010101" pitchFamily="2" charset="-122"/>
+              <a:cs typeface="+mn-cs"/>
+            </a:endParaRPr>
+          </a:p>
+        </p:txBody>
+      </p:sp>
+      <p:pic>
+        <p:nvPicPr>
+          <p:cNvPr id="3" name="图片 2">
+            <a:extLst>
+              <a:ext uri="{FF2B5EF4-FFF2-40B4-BE49-F238E27FC236}">
+                <a16:creationId xmlns:a16="http://schemas.microsoft.com/office/drawing/2014/main" id="{9CF7A903-7067-460A-5F57-7026FB25F75C}"/>
+              </a:ext>
+            </a:extLst>
+          </p:cNvPr>
+          <p:cNvPicPr>
+            <a:picLocks noChangeAspect="1"/>
+          </p:cNvPicPr>
+          <p:nvPr/>
+        </p:nvPicPr>
+        <p:blipFill rotWithShape="1">
+          <a:blip r:embed="rId4"/>
+          <a:srcRect r="78674" b="2734"/>
+          <a:stretch/>
+        </p:blipFill>
+        <p:spPr>
+          <a:xfrm>
+            <a:off x="4285302" y="4519863"/>
+            <a:ext cx="331383" cy="280058"/>
+          </a:xfrm>
+          <a:prstGeom prst="rect">
+            <a:avLst/>
+          </a:prstGeom>
+        </p:spPr>
+      </p:pic>
+      <p:sp>
+        <p:nvSpPr>
+          <p:cNvPr id="4" name="文本框 3">
+            <a:extLst>
+              <a:ext uri="{FF2B5EF4-FFF2-40B4-BE49-F238E27FC236}">
+                <a16:creationId xmlns:a16="http://schemas.microsoft.com/office/drawing/2014/main" id="{D62360ED-4838-8CD4-7355-D87389A6ECF7}"/>
+              </a:ext>
+            </a:extLst>
+          </p:cNvPr>
+          <p:cNvSpPr txBox="1"/>
+          <p:nvPr/>
+        </p:nvSpPr>
+        <p:spPr>
+          <a:xfrm>
+            <a:off x="4564780" y="4529714"/>
+            <a:ext cx="3010537" cy="230832"/>
+          </a:xfrm>
+          <a:prstGeom prst="rect">
+            <a:avLst/>
+          </a:prstGeom>
+          <a:noFill/>
+        </p:spPr>
+        <p:txBody>
+          <a:bodyPr wrap="square" rtlCol="0">
+            <a:spAutoFit/>
+          </a:bodyPr>
+          <a:lstStyle/>
+          <a:p>
+            <a:pPr defTabSz="914433">
+              <a:defRPr/>
+            </a:pPr>
+            <a:r>
+              <a:rPr kumimoji="0" lang="en-US" altLang="zh-CN" sz="900" b="1" i="0" u="none" strike="noStrike" kern="1200" cap="none" spc="0" normalizeH="0" baseline="0" noProof="0" dirty="0">
+                <a:ln>
+                  <a:noFill/>
+                </a:ln>
+                <a:solidFill>
+                  <a:srgbClr val="4472C4">
+                    <a:lumMod val="50000"/>
+                  </a:srgbClr>
+                </a:solidFill>
+                <a:effectLst/>
+                <a:uLnTx/>
+                <a:uFillTx/>
+                <a:latin typeface="微软雅黑" panose="020B0503020204020204" pitchFamily="34" charset="-122"/>
+                <a:ea typeface="微软雅黑" panose="020B0503020204020204" pitchFamily="34" charset="-122"/>
+                <a:cs typeface="+mn-cs"/>
+                <a:sym typeface="微软雅黑" panose="020B0503020204020204" pitchFamily="34" charset="-122"/>
+              </a:rPr>
+              <a:t>Click to Upload the protein sequence fasta file</a:t>
+            </a:r>
+            <a:endParaRPr kumimoji="0" lang="zh-CN" altLang="en-US" sz="900" b="1" i="0" u="none" strike="noStrike" kern="1200" cap="none" spc="0" normalizeH="0" baseline="0" noProof="0" dirty="0">
+              <a:ln>
+                <a:noFill/>
+              </a:ln>
+              <a:solidFill>
+                <a:srgbClr val="4472C4">
+                  <a:lumMod val="50000"/>
+                </a:srgbClr>
+              </a:solidFill>
+              <a:effectLst/>
+              <a:uLnTx/>
+              <a:uFillTx/>
+              <a:latin typeface="微软雅黑" panose="020B0503020204020204" pitchFamily="34" charset="-122"/>
+              <a:ea typeface="微软雅黑" panose="020B0503020204020204" pitchFamily="34" charset="-122"/>
+              <a:cs typeface="+mn-cs"/>
+              <a:sym typeface="微软雅黑" panose="020B0503020204020204" pitchFamily="34" charset="-122"/>
+            </a:endParaRPr>
+          </a:p>
+        </p:txBody>
+      </p:sp>
+      <p:sp>
+        <p:nvSpPr>
+          <p:cNvPr id="5" name="文本框 4">
+            <a:extLst>
+              <a:ext uri="{FF2B5EF4-FFF2-40B4-BE49-F238E27FC236}">
+                <a16:creationId xmlns:a16="http://schemas.microsoft.com/office/drawing/2014/main" id="{C2F3AFAB-C97C-B3D4-490F-51173181DCDB}"/>
+              </a:ext>
+            </a:extLst>
+          </p:cNvPr>
+          <p:cNvSpPr txBox="1"/>
+          <p:nvPr/>
+        </p:nvSpPr>
+        <p:spPr>
+          <a:xfrm>
+            <a:off x="2565035" y="5193597"/>
+            <a:ext cx="2616420" cy="230832"/>
+          </a:xfrm>
+          <a:prstGeom prst="rect">
+            <a:avLst/>
+          </a:prstGeom>
+          <a:noFill/>
+        </p:spPr>
+        <p:txBody>
+          <a:bodyPr wrap="square" rtlCol="0">
+            <a:spAutoFit/>
+          </a:bodyPr>
+          <a:lstStyle/>
+          <a:p>
+            <a:pPr defTabSz="914433">
+              <a:defRPr/>
+            </a:pPr>
+            <a:r>
+              <a:rPr kumimoji="0" lang="en-US" altLang="zh-CN" sz="900" b="1" i="0" u="none" strike="noStrike" kern="1200" cap="none" spc="0" normalizeH="0" baseline="0" noProof="0" dirty="0">
+                <a:ln>
+                  <a:noFill/>
+                </a:ln>
+                <a:solidFill>
+                  <a:srgbClr val="4472C4">
+                    <a:lumMod val="50000"/>
+                  </a:srgbClr>
+                </a:solidFill>
+                <a:effectLst/>
+                <a:uLnTx/>
+                <a:uFillTx/>
+                <a:latin typeface="微软雅黑" panose="020B0503020204020204" pitchFamily="34" charset="-122"/>
+                <a:ea typeface="微软雅黑" panose="020B0503020204020204" pitchFamily="34" charset="-122"/>
+                <a:cs typeface="+mn-cs"/>
+                <a:sym typeface="微软雅黑" panose="020B0503020204020204" pitchFamily="34" charset="-122"/>
+              </a:rPr>
+              <a:t>Phylogenetic Tree Construction Model</a:t>
+            </a:r>
+            <a:r>
+              <a:rPr kumimoji="0" lang="zh-CN" altLang="en-US" sz="900" b="1" i="0" u="none" strike="noStrike" kern="1200" cap="none" spc="0" normalizeH="0" baseline="0" noProof="0" dirty="0">
+                <a:ln>
+                  <a:noFill/>
+                </a:ln>
+                <a:solidFill>
+                  <a:srgbClr val="4472C4">
+                    <a:lumMod val="50000"/>
+                  </a:srgbClr>
+                </a:solidFill>
+                <a:effectLst/>
+                <a:uLnTx/>
+                <a:uFillTx/>
+                <a:latin typeface="微软雅黑" panose="020B0503020204020204" pitchFamily="34" charset="-122"/>
+                <a:ea typeface="微软雅黑" panose="020B0503020204020204" pitchFamily="34" charset="-122"/>
+                <a:cs typeface="+mn-cs"/>
+                <a:sym typeface="微软雅黑" panose="020B0503020204020204" pitchFamily="34" charset="-122"/>
+              </a:rPr>
+              <a:t>：</a:t>
+            </a:r>
+          </a:p>
+        </p:txBody>
+      </p:sp>
+      <p:sp>
+        <p:nvSpPr>
+          <p:cNvPr id="28" name="圆角矩形 27">
+            <a:extLst>
+              <a:ext uri="{FF2B5EF4-FFF2-40B4-BE49-F238E27FC236}">
+                <a16:creationId xmlns:a16="http://schemas.microsoft.com/office/drawing/2014/main" id="{48795F68-9D25-9D28-4574-95FC39E8DC76}"/>
+              </a:ext>
+            </a:extLst>
+          </p:cNvPr>
+          <p:cNvSpPr/>
+          <p:nvPr/>
+        </p:nvSpPr>
+        <p:spPr>
+          <a:xfrm>
+            <a:off x="1006378" y="8054387"/>
+            <a:ext cx="9831950" cy="1068472"/>
           </a:xfrm>
           <a:prstGeom prst="roundRect">
             <a:avLst>
@@ -10995,307 +11913,12 @@
           </a:p>
         </p:txBody>
       </p:sp>
-      <p:cxnSp>
-        <p:nvCxnSpPr>
-          <p:cNvPr id="21" name="直线箭头连接符 20">
+      <p:sp>
+        <p:nvSpPr>
+          <p:cNvPr id="8" name="圆角矩形 7">
             <a:extLst>
               <a:ext uri="{FF2B5EF4-FFF2-40B4-BE49-F238E27FC236}">
-                <a16:creationId xmlns:a16="http://schemas.microsoft.com/office/drawing/2014/main" id="{D44BFA9E-685A-1CD7-056F-3BF9A051B3EB}"/>
-              </a:ext>
-            </a:extLst>
-          </p:cNvPr>
-          <p:cNvCxnSpPr>
-            <a:cxnSpLocks/>
-          </p:cNvCxnSpPr>
-          <p:nvPr/>
-        </p:nvCxnSpPr>
-        <p:spPr>
-          <a:xfrm flipH="1">
-            <a:off x="10156269" y="3418358"/>
-            <a:ext cx="238307" cy="714229"/>
-          </a:xfrm>
-          <a:prstGeom prst="straightConnector1">
-            <a:avLst/>
-          </a:prstGeom>
-          <a:ln>
-            <a:tailEnd type="triangle"/>
-          </a:ln>
-        </p:spPr>
-        <p:style>
-          <a:lnRef idx="1">
-            <a:schemeClr val="accent1"/>
-          </a:lnRef>
-          <a:fillRef idx="0">
-            <a:schemeClr val="accent1"/>
-          </a:fillRef>
-          <a:effectRef idx="0">
-            <a:schemeClr val="accent1"/>
-          </a:effectRef>
-          <a:fontRef idx="minor">
-            <a:schemeClr val="tx1"/>
-          </a:fontRef>
-        </p:style>
-      </p:cxnSp>
-      <p:sp>
-        <p:nvSpPr>
-          <p:cNvPr id="23" name="文本框 22">
-            <a:extLst>
-              <a:ext uri="{FF2B5EF4-FFF2-40B4-BE49-F238E27FC236}">
-                <a16:creationId xmlns:a16="http://schemas.microsoft.com/office/drawing/2014/main" id="{0705A34E-719D-9993-979F-894032757991}"/>
-              </a:ext>
-            </a:extLst>
-          </p:cNvPr>
-          <p:cNvSpPr txBox="1"/>
-          <p:nvPr/>
-        </p:nvSpPr>
-        <p:spPr>
-          <a:xfrm>
-            <a:off x="9972602" y="3004633"/>
-            <a:ext cx="1149084" cy="430887"/>
-          </a:xfrm>
-          <a:prstGeom prst="rect">
-            <a:avLst/>
-          </a:prstGeom>
-          <a:noFill/>
-        </p:spPr>
-        <p:txBody>
-          <a:bodyPr wrap="square" rtlCol="0">
-            <a:spAutoFit/>
-          </a:bodyPr>
-          <a:lstStyle/>
-          <a:p>
-            <a:pPr defTabSz="914433">
-              <a:defRPr/>
-            </a:pPr>
-            <a:r>
-              <a:rPr lang="zh-CN" altLang="en-US" sz="1100" dirty="0">
-                <a:solidFill>
-                  <a:srgbClr val="FF0000"/>
-                </a:solidFill>
-                <a:latin typeface="微软雅黑" panose="020B0503020204020204" pitchFamily="34" charset="-122"/>
-                <a:ea typeface="微软雅黑" panose="020B0503020204020204" pitchFamily="34" charset="-122"/>
-                <a:sym typeface="微软雅黑" panose="020B0503020204020204" pitchFamily="34" charset="-122"/>
-              </a:rPr>
-              <a:t>最多输入</a:t>
-            </a:r>
-            <a:r>
-              <a:rPr lang="en-US" altLang="zh-CN" sz="1100" dirty="0">
-                <a:solidFill>
-                  <a:srgbClr val="FF0000"/>
-                </a:solidFill>
-                <a:latin typeface="微软雅黑" panose="020B0503020204020204" pitchFamily="34" charset="-122"/>
-                <a:ea typeface="微软雅黑" panose="020B0503020204020204" pitchFamily="34" charset="-122"/>
-                <a:sym typeface="微软雅黑" panose="020B0503020204020204" pitchFamily="34" charset="-122"/>
-              </a:rPr>
-              <a:t>20</a:t>
-            </a:r>
-            <a:r>
-              <a:rPr lang="zh-CN" altLang="en-US" sz="1100" dirty="0">
-                <a:solidFill>
-                  <a:srgbClr val="FF0000"/>
-                </a:solidFill>
-                <a:latin typeface="微软雅黑" panose="020B0503020204020204" pitchFamily="34" charset="-122"/>
-                <a:ea typeface="微软雅黑" panose="020B0503020204020204" pitchFamily="34" charset="-122"/>
-                <a:sym typeface="微软雅黑" panose="020B0503020204020204" pitchFamily="34" charset="-122"/>
-              </a:rPr>
-              <a:t>个序列</a:t>
-            </a:r>
-            <a:endParaRPr kumimoji="0" lang="zh-CN" altLang="en-US" sz="800" i="0" u="none" strike="noStrike" kern="1200" cap="none" spc="0" normalizeH="0" baseline="0" noProof="0" dirty="0">
-              <a:ln>
-                <a:noFill/>
-              </a:ln>
-              <a:solidFill>
-                <a:srgbClr val="FF0000"/>
-              </a:solidFill>
-              <a:effectLst/>
-              <a:uLnTx/>
-              <a:uFillTx/>
-              <a:latin typeface="微软雅黑" panose="020B0503020204020204" pitchFamily="34" charset="-122"/>
-              <a:ea typeface="微软雅黑" panose="020B0503020204020204" pitchFamily="34" charset="-122"/>
-              <a:cs typeface="+mn-cs"/>
-              <a:sym typeface="微软雅黑" panose="020B0503020204020204" pitchFamily="34" charset="-122"/>
-            </a:endParaRPr>
-          </a:p>
-        </p:txBody>
-      </p:sp>
-      <p:pic>
-        <p:nvPicPr>
-          <p:cNvPr id="24" name="图片 23">
-            <a:extLst>
-              <a:ext uri="{FF2B5EF4-FFF2-40B4-BE49-F238E27FC236}">
-                <a16:creationId xmlns:a16="http://schemas.microsoft.com/office/drawing/2014/main" id="{B92D6F47-C236-18A6-51D1-DD5727E1EB20}"/>
-              </a:ext>
-            </a:extLst>
-          </p:cNvPr>
-          <p:cNvPicPr>
-            <a:picLocks noChangeAspect="1"/>
-          </p:cNvPicPr>
-          <p:nvPr/>
-        </p:nvPicPr>
-        <p:blipFill>
-          <a:blip r:embed="rId4"/>
-          <a:stretch>
-            <a:fillRect/>
-          </a:stretch>
-        </p:blipFill>
-        <p:spPr>
-          <a:xfrm>
-            <a:off x="2246032" y="4028189"/>
-            <a:ext cx="7533719" cy="2200959"/>
-          </a:xfrm>
-          <a:prstGeom prst="rect">
-            <a:avLst/>
-          </a:prstGeom>
-        </p:spPr>
-      </p:pic>
-      <p:cxnSp>
-        <p:nvCxnSpPr>
-          <p:cNvPr id="27" name="直线箭头连接符 26">
-            <a:extLst>
-              <a:ext uri="{FF2B5EF4-FFF2-40B4-BE49-F238E27FC236}">
-                <a16:creationId xmlns:a16="http://schemas.microsoft.com/office/drawing/2014/main" id="{4F313BE9-4AA3-F23B-82FA-D75DEEF86190}"/>
-              </a:ext>
-            </a:extLst>
-          </p:cNvPr>
-          <p:cNvCxnSpPr>
-            <a:cxnSpLocks/>
-          </p:cNvCxnSpPr>
-          <p:nvPr/>
-        </p:nvCxnSpPr>
-        <p:spPr>
-          <a:xfrm flipV="1">
-            <a:off x="3715998" y="7769228"/>
-            <a:ext cx="921350" cy="10601"/>
-          </a:xfrm>
-          <a:prstGeom prst="straightConnector1">
-            <a:avLst/>
-          </a:prstGeom>
-          <a:ln>
-            <a:tailEnd type="triangle"/>
-          </a:ln>
-        </p:spPr>
-        <p:style>
-          <a:lnRef idx="1">
-            <a:schemeClr val="accent1"/>
-          </a:lnRef>
-          <a:fillRef idx="0">
-            <a:schemeClr val="accent1"/>
-          </a:fillRef>
-          <a:effectRef idx="0">
-            <a:schemeClr val="accent1"/>
-          </a:effectRef>
-          <a:fontRef idx="minor">
-            <a:schemeClr val="tx1"/>
-          </a:fontRef>
-        </p:style>
-      </p:cxnSp>
-      <p:sp>
-        <p:nvSpPr>
-          <p:cNvPr id="32" name="文本框 31">
-            <a:extLst>
-              <a:ext uri="{FF2B5EF4-FFF2-40B4-BE49-F238E27FC236}">
-                <a16:creationId xmlns:a16="http://schemas.microsoft.com/office/drawing/2014/main" id="{849FB580-BE1F-E5C6-8151-9BA14FF8941E}"/>
-              </a:ext>
-            </a:extLst>
-          </p:cNvPr>
-          <p:cNvSpPr txBox="1"/>
-          <p:nvPr/>
-        </p:nvSpPr>
-        <p:spPr>
-          <a:xfrm>
-            <a:off x="2426521" y="7675617"/>
-            <a:ext cx="1474829" cy="261610"/>
-          </a:xfrm>
-          <a:prstGeom prst="rect">
-            <a:avLst/>
-          </a:prstGeom>
-          <a:noFill/>
-        </p:spPr>
-        <p:txBody>
-          <a:bodyPr wrap="square" rtlCol="0">
-            <a:spAutoFit/>
-          </a:bodyPr>
-          <a:lstStyle/>
-          <a:p>
-            <a:pPr defTabSz="914433">
-              <a:defRPr/>
-            </a:pPr>
-            <a:r>
-              <a:rPr lang="zh-CN" altLang="en-US" sz="1100" dirty="0">
-                <a:solidFill>
-                  <a:srgbClr val="FF0000"/>
-                </a:solidFill>
-                <a:latin typeface="微软雅黑" panose="020B0503020204020204" pitchFamily="34" charset="-122"/>
-                <a:ea typeface="微软雅黑" panose="020B0503020204020204" pitchFamily="34" charset="-122"/>
-                <a:sym typeface="微软雅黑" panose="020B0503020204020204" pitchFamily="34" charset="-122"/>
-              </a:rPr>
-              <a:t>见</a:t>
-            </a:r>
-            <a:r>
-              <a:rPr lang="en-US" altLang="zh-CN" sz="1100" dirty="0" err="1">
-                <a:solidFill>
-                  <a:srgbClr val="FF0000"/>
-                </a:solidFill>
-                <a:latin typeface="微软雅黑" panose="020B0503020204020204" pitchFamily="34" charset="-122"/>
-                <a:ea typeface="微软雅黑" panose="020B0503020204020204" pitchFamily="34" charset="-122"/>
-                <a:sym typeface="微软雅黑" panose="020B0503020204020204" pitchFamily="34" charset="-122"/>
-              </a:rPr>
-              <a:t>blast_input.txt</a:t>
-            </a:r>
-            <a:endParaRPr kumimoji="0" lang="zh-CN" altLang="en-US" sz="800" i="0" u="none" strike="noStrike" kern="1200" cap="none" spc="0" normalizeH="0" baseline="0" noProof="0" dirty="0">
-              <a:ln>
-                <a:noFill/>
-              </a:ln>
-              <a:solidFill>
-                <a:srgbClr val="FF0000"/>
-              </a:solidFill>
-              <a:effectLst/>
-              <a:uLnTx/>
-              <a:uFillTx/>
-              <a:latin typeface="微软雅黑" panose="020B0503020204020204" pitchFamily="34" charset="-122"/>
-              <a:ea typeface="微软雅黑" panose="020B0503020204020204" pitchFamily="34" charset="-122"/>
-              <a:cs typeface="+mn-cs"/>
-              <a:sym typeface="微软雅黑" panose="020B0503020204020204" pitchFamily="34" charset="-122"/>
-            </a:endParaRPr>
-          </a:p>
-        </p:txBody>
-      </p:sp>
-      <p:pic>
-        <p:nvPicPr>
-          <p:cNvPr id="33" name="图片 32">
-            <a:extLst>
-              <a:ext uri="{FF2B5EF4-FFF2-40B4-BE49-F238E27FC236}">
-                <a16:creationId xmlns:a16="http://schemas.microsoft.com/office/drawing/2014/main" id="{A903BD54-6359-DFA7-181C-8356F6FD5885}"/>
-              </a:ext>
-            </a:extLst>
-          </p:cNvPr>
-          <p:cNvPicPr>
-            <a:picLocks noChangeAspect="1"/>
-          </p:cNvPicPr>
-          <p:nvPr/>
-        </p:nvPicPr>
-        <p:blipFill>
-          <a:blip r:embed="rId5"/>
-          <a:stretch>
-            <a:fillRect/>
-          </a:stretch>
-        </p:blipFill>
-        <p:spPr>
-          <a:xfrm>
-            <a:off x="2126691" y="9581686"/>
-            <a:ext cx="7772400" cy="3098411"/>
-          </a:xfrm>
-          <a:prstGeom prst="rect">
-            <a:avLst/>
-          </a:prstGeom>
-        </p:spPr>
-      </p:pic>
-      <p:sp>
-        <p:nvSpPr>
-          <p:cNvPr id="35" name="圆角矩形 34">
-            <a:extLst>
-              <a:ext uri="{FF2B5EF4-FFF2-40B4-BE49-F238E27FC236}">
-                <a16:creationId xmlns:a16="http://schemas.microsoft.com/office/drawing/2014/main" id="{868EC310-84B9-F152-35F1-AED5F434B559}"/>
+                <a16:creationId xmlns:a16="http://schemas.microsoft.com/office/drawing/2014/main" id="{FA514BB7-13A2-60BE-8700-DD8E5DBA0E8D}"/>
               </a:ext>
             </a:extLst>
           </p:cNvPr>
@@ -11304,307 +11927,8 @@
         </p:nvSpPr>
         <p:spPr>
           <a:xfrm>
-            <a:off x="5453284" y="14194992"/>
-            <a:ext cx="1007573" cy="314960"/>
-          </a:xfrm>
-          <a:prstGeom prst="roundRect">
-            <a:avLst/>
-          </a:prstGeom>
-          <a:solidFill>
-            <a:schemeClr val="bg1"/>
-          </a:solidFill>
-          <a:ln w="6350">
-            <a:solidFill>
-              <a:schemeClr val="tx1"/>
-            </a:solidFill>
-          </a:ln>
-        </p:spPr>
-        <p:style>
-          <a:lnRef idx="2">
-            <a:schemeClr val="accent1">
-              <a:shade val="15000"/>
-            </a:schemeClr>
-          </a:lnRef>
-          <a:fillRef idx="1">
-            <a:schemeClr val="accent1"/>
-          </a:fillRef>
-          <a:effectRef idx="0">
-            <a:schemeClr val="accent1"/>
-          </a:effectRef>
-          <a:fontRef idx="minor">
-            <a:schemeClr val="lt1"/>
-          </a:fontRef>
-        </p:style>
-        <p:txBody>
-          <a:bodyPr rtlCol="0" anchor="ctr"/>
-          <a:lstStyle/>
-          <a:p>
-            <a:pPr marL="0" marR="0" lvl="0" indent="0" algn="ctr" defTabSz="457180" rtl="0" eaLnBrk="1" fontAlgn="auto" latinLnBrk="0" hangingPunct="1">
-              <a:lnSpc>
-                <a:spcPct val="100000"/>
-              </a:lnSpc>
-              <a:spcBef>
-                <a:spcPts val="0"/>
-              </a:spcBef>
-              <a:spcAft>
-                <a:spcPts val="0"/>
-              </a:spcAft>
-              <a:buClrTx/>
-              <a:buSzTx/>
-              <a:buFontTx/>
-              <a:buNone/>
-              <a:tabLst/>
-              <a:defRPr/>
-            </a:pPr>
-            <a:r>
-              <a:rPr kumimoji="1" lang="en-US" altLang="zh-CN" sz="1200" dirty="0">
-                <a:solidFill>
-                  <a:schemeClr val="tx1"/>
-                </a:solidFill>
-                <a:latin typeface="Calibri" panose="020F0502020204030204"/>
-                <a:ea typeface="等线" panose="02010600030101010101" pitchFamily="2" charset="-122"/>
-              </a:rPr>
-              <a:t>Get</a:t>
-            </a:r>
-            <a:r>
-              <a:rPr kumimoji="1" lang="zh-CN" altLang="en-US" sz="1200" dirty="0">
-                <a:solidFill>
-                  <a:schemeClr val="tx1"/>
-                </a:solidFill>
-                <a:latin typeface="Calibri" panose="020F0502020204030204"/>
-                <a:ea typeface="等线" panose="02010600030101010101" pitchFamily="2" charset="-122"/>
-              </a:rPr>
-              <a:t> </a:t>
-            </a:r>
-            <a:r>
-              <a:rPr kumimoji="1" lang="en-US" altLang="zh-CN" sz="1200" dirty="0">
-                <a:solidFill>
-                  <a:schemeClr val="tx1"/>
-                </a:solidFill>
-                <a:latin typeface="Calibri" panose="020F0502020204030204"/>
-                <a:ea typeface="等线" panose="02010600030101010101" pitchFamily="2" charset="-122"/>
-              </a:rPr>
-              <a:t>Seq</a:t>
-            </a:r>
-            <a:endParaRPr kumimoji="1" lang="zh-CN" altLang="en-US" sz="1200" b="0" i="0" u="none" strike="noStrike" kern="1200" cap="none" spc="0" normalizeH="0" baseline="0" noProof="0" dirty="0">
-              <a:ln>
-                <a:noFill/>
-              </a:ln>
-              <a:solidFill>
-                <a:schemeClr val="tx1"/>
-              </a:solidFill>
-              <a:effectLst/>
-              <a:uLnTx/>
-              <a:uFillTx/>
-              <a:latin typeface="Calibri" panose="020F0502020204030204"/>
-              <a:ea typeface="等线" panose="02010600030101010101" pitchFamily="2" charset="-122"/>
-              <a:cs typeface="+mn-cs"/>
-            </a:endParaRPr>
-          </a:p>
-        </p:txBody>
-      </p:sp>
-      <p:cxnSp>
-        <p:nvCxnSpPr>
-          <p:cNvPr id="36" name="直线箭头连接符 35">
-            <a:extLst>
-              <a:ext uri="{FF2B5EF4-FFF2-40B4-BE49-F238E27FC236}">
-                <a16:creationId xmlns:a16="http://schemas.microsoft.com/office/drawing/2014/main" id="{7C8EC88A-EA15-D8BC-6632-29ED57338F98}"/>
-              </a:ext>
-            </a:extLst>
-          </p:cNvPr>
-          <p:cNvCxnSpPr>
-            <a:cxnSpLocks/>
-          </p:cNvCxnSpPr>
-          <p:nvPr/>
-        </p:nvCxnSpPr>
-        <p:spPr>
-          <a:xfrm flipH="1" flipV="1">
-            <a:off x="6350752" y="14352472"/>
-            <a:ext cx="1031683" cy="241472"/>
-          </a:xfrm>
-          <a:prstGeom prst="straightConnector1">
-            <a:avLst/>
-          </a:prstGeom>
-          <a:ln>
-            <a:tailEnd type="triangle"/>
-          </a:ln>
-        </p:spPr>
-        <p:style>
-          <a:lnRef idx="1">
-            <a:schemeClr val="accent1"/>
-          </a:lnRef>
-          <a:fillRef idx="0">
-            <a:schemeClr val="accent1"/>
-          </a:fillRef>
-          <a:effectRef idx="0">
-            <a:schemeClr val="accent1"/>
-          </a:effectRef>
-          <a:fontRef idx="minor">
-            <a:schemeClr val="tx1"/>
-          </a:fontRef>
-        </p:style>
-      </p:cxnSp>
-      <p:sp>
-        <p:nvSpPr>
-          <p:cNvPr id="38" name="文本框 37">
-            <a:extLst>
-              <a:ext uri="{FF2B5EF4-FFF2-40B4-BE49-F238E27FC236}">
-                <a16:creationId xmlns:a16="http://schemas.microsoft.com/office/drawing/2014/main" id="{D54B8B0E-9118-CC69-14A9-E638BDD45DFD}"/>
-              </a:ext>
-            </a:extLst>
-          </p:cNvPr>
-          <p:cNvSpPr txBox="1"/>
-          <p:nvPr/>
-        </p:nvSpPr>
-        <p:spPr>
-          <a:xfrm>
-            <a:off x="7382435" y="14480118"/>
-            <a:ext cx="1474829" cy="261610"/>
-          </a:xfrm>
-          <a:prstGeom prst="rect">
-            <a:avLst/>
-          </a:prstGeom>
-          <a:noFill/>
-        </p:spPr>
-        <p:txBody>
-          <a:bodyPr wrap="square" rtlCol="0">
-            <a:spAutoFit/>
-          </a:bodyPr>
-          <a:lstStyle/>
-          <a:p>
-            <a:pPr defTabSz="914433">
-              <a:defRPr/>
-            </a:pPr>
-            <a:r>
-              <a:rPr lang="zh-CN" altLang="en-US" sz="1100" dirty="0">
-                <a:solidFill>
-                  <a:srgbClr val="FF0000"/>
-                </a:solidFill>
-                <a:latin typeface="微软雅黑" panose="020B0503020204020204" pitchFamily="34" charset="-122"/>
-                <a:ea typeface="微软雅黑" panose="020B0503020204020204" pitchFamily="34" charset="-122"/>
-                <a:sym typeface="微软雅黑" panose="020B0503020204020204" pitchFamily="34" charset="-122"/>
-              </a:rPr>
-              <a:t>获得</a:t>
-            </a:r>
-            <a:r>
-              <a:rPr lang="en" altLang="zh-CN" sz="1100" dirty="0" err="1">
-                <a:solidFill>
-                  <a:srgbClr val="FF0000"/>
-                </a:solidFill>
-                <a:latin typeface="微软雅黑" panose="020B0503020204020204" pitchFamily="34" charset="-122"/>
-                <a:ea typeface="微软雅黑" panose="020B0503020204020204" pitchFamily="34" charset="-122"/>
-                <a:sym typeface="微软雅黑" panose="020B0503020204020204" pitchFamily="34" charset="-122"/>
-              </a:rPr>
-              <a:t>blast_seq.fasta</a:t>
-            </a:r>
-            <a:endParaRPr kumimoji="0" lang="zh-CN" altLang="en-US" sz="800" i="0" u="none" strike="noStrike" kern="1200" cap="none" spc="0" normalizeH="0" baseline="0" noProof="0" dirty="0">
-              <a:ln>
-                <a:noFill/>
-              </a:ln>
-              <a:solidFill>
-                <a:srgbClr val="FF0000"/>
-              </a:solidFill>
-              <a:effectLst/>
-              <a:uLnTx/>
-              <a:uFillTx/>
-              <a:latin typeface="微软雅黑" panose="020B0503020204020204" pitchFamily="34" charset="-122"/>
-              <a:ea typeface="微软雅黑" panose="020B0503020204020204" pitchFamily="34" charset="-122"/>
-              <a:cs typeface="+mn-cs"/>
-              <a:sym typeface="微软雅黑" panose="020B0503020204020204" pitchFamily="34" charset="-122"/>
-            </a:endParaRPr>
-          </a:p>
-        </p:txBody>
-      </p:sp>
-      <p:sp>
-        <p:nvSpPr>
-          <p:cNvPr id="2" name="文本框 1">
-            <a:extLst>
-              <a:ext uri="{FF2B5EF4-FFF2-40B4-BE49-F238E27FC236}">
-                <a16:creationId xmlns:a16="http://schemas.microsoft.com/office/drawing/2014/main" id="{521CD458-F1EF-B3CE-8271-A1C8D5D936AC}"/>
-              </a:ext>
-            </a:extLst>
-          </p:cNvPr>
-          <p:cNvSpPr txBox="1"/>
-          <p:nvPr/>
-        </p:nvSpPr>
-        <p:spPr>
-          <a:xfrm>
-            <a:off x="4294886" y="6886543"/>
-            <a:ext cx="1007573" cy="229046"/>
-          </a:xfrm>
-          <a:prstGeom prst="rect">
-            <a:avLst/>
-          </a:prstGeom>
-          <a:noFill/>
-        </p:spPr>
-        <p:txBody>
-          <a:bodyPr wrap="square" rtlCol="0">
-            <a:spAutoFit/>
-          </a:bodyPr>
-          <a:lstStyle/>
-          <a:p>
-            <a:pPr defTabSz="914433">
-              <a:defRPr/>
-            </a:pPr>
-            <a:r>
-              <a:rPr kumimoji="0" lang="en-US" altLang="zh-CN" sz="900" b="1" i="0" u="none" strike="noStrike" kern="1200" cap="none" spc="0" normalizeH="0" baseline="0" noProof="0" dirty="0">
-                <a:ln>
-                  <a:noFill/>
-                </a:ln>
-                <a:solidFill>
-                  <a:srgbClr val="4472C4">
-                    <a:lumMod val="50000"/>
-                  </a:srgbClr>
-                </a:solidFill>
-                <a:effectLst/>
-                <a:uLnTx/>
-                <a:uFillTx/>
-                <a:latin typeface="微软雅黑" panose="020B0503020204020204" pitchFamily="34" charset="-122"/>
-                <a:ea typeface="微软雅黑" panose="020B0503020204020204" pitchFamily="34" charset="-122"/>
-                <a:cs typeface="+mn-cs"/>
-                <a:sym typeface="微软雅黑" panose="020B0503020204020204" pitchFamily="34" charset="-122"/>
-              </a:rPr>
-              <a:t>E-value</a:t>
-            </a:r>
-            <a:r>
-              <a:rPr kumimoji="0" lang="zh-CN" altLang="en-US" sz="900" b="1" i="0" u="none" strike="noStrike" kern="1200" cap="none" spc="0" normalizeH="0" baseline="0" noProof="0" dirty="0">
-                <a:ln>
-                  <a:noFill/>
-                </a:ln>
-                <a:solidFill>
-                  <a:srgbClr val="4472C4">
-                    <a:lumMod val="50000"/>
-                  </a:srgbClr>
-                </a:solidFill>
-                <a:effectLst/>
-                <a:uLnTx/>
-                <a:uFillTx/>
-                <a:latin typeface="微软雅黑" panose="020B0503020204020204" pitchFamily="34" charset="-122"/>
-                <a:ea typeface="微软雅黑" panose="020B0503020204020204" pitchFamily="34" charset="-122"/>
-                <a:cs typeface="+mn-cs"/>
-                <a:sym typeface="微软雅黑" panose="020B0503020204020204" pitchFamily="34" charset="-122"/>
-              </a:rPr>
-              <a:t>：</a:t>
-            </a:r>
-          </a:p>
-        </p:txBody>
-      </p:sp>
-      <p:sp>
-        <p:nvSpPr>
-          <p:cNvPr id="3" name="圆角矩形 2">
-            <a:extLst>
-              <a:ext uri="{FF2B5EF4-FFF2-40B4-BE49-F238E27FC236}">
-                <a16:creationId xmlns:a16="http://schemas.microsoft.com/office/drawing/2014/main" id="{029EAE48-7924-800B-A6E3-24B705FF42C2}"/>
-              </a:ext>
-            </a:extLst>
-          </p:cNvPr>
-          <p:cNvSpPr/>
-          <p:nvPr/>
-        </p:nvSpPr>
-        <p:spPr>
-          <a:xfrm>
-            <a:off x="4929569" y="6807268"/>
-            <a:ext cx="1810326" cy="387598"/>
+            <a:off x="5066890" y="5127458"/>
+            <a:ext cx="1674651" cy="324180"/>
           </a:xfrm>
           <a:prstGeom prst="roundRect">
             <a:avLst/>
@@ -11664,10 +11988,10 @@
       </p:sp>
       <p:sp>
         <p:nvSpPr>
-          <p:cNvPr id="4" name="文本框 3">
+          <p:cNvPr id="9" name="文本框 8">
             <a:extLst>
               <a:ext uri="{FF2B5EF4-FFF2-40B4-BE49-F238E27FC236}">
-                <a16:creationId xmlns:a16="http://schemas.microsoft.com/office/drawing/2014/main" id="{EDCA3D5A-1B7F-7B17-B506-557908D5352A}"/>
+                <a16:creationId xmlns:a16="http://schemas.microsoft.com/office/drawing/2014/main" id="{9B94F3A6-7DEA-3E87-CA5B-94FEA5F0308C}"/>
               </a:ext>
             </a:extLst>
           </p:cNvPr>
@@ -11676,7 +12000,7 @@
         </p:nvSpPr>
         <p:spPr>
           <a:xfrm>
-            <a:off x="5075864" y="6911813"/>
+            <a:off x="5225740" y="5177645"/>
             <a:ext cx="745534" cy="230832"/>
           </a:xfrm>
           <a:prstGeom prst="rect">
@@ -11708,24 +12032,17 @@
               <a:defRPr/>
             </a:pPr>
             <a:r>
-              <a:rPr kumimoji="0" lang="en-US" altLang="zh-CN" sz="900" b="1" i="0" u="none" strike="noStrike" kern="1200" cap="none" spc="0" normalizeH="0" baseline="0" noProof="0" dirty="0">
-                <a:ln>
-                  <a:noFill/>
-                </a:ln>
+              <a:rPr lang="en-US" altLang="zh-CN" sz="900" b="1" dirty="0">
                 <a:solidFill>
                   <a:srgbClr val="4472C4">
                     <a:lumMod val="50000"/>
                   </a:srgbClr>
                 </a:solidFill>
-                <a:effectLst/>
-                <a:uLnTx/>
-                <a:uFillTx/>
                 <a:latin typeface="微软雅黑" panose="020B0503020204020204" pitchFamily="34" charset="-122"/>
                 <a:ea typeface="微软雅黑" panose="020B0503020204020204" pitchFamily="34" charset="-122"/>
-                <a:cs typeface="+mn-cs"/>
                 <a:sym typeface="微软雅黑" panose="020B0503020204020204" pitchFamily="34" charset="-122"/>
               </a:rPr>
-              <a:t>1e-6</a:t>
+              <a:t>lg</a:t>
             </a:r>
             <a:endParaRPr kumimoji="0" lang="zh-CN" altLang="en-US" sz="900" b="1" i="0" u="none" strike="noStrike" kern="1200" cap="none" spc="0" normalizeH="0" baseline="0" noProof="0" dirty="0">
               <a:ln>
@@ -11749,10 +12066,10 @@
       </p:sp>
       <p:pic>
         <p:nvPicPr>
-          <p:cNvPr id="8" name="图片 7">
+          <p:cNvPr id="22" name="图片 21">
             <a:extLst>
               <a:ext uri="{FF2B5EF4-FFF2-40B4-BE49-F238E27FC236}">
-                <a16:creationId xmlns:a16="http://schemas.microsoft.com/office/drawing/2014/main" id="{A2A591FF-899B-C616-E167-DC21248CD83E}"/>
+                <a16:creationId xmlns:a16="http://schemas.microsoft.com/office/drawing/2014/main" id="{4C702633-8CD6-0948-7B28-26227E0ECF17}"/>
               </a:ext>
             </a:extLst>
           </p:cNvPr>
@@ -11762,14 +12079,14 @@
           <p:nvPr/>
         </p:nvPicPr>
         <p:blipFill>
-          <a:blip r:embed="rId6"/>
+          <a:blip r:embed="rId5"/>
           <a:stretch>
             <a:fillRect/>
           </a:stretch>
         </p:blipFill>
         <p:spPr>
           <a:xfrm>
-            <a:off x="6370603" y="6901933"/>
+            <a:off x="6310194" y="5193597"/>
             <a:ext cx="355600" cy="198267"/>
           </a:xfrm>
           <a:prstGeom prst="rect">
@@ -11777,10 +12094,188 @@
           </a:prstGeom>
         </p:spPr>
       </p:pic>
+      <p:sp>
+        <p:nvSpPr>
+          <p:cNvPr id="29" name="文本框 28">
+            <a:extLst>
+              <a:ext uri="{FF2B5EF4-FFF2-40B4-BE49-F238E27FC236}">
+                <a16:creationId xmlns:a16="http://schemas.microsoft.com/office/drawing/2014/main" id="{8197C722-0821-9042-C116-04ACB81E8B66}"/>
+              </a:ext>
+            </a:extLst>
+          </p:cNvPr>
+          <p:cNvSpPr txBox="1"/>
+          <p:nvPr/>
+        </p:nvSpPr>
+        <p:spPr>
+          <a:xfrm>
+            <a:off x="2309146" y="8460724"/>
+            <a:ext cx="7521803" cy="307777"/>
+          </a:xfrm>
+          <a:prstGeom prst="rect">
+            <a:avLst/>
+          </a:prstGeom>
+          <a:noFill/>
+        </p:spPr>
+        <p:txBody>
+          <a:bodyPr wrap="square" rtlCol="0">
+            <a:spAutoFit/>
+          </a:bodyPr>
+          <a:lstStyle/>
+          <a:p>
+            <a:pPr defTabSz="914433">
+              <a:defRPr/>
+            </a:pPr>
+            <a:r>
+              <a:rPr kumimoji="0" lang="en-US" altLang="zh-CN" sz="1400" b="1" i="0" u="none" strike="noStrike" kern="1200" cap="none" spc="0" normalizeH="0" baseline="0" noProof="0" dirty="0">
+                <a:ln>
+                  <a:noFill/>
+                </a:ln>
+                <a:solidFill>
+                  <a:srgbClr val="4472C4">
+                    <a:lumMod val="50000"/>
+                  </a:srgbClr>
+                </a:solidFill>
+                <a:effectLst/>
+                <a:uLnTx/>
+                <a:uFillTx/>
+                <a:latin typeface="微软雅黑" panose="020B0503020204020204" pitchFamily="34" charset="-122"/>
+                <a:ea typeface="微软雅黑" panose="020B0503020204020204" pitchFamily="34" charset="-122"/>
+                <a:cs typeface="+mn-cs"/>
+                <a:sym typeface="微软雅黑" panose="020B0503020204020204" pitchFamily="34" charset="-122"/>
+              </a:rPr>
+              <a:t>React-</a:t>
+            </a:r>
+            <a:r>
+              <a:rPr kumimoji="0" lang="en-US" altLang="zh-CN" sz="1400" b="1" i="0" u="none" strike="noStrike" kern="1200" cap="none" spc="0" normalizeH="0" baseline="0" noProof="0" dirty="0" err="1">
+                <a:ln>
+                  <a:noFill/>
+                </a:ln>
+                <a:solidFill>
+                  <a:srgbClr val="4472C4">
+                    <a:lumMod val="50000"/>
+                  </a:srgbClr>
+                </a:solidFill>
+                <a:effectLst/>
+                <a:uLnTx/>
+                <a:uFillTx/>
+                <a:latin typeface="微软雅黑" panose="020B0503020204020204" pitchFamily="34" charset="-122"/>
+                <a:ea typeface="微软雅黑" panose="020B0503020204020204" pitchFamily="34" charset="-122"/>
+                <a:cs typeface="+mn-cs"/>
+                <a:sym typeface="微软雅黑" panose="020B0503020204020204" pitchFamily="34" charset="-122"/>
+              </a:rPr>
+              <a:t>msaview</a:t>
+            </a:r>
+            <a:r>
+              <a:rPr kumimoji="0" lang="zh-CN" altLang="en-US" sz="1400" b="1" i="0" u="none" strike="noStrike" kern="1200" cap="none" spc="0" normalizeH="0" baseline="0" noProof="0" dirty="0">
+                <a:ln>
+                  <a:noFill/>
+                </a:ln>
+                <a:solidFill>
+                  <a:srgbClr val="4472C4">
+                    <a:lumMod val="50000"/>
+                  </a:srgbClr>
+                </a:solidFill>
+                <a:effectLst/>
+                <a:uLnTx/>
+                <a:uFillTx/>
+                <a:latin typeface="微软雅黑" panose="020B0503020204020204" pitchFamily="34" charset="-122"/>
+                <a:ea typeface="微软雅黑" panose="020B0503020204020204" pitchFamily="34" charset="-122"/>
+                <a:cs typeface="+mn-cs"/>
+                <a:sym typeface="微软雅黑" panose="020B0503020204020204" pitchFamily="34" charset="-122"/>
+              </a:rPr>
+              <a:t>可视化展示示</a:t>
+            </a:r>
+            <a:r>
+              <a:rPr kumimoji="0" lang="en" altLang="zh-CN" sz="1400" b="0" i="0" u="none" strike="noStrike" kern="1200" cap="none" spc="0" normalizeH="0" baseline="0" noProof="0" dirty="0" err="1">
+                <a:ln>
+                  <a:noFill/>
+                </a:ln>
+                <a:solidFill>
+                  <a:srgbClr val="FF0000"/>
+                </a:solidFill>
+                <a:effectLst/>
+                <a:uLnTx/>
+                <a:uFillTx/>
+                <a:latin typeface="微软雅黑" panose="020B0503020204020204" pitchFamily="34" charset="-122"/>
+                <a:ea typeface="微软雅黑" panose="020B0503020204020204" pitchFamily="34" charset="-122"/>
+                <a:cs typeface="+mn-cs"/>
+                <a:sym typeface="微软雅黑" panose="020B0503020204020204" pitchFamily="34" charset="-122"/>
+              </a:rPr>
+              <a:t>mafft_result.fasta</a:t>
+            </a:r>
+            <a:r>
+              <a:rPr kumimoji="0" lang="zh-CN" altLang="en-US" sz="1400" b="0" i="0" u="none" strike="noStrike" kern="1200" cap="none" spc="0" normalizeH="0" baseline="0" noProof="0" dirty="0">
+                <a:ln>
+                  <a:noFill/>
+                </a:ln>
+                <a:solidFill>
+                  <a:srgbClr val="FF0000"/>
+                </a:solidFill>
+                <a:effectLst/>
+                <a:uLnTx/>
+                <a:uFillTx/>
+                <a:latin typeface="微软雅黑" panose="020B0503020204020204" pitchFamily="34" charset="-122"/>
+                <a:ea typeface="微软雅黑" panose="020B0503020204020204" pitchFamily="34" charset="-122"/>
+                <a:cs typeface="+mn-cs"/>
+                <a:sym typeface="微软雅黑" panose="020B0503020204020204" pitchFamily="34" charset="-122"/>
+              </a:rPr>
+              <a:t>，</a:t>
+            </a:r>
+            <a:r>
+              <a:rPr kumimoji="0" lang="en" altLang="zh-CN" sz="1400" b="0" i="0" u="none" strike="noStrike" kern="1200" cap="none" spc="0" normalizeH="0" baseline="0" noProof="0" dirty="0" err="1">
+                <a:ln>
+                  <a:noFill/>
+                </a:ln>
+                <a:solidFill>
+                  <a:srgbClr val="FF0000"/>
+                </a:solidFill>
+                <a:effectLst/>
+                <a:uLnTx/>
+                <a:uFillTx/>
+                <a:latin typeface="微软雅黑" panose="020B0503020204020204" pitchFamily="34" charset="-122"/>
+                <a:ea typeface="微软雅黑" panose="020B0503020204020204" pitchFamily="34" charset="-122"/>
+                <a:cs typeface="+mn-cs"/>
+                <a:sym typeface="微软雅黑" panose="020B0503020204020204" pitchFamily="34" charset="-122"/>
+              </a:rPr>
+              <a:t>fasttree_result.nwk</a:t>
+            </a:r>
+            <a:r>
+              <a:rPr kumimoji="0" lang="zh-CN" altLang="en" sz="1400" b="0" i="0" u="none" strike="noStrike" kern="1200" cap="none" spc="0" normalizeH="0" baseline="0" noProof="0" dirty="0">
+                <a:ln>
+                  <a:noFill/>
+                </a:ln>
+                <a:solidFill>
+                  <a:srgbClr val="FF0000"/>
+                </a:solidFill>
+                <a:effectLst/>
+                <a:uLnTx/>
+                <a:uFillTx/>
+                <a:latin typeface="微软雅黑" panose="020B0503020204020204" pitchFamily="34" charset="-122"/>
+                <a:ea typeface="微软雅黑" panose="020B0503020204020204" pitchFamily="34" charset="-122"/>
+                <a:cs typeface="+mn-cs"/>
+                <a:sym typeface="微软雅黑" panose="020B0503020204020204" pitchFamily="34" charset="-122"/>
+              </a:rPr>
+              <a:t>内容</a:t>
+            </a:r>
+            <a:endParaRPr kumimoji="0" lang="zh-CN" altLang="en-US" sz="1400" b="1" i="0" u="none" strike="noStrike" kern="1200" cap="none" spc="0" normalizeH="0" baseline="0" noProof="0" dirty="0">
+              <a:ln>
+                <a:noFill/>
+              </a:ln>
+              <a:effectLst/>
+              <a:uLnTx/>
+              <a:uFillTx/>
+              <a:latin typeface="微软雅黑" panose="020B0503020204020204" pitchFamily="34" charset="-122"/>
+              <a:ea typeface="微软雅黑" panose="020B0503020204020204" pitchFamily="34" charset="-122"/>
+              <a:cs typeface="+mn-cs"/>
+              <a:sym typeface="微软雅黑" panose="020B0503020204020204" pitchFamily="34" charset="-122"/>
+            </a:endParaRPr>
+          </a:p>
+        </p:txBody>
+      </p:sp>
     </p:spTree>
     <p:extLst>
       <p:ext uri="{BB962C8B-B14F-4D97-AF65-F5344CB8AC3E}">
-        <p14:creationId xmlns:p14="http://schemas.microsoft.com/office/powerpoint/2010/main" val="3225921859"/>
+        <p14:creationId xmlns:p14="http://schemas.microsoft.com/office/powerpoint/2010/main" val="3164394971"/>
       </p:ext>
     </p:extLst>
   </p:cSld>
@@ -12354,10 +12849,10 @@
       </p:cxnSp>
       <p:sp>
         <p:nvSpPr>
-          <p:cNvPr id="53" name="文本框 52">
+          <p:cNvPr id="48" name="文本框 47">
             <a:extLst>
               <a:ext uri="{FF2B5EF4-FFF2-40B4-BE49-F238E27FC236}">
-                <a16:creationId xmlns:a16="http://schemas.microsoft.com/office/drawing/2014/main" id="{705A1A95-37F7-7126-9750-AA7251CEACD1}"/>
+                <a16:creationId xmlns:a16="http://schemas.microsoft.com/office/drawing/2014/main" id="{7BC38C87-6D0B-CDF2-E24F-1189D2CEA5F2}"/>
               </a:ext>
             </a:extLst>
           </p:cNvPr>
@@ -12366,8 +12861,8 @@
         </p:nvSpPr>
         <p:spPr>
           <a:xfrm>
-            <a:off x="299138" y="141445"/>
-            <a:ext cx="9284306" cy="307905"/>
+            <a:off x="959505" y="2055861"/>
+            <a:ext cx="2259726" cy="276999"/>
           </a:xfrm>
           <a:prstGeom prst="rect">
             <a:avLst/>
@@ -12380,18 +12875,32 @@
           </a:bodyPr>
           <a:lstStyle/>
           <a:p>
-            <a:pPr defTabSz="914433">
+            <a:pPr marL="0" marR="0" lvl="0" indent="0" algn="l" defTabSz="914433" rtl="0" eaLnBrk="1" fontAlgn="auto" latinLnBrk="0" hangingPunct="1">
+              <a:lnSpc>
+                <a:spcPct val="100000"/>
+              </a:lnSpc>
+              <a:spcBef>
+                <a:spcPts val="0"/>
+              </a:spcBef>
+              <a:spcAft>
+                <a:spcPts val="0"/>
+              </a:spcAft>
+              <a:buClrTx/>
+              <a:buSzTx/>
+              <a:buFontTx/>
+              <a:buNone/>
+              <a:tabLst/>
               <a:defRPr/>
             </a:pPr>
             <a:r>
-              <a:rPr kumimoji="0" lang="en-US" altLang="zh-CN" sz="1401" b="1" i="0" u="none" strike="noStrike" kern="1200" cap="none" spc="0" normalizeH="0" baseline="0" noProof="0" dirty="0">
+              <a:rPr kumimoji="0" lang="en-US" altLang="zh-CN" sz="1200" b="1" i="0" u="none" strike="noStrike" kern="1200" cap="none" spc="0" normalizeH="0" baseline="0" noProof="0" dirty="0">
                 <a:ln>
                   <a:noFill/>
                 </a:ln>
                 <a:solidFill>
-                  <a:srgbClr val="E7E6E6">
-                    <a:lumMod val="25000"/>
-                  </a:srgbClr>
+                  <a:schemeClr val="accent1">
+                    <a:lumMod val="75000"/>
+                  </a:schemeClr>
                 </a:solidFill>
                 <a:effectLst/>
                 <a:uLnTx/>
@@ -12401,28 +12910,25 @@
                 <a:cs typeface="+mn-cs"/>
                 <a:sym typeface="微软雅黑" panose="020B0503020204020204" pitchFamily="34" charset="-122"/>
               </a:rPr>
-              <a:t>Tools -&gt; MSA &amp; Tree</a:t>
-            </a:r>
-            <a:r>
-              <a:rPr kumimoji="0" lang="zh-CN" altLang="en-US" sz="1401" b="1" i="0" u="none" strike="noStrike" kern="1200" cap="none" spc="0" normalizeH="0" baseline="0" noProof="0" dirty="0">
-                <a:ln>
-                  <a:noFill/>
-                </a:ln>
-                <a:solidFill>
-                  <a:srgbClr val="E7E6E6">
-                    <a:lumMod val="25000"/>
-                  </a:srgbClr>
-                </a:solidFill>
-                <a:effectLst/>
-                <a:uLnTx/>
-                <a:uFillTx/>
-                <a:latin typeface="微软雅黑" panose="020B0503020204020204" pitchFamily="34" charset="-122"/>
-                <a:ea typeface="微软雅黑" panose="020B0503020204020204" pitchFamily="34" charset="-122"/>
-                <a:cs typeface="+mn-cs"/>
-                <a:sym typeface="微软雅黑" panose="020B0503020204020204" pitchFamily="34" charset="-122"/>
-              </a:rPr>
-              <a:t> 界面参考</a:t>
-            </a:r>
+              <a:t>TF Prediction </a:t>
+            </a:r>
+            <a:endParaRPr kumimoji="0" lang="zh-CN" altLang="en-US" sz="900" b="1" i="0" u="none" strike="noStrike" kern="1200" cap="none" spc="0" normalizeH="0" baseline="0" noProof="0" dirty="0">
+              <a:ln>
+                <a:noFill/>
+              </a:ln>
+              <a:solidFill>
+                <a:schemeClr val="accent1">
+                  <a:lumMod val="75000"/>
+                </a:schemeClr>
+              </a:solidFill>
+              <a:effectLst/>
+              <a:uLnTx/>
+              <a:uFillTx/>
+              <a:latin typeface="微软雅黑" panose="020B0503020204020204" pitchFamily="34" charset="-122"/>
+              <a:ea typeface="微软雅黑" panose="020B0503020204020204" pitchFamily="34" charset="-122"/>
+              <a:cs typeface="+mn-cs"/>
+              <a:sym typeface="微软雅黑" panose="020B0503020204020204" pitchFamily="34" charset="-122"/>
+            </a:endParaRPr>
           </a:p>
         </p:txBody>
       </p:sp>
@@ -12537,7 +13043,43 @@
                 <a:cs typeface="+mn-cs"/>
                 <a:sym typeface="微软雅黑" panose="020B0503020204020204" pitchFamily="34" charset="-122"/>
               </a:rPr>
-              <a:t>Input a specific protein sequence for sequence alignment analysis with the Myceliophthora thermophila protein database.</a:t>
+              <a:t>Upload a protein sequence FASTA file for transcription factor prediction analysis based on DeepTFactor(</a:t>
+            </a:r>
+            <a:r>
+              <a:rPr kumimoji="0" lang="en" altLang="zh-CN" sz="1100" b="0" i="0" u="sng" strike="noStrike" kern="1200" cap="none" spc="0" normalizeH="0" baseline="0" noProof="0" dirty="0">
+                <a:ln>
+                  <a:noFill/>
+                </a:ln>
+                <a:solidFill>
+                  <a:prstClr val="black"/>
+                </a:solidFill>
+                <a:effectLst/>
+                <a:uLnTx/>
+                <a:uFillTx/>
+                <a:latin typeface="Open Sans" panose="020F0502020204030204" pitchFamily="34" charset="0"/>
+                <a:ea typeface="等线" panose="02010600030101010101" pitchFamily="2" charset="-122"/>
+                <a:cs typeface="+mn-cs"/>
+                <a:hlinkClick r:id="rId4"/>
+              </a:rPr>
+              <a:t>https://doi.org/10.1073/pnas.2021171118</a:t>
+            </a:r>
+            <a:r>
+              <a:rPr kumimoji="0" lang="en-US" altLang="zh-CN" sz="1100" b="0" i="0" u="none" strike="noStrike" kern="1200" cap="none" spc="0" normalizeH="0" baseline="0" noProof="0" dirty="0">
+                <a:ln>
+                  <a:noFill/>
+                </a:ln>
+                <a:solidFill>
+                  <a:srgbClr val="515A6E"/>
+                </a:solidFill>
+                <a:effectLst/>
+                <a:uLnTx/>
+                <a:uFillTx/>
+                <a:latin typeface="Arial" panose="020B0604020202020204" pitchFamily="34" charset="0"/>
+                <a:ea typeface="微软雅黑" panose="020B0503020204020204" pitchFamily="34" charset="-122"/>
+                <a:cs typeface="+mn-cs"/>
+                <a:sym typeface="微软雅黑" panose="020B0503020204020204" pitchFamily="34" charset="-122"/>
+              </a:rPr>
+              <a:t>).</a:t>
             </a:r>
           </a:p>
           <a:p>
@@ -12559,7 +13101,7 @@
               <a:defRPr/>
             </a:pPr>
             <a:r>
-              <a:rPr kumimoji="0" lang="en-US" altLang="zh-CN" sz="1100" b="0" i="0" u="none" strike="noStrike" kern="1200" cap="none" spc="0" normalizeH="0" baseline="0" noProof="0" dirty="0">
+              <a:rPr kumimoji="0" lang="en" altLang="zh-CN" sz="1100" b="0" i="0" u="none" strike="noStrike" kern="1200" cap="none" spc="0" normalizeH="0" baseline="0" noProof="0" dirty="0">
                 <a:ln>
                   <a:noFill/>
                 </a:ln>
@@ -12574,8 +13116,23 @@
                 <a:cs typeface="+mn-cs"/>
                 <a:sym typeface="微软雅黑" panose="020B0503020204020204" pitchFamily="34" charset="-122"/>
               </a:rPr>
-              <a:t>After clicking the download button, you will be able to download the protein sequence information from the alignment analysis results.</a:t>
-            </a:r>
+              <a:t>Click on "Example" to obtain a sample file.</a:t>
+            </a:r>
+            <a:endParaRPr kumimoji="0" lang="en-US" altLang="zh-CN" sz="1100" b="0" i="0" u="none" strike="noStrike" kern="1200" cap="none" spc="0" normalizeH="0" baseline="0" noProof="0" dirty="0">
+              <a:ln>
+                <a:noFill/>
+              </a:ln>
+              <a:solidFill>
+                <a:srgbClr val="515A6E"/>
+              </a:solidFill>
+              <a:effectLst/>
+              <a:uLnTx/>
+              <a:uFillTx/>
+              <a:latin typeface="Arial" panose="020B0604020202020204" pitchFamily="34" charset="0"/>
+              <a:ea typeface="微软雅黑" panose="020B0503020204020204" pitchFamily="34" charset="-122"/>
+              <a:cs typeface="+mn-cs"/>
+              <a:sym typeface="微软雅黑" panose="020B0503020204020204" pitchFamily="34" charset="-122"/>
+            </a:endParaRPr>
           </a:p>
         </p:txBody>
       </p:sp>
@@ -12593,7 +13150,7 @@
         </p:nvSpPr>
         <p:spPr>
           <a:xfrm>
-            <a:off x="4587000" y="6349536"/>
+            <a:off x="4574871" y="5603825"/>
             <a:ext cx="1007573" cy="314960"/>
           </a:xfrm>
           <a:prstGeom prst="roundRect">
@@ -12699,7 +13256,7 @@
         </p:nvSpPr>
         <p:spPr>
           <a:xfrm>
-            <a:off x="6137395" y="6349536"/>
+            <a:off x="6125266" y="5603825"/>
             <a:ext cx="1007573" cy="314960"/>
           </a:xfrm>
           <a:prstGeom prst="roundRect">
@@ -12806,7 +13363,7 @@
         </p:nvCxnSpPr>
         <p:spPr>
           <a:xfrm>
-            <a:off x="779508" y="7172918"/>
+            <a:off x="751858" y="6570915"/>
             <a:ext cx="10383532" cy="0"/>
           </a:xfrm>
           <a:prstGeom prst="line">
@@ -12851,8 +13408,8 @@
         </p:nvCxnSpPr>
         <p:spPr>
           <a:xfrm>
-            <a:off x="6665052" y="6664496"/>
-            <a:ext cx="0" cy="940456"/>
+            <a:off x="6655552" y="6040330"/>
+            <a:ext cx="0" cy="1208506"/>
           </a:xfrm>
           <a:prstGeom prst="straightConnector1">
             <a:avLst/>
@@ -12876,6 +13433,114 @@
           </a:fontRef>
         </p:style>
       </p:cxnSp>
+      <p:sp>
+        <p:nvSpPr>
+          <p:cNvPr id="31" name="文本框 30">
+            <a:extLst>
+              <a:ext uri="{FF2B5EF4-FFF2-40B4-BE49-F238E27FC236}">
+                <a16:creationId xmlns:a16="http://schemas.microsoft.com/office/drawing/2014/main" id="{C0C63F25-B41A-AA4D-EB53-09E8D03FCA6A}"/>
+              </a:ext>
+            </a:extLst>
+          </p:cNvPr>
+          <p:cNvSpPr txBox="1"/>
+          <p:nvPr/>
+        </p:nvSpPr>
+        <p:spPr>
+          <a:xfrm>
+            <a:off x="946058" y="6824502"/>
+            <a:ext cx="3406426" cy="276999"/>
+          </a:xfrm>
+          <a:prstGeom prst="rect">
+            <a:avLst/>
+          </a:prstGeom>
+          <a:noFill/>
+        </p:spPr>
+        <p:txBody>
+          <a:bodyPr wrap="square" rtlCol="0">
+            <a:spAutoFit/>
+          </a:bodyPr>
+          <a:lstStyle/>
+          <a:p>
+            <a:pPr marL="0" marR="0" lvl="0" indent="0" algn="l" defTabSz="914433" rtl="0" eaLnBrk="1" fontAlgn="auto" latinLnBrk="0" hangingPunct="1">
+              <a:lnSpc>
+                <a:spcPct val="100000"/>
+              </a:lnSpc>
+              <a:spcBef>
+                <a:spcPts val="0"/>
+              </a:spcBef>
+              <a:spcAft>
+                <a:spcPts val="0"/>
+              </a:spcAft>
+              <a:buClrTx/>
+              <a:buSzTx/>
+              <a:buFontTx/>
+              <a:buNone/>
+              <a:tabLst/>
+              <a:defRPr/>
+            </a:pPr>
+            <a:r>
+              <a:rPr kumimoji="0" lang="en" altLang="zh-CN" sz="1200" b="1" i="0" u="none" strike="noStrike" kern="1200" cap="none" spc="0" normalizeH="0" baseline="0" noProof="0" dirty="0">
+                <a:ln>
+                  <a:noFill/>
+                </a:ln>
+                <a:solidFill>
+                  <a:prstClr val="black">
+                    <a:lumMod val="75000"/>
+                    <a:lumOff val="25000"/>
+                  </a:prstClr>
+                </a:solidFill>
+                <a:effectLst/>
+                <a:uLnTx/>
+                <a:uFillTx/>
+                <a:latin typeface="微软雅黑" panose="020B0503020204020204" pitchFamily="34" charset="-122"/>
+                <a:ea typeface="微软雅黑" panose="020B0503020204020204" pitchFamily="34" charset="-122"/>
+                <a:cs typeface="+mn-cs"/>
+                <a:sym typeface="微软雅黑" panose="020B0503020204020204" pitchFamily="34" charset="-122"/>
+              </a:rPr>
+              <a:t>Metabolic Flux V</a:t>
+            </a:r>
+            <a:r>
+              <a:rPr kumimoji="0" lang="en" altLang="zh-CN" sz="1200" b="1" i="0" u="none" strike="noStrike" kern="1200" cap="none" spc="0" normalizeH="0" baseline="0" noProof="0" dirty="0" err="1">
+                <a:ln>
+                  <a:noFill/>
+                </a:ln>
+                <a:solidFill>
+                  <a:prstClr val="black">
+                    <a:lumMod val="75000"/>
+                    <a:lumOff val="25000"/>
+                  </a:prstClr>
+                </a:solidFill>
+                <a:effectLst/>
+                <a:uLnTx/>
+                <a:uFillTx/>
+                <a:latin typeface="微软雅黑" panose="020B0503020204020204" pitchFamily="34" charset="-122"/>
+                <a:ea typeface="微软雅黑" panose="020B0503020204020204" pitchFamily="34" charset="-122"/>
+                <a:cs typeface="+mn-cs"/>
+                <a:sym typeface="微软雅黑" panose="020B0503020204020204" pitchFamily="34" charset="-122"/>
+              </a:rPr>
+              <a:t>isualization</a:t>
+            </a:r>
+            <a:endParaRPr kumimoji="0" lang="en" altLang="zh-CN" sz="1200" b="1" i="0" u="none" strike="noStrike" kern="1200" cap="none" spc="0" normalizeH="0" baseline="0" noProof="0" dirty="0">
+              <a:ln>
+                <a:noFill/>
+              </a:ln>
+              <a:solidFill>
+                <a:prstClr val="black">
+                  <a:lumMod val="75000"/>
+                  <a:lumOff val="25000"/>
+                </a:prstClr>
+              </a:solidFill>
+              <a:effectLst/>
+              <a:uLnTx/>
+              <a:uFillTx/>
+              <a:latin typeface="微软雅黑" panose="020B0503020204020204" pitchFamily="34" charset="-122"/>
+              <a:ea typeface="微软雅黑" panose="020B0503020204020204" pitchFamily="34" charset="-122"/>
+              <a:cs typeface="+mn-cs"/>
+              <a:sym typeface="微软雅黑" panose="020B0503020204020204" pitchFamily="34" charset="-122"/>
+            </a:endParaRPr>
+          </a:p>
+        </p:txBody>
+      </p:sp>
       <p:sp>
         <p:nvSpPr>
           <p:cNvPr id="7" name="文本框 6">
@@ -12963,97 +13628,10 @@
       </p:sp>
       <p:sp>
         <p:nvSpPr>
-          <p:cNvPr id="17" name="文本框 16">
+          <p:cNvPr id="28" name="文本框 27">
             <a:extLst>
               <a:ext uri="{FF2B5EF4-FFF2-40B4-BE49-F238E27FC236}">
-                <a16:creationId xmlns:a16="http://schemas.microsoft.com/office/drawing/2014/main" id="{0803DEC4-AD1C-F742-A4BB-B81CA521E3A5}"/>
-              </a:ext>
-            </a:extLst>
-          </p:cNvPr>
-          <p:cNvSpPr txBox="1"/>
-          <p:nvPr/>
-        </p:nvSpPr>
-        <p:spPr>
-          <a:xfrm>
-            <a:off x="959505" y="2055861"/>
-            <a:ext cx="2259726" cy="276999"/>
-          </a:xfrm>
-          <a:prstGeom prst="rect">
-            <a:avLst/>
-          </a:prstGeom>
-          <a:noFill/>
-        </p:spPr>
-        <p:txBody>
-          <a:bodyPr wrap="square" rtlCol="0">
-            <a:spAutoFit/>
-          </a:bodyPr>
-          <a:lstStyle/>
-          <a:p>
-            <a:pPr marL="0" marR="0" lvl="0" indent="0" algn="l" defTabSz="914433" rtl="0" eaLnBrk="1" fontAlgn="auto" latinLnBrk="0" hangingPunct="1">
-              <a:lnSpc>
-                <a:spcPct val="100000"/>
-              </a:lnSpc>
-              <a:spcBef>
-                <a:spcPts val="0"/>
-              </a:spcBef>
-              <a:spcAft>
-                <a:spcPts val="0"/>
-              </a:spcAft>
-              <a:buClrTx/>
-              <a:buSzTx/>
-              <a:buFontTx/>
-              <a:buNone/>
-              <a:tabLst/>
-              <a:defRPr/>
-            </a:pPr>
-            <a:r>
-              <a:rPr kumimoji="0" lang="en-US" altLang="zh-CN" sz="1200" b="1" i="0" u="none" strike="noStrike" kern="1200" cap="none" spc="0" normalizeH="0" baseline="0" noProof="0" dirty="0">
-                <a:ln>
-                  <a:noFill/>
-                </a:ln>
-                <a:solidFill>
-                  <a:prstClr val="black">
-                    <a:lumMod val="85000"/>
-                    <a:lumOff val="15000"/>
-                  </a:prstClr>
-                </a:solidFill>
-                <a:effectLst/>
-                <a:uLnTx/>
-                <a:uFillTx/>
-                <a:latin typeface="微软雅黑" panose="020B0503020204020204" pitchFamily="34" charset="-122"/>
-                <a:ea typeface="微软雅黑" panose="020B0503020204020204" pitchFamily="34" charset="-122"/>
-                <a:cs typeface="+mn-cs"/>
-                <a:sym typeface="微软雅黑" panose="020B0503020204020204" pitchFamily="34" charset="-122"/>
-              </a:rPr>
-              <a:t>TF Prediction </a:t>
-            </a:r>
-            <a:endParaRPr kumimoji="0" lang="zh-CN" altLang="en-US" sz="900" b="1" i="0" u="none" strike="noStrike" kern="1200" cap="none" spc="0" normalizeH="0" baseline="0" noProof="0" dirty="0">
-              <a:ln>
-                <a:noFill/>
-              </a:ln>
-              <a:solidFill>
-                <a:prstClr val="black">
-                  <a:lumMod val="85000"/>
-                  <a:lumOff val="15000"/>
-                </a:prstClr>
-              </a:solidFill>
-              <a:effectLst/>
-              <a:uLnTx/>
-              <a:uFillTx/>
-              <a:latin typeface="微软雅黑" panose="020B0503020204020204" pitchFamily="34" charset="-122"/>
-              <a:ea typeface="微软雅黑" panose="020B0503020204020204" pitchFamily="34" charset="-122"/>
-              <a:cs typeface="+mn-cs"/>
-              <a:sym typeface="微软雅黑" panose="020B0503020204020204" pitchFamily="34" charset="-122"/>
-            </a:endParaRPr>
-          </a:p>
-        </p:txBody>
-      </p:sp>
-      <p:sp>
-        <p:nvSpPr>
-          <p:cNvPr id="18" name="文本框 17">
-            <a:extLst>
-              <a:ext uri="{FF2B5EF4-FFF2-40B4-BE49-F238E27FC236}">
-                <a16:creationId xmlns:a16="http://schemas.microsoft.com/office/drawing/2014/main" id="{4B3F6828-040F-C45A-38F8-6EA7AE91D780}"/>
+                <a16:creationId xmlns:a16="http://schemas.microsoft.com/office/drawing/2014/main" id="{72B8B29A-87E6-18FD-A875-DC830BB32691}"/>
               </a:ext>
             </a:extLst>
           </p:cNvPr>
@@ -13137,10 +13715,92 @@
       </p:sp>
       <p:sp>
         <p:nvSpPr>
-          <p:cNvPr id="19" name="文本框 18">
+          <p:cNvPr id="34" name="圆角矩形 33">
             <a:extLst>
               <a:ext uri="{FF2B5EF4-FFF2-40B4-BE49-F238E27FC236}">
-                <a16:creationId xmlns:a16="http://schemas.microsoft.com/office/drawing/2014/main" id="{693D2105-B217-DA06-9E5E-988C8FE92419}"/>
+                <a16:creationId xmlns:a16="http://schemas.microsoft.com/office/drawing/2014/main" id="{0B6A1921-AAAC-2693-01D1-6A005FEFA3E3}"/>
+              </a:ext>
+            </a:extLst>
+          </p:cNvPr>
+          <p:cNvSpPr/>
+          <p:nvPr/>
+        </p:nvSpPr>
+        <p:spPr>
+          <a:xfrm>
+            <a:off x="1070314" y="7419488"/>
+            <a:ext cx="10051372" cy="7344741"/>
+          </a:xfrm>
+          <a:prstGeom prst="roundRect">
+            <a:avLst>
+              <a:gd name="adj" fmla="val 4751"/>
+            </a:avLst>
+          </a:prstGeom>
+          <a:ln>
+            <a:solidFill>
+              <a:schemeClr val="bg1">
+                <a:lumMod val="50000"/>
+              </a:schemeClr>
+            </a:solidFill>
+          </a:ln>
+        </p:spPr>
+        <p:style>
+          <a:lnRef idx="2">
+            <a:schemeClr val="accent6"/>
+          </a:lnRef>
+          <a:fillRef idx="1">
+            <a:schemeClr val="lt1"/>
+          </a:fillRef>
+          <a:effectRef idx="0">
+            <a:schemeClr val="accent6"/>
+          </a:effectRef>
+          <a:fontRef idx="minor">
+            <a:schemeClr val="dk1"/>
+          </a:fontRef>
+        </p:style>
+        <p:txBody>
+          <a:bodyPr rtlCol="0" anchor="ctr"/>
+          <a:lstStyle/>
+          <a:p>
+            <a:pPr marL="0" marR="0" lvl="0" indent="0" algn="ctr" defTabSz="457180" rtl="0" eaLnBrk="1" fontAlgn="auto" latinLnBrk="0" hangingPunct="1">
+              <a:lnSpc>
+                <a:spcPct val="100000"/>
+              </a:lnSpc>
+              <a:spcBef>
+                <a:spcPts val="0"/>
+              </a:spcBef>
+              <a:spcAft>
+                <a:spcPts val="0"/>
+              </a:spcAft>
+              <a:buClrTx/>
+              <a:buSzTx/>
+              <a:buFontTx/>
+              <a:buNone/>
+              <a:tabLst/>
+              <a:defRPr/>
+            </a:pPr>
+            <a:endParaRPr kumimoji="1" lang="zh-CN" altLang="en-US" sz="1801" b="0" i="0" u="none" strike="noStrike" kern="1200" cap="none" spc="0" normalizeH="0" baseline="0" noProof="0">
+              <a:ln>
+                <a:noFill/>
+              </a:ln>
+              <a:solidFill>
+                <a:prstClr val="black"/>
+              </a:solidFill>
+              <a:effectLst/>
+              <a:uLnTx/>
+              <a:uFillTx/>
+              <a:latin typeface="Calibri" panose="020F0502020204030204"/>
+              <a:ea typeface="等线" panose="02010600030101010101" pitchFamily="2" charset="-122"/>
+              <a:cs typeface="+mn-cs"/>
+            </a:endParaRPr>
+          </a:p>
+        </p:txBody>
+      </p:sp>
+      <p:sp>
+        <p:nvSpPr>
+          <p:cNvPr id="2" name="文本框 1">
+            <a:extLst>
+              <a:ext uri="{FF2B5EF4-FFF2-40B4-BE49-F238E27FC236}">
+                <a16:creationId xmlns:a16="http://schemas.microsoft.com/office/drawing/2014/main" id="{3DFE68FA-B02C-43EC-4895-69EFF91099B0}"/>
               </a:ext>
             </a:extLst>
           </p:cNvPr>
@@ -13163,21 +13823,7 @@
           </a:bodyPr>
           <a:lstStyle/>
           <a:p>
-            <a:pPr marL="0" marR="0" lvl="0" indent="0" algn="l" defTabSz="914433" rtl="0" eaLnBrk="1" fontAlgn="auto" latinLnBrk="0" hangingPunct="1">
-              <a:lnSpc>
-                <a:spcPct val="100000"/>
-              </a:lnSpc>
-              <a:spcBef>
-                <a:spcPts val="0"/>
-              </a:spcBef>
-              <a:spcAft>
-                <a:spcPts val="0"/>
-              </a:spcAft>
-              <a:buClrTx/>
-              <a:buSzTx/>
-              <a:buFontTx/>
-              <a:buNone/>
-              <a:tabLst/>
+            <a:pPr defTabSz="914433">
               <a:defRPr/>
             </a:pPr>
             <a:r>
@@ -13186,9 +13832,10 @@
                   <a:noFill/>
                 </a:ln>
                 <a:solidFill>
-                  <a:schemeClr val="accent1">
+                  <a:prstClr val="black">
                     <a:lumMod val="75000"/>
-                  </a:schemeClr>
+                    <a:lumOff val="25000"/>
+                  </a:prstClr>
                 </a:solidFill>
                 <a:effectLst/>
                 <a:uLnTx/>
@@ -13206,9 +13853,10 @@
                   <a:noFill/>
                 </a:ln>
                 <a:solidFill>
-                  <a:schemeClr val="accent1">
+                  <a:prstClr val="black">
                     <a:lumMod val="75000"/>
-                  </a:schemeClr>
+                    <a:lumOff val="25000"/>
+                  </a:prstClr>
                 </a:solidFill>
                 <a:effectLst/>
                 <a:uLnTx/>
@@ -13226,9 +13874,10 @@
                   <a:noFill/>
                 </a:ln>
                 <a:solidFill>
-                  <a:schemeClr val="accent1">
+                  <a:prstClr val="black">
                     <a:lumMod val="75000"/>
-                  </a:schemeClr>
+                    <a:lumOff val="25000"/>
+                  </a:prstClr>
                 </a:solidFill>
                 <a:effectLst/>
                 <a:uLnTx/>
@@ -13246,9 +13895,10 @@
                   <a:noFill/>
                 </a:ln>
                 <a:solidFill>
-                  <a:schemeClr val="accent1">
+                  <a:prstClr val="black">
                     <a:lumMod val="75000"/>
-                  </a:schemeClr>
+                    <a:lumOff val="25000"/>
+                  </a:prstClr>
                 </a:solidFill>
                 <a:effectLst/>
                 <a:uLnTx/>
@@ -13266,9 +13916,10 @@
                   <a:noFill/>
                 </a:ln>
                 <a:solidFill>
-                  <a:schemeClr val="accent1">
+                  <a:prstClr val="black">
                     <a:lumMod val="75000"/>
-                  </a:schemeClr>
+                    <a:lumOff val="25000"/>
+                  </a:prstClr>
                 </a:solidFill>
                 <a:effectLst/>
                 <a:uLnTx/>
@@ -13285,9 +13936,10 @@
                 <a:noFill/>
               </a:ln>
               <a:solidFill>
-                <a:schemeClr val="accent1">
+                <a:prstClr val="black">
                   <a:lumMod val="75000"/>
-                </a:schemeClr>
+                  <a:lumOff val="25000"/>
+                </a:prstClr>
               </a:solidFill>
               <a:effectLst/>
               <a:uLnTx/>
@@ -13300,53 +13952,42 @@
           </a:p>
         </p:txBody>
       </p:sp>
-      <p:cxnSp>
-        <p:nvCxnSpPr>
-          <p:cNvPr id="21" name="直线箭头连接符 20">
+      <p:pic>
+        <p:nvPicPr>
+          <p:cNvPr id="4" name="图片 3">
             <a:extLst>
               <a:ext uri="{FF2B5EF4-FFF2-40B4-BE49-F238E27FC236}">
-                <a16:creationId xmlns:a16="http://schemas.microsoft.com/office/drawing/2014/main" id="{D44BFA9E-685A-1CD7-056F-3BF9A051B3EB}"/>
+                <a16:creationId xmlns:a16="http://schemas.microsoft.com/office/drawing/2014/main" id="{63B15C45-D3EA-153C-0406-CB3007FE8C15}"/>
               </a:ext>
             </a:extLst>
           </p:cNvPr>
-          <p:cNvCxnSpPr>
-            <a:cxnSpLocks/>
-          </p:cNvCxnSpPr>
+          <p:cNvPicPr>
+            <a:picLocks noChangeAspect="1"/>
+          </p:cNvPicPr>
           <p:nvPr/>
-        </p:nvCxnSpPr>
-        <p:spPr>
-          <a:xfrm flipH="1" flipV="1">
-            <a:off x="6830112" y="5305858"/>
-            <a:ext cx="866645" cy="94584"/>
-          </a:xfrm>
-          <a:prstGeom prst="straightConnector1">
+        </p:nvPicPr>
+        <p:blipFill>
+          <a:blip r:embed="rId5"/>
+          <a:stretch>
+            <a:fillRect/>
+          </a:stretch>
+        </p:blipFill>
+        <p:spPr>
+          <a:xfrm>
+            <a:off x="3714058" y="8523217"/>
+            <a:ext cx="4406900" cy="4914900"/>
+          </a:xfrm>
+          <a:prstGeom prst="rect">
             <a:avLst/>
           </a:prstGeom>
-          <a:ln>
-            <a:tailEnd type="triangle"/>
-          </a:ln>
-        </p:spPr>
-        <p:style>
-          <a:lnRef idx="1">
-            <a:schemeClr val="accent1"/>
-          </a:lnRef>
-          <a:fillRef idx="0">
-            <a:schemeClr val="accent1"/>
-          </a:fillRef>
-          <a:effectRef idx="0">
-            <a:schemeClr val="accent1"/>
-          </a:effectRef>
-          <a:fontRef idx="minor">
-            <a:schemeClr val="tx1"/>
-          </a:fontRef>
-        </p:style>
-      </p:cxnSp>
-      <p:sp>
-        <p:nvSpPr>
-          <p:cNvPr id="23" name="文本框 22">
+        </p:spPr>
+      </p:pic>
+      <p:sp>
+        <p:nvSpPr>
+          <p:cNvPr id="6" name="文本框 5">
             <a:extLst>
               <a:ext uri="{FF2B5EF4-FFF2-40B4-BE49-F238E27FC236}">
-                <a16:creationId xmlns:a16="http://schemas.microsoft.com/office/drawing/2014/main" id="{0705A34E-719D-9993-979F-894032757991}"/>
+                <a16:creationId xmlns:a16="http://schemas.microsoft.com/office/drawing/2014/main" id="{0A867E73-3589-AC53-2E81-FF493EB950B9}"/>
               </a:ext>
             </a:extLst>
           </p:cNvPr>
@@ -13355,8 +13996,8 @@
         </p:nvSpPr>
         <p:spPr>
           <a:xfrm>
-            <a:off x="7696757" y="5319423"/>
-            <a:ext cx="1674651" cy="261610"/>
+            <a:off x="5049031" y="13814529"/>
+            <a:ext cx="2081252" cy="281792"/>
           </a:xfrm>
           <a:prstGeom prst="rect">
             <a:avLst/>
@@ -13387,12 +14028,15 @@
               <a:defRPr/>
             </a:pPr>
             <a:r>
-              <a:rPr kumimoji="0" lang="zh-CN" altLang="en-US" sz="1100" b="0" i="0" u="none" strike="noStrike" kern="1200" cap="none" spc="0" normalizeH="0" baseline="0" noProof="0" dirty="0">
+              <a:rPr kumimoji="0" lang="zh-CN" altLang="en" sz="1200" b="1" i="0" u="none" strike="noStrike" kern="1200" cap="none" spc="0" normalizeH="0" baseline="0" noProof="0" dirty="0">
                 <a:ln>
                   <a:noFill/>
                 </a:ln>
                 <a:solidFill>
-                  <a:srgbClr val="FF0000"/>
+                  <a:prstClr val="black">
+                    <a:lumMod val="75000"/>
+                    <a:lumOff val="25000"/>
+                  </a:prstClr>
                 </a:solidFill>
                 <a:effectLst/>
                 <a:uLnTx/>
@@ -13402,26 +14046,18 @@
                 <a:cs typeface="+mn-cs"/>
                 <a:sym typeface="微软雅黑" panose="020B0503020204020204" pitchFamily="34" charset="-122"/>
               </a:rPr>
-              <a:t>可选</a:t>
-            </a:r>
-            <a:r>
-              <a:rPr lang="en-US" altLang="zh-CN" sz="1100" dirty="0">
-                <a:solidFill>
-                  <a:srgbClr val="FF0000"/>
-                </a:solidFill>
-                <a:latin typeface="微软雅黑" panose="020B0503020204020204" pitchFamily="34" charset="-122"/>
-                <a:ea typeface="微软雅黑" panose="020B0503020204020204" pitchFamily="34" charset="-122"/>
-                <a:sym typeface="微软雅黑" panose="020B0503020204020204" pitchFamily="34" charset="-122"/>
-              </a:rPr>
-              <a:t>l</a:t>
-            </a:r>
-            <a:r>
-              <a:rPr kumimoji="0" lang="en-US" altLang="zh-CN" sz="1100" b="0" i="0" u="none" strike="noStrike" kern="1200" cap="none" spc="0" normalizeH="0" baseline="0" noProof="0" dirty="0">
+              <a:t>展示</a:t>
+            </a:r>
+            <a:r>
+              <a:rPr kumimoji="0" lang="zh-CN" altLang="en-US" sz="1200" b="1" i="0" u="none" strike="noStrike" kern="1200" cap="none" spc="0" normalizeH="0" baseline="0" noProof="0" dirty="0">
                 <a:ln>
                   <a:noFill/>
                 </a:ln>
                 <a:solidFill>
-                  <a:srgbClr val="FF0000"/>
+                  <a:prstClr val="black">
+                    <a:lumMod val="75000"/>
+                    <a:lumOff val="25000"/>
+                  </a:prstClr>
                 </a:solidFill>
                 <a:effectLst/>
                 <a:uLnTx/>
@@ -13431,86 +14067,17 @@
                 <a:cs typeface="+mn-cs"/>
                 <a:sym typeface="微软雅黑" panose="020B0503020204020204" pitchFamily="34" charset="-122"/>
               </a:rPr>
-              <a:t>g</a:t>
-            </a:r>
-            <a:r>
-              <a:rPr kumimoji="0" lang="zh-CN" altLang="en-US" sz="1100" b="0" i="0" u="none" strike="noStrike" kern="1200" cap="none" spc="0" normalizeH="0" baseline="0" noProof="0" dirty="0">
-                <a:ln>
-                  <a:noFill/>
-                </a:ln>
-                <a:solidFill>
-                  <a:srgbClr val="FF0000"/>
-                </a:solidFill>
-                <a:effectLst/>
-                <a:uLnTx/>
-                <a:uFillTx/>
-                <a:latin typeface="微软雅黑" panose="020B0503020204020204" pitchFamily="34" charset="-122"/>
-                <a:ea typeface="微软雅黑" panose="020B0503020204020204" pitchFamily="34" charset="-122"/>
-                <a:cs typeface="+mn-cs"/>
-                <a:sym typeface="微软雅黑" panose="020B0503020204020204" pitchFamily="34" charset="-122"/>
-              </a:rPr>
-              <a:t>、</a:t>
-            </a:r>
-            <a:r>
-              <a:rPr kumimoji="0" lang="en-US" altLang="zh-CN" sz="1100" b="0" i="0" u="none" strike="noStrike" kern="1200" cap="none" spc="0" normalizeH="0" baseline="0" noProof="0" dirty="0">
-                <a:ln>
-                  <a:noFill/>
-                </a:ln>
-                <a:solidFill>
-                  <a:srgbClr val="FF0000"/>
-                </a:solidFill>
-                <a:effectLst/>
-                <a:uLnTx/>
-                <a:uFillTx/>
-                <a:latin typeface="微软雅黑" panose="020B0503020204020204" pitchFamily="34" charset="-122"/>
-                <a:ea typeface="微软雅黑" panose="020B0503020204020204" pitchFamily="34" charset="-122"/>
-                <a:cs typeface="+mn-cs"/>
-                <a:sym typeface="微软雅黑" panose="020B0503020204020204" pitchFamily="34" charset="-122"/>
-              </a:rPr>
-              <a:t>jtt</a:t>
-            </a:r>
-            <a:r>
-              <a:rPr kumimoji="0" lang="zh-CN" altLang="en-US" sz="1100" b="0" i="0" u="none" strike="noStrike" kern="1200" cap="none" spc="0" normalizeH="0" baseline="0" noProof="0" dirty="0">
-                <a:ln>
-                  <a:noFill/>
-                </a:ln>
-                <a:solidFill>
-                  <a:srgbClr val="FF0000"/>
-                </a:solidFill>
-                <a:effectLst/>
-                <a:uLnTx/>
-                <a:uFillTx/>
-                <a:latin typeface="微软雅黑" panose="020B0503020204020204" pitchFamily="34" charset="-122"/>
-                <a:ea typeface="微软雅黑" panose="020B0503020204020204" pitchFamily="34" charset="-122"/>
-                <a:cs typeface="+mn-cs"/>
-                <a:sym typeface="微软雅黑" panose="020B0503020204020204" pitchFamily="34" charset="-122"/>
-              </a:rPr>
-              <a:t>、</a:t>
-            </a:r>
-            <a:r>
-              <a:rPr kumimoji="0" lang="en-US" altLang="zh-CN" sz="1100" b="0" i="0" u="none" strike="noStrike" kern="1200" cap="none" spc="0" normalizeH="0" baseline="0" noProof="0" dirty="0">
-                <a:ln>
-                  <a:noFill/>
-                </a:ln>
-                <a:solidFill>
-                  <a:srgbClr val="FF0000"/>
-                </a:solidFill>
-                <a:effectLst/>
-                <a:uLnTx/>
-                <a:uFillTx/>
-                <a:latin typeface="微软雅黑" panose="020B0503020204020204" pitchFamily="34" charset="-122"/>
-                <a:ea typeface="微软雅黑" panose="020B0503020204020204" pitchFamily="34" charset="-122"/>
-                <a:cs typeface="+mn-cs"/>
-                <a:sym typeface="微软雅黑" panose="020B0503020204020204" pitchFamily="34" charset="-122"/>
-              </a:rPr>
-              <a:t>wag</a:t>
-            </a:r>
-            <a:endParaRPr kumimoji="0" lang="zh-CN" altLang="en-US" sz="800" b="0" i="0" u="none" strike="noStrike" kern="1200" cap="none" spc="0" normalizeH="0" baseline="0" noProof="0" dirty="0">
+              <a:t>预测结果表格即可</a:t>
+            </a:r>
+            <a:endParaRPr kumimoji="0" lang="en" altLang="zh-CN" sz="1200" b="1" i="0" u="none" strike="noStrike" kern="1200" cap="none" spc="0" normalizeH="0" baseline="0" noProof="0" dirty="0">
               <a:ln>
                 <a:noFill/>
               </a:ln>
               <a:solidFill>
-                <a:srgbClr val="FF0000"/>
+                <a:prstClr val="black">
+                  <a:lumMod val="75000"/>
+                  <a:lumOff val="25000"/>
+                </a:prstClr>
               </a:solidFill>
               <a:effectLst/>
               <a:uLnTx/>
@@ -13523,152 +14090,12 @@
           </a:p>
         </p:txBody>
       </p:sp>
-      <p:cxnSp>
-        <p:nvCxnSpPr>
-          <p:cNvPr id="27" name="直线箭头连接符 26">
+      <p:sp>
+        <p:nvSpPr>
+          <p:cNvPr id="18" name="圆角矩形 17">
             <a:extLst>
               <a:ext uri="{FF2B5EF4-FFF2-40B4-BE49-F238E27FC236}">
-                <a16:creationId xmlns:a16="http://schemas.microsoft.com/office/drawing/2014/main" id="{4F313BE9-4AA3-F23B-82FA-D75DEEF86190}"/>
-              </a:ext>
-            </a:extLst>
-          </p:cNvPr>
-          <p:cNvCxnSpPr>
-            <a:cxnSpLocks/>
-          </p:cNvCxnSpPr>
-          <p:nvPr/>
-        </p:nvCxnSpPr>
-        <p:spPr>
-          <a:xfrm>
-            <a:off x="3701628" y="6519165"/>
-            <a:ext cx="863152" cy="0"/>
-          </a:xfrm>
-          <a:prstGeom prst="straightConnector1">
-            <a:avLst/>
-          </a:prstGeom>
-          <a:ln>
-            <a:tailEnd type="triangle"/>
-          </a:ln>
-        </p:spPr>
-        <p:style>
-          <a:lnRef idx="1">
-            <a:schemeClr val="accent1"/>
-          </a:lnRef>
-          <a:fillRef idx="0">
-            <a:schemeClr val="accent1"/>
-          </a:fillRef>
-          <a:effectRef idx="0">
-            <a:schemeClr val="accent1"/>
-          </a:effectRef>
-          <a:fontRef idx="minor">
-            <a:schemeClr val="tx1"/>
-          </a:fontRef>
-        </p:style>
-      </p:cxnSp>
-      <p:sp>
-        <p:nvSpPr>
-          <p:cNvPr id="32" name="文本框 31">
-            <a:extLst>
-              <a:ext uri="{FF2B5EF4-FFF2-40B4-BE49-F238E27FC236}">
-                <a16:creationId xmlns:a16="http://schemas.microsoft.com/office/drawing/2014/main" id="{849FB580-BE1F-E5C6-8151-9BA14FF8941E}"/>
-              </a:ext>
-            </a:extLst>
-          </p:cNvPr>
-          <p:cNvSpPr txBox="1"/>
-          <p:nvPr/>
-        </p:nvSpPr>
-        <p:spPr>
-          <a:xfrm>
-            <a:off x="2326513" y="6388360"/>
-            <a:ext cx="1664585" cy="261610"/>
-          </a:xfrm>
-          <a:prstGeom prst="rect">
-            <a:avLst/>
-          </a:prstGeom>
-          <a:noFill/>
-        </p:spPr>
-        <p:txBody>
-          <a:bodyPr wrap="square" rtlCol="0">
-            <a:spAutoFit/>
-          </a:bodyPr>
-          <a:lstStyle/>
-          <a:p>
-            <a:pPr marL="0" marR="0" lvl="0" indent="0" algn="l" defTabSz="914433" rtl="0" eaLnBrk="1" fontAlgn="auto" latinLnBrk="0" hangingPunct="1">
-              <a:lnSpc>
-                <a:spcPct val="100000"/>
-              </a:lnSpc>
-              <a:spcBef>
-                <a:spcPts val="0"/>
-              </a:spcBef>
-              <a:spcAft>
-                <a:spcPts val="0"/>
-              </a:spcAft>
-              <a:buClrTx/>
-              <a:buSzTx/>
-              <a:buFontTx/>
-              <a:buNone/>
-              <a:tabLst/>
-              <a:defRPr/>
-            </a:pPr>
-            <a:r>
-              <a:rPr kumimoji="0" lang="zh-CN" altLang="en-US" sz="1100" b="0" i="0" u="none" strike="noStrike" kern="1200" cap="none" spc="0" normalizeH="0" baseline="0" noProof="0" dirty="0">
-                <a:ln>
-                  <a:noFill/>
-                </a:ln>
-                <a:solidFill>
-                  <a:srgbClr val="FF0000"/>
-                </a:solidFill>
-                <a:effectLst/>
-                <a:uLnTx/>
-                <a:uFillTx/>
-                <a:latin typeface="微软雅黑" panose="020B0503020204020204" pitchFamily="34" charset="-122"/>
-                <a:ea typeface="微软雅黑" panose="020B0503020204020204" pitchFamily="34" charset="-122"/>
-                <a:cs typeface="+mn-cs"/>
-                <a:sym typeface="微软雅黑" panose="020B0503020204020204" pitchFamily="34" charset="-122"/>
-              </a:rPr>
-              <a:t>获得</a:t>
-            </a:r>
-            <a:r>
-              <a:rPr kumimoji="0" lang="en" altLang="zh-CN" sz="1100" b="0" i="0" u="none" strike="noStrike" kern="1200" cap="none" spc="0" normalizeH="0" baseline="0" noProof="0" dirty="0" err="1">
-                <a:ln>
-                  <a:noFill/>
-                </a:ln>
-                <a:solidFill>
-                  <a:srgbClr val="FF0000"/>
-                </a:solidFill>
-                <a:effectLst/>
-                <a:uLnTx/>
-                <a:uFillTx/>
-                <a:latin typeface="微软雅黑" panose="020B0503020204020204" pitchFamily="34" charset="-122"/>
-                <a:ea typeface="微软雅黑" panose="020B0503020204020204" pitchFamily="34" charset="-122"/>
-                <a:cs typeface="+mn-cs"/>
-                <a:sym typeface="微软雅黑" panose="020B0503020204020204" pitchFamily="34" charset="-122"/>
-              </a:rPr>
-              <a:t>blast_seq.fasta</a:t>
-            </a:r>
-            <a:endParaRPr kumimoji="0" lang="zh-CN" altLang="en-US" sz="800" b="0" i="0" u="none" strike="noStrike" kern="1200" cap="none" spc="0" normalizeH="0" baseline="0" noProof="0" dirty="0">
-              <a:ln>
-                <a:noFill/>
-              </a:ln>
-              <a:solidFill>
-                <a:srgbClr val="FF0000"/>
-              </a:solidFill>
-              <a:effectLst/>
-              <a:uLnTx/>
-              <a:uFillTx/>
-              <a:latin typeface="微软雅黑" panose="020B0503020204020204" pitchFamily="34" charset="-122"/>
-              <a:ea typeface="微软雅黑" panose="020B0503020204020204" pitchFamily="34" charset="-122"/>
-              <a:cs typeface="+mn-cs"/>
-              <a:sym typeface="微软雅黑" panose="020B0503020204020204" pitchFamily="34" charset="-122"/>
-            </a:endParaRPr>
-          </a:p>
-        </p:txBody>
-      </p:sp>
-      <p:sp>
-        <p:nvSpPr>
-          <p:cNvPr id="2" name="圆角矩形 1">
-            <a:extLst>
-              <a:ext uri="{FF2B5EF4-FFF2-40B4-BE49-F238E27FC236}">
-                <a16:creationId xmlns:a16="http://schemas.microsoft.com/office/drawing/2014/main" id="{A046DB79-F0D7-BB79-8194-6C5A111E9777}"/>
+                <a16:creationId xmlns:a16="http://schemas.microsoft.com/office/drawing/2014/main" id="{EDA8F831-C077-243B-4A9A-DD16FF1D1471}"/>
               </a:ext>
             </a:extLst>
           </p:cNvPr>
@@ -13740,10 +14167,10 @@
       </p:sp>
       <p:pic>
         <p:nvPicPr>
-          <p:cNvPr id="3" name="图片 2">
+          <p:cNvPr id="19" name="图片 18">
             <a:extLst>
               <a:ext uri="{FF2B5EF4-FFF2-40B4-BE49-F238E27FC236}">
-                <a16:creationId xmlns:a16="http://schemas.microsoft.com/office/drawing/2014/main" id="{9CF7A903-7067-460A-5F57-7026FB25F75C}"/>
+                <a16:creationId xmlns:a16="http://schemas.microsoft.com/office/drawing/2014/main" id="{DE53AE7F-77C4-DC8D-72AC-4A4EAB41A3A5}"/>
               </a:ext>
             </a:extLst>
           </p:cNvPr>
@@ -13753,7 +14180,7 @@
           <p:nvPr/>
         </p:nvPicPr>
         <p:blipFill rotWithShape="1">
-          <a:blip r:embed="rId4"/>
+          <a:blip r:embed="rId6"/>
           <a:srcRect r="78674" b="2734"/>
           <a:stretch/>
         </p:blipFill>
@@ -13769,10 +14196,10 @@
       </p:pic>
       <p:sp>
         <p:nvSpPr>
-          <p:cNvPr id="4" name="文本框 3">
+          <p:cNvPr id="20" name="文本框 19">
             <a:extLst>
               <a:ext uri="{FF2B5EF4-FFF2-40B4-BE49-F238E27FC236}">
-                <a16:creationId xmlns:a16="http://schemas.microsoft.com/office/drawing/2014/main" id="{D62360ED-4838-8CD4-7355-D87389A6ECF7}"/>
+                <a16:creationId xmlns:a16="http://schemas.microsoft.com/office/drawing/2014/main" id="{048B3A95-7024-8FB3-6C35-FDC274545AC8}"/>
               </a:ext>
             </a:extLst>
           </p:cNvPr>
@@ -13840,10 +14267,10 @@
       </p:sp>
       <p:sp>
         <p:nvSpPr>
-          <p:cNvPr id="5" name="文本框 4">
+          <p:cNvPr id="21" name="文本框 20">
             <a:extLst>
               <a:ext uri="{FF2B5EF4-FFF2-40B4-BE49-F238E27FC236}">
-                <a16:creationId xmlns:a16="http://schemas.microsoft.com/office/drawing/2014/main" id="{C2F3AFAB-C97C-B3D4-490F-51173181DCDB}"/>
+                <a16:creationId xmlns:a16="http://schemas.microsoft.com/office/drawing/2014/main" id="{904A950D-7659-31E1-AD30-7A40C83F5B54}"/>
               </a:ext>
             </a:extLst>
           </p:cNvPr>
@@ -13852,8 +14279,8 @@
         </p:nvSpPr>
         <p:spPr>
           <a:xfrm>
-            <a:off x="2565035" y="5193597"/>
-            <a:ext cx="2616420" cy="230832"/>
+            <a:off x="209318" y="275882"/>
+            <a:ext cx="9284306" cy="307905"/>
           </a:xfrm>
           <a:prstGeom prst="rect">
             <a:avLst/>
@@ -13866,17 +14293,31 @@
           </a:bodyPr>
           <a:lstStyle/>
           <a:p>
-            <a:pPr defTabSz="914433">
+            <a:pPr marL="0" marR="0" lvl="0" indent="0" algn="l" defTabSz="914433" rtl="0" eaLnBrk="1" fontAlgn="auto" latinLnBrk="0" hangingPunct="1">
+              <a:lnSpc>
+                <a:spcPct val="100000"/>
+              </a:lnSpc>
+              <a:spcBef>
+                <a:spcPts val="0"/>
+              </a:spcBef>
+              <a:spcAft>
+                <a:spcPts val="0"/>
+              </a:spcAft>
+              <a:buClrTx/>
+              <a:buSzTx/>
+              <a:buFontTx/>
+              <a:buNone/>
+              <a:tabLst/>
               <a:defRPr/>
             </a:pPr>
             <a:r>
-              <a:rPr kumimoji="0" lang="en-US" altLang="zh-CN" sz="900" b="1" i="0" u="none" strike="noStrike" kern="1200" cap="none" spc="0" normalizeH="0" baseline="0" noProof="0" dirty="0">
+              <a:rPr kumimoji="0" lang="en-US" altLang="zh-CN" sz="1401" b="1" i="0" u="none" strike="noStrike" kern="1200" cap="none" spc="0" normalizeH="0" baseline="0" noProof="0" dirty="0">
                 <a:ln>
                   <a:noFill/>
                 </a:ln>
                 <a:solidFill>
-                  <a:srgbClr val="4472C4">
-                    <a:lumMod val="50000"/>
+                  <a:srgbClr val="E7E6E6">
+                    <a:lumMod val="25000"/>
                   </a:srgbClr>
                 </a:solidFill>
                 <a:effectLst/>
@@ -13887,16 +14328,16 @@
                 <a:cs typeface="+mn-cs"/>
                 <a:sym typeface="微软雅黑" panose="020B0503020204020204" pitchFamily="34" charset="-122"/>
               </a:rPr>
-              <a:t>Phylogenetic Tree Construction Model</a:t>
-            </a:r>
-            <a:r>
-              <a:rPr kumimoji="0" lang="zh-CN" altLang="en-US" sz="900" b="1" i="0" u="none" strike="noStrike" kern="1200" cap="none" spc="0" normalizeH="0" baseline="0" noProof="0" dirty="0">
+              <a:t>Tools -&gt; TF Prediction </a:t>
+            </a:r>
+            <a:r>
+              <a:rPr kumimoji="0" lang="zh-CN" altLang="en-US" sz="1401" b="1" i="0" u="none" strike="noStrike" kern="1200" cap="none" spc="0" normalizeH="0" baseline="0" noProof="0" dirty="0">
                 <a:ln>
                   <a:noFill/>
                 </a:ln>
                 <a:solidFill>
-                  <a:srgbClr val="4472C4">
-                    <a:lumMod val="50000"/>
+                  <a:srgbClr val="E7E6E6">
+                    <a:lumMod val="25000"/>
                   </a:srgbClr>
                 </a:solidFill>
                 <a:effectLst/>
@@ -13907,718 +14348,15 @@
                 <a:cs typeface="+mn-cs"/>
                 <a:sym typeface="微软雅黑" panose="020B0503020204020204" pitchFamily="34" charset="-122"/>
               </a:rPr>
-              <a:t>：</a:t>
-            </a:r>
-          </a:p>
-        </p:txBody>
-      </p:sp>
-      <p:sp>
-        <p:nvSpPr>
-          <p:cNvPr id="28" name="圆角矩形 27">
-            <a:extLst>
-              <a:ext uri="{FF2B5EF4-FFF2-40B4-BE49-F238E27FC236}">
-                <a16:creationId xmlns:a16="http://schemas.microsoft.com/office/drawing/2014/main" id="{48795F68-9D25-9D28-4574-95FC39E8DC76}"/>
-              </a:ext>
-            </a:extLst>
-          </p:cNvPr>
-          <p:cNvSpPr/>
-          <p:nvPr/>
-        </p:nvSpPr>
-        <p:spPr>
-          <a:xfrm>
-            <a:off x="1006378" y="8054387"/>
-            <a:ext cx="9831950" cy="1068472"/>
-          </a:xfrm>
-          <a:prstGeom prst="roundRect">
-            <a:avLst>
-              <a:gd name="adj" fmla="val 4751"/>
-            </a:avLst>
-          </a:prstGeom>
-          <a:ln>
-            <a:solidFill>
-              <a:schemeClr val="bg1">
-                <a:lumMod val="50000"/>
-              </a:schemeClr>
-            </a:solidFill>
-          </a:ln>
-        </p:spPr>
-        <p:style>
-          <a:lnRef idx="2">
-            <a:schemeClr val="accent6"/>
-          </a:lnRef>
-          <a:fillRef idx="1">
-            <a:schemeClr val="lt1"/>
-          </a:fillRef>
-          <a:effectRef idx="0">
-            <a:schemeClr val="accent6"/>
-          </a:effectRef>
-          <a:fontRef idx="minor">
-            <a:schemeClr val="dk1"/>
-          </a:fontRef>
-        </p:style>
-        <p:txBody>
-          <a:bodyPr rtlCol="0" anchor="ctr"/>
-          <a:lstStyle/>
-          <a:p>
-            <a:pPr marL="0" marR="0" lvl="0" indent="0" algn="ctr" defTabSz="457180" rtl="0" eaLnBrk="1" fontAlgn="auto" latinLnBrk="0" hangingPunct="1">
-              <a:lnSpc>
-                <a:spcPct val="100000"/>
-              </a:lnSpc>
-              <a:spcBef>
-                <a:spcPts val="0"/>
-              </a:spcBef>
-              <a:spcAft>
-                <a:spcPts val="0"/>
-              </a:spcAft>
-              <a:buClrTx/>
-              <a:buSzTx/>
-              <a:buFontTx/>
-              <a:buNone/>
-              <a:tabLst/>
-              <a:defRPr/>
-            </a:pPr>
-            <a:endParaRPr kumimoji="1" lang="zh-CN" altLang="en-US" sz="1801" b="0" i="0" u="none" strike="noStrike" kern="1200" cap="none" spc="0" normalizeH="0" baseline="0" noProof="0">
-              <a:ln>
-                <a:noFill/>
-              </a:ln>
-              <a:solidFill>
-                <a:prstClr val="black"/>
-              </a:solidFill>
-              <a:effectLst/>
-              <a:uLnTx/>
-              <a:uFillTx/>
-              <a:latin typeface="Calibri" panose="020F0502020204030204"/>
-              <a:ea typeface="等线" panose="02010600030101010101" pitchFamily="2" charset="-122"/>
-              <a:cs typeface="+mn-cs"/>
-            </a:endParaRPr>
-          </a:p>
-        </p:txBody>
-      </p:sp>
-      <p:sp>
-        <p:nvSpPr>
-          <p:cNvPr id="8" name="圆角矩形 7">
-            <a:extLst>
-              <a:ext uri="{FF2B5EF4-FFF2-40B4-BE49-F238E27FC236}">
-                <a16:creationId xmlns:a16="http://schemas.microsoft.com/office/drawing/2014/main" id="{FA514BB7-13A2-60BE-8700-DD8E5DBA0E8D}"/>
-              </a:ext>
-            </a:extLst>
-          </p:cNvPr>
-          <p:cNvSpPr/>
-          <p:nvPr/>
-        </p:nvSpPr>
-        <p:spPr>
-          <a:xfrm>
-            <a:off x="5066890" y="5127458"/>
-            <a:ext cx="1674651" cy="324180"/>
-          </a:xfrm>
-          <a:prstGeom prst="roundRect">
-            <a:avLst/>
-          </a:prstGeom>
-        </p:spPr>
-        <p:style>
-          <a:lnRef idx="2">
-            <a:schemeClr val="accent3"/>
-          </a:lnRef>
-          <a:fillRef idx="1">
-            <a:schemeClr val="lt1"/>
-          </a:fillRef>
-          <a:effectRef idx="0">
-            <a:schemeClr val="accent3"/>
-          </a:effectRef>
-          <a:fontRef idx="minor">
-            <a:schemeClr val="dk1"/>
-          </a:fontRef>
-        </p:style>
-        <p:txBody>
-          <a:bodyPr rtlCol="0" anchor="ctr"/>
-          <a:lstStyle/>
-          <a:p>
-            <a:pPr marL="0" marR="0" lvl="0" indent="0" algn="ctr" defTabSz="914433" rtl="0" eaLnBrk="1" fontAlgn="auto" latinLnBrk="0" hangingPunct="1">
-              <a:lnSpc>
-                <a:spcPct val="100000"/>
-              </a:lnSpc>
-              <a:spcBef>
-                <a:spcPts val="0"/>
-              </a:spcBef>
-              <a:spcAft>
-                <a:spcPts val="0"/>
-              </a:spcAft>
-              <a:buClrTx/>
-              <a:buSzTx/>
-              <a:buFontTx/>
-              <a:buNone/>
-              <a:tabLst/>
-              <a:defRPr/>
-            </a:pPr>
-            <a:endParaRPr kumimoji="1" lang="zh-CN" altLang="en-US" sz="3202" b="0" i="0" u="none" strike="noStrike" kern="1200" cap="none" spc="0" normalizeH="0" baseline="0" noProof="0">
-              <a:ln>
-                <a:noFill/>
-              </a:ln>
-              <a:solidFill>
-                <a:prstClr val="black"/>
-              </a:solidFill>
-              <a:effectLst/>
-              <a:uLnTx/>
-              <a:uFillTx/>
-              <a:latin typeface="等线" panose="020F0502020204030204"/>
-              <a:ea typeface="等线" panose="02010600030101010101" pitchFamily="2" charset="-122"/>
-              <a:cs typeface="+mn-cs"/>
-            </a:endParaRPr>
-          </a:p>
-        </p:txBody>
-      </p:sp>
-      <p:sp>
-        <p:nvSpPr>
-          <p:cNvPr id="9" name="文本框 8">
-            <a:extLst>
-              <a:ext uri="{FF2B5EF4-FFF2-40B4-BE49-F238E27FC236}">
-                <a16:creationId xmlns:a16="http://schemas.microsoft.com/office/drawing/2014/main" id="{9B94F3A6-7DEA-3E87-CA5B-94FEA5F0308C}"/>
-              </a:ext>
-            </a:extLst>
-          </p:cNvPr>
-          <p:cNvSpPr txBox="1"/>
-          <p:nvPr/>
-        </p:nvSpPr>
-        <p:spPr>
-          <a:xfrm>
-            <a:off x="5225740" y="5177645"/>
-            <a:ext cx="745534" cy="230832"/>
-          </a:xfrm>
-          <a:prstGeom prst="rect">
-            <a:avLst/>
-          </a:prstGeom>
-          <a:noFill/>
-        </p:spPr>
-        <p:txBody>
-          <a:bodyPr wrap="square" rtlCol="0">
-            <a:spAutoFit/>
-          </a:bodyPr>
-          <a:lstStyle/>
-          <a:p>
-            <a:pPr marL="0" marR="0" lvl="0" indent="0" algn="l" defTabSz="914433" rtl="0" eaLnBrk="1" fontAlgn="auto" latinLnBrk="0" hangingPunct="1">
-              <a:lnSpc>
-                <a:spcPct val="100000"/>
-              </a:lnSpc>
-              <a:spcBef>
-                <a:spcPts val="0"/>
-              </a:spcBef>
-              <a:spcAft>
-                <a:spcPts val="0"/>
-              </a:spcAft>
-              <a:buClrTx/>
-              <a:buSzTx/>
-              <a:buFontTx/>
-              <a:buNone/>
-              <a:tabLst/>
-              <a:defRPr/>
-            </a:pPr>
-            <a:r>
-              <a:rPr lang="en-US" altLang="zh-CN" sz="900" b="1" dirty="0">
-                <a:solidFill>
-                  <a:srgbClr val="4472C4">
-                    <a:lumMod val="50000"/>
-                  </a:srgbClr>
-                </a:solidFill>
-                <a:latin typeface="微软雅黑" panose="020B0503020204020204" pitchFamily="34" charset="-122"/>
-                <a:ea typeface="微软雅黑" panose="020B0503020204020204" pitchFamily="34" charset="-122"/>
-                <a:sym typeface="微软雅黑" panose="020B0503020204020204" pitchFamily="34" charset="-122"/>
-              </a:rPr>
-              <a:t>lg</a:t>
-            </a:r>
-            <a:endParaRPr kumimoji="0" lang="zh-CN" altLang="en-US" sz="900" b="1" i="0" u="none" strike="noStrike" kern="1200" cap="none" spc="0" normalizeH="0" baseline="0" noProof="0" dirty="0">
-              <a:ln>
-                <a:noFill/>
-              </a:ln>
-              <a:solidFill>
-                <a:srgbClr val="4472C4">
-                  <a:lumMod val="50000"/>
-                </a:srgbClr>
-              </a:solidFill>
-              <a:effectLst/>
-              <a:uLnTx/>
-              <a:uFillTx/>
-              <a:latin typeface="微软雅黑" panose="020B0503020204020204" pitchFamily="34" charset="-122"/>
-              <a:ea typeface="微软雅黑" panose="020B0503020204020204" pitchFamily="34" charset="-122"/>
-              <a:cs typeface="+mn-cs"/>
-              <a:sym typeface="微软雅黑" panose="020B0503020204020204" pitchFamily="34" charset="-122"/>
-            </a:endParaRPr>
-          </a:p>
-        </p:txBody>
-      </p:sp>
-      <p:pic>
-        <p:nvPicPr>
-          <p:cNvPr id="22" name="图片 21">
-            <a:extLst>
-              <a:ext uri="{FF2B5EF4-FFF2-40B4-BE49-F238E27FC236}">
-                <a16:creationId xmlns:a16="http://schemas.microsoft.com/office/drawing/2014/main" id="{4C702633-8CD6-0948-7B28-26227E0ECF17}"/>
-              </a:ext>
-            </a:extLst>
-          </p:cNvPr>
-          <p:cNvPicPr>
-            <a:picLocks noChangeAspect="1"/>
-          </p:cNvPicPr>
-          <p:nvPr/>
-        </p:nvPicPr>
-        <p:blipFill>
-          <a:blip r:embed="rId5"/>
-          <a:stretch>
-            <a:fillRect/>
-          </a:stretch>
-        </p:blipFill>
-        <p:spPr>
-          <a:xfrm>
-            <a:off x="6310194" y="5193597"/>
-            <a:ext cx="355600" cy="198267"/>
-          </a:xfrm>
-          <a:prstGeom prst="rect">
-            <a:avLst/>
-          </a:prstGeom>
-        </p:spPr>
-      </p:pic>
-      <p:sp>
-        <p:nvSpPr>
-          <p:cNvPr id="35" name="圆角矩形 34">
-            <a:extLst>
-              <a:ext uri="{FF2B5EF4-FFF2-40B4-BE49-F238E27FC236}">
-                <a16:creationId xmlns:a16="http://schemas.microsoft.com/office/drawing/2014/main" id="{868EC310-84B9-F152-35F1-AED5F434B559}"/>
-              </a:ext>
-            </a:extLst>
-          </p:cNvPr>
-          <p:cNvSpPr/>
-          <p:nvPr/>
-        </p:nvSpPr>
-        <p:spPr>
-          <a:xfrm>
-            <a:off x="5302621" y="9693505"/>
-            <a:ext cx="1007573" cy="314960"/>
-          </a:xfrm>
-          <a:prstGeom prst="roundRect">
-            <a:avLst/>
-          </a:prstGeom>
-          <a:solidFill>
-            <a:schemeClr val="bg1"/>
-          </a:solidFill>
-          <a:ln w="6350">
-            <a:solidFill>
-              <a:schemeClr val="tx1"/>
-            </a:solidFill>
-          </a:ln>
-        </p:spPr>
-        <p:style>
-          <a:lnRef idx="2">
-            <a:schemeClr val="accent1">
-              <a:shade val="15000"/>
-            </a:schemeClr>
-          </a:lnRef>
-          <a:fillRef idx="1">
-            <a:schemeClr val="accent1"/>
-          </a:fillRef>
-          <a:effectRef idx="0">
-            <a:schemeClr val="accent1"/>
-          </a:effectRef>
-          <a:fontRef idx="minor">
-            <a:schemeClr val="lt1"/>
-          </a:fontRef>
-        </p:style>
-        <p:txBody>
-          <a:bodyPr rtlCol="0" anchor="ctr"/>
-          <a:lstStyle/>
-          <a:p>
-            <a:pPr marL="0" marR="0" lvl="0" indent="0" algn="ctr" defTabSz="457180" rtl="0" eaLnBrk="1" fontAlgn="auto" latinLnBrk="0" hangingPunct="1">
-              <a:lnSpc>
-                <a:spcPct val="100000"/>
-              </a:lnSpc>
-              <a:spcBef>
-                <a:spcPts val="0"/>
-              </a:spcBef>
-              <a:spcAft>
-                <a:spcPts val="0"/>
-              </a:spcAft>
-              <a:buClrTx/>
-              <a:buSzTx/>
-              <a:buFontTx/>
-              <a:buNone/>
-              <a:tabLst/>
-              <a:defRPr/>
-            </a:pPr>
-            <a:r>
-              <a:rPr kumimoji="1" lang="en-US" altLang="zh-CN" sz="1200" b="0" i="0" u="none" strike="noStrike" kern="1200" cap="none" spc="0" normalizeH="0" baseline="0" noProof="0" dirty="0">
-                <a:ln>
-                  <a:noFill/>
-                </a:ln>
-                <a:solidFill>
-                  <a:prstClr val="black"/>
-                </a:solidFill>
-                <a:effectLst/>
-                <a:uLnTx/>
-                <a:uFillTx/>
-                <a:latin typeface="Calibri" panose="020F0502020204030204"/>
-                <a:ea typeface="等线" panose="02010600030101010101" pitchFamily="2" charset="-122"/>
-                <a:cs typeface="+mn-cs"/>
-              </a:rPr>
-              <a:t>Download</a:t>
-            </a:r>
-            <a:endParaRPr kumimoji="1" lang="zh-CN" altLang="en-US" sz="1200" b="0" i="0" u="none" strike="noStrike" kern="1200" cap="none" spc="0" normalizeH="0" baseline="0" noProof="0" dirty="0">
-              <a:ln>
-                <a:noFill/>
-              </a:ln>
-              <a:solidFill>
-                <a:prstClr val="black"/>
-              </a:solidFill>
-              <a:effectLst/>
-              <a:uLnTx/>
-              <a:uFillTx/>
-              <a:latin typeface="Calibri" panose="020F0502020204030204"/>
-              <a:ea typeface="等线" panose="02010600030101010101" pitchFamily="2" charset="-122"/>
-              <a:cs typeface="+mn-cs"/>
-            </a:endParaRPr>
-          </a:p>
-        </p:txBody>
-      </p:sp>
-      <p:cxnSp>
-        <p:nvCxnSpPr>
-          <p:cNvPr id="36" name="直线箭头连接符 35">
-            <a:extLst>
-              <a:ext uri="{FF2B5EF4-FFF2-40B4-BE49-F238E27FC236}">
-                <a16:creationId xmlns:a16="http://schemas.microsoft.com/office/drawing/2014/main" id="{7C8EC88A-EA15-D8BC-6632-29ED57338F98}"/>
-              </a:ext>
-            </a:extLst>
-          </p:cNvPr>
-          <p:cNvCxnSpPr>
-            <a:cxnSpLocks/>
-          </p:cNvCxnSpPr>
-          <p:nvPr/>
-        </p:nvCxnSpPr>
-        <p:spPr>
-          <a:xfrm flipH="1" flipV="1">
-            <a:off x="6200089" y="9850985"/>
-            <a:ext cx="1031683" cy="241472"/>
-          </a:xfrm>
-          <a:prstGeom prst="straightConnector1">
-            <a:avLst/>
-          </a:prstGeom>
-          <a:ln>
-            <a:tailEnd type="triangle"/>
-          </a:ln>
-        </p:spPr>
-        <p:style>
-          <a:lnRef idx="1">
-            <a:schemeClr val="accent1"/>
-          </a:lnRef>
-          <a:fillRef idx="0">
-            <a:schemeClr val="accent1"/>
-          </a:fillRef>
-          <a:effectRef idx="0">
-            <a:schemeClr val="accent1"/>
-          </a:effectRef>
-          <a:fontRef idx="minor">
-            <a:schemeClr val="tx1"/>
-          </a:fontRef>
-        </p:style>
-      </p:cxnSp>
-      <p:sp>
-        <p:nvSpPr>
-          <p:cNvPr id="38" name="文本框 37">
-            <a:extLst>
-              <a:ext uri="{FF2B5EF4-FFF2-40B4-BE49-F238E27FC236}">
-                <a16:creationId xmlns:a16="http://schemas.microsoft.com/office/drawing/2014/main" id="{D54B8B0E-9118-CC69-14A9-E638BDD45DFD}"/>
-              </a:ext>
-            </a:extLst>
-          </p:cNvPr>
-          <p:cNvSpPr txBox="1"/>
-          <p:nvPr/>
-        </p:nvSpPr>
-        <p:spPr>
-          <a:xfrm>
-            <a:off x="7231772" y="9978631"/>
-            <a:ext cx="1474829" cy="600164"/>
-          </a:xfrm>
-          <a:prstGeom prst="rect">
-            <a:avLst/>
-          </a:prstGeom>
-          <a:noFill/>
-        </p:spPr>
-        <p:txBody>
-          <a:bodyPr wrap="square" rtlCol="0">
-            <a:spAutoFit/>
-          </a:bodyPr>
-          <a:lstStyle/>
-          <a:p>
-            <a:pPr defTabSz="914433">
-              <a:defRPr/>
-            </a:pPr>
-            <a:r>
-              <a:rPr kumimoji="0" lang="zh-CN" altLang="en-US" sz="1100" b="0" i="0" u="none" strike="noStrike" kern="1200" cap="none" spc="0" normalizeH="0" baseline="0" noProof="0" dirty="0">
-                <a:ln>
-                  <a:noFill/>
-                </a:ln>
-                <a:solidFill>
-                  <a:srgbClr val="FF0000"/>
-                </a:solidFill>
-                <a:effectLst/>
-                <a:uLnTx/>
-                <a:uFillTx/>
-                <a:latin typeface="微软雅黑" panose="020B0503020204020204" pitchFamily="34" charset="-122"/>
-                <a:ea typeface="微软雅黑" panose="020B0503020204020204" pitchFamily="34" charset="-122"/>
-                <a:cs typeface="+mn-cs"/>
-                <a:sym typeface="微软雅黑" panose="020B0503020204020204" pitchFamily="34" charset="-122"/>
-              </a:rPr>
-              <a:t>获得</a:t>
-            </a:r>
-            <a:r>
-              <a:rPr kumimoji="0" lang="en" altLang="zh-CN" sz="1100" b="0" i="0" u="none" strike="noStrike" kern="1200" cap="none" spc="0" normalizeH="0" baseline="0" noProof="0" dirty="0" err="1">
-                <a:ln>
-                  <a:noFill/>
-                </a:ln>
-                <a:solidFill>
-                  <a:srgbClr val="FF0000"/>
-                </a:solidFill>
-                <a:effectLst/>
-                <a:uLnTx/>
-                <a:uFillTx/>
-                <a:latin typeface="微软雅黑" panose="020B0503020204020204" pitchFamily="34" charset="-122"/>
-                <a:ea typeface="微软雅黑" panose="020B0503020204020204" pitchFamily="34" charset="-122"/>
-                <a:cs typeface="+mn-cs"/>
-                <a:sym typeface="微软雅黑" panose="020B0503020204020204" pitchFamily="34" charset="-122"/>
-              </a:rPr>
-              <a:t>mafft_result.fasta</a:t>
-            </a:r>
-            <a:r>
-              <a:rPr kumimoji="0" lang="zh-CN" altLang="en-US" sz="1100" b="0" i="0" u="none" strike="noStrike" kern="1200" cap="none" spc="0" normalizeH="0" baseline="0" noProof="0" dirty="0">
-                <a:ln>
-                  <a:noFill/>
-                </a:ln>
-                <a:solidFill>
-                  <a:srgbClr val="FF0000"/>
-                </a:solidFill>
-                <a:effectLst/>
-                <a:uLnTx/>
-                <a:uFillTx/>
-                <a:latin typeface="微软雅黑" panose="020B0503020204020204" pitchFamily="34" charset="-122"/>
-                <a:ea typeface="微软雅黑" panose="020B0503020204020204" pitchFamily="34" charset="-122"/>
-                <a:cs typeface="+mn-cs"/>
-                <a:sym typeface="微软雅黑" panose="020B0503020204020204" pitchFamily="34" charset="-122"/>
-              </a:rPr>
-              <a:t>，</a:t>
-            </a:r>
-            <a:r>
-              <a:rPr kumimoji="0" lang="en" altLang="zh-CN" sz="1100" b="0" i="0" u="none" strike="noStrike" kern="1200" cap="none" spc="0" normalizeH="0" baseline="0" noProof="0" dirty="0" err="1">
-                <a:ln>
-                  <a:noFill/>
-                </a:ln>
-                <a:solidFill>
-                  <a:srgbClr val="FF0000"/>
-                </a:solidFill>
-                <a:effectLst/>
-                <a:uLnTx/>
-                <a:uFillTx/>
-                <a:latin typeface="微软雅黑" panose="020B0503020204020204" pitchFamily="34" charset="-122"/>
-                <a:ea typeface="微软雅黑" panose="020B0503020204020204" pitchFamily="34" charset="-122"/>
-                <a:cs typeface="+mn-cs"/>
-                <a:sym typeface="微软雅黑" panose="020B0503020204020204" pitchFamily="34" charset="-122"/>
-              </a:rPr>
-              <a:t>fasttree_result.nwk</a:t>
-            </a:r>
-            <a:endParaRPr kumimoji="0" lang="zh-CN" altLang="en-US" sz="800" b="0" i="0" u="none" strike="noStrike" kern="1200" cap="none" spc="0" normalizeH="0" baseline="0" noProof="0" dirty="0">
-              <a:ln>
-                <a:noFill/>
-              </a:ln>
-              <a:solidFill>
-                <a:srgbClr val="FF0000"/>
-              </a:solidFill>
-              <a:effectLst/>
-              <a:uLnTx/>
-              <a:uFillTx/>
-              <a:latin typeface="微软雅黑" panose="020B0503020204020204" pitchFamily="34" charset="-122"/>
-              <a:ea typeface="微软雅黑" panose="020B0503020204020204" pitchFamily="34" charset="-122"/>
-              <a:cs typeface="+mn-cs"/>
-              <a:sym typeface="微软雅黑" panose="020B0503020204020204" pitchFamily="34" charset="-122"/>
-            </a:endParaRPr>
-          </a:p>
-        </p:txBody>
-      </p:sp>
-      <p:sp>
-        <p:nvSpPr>
-          <p:cNvPr id="29" name="文本框 28">
-            <a:extLst>
-              <a:ext uri="{FF2B5EF4-FFF2-40B4-BE49-F238E27FC236}">
-                <a16:creationId xmlns:a16="http://schemas.microsoft.com/office/drawing/2014/main" id="{8197C722-0821-9042-C116-04ACB81E8B66}"/>
-              </a:ext>
-            </a:extLst>
-          </p:cNvPr>
-          <p:cNvSpPr txBox="1"/>
-          <p:nvPr/>
-        </p:nvSpPr>
-        <p:spPr>
-          <a:xfrm>
-            <a:off x="2309146" y="8460724"/>
-            <a:ext cx="7521803" cy="307777"/>
-          </a:xfrm>
-          <a:prstGeom prst="rect">
-            <a:avLst/>
-          </a:prstGeom>
-          <a:noFill/>
-        </p:spPr>
-        <p:txBody>
-          <a:bodyPr wrap="square" rtlCol="0">
-            <a:spAutoFit/>
-          </a:bodyPr>
-          <a:lstStyle/>
-          <a:p>
-            <a:pPr defTabSz="914433">
-              <a:defRPr/>
-            </a:pPr>
-            <a:r>
-              <a:rPr kumimoji="0" lang="en-US" altLang="zh-CN" sz="1400" b="1" i="0" u="none" strike="noStrike" kern="1200" cap="none" spc="0" normalizeH="0" baseline="0" noProof="0" dirty="0">
-                <a:ln>
-                  <a:noFill/>
-                </a:ln>
-                <a:solidFill>
-                  <a:srgbClr val="4472C4">
-                    <a:lumMod val="50000"/>
-                  </a:srgbClr>
-                </a:solidFill>
-                <a:effectLst/>
-                <a:uLnTx/>
-                <a:uFillTx/>
-                <a:latin typeface="微软雅黑" panose="020B0503020204020204" pitchFamily="34" charset="-122"/>
-                <a:ea typeface="微软雅黑" panose="020B0503020204020204" pitchFamily="34" charset="-122"/>
-                <a:cs typeface="+mn-cs"/>
-                <a:sym typeface="微软雅黑" panose="020B0503020204020204" pitchFamily="34" charset="-122"/>
-              </a:rPr>
-              <a:t>React-</a:t>
-            </a:r>
-            <a:r>
-              <a:rPr kumimoji="0" lang="en-US" altLang="zh-CN" sz="1400" b="1" i="0" u="none" strike="noStrike" kern="1200" cap="none" spc="0" normalizeH="0" baseline="0" noProof="0" dirty="0" err="1">
-                <a:ln>
-                  <a:noFill/>
-                </a:ln>
-                <a:solidFill>
-                  <a:srgbClr val="4472C4">
-                    <a:lumMod val="50000"/>
-                  </a:srgbClr>
-                </a:solidFill>
-                <a:effectLst/>
-                <a:uLnTx/>
-                <a:uFillTx/>
-                <a:latin typeface="微软雅黑" panose="020B0503020204020204" pitchFamily="34" charset="-122"/>
-                <a:ea typeface="微软雅黑" panose="020B0503020204020204" pitchFamily="34" charset="-122"/>
-                <a:cs typeface="+mn-cs"/>
-                <a:sym typeface="微软雅黑" panose="020B0503020204020204" pitchFamily="34" charset="-122"/>
-              </a:rPr>
-              <a:t>msaview</a:t>
-            </a:r>
-            <a:r>
-              <a:rPr kumimoji="0" lang="zh-CN" altLang="en-US" sz="1400" b="1" i="0" u="none" strike="noStrike" kern="1200" cap="none" spc="0" normalizeH="0" baseline="0" noProof="0" dirty="0">
-                <a:ln>
-                  <a:noFill/>
-                </a:ln>
-                <a:solidFill>
-                  <a:srgbClr val="4472C4">
-                    <a:lumMod val="50000"/>
-                  </a:srgbClr>
-                </a:solidFill>
-                <a:effectLst/>
-                <a:uLnTx/>
-                <a:uFillTx/>
-                <a:latin typeface="微软雅黑" panose="020B0503020204020204" pitchFamily="34" charset="-122"/>
-                <a:ea typeface="微软雅黑" panose="020B0503020204020204" pitchFamily="34" charset="-122"/>
-                <a:cs typeface="+mn-cs"/>
-                <a:sym typeface="微软雅黑" panose="020B0503020204020204" pitchFamily="34" charset="-122"/>
-              </a:rPr>
-              <a:t>可视化展示示</a:t>
-            </a:r>
-            <a:r>
-              <a:rPr kumimoji="0" lang="en" altLang="zh-CN" sz="1400" b="0" i="0" u="none" strike="noStrike" kern="1200" cap="none" spc="0" normalizeH="0" baseline="0" noProof="0" dirty="0" err="1">
-                <a:ln>
-                  <a:noFill/>
-                </a:ln>
-                <a:solidFill>
-                  <a:srgbClr val="FF0000"/>
-                </a:solidFill>
-                <a:effectLst/>
-                <a:uLnTx/>
-                <a:uFillTx/>
-                <a:latin typeface="微软雅黑" panose="020B0503020204020204" pitchFamily="34" charset="-122"/>
-                <a:ea typeface="微软雅黑" panose="020B0503020204020204" pitchFamily="34" charset="-122"/>
-                <a:cs typeface="+mn-cs"/>
-                <a:sym typeface="微软雅黑" panose="020B0503020204020204" pitchFamily="34" charset="-122"/>
-              </a:rPr>
-              <a:t>mafft_result.fasta</a:t>
-            </a:r>
-            <a:r>
-              <a:rPr kumimoji="0" lang="zh-CN" altLang="en-US" sz="1400" b="0" i="0" u="none" strike="noStrike" kern="1200" cap="none" spc="0" normalizeH="0" baseline="0" noProof="0" dirty="0">
-                <a:ln>
-                  <a:noFill/>
-                </a:ln>
-                <a:solidFill>
-                  <a:srgbClr val="FF0000"/>
-                </a:solidFill>
-                <a:effectLst/>
-                <a:uLnTx/>
-                <a:uFillTx/>
-                <a:latin typeface="微软雅黑" panose="020B0503020204020204" pitchFamily="34" charset="-122"/>
-                <a:ea typeface="微软雅黑" panose="020B0503020204020204" pitchFamily="34" charset="-122"/>
-                <a:cs typeface="+mn-cs"/>
-                <a:sym typeface="微软雅黑" panose="020B0503020204020204" pitchFamily="34" charset="-122"/>
-              </a:rPr>
-              <a:t>，</a:t>
-            </a:r>
-            <a:r>
-              <a:rPr kumimoji="0" lang="en" altLang="zh-CN" sz="1400" b="0" i="0" u="none" strike="noStrike" kern="1200" cap="none" spc="0" normalizeH="0" baseline="0" noProof="0" dirty="0" err="1">
-                <a:ln>
-                  <a:noFill/>
-                </a:ln>
-                <a:solidFill>
-                  <a:srgbClr val="FF0000"/>
-                </a:solidFill>
-                <a:effectLst/>
-                <a:uLnTx/>
-                <a:uFillTx/>
-                <a:latin typeface="微软雅黑" panose="020B0503020204020204" pitchFamily="34" charset="-122"/>
-                <a:ea typeface="微软雅黑" panose="020B0503020204020204" pitchFamily="34" charset="-122"/>
-                <a:cs typeface="+mn-cs"/>
-                <a:sym typeface="微软雅黑" panose="020B0503020204020204" pitchFamily="34" charset="-122"/>
-              </a:rPr>
-              <a:t>fasttree_result.nwk</a:t>
-            </a:r>
-            <a:r>
-              <a:rPr kumimoji="0" lang="zh-CN" altLang="en" sz="1400" b="0" i="0" u="none" strike="noStrike" kern="1200" cap="none" spc="0" normalizeH="0" baseline="0" noProof="0" dirty="0">
-                <a:ln>
-                  <a:noFill/>
-                </a:ln>
-                <a:solidFill>
-                  <a:srgbClr val="FF0000"/>
-                </a:solidFill>
-                <a:effectLst/>
-                <a:uLnTx/>
-                <a:uFillTx/>
-                <a:latin typeface="微软雅黑" panose="020B0503020204020204" pitchFamily="34" charset="-122"/>
-                <a:ea typeface="微软雅黑" panose="020B0503020204020204" pitchFamily="34" charset="-122"/>
-                <a:cs typeface="+mn-cs"/>
-                <a:sym typeface="微软雅黑" panose="020B0503020204020204" pitchFamily="34" charset="-122"/>
-              </a:rPr>
-              <a:t>内容</a:t>
-            </a:r>
-            <a:endParaRPr kumimoji="0" lang="zh-CN" altLang="en-US" sz="1400" b="1" i="0" u="none" strike="noStrike" kern="1200" cap="none" spc="0" normalizeH="0" baseline="0" noProof="0" dirty="0">
-              <a:ln>
-                <a:noFill/>
-              </a:ln>
-              <a:effectLst/>
-              <a:uLnTx/>
-              <a:uFillTx/>
-              <a:latin typeface="微软雅黑" panose="020B0503020204020204" pitchFamily="34" charset="-122"/>
-              <a:ea typeface="微软雅黑" panose="020B0503020204020204" pitchFamily="34" charset="-122"/>
-              <a:cs typeface="+mn-cs"/>
-              <a:sym typeface="微软雅黑" panose="020B0503020204020204" pitchFamily="34" charset="-122"/>
-            </a:endParaRPr>
+              <a:t>界面参考</a:t>
+            </a:r>
           </a:p>
         </p:txBody>
       </p:sp>
     </p:spTree>
     <p:extLst>
       <p:ext uri="{BB962C8B-B14F-4D97-AF65-F5344CB8AC3E}">
-        <p14:creationId xmlns:p14="http://schemas.microsoft.com/office/powerpoint/2010/main" val="3164394971"/>
+        <p14:creationId xmlns:p14="http://schemas.microsoft.com/office/powerpoint/2010/main" val="1161661720"/>
       </p:ext>
     </p:extLst>
   </p:cSld>

--- a/Metabolic_Analysis_&_Tools.pptx
+++ b/Metabolic_Analysis_&_Tools.pptx
@@ -247,7 +247,7 @@
           <a:p>
             <a:fld id="{3E73DA82-0082-2445-BF22-418BB184E2E3}" type="datetimeFigureOut">
               <a:rPr kumimoji="1" lang="zh-CN" altLang="en-US" smtClean="0"/>
-              <a:t>2024/3/11</a:t>
+              <a:t>2024/3/13</a:t>
             </a:fld>
             <a:endParaRPr kumimoji="1" lang="zh-CN" altLang="en-US"/>
           </a:p>
@@ -417,7 +417,7 @@
           <a:p>
             <a:fld id="{3E73DA82-0082-2445-BF22-418BB184E2E3}" type="datetimeFigureOut">
               <a:rPr kumimoji="1" lang="zh-CN" altLang="en-US" smtClean="0"/>
-              <a:t>2024/3/11</a:t>
+              <a:t>2024/3/13</a:t>
             </a:fld>
             <a:endParaRPr kumimoji="1" lang="zh-CN" altLang="en-US"/>
           </a:p>
@@ -597,7 +597,7 @@
           <a:p>
             <a:fld id="{3E73DA82-0082-2445-BF22-418BB184E2E3}" type="datetimeFigureOut">
               <a:rPr kumimoji="1" lang="zh-CN" altLang="en-US" smtClean="0"/>
-              <a:t>2024/3/11</a:t>
+              <a:t>2024/3/13</a:t>
             </a:fld>
             <a:endParaRPr kumimoji="1" lang="zh-CN" altLang="en-US"/>
           </a:p>
@@ -767,7 +767,7 @@
           <a:p>
             <a:fld id="{3E73DA82-0082-2445-BF22-418BB184E2E3}" type="datetimeFigureOut">
               <a:rPr kumimoji="1" lang="zh-CN" altLang="en-US" smtClean="0"/>
-              <a:t>2024/3/11</a:t>
+              <a:t>2024/3/13</a:t>
             </a:fld>
             <a:endParaRPr kumimoji="1" lang="zh-CN" altLang="en-US"/>
           </a:p>
@@ -1011,7 +1011,7 @@
           <a:p>
             <a:fld id="{3E73DA82-0082-2445-BF22-418BB184E2E3}" type="datetimeFigureOut">
               <a:rPr kumimoji="1" lang="zh-CN" altLang="en-US" smtClean="0"/>
-              <a:t>2024/3/11</a:t>
+              <a:t>2024/3/13</a:t>
             </a:fld>
             <a:endParaRPr kumimoji="1" lang="zh-CN" altLang="en-US"/>
           </a:p>
@@ -1243,7 +1243,7 @@
           <a:p>
             <a:fld id="{3E73DA82-0082-2445-BF22-418BB184E2E3}" type="datetimeFigureOut">
               <a:rPr kumimoji="1" lang="zh-CN" altLang="en-US" smtClean="0"/>
-              <a:t>2024/3/11</a:t>
+              <a:t>2024/3/13</a:t>
             </a:fld>
             <a:endParaRPr kumimoji="1" lang="zh-CN" altLang="en-US"/>
           </a:p>
@@ -1610,7 +1610,7 @@
           <a:p>
             <a:fld id="{3E73DA82-0082-2445-BF22-418BB184E2E3}" type="datetimeFigureOut">
               <a:rPr kumimoji="1" lang="zh-CN" altLang="en-US" smtClean="0"/>
-              <a:t>2024/3/11</a:t>
+              <a:t>2024/3/13</a:t>
             </a:fld>
             <a:endParaRPr kumimoji="1" lang="zh-CN" altLang="en-US"/>
           </a:p>
@@ -1728,7 +1728,7 @@
           <a:p>
             <a:fld id="{3E73DA82-0082-2445-BF22-418BB184E2E3}" type="datetimeFigureOut">
               <a:rPr kumimoji="1" lang="zh-CN" altLang="en-US" smtClean="0"/>
-              <a:t>2024/3/11</a:t>
+              <a:t>2024/3/13</a:t>
             </a:fld>
             <a:endParaRPr kumimoji="1" lang="zh-CN" altLang="en-US"/>
           </a:p>
@@ -1823,7 +1823,7 @@
           <a:p>
             <a:fld id="{3E73DA82-0082-2445-BF22-418BB184E2E3}" type="datetimeFigureOut">
               <a:rPr kumimoji="1" lang="zh-CN" altLang="en-US" smtClean="0"/>
-              <a:t>2024/3/11</a:t>
+              <a:t>2024/3/13</a:t>
             </a:fld>
             <a:endParaRPr kumimoji="1" lang="zh-CN" altLang="en-US"/>
           </a:p>
@@ -2100,7 +2100,7 @@
           <a:p>
             <a:fld id="{3E73DA82-0082-2445-BF22-418BB184E2E3}" type="datetimeFigureOut">
               <a:rPr kumimoji="1" lang="zh-CN" altLang="en-US" smtClean="0"/>
-              <a:t>2024/3/11</a:t>
+              <a:t>2024/3/13</a:t>
             </a:fld>
             <a:endParaRPr kumimoji="1" lang="zh-CN" altLang="en-US"/>
           </a:p>
@@ -2357,7 +2357,7 @@
           <a:p>
             <a:fld id="{3E73DA82-0082-2445-BF22-418BB184E2E3}" type="datetimeFigureOut">
               <a:rPr kumimoji="1" lang="zh-CN" altLang="en-US" smtClean="0"/>
-              <a:t>2024/3/11</a:t>
+              <a:t>2024/3/13</a:t>
             </a:fld>
             <a:endParaRPr kumimoji="1" lang="zh-CN" altLang="en-US"/>
           </a:p>
@@ -2570,7 +2570,7 @@
           <a:p>
             <a:fld id="{3E73DA82-0082-2445-BF22-418BB184E2E3}" type="datetimeFigureOut">
               <a:rPr kumimoji="1" lang="zh-CN" altLang="en-US" smtClean="0"/>
-              <a:t>2024/3/11</a:t>
+              <a:t>2024/3/13</a:t>
             </a:fld>
             <a:endParaRPr kumimoji="1" lang="zh-CN" altLang="en-US"/>
           </a:p>

--- a/Metabolic_Analysis_&_Tools.pptx
+++ b/Metabolic_Analysis_&_Tools.pptx
@@ -247,7 +247,7 @@
           <a:p>
             <a:fld id="{3E73DA82-0082-2445-BF22-418BB184E2E3}" type="datetimeFigureOut">
               <a:rPr kumimoji="1" lang="zh-CN" altLang="en-US" smtClean="0"/>
-              <a:t>2024/3/13</a:t>
+              <a:t>2024/7/14</a:t>
             </a:fld>
             <a:endParaRPr kumimoji="1" lang="zh-CN" altLang="en-US"/>
           </a:p>
@@ -417,7 +417,7 @@
           <a:p>
             <a:fld id="{3E73DA82-0082-2445-BF22-418BB184E2E3}" type="datetimeFigureOut">
               <a:rPr kumimoji="1" lang="zh-CN" altLang="en-US" smtClean="0"/>
-              <a:t>2024/3/13</a:t>
+              <a:t>2024/7/14</a:t>
             </a:fld>
             <a:endParaRPr kumimoji="1" lang="zh-CN" altLang="en-US"/>
           </a:p>
@@ -597,7 +597,7 @@
           <a:p>
             <a:fld id="{3E73DA82-0082-2445-BF22-418BB184E2E3}" type="datetimeFigureOut">
               <a:rPr kumimoji="1" lang="zh-CN" altLang="en-US" smtClean="0"/>
-              <a:t>2024/3/13</a:t>
+              <a:t>2024/7/14</a:t>
             </a:fld>
             <a:endParaRPr kumimoji="1" lang="zh-CN" altLang="en-US"/>
           </a:p>
@@ -767,7 +767,7 @@
           <a:p>
             <a:fld id="{3E73DA82-0082-2445-BF22-418BB184E2E3}" type="datetimeFigureOut">
               <a:rPr kumimoji="1" lang="zh-CN" altLang="en-US" smtClean="0"/>
-              <a:t>2024/3/13</a:t>
+              <a:t>2024/7/14</a:t>
             </a:fld>
             <a:endParaRPr kumimoji="1" lang="zh-CN" altLang="en-US"/>
           </a:p>
@@ -1011,7 +1011,7 @@
           <a:p>
             <a:fld id="{3E73DA82-0082-2445-BF22-418BB184E2E3}" type="datetimeFigureOut">
               <a:rPr kumimoji="1" lang="zh-CN" altLang="en-US" smtClean="0"/>
-              <a:t>2024/3/13</a:t>
+              <a:t>2024/7/14</a:t>
             </a:fld>
             <a:endParaRPr kumimoji="1" lang="zh-CN" altLang="en-US"/>
           </a:p>
@@ -1243,7 +1243,7 @@
           <a:p>
             <a:fld id="{3E73DA82-0082-2445-BF22-418BB184E2E3}" type="datetimeFigureOut">
               <a:rPr kumimoji="1" lang="zh-CN" altLang="en-US" smtClean="0"/>
-              <a:t>2024/3/13</a:t>
+              <a:t>2024/7/14</a:t>
             </a:fld>
             <a:endParaRPr kumimoji="1" lang="zh-CN" altLang="en-US"/>
           </a:p>
@@ -1610,7 +1610,7 @@
           <a:p>
             <a:fld id="{3E73DA82-0082-2445-BF22-418BB184E2E3}" type="datetimeFigureOut">
               <a:rPr kumimoji="1" lang="zh-CN" altLang="en-US" smtClean="0"/>
-              <a:t>2024/3/13</a:t>
+              <a:t>2024/7/14</a:t>
             </a:fld>
             <a:endParaRPr kumimoji="1" lang="zh-CN" altLang="en-US"/>
           </a:p>
@@ -1728,7 +1728,7 @@
           <a:p>
             <a:fld id="{3E73DA82-0082-2445-BF22-418BB184E2E3}" type="datetimeFigureOut">
               <a:rPr kumimoji="1" lang="zh-CN" altLang="en-US" smtClean="0"/>
-              <a:t>2024/3/13</a:t>
+              <a:t>2024/7/14</a:t>
             </a:fld>
             <a:endParaRPr kumimoji="1" lang="zh-CN" altLang="en-US"/>
           </a:p>
@@ -1823,7 +1823,7 @@
           <a:p>
             <a:fld id="{3E73DA82-0082-2445-BF22-418BB184E2E3}" type="datetimeFigureOut">
               <a:rPr kumimoji="1" lang="zh-CN" altLang="en-US" smtClean="0"/>
-              <a:t>2024/3/13</a:t>
+              <a:t>2024/7/14</a:t>
             </a:fld>
             <a:endParaRPr kumimoji="1" lang="zh-CN" altLang="en-US"/>
           </a:p>
@@ -2100,7 +2100,7 @@
           <a:p>
             <a:fld id="{3E73DA82-0082-2445-BF22-418BB184E2E3}" type="datetimeFigureOut">
               <a:rPr kumimoji="1" lang="zh-CN" altLang="en-US" smtClean="0"/>
-              <a:t>2024/3/13</a:t>
+              <a:t>2024/7/14</a:t>
             </a:fld>
             <a:endParaRPr kumimoji="1" lang="zh-CN" altLang="en-US"/>
           </a:p>
@@ -2357,7 +2357,7 @@
           <a:p>
             <a:fld id="{3E73DA82-0082-2445-BF22-418BB184E2E3}" type="datetimeFigureOut">
               <a:rPr kumimoji="1" lang="zh-CN" altLang="en-US" smtClean="0"/>
-              <a:t>2024/3/13</a:t>
+              <a:t>2024/7/14</a:t>
             </a:fld>
             <a:endParaRPr kumimoji="1" lang="zh-CN" altLang="en-US"/>
           </a:p>
@@ -2570,7 +2570,7 @@
           <a:p>
             <a:fld id="{3E73DA82-0082-2445-BF22-418BB184E2E3}" type="datetimeFigureOut">
               <a:rPr kumimoji="1" lang="zh-CN" altLang="en-US" smtClean="0"/>
-              <a:t>2024/3/13</a:t>
+              <a:t>2024/7/14</a:t>
             </a:fld>
             <a:endParaRPr kumimoji="1" lang="zh-CN" altLang="en-US"/>
           </a:p>
